--- a/presentacionMineriaDeDatos.pptx
+++ b/presentacionMineriaDeDatos.pptx
@@ -4266,7 +4266,7 @@
 <file path=ppt/charts/chart1.xml><?xml version="1.0" encoding="utf-8"?>
 <c:chartSpace xmlns:c="http://schemas.openxmlformats.org/drawingml/2006/chart" xmlns:a="http://schemas.openxmlformats.org/drawingml/2006/main" xmlns:r="http://schemas.openxmlformats.org/officeDocument/2006/relationships" xmlns:c16r2="http://schemas.microsoft.com/office/drawing/2015/06/chart">
   <c:date1904 val="0"/>
-  <c:lang val="es-ES"/>
+  <c:lang val="en-US"/>
   <c:roundedCorners val="0"/>
   <mc:AlternateContent xmlns:mc="http://schemas.openxmlformats.org/markup-compatibility/2006">
     <mc:Choice xmlns:c14="http://schemas.microsoft.com/office/drawing/2007/8/2/chart" Requires="c14">
@@ -4303,7 +4303,7 @@
               <a:cs typeface="+mn-cs"/>
             </a:defRPr>
           </a:pPr>
-          <a:endParaRPr lang="es-CL"/>
+          <a:endParaRPr lang="en-US"/>
         </a:p>
       </c:txPr>
     </c:title>
@@ -4473,7 +4473,7 @@
                 <a:cs typeface="+mn-cs"/>
               </a:defRPr>
             </a:pPr>
-            <a:endParaRPr lang="es-CL"/>
+            <a:endParaRPr lang="en-US"/>
           </a:p>
         </c:txPr>
         <c:crossAx val="424868936"/>
@@ -4532,7 +4532,7 @@
                 <a:cs typeface="+mn-cs"/>
               </a:defRPr>
             </a:pPr>
-            <a:endParaRPr lang="es-CL"/>
+            <a:endParaRPr lang="en-US"/>
           </a:p>
         </c:txPr>
         <c:crossAx val="424870736"/>
@@ -4574,7 +4574,7 @@
               <a:cs typeface="+mn-cs"/>
             </a:defRPr>
           </a:pPr>
-          <a:endParaRPr lang="es-CL"/>
+          <a:endParaRPr lang="en-US"/>
         </a:p>
       </c:txPr>
     </c:legend>
@@ -4603,7 +4603,7 @@
       <a:pPr>
         <a:defRPr/>
       </a:pPr>
-      <a:endParaRPr lang="es-CL"/>
+      <a:endParaRPr lang="en-US"/>
     </a:p>
   </c:txPr>
   <c:externalData r:id="rId3">
@@ -4615,7 +4615,7 @@
 <file path=ppt/charts/chart2.xml><?xml version="1.0" encoding="utf-8"?>
 <c:chartSpace xmlns:c="http://schemas.openxmlformats.org/drawingml/2006/chart" xmlns:a="http://schemas.openxmlformats.org/drawingml/2006/main" xmlns:r="http://schemas.openxmlformats.org/officeDocument/2006/relationships" xmlns:c16r2="http://schemas.microsoft.com/office/drawing/2015/06/chart">
   <c:date1904 val="0"/>
-  <c:lang val="es-ES"/>
+  <c:lang val="en-US"/>
   <c:roundedCorners val="0"/>
   <mc:AlternateContent xmlns:mc="http://schemas.openxmlformats.org/markup-compatibility/2006">
     <mc:Choice xmlns:c14="http://schemas.microsoft.com/office/drawing/2007/8/2/chart" Requires="c14">
@@ -4652,7 +4652,7 @@
               <a:cs typeface="+mn-cs"/>
             </a:defRPr>
           </a:pPr>
-          <a:endParaRPr lang="es-CL"/>
+          <a:endParaRPr lang="en-US"/>
         </a:p>
       </c:txPr>
     </c:title>
@@ -4814,7 +4814,7 @@
                 <a:cs typeface="+mn-cs"/>
               </a:defRPr>
             </a:pPr>
-            <a:endParaRPr lang="es-CL"/>
+            <a:endParaRPr lang="en-US"/>
           </a:p>
         </c:txPr>
         <c:crossAx val="420620304"/>
@@ -4873,7 +4873,7 @@
                 <a:cs typeface="+mn-cs"/>
               </a:defRPr>
             </a:pPr>
-            <a:endParaRPr lang="es-CL"/>
+            <a:endParaRPr lang="en-US"/>
           </a:p>
         </c:txPr>
         <c:crossAx val="420619944"/>
@@ -4915,7 +4915,7 @@
               <a:cs typeface="+mn-cs"/>
             </a:defRPr>
           </a:pPr>
-          <a:endParaRPr lang="es-CL"/>
+          <a:endParaRPr lang="en-US"/>
         </a:p>
       </c:txPr>
     </c:legend>
@@ -4944,7 +4944,7 @@
       <a:pPr>
         <a:defRPr/>
       </a:pPr>
-      <a:endParaRPr lang="es-CL"/>
+      <a:endParaRPr lang="en-US"/>
     </a:p>
   </c:txPr>
   <c:externalData r:id="rId3">
@@ -4956,7 +4956,7 @@
 <file path=ppt/charts/chart3.xml><?xml version="1.0" encoding="utf-8"?>
 <c:chartSpace xmlns:c="http://schemas.openxmlformats.org/drawingml/2006/chart" xmlns:a="http://schemas.openxmlformats.org/drawingml/2006/main" xmlns:r="http://schemas.openxmlformats.org/officeDocument/2006/relationships" xmlns:c16r2="http://schemas.microsoft.com/office/drawing/2015/06/chart">
   <c:date1904 val="0"/>
-  <c:lang val="es-ES"/>
+  <c:lang val="en-US"/>
   <c:roundedCorners val="0"/>
   <mc:AlternateContent xmlns:mc="http://schemas.openxmlformats.org/markup-compatibility/2006">
     <mc:Choice xmlns:c14="http://schemas.microsoft.com/office/drawing/2007/8/2/chart" Requires="c14">
@@ -4993,7 +4993,7 @@
               <a:cs typeface="+mn-cs"/>
             </a:defRPr>
           </a:pPr>
-          <a:endParaRPr lang="es-CL"/>
+          <a:endParaRPr lang="en-US"/>
         </a:p>
       </c:txPr>
     </c:title>
@@ -5155,7 +5155,7 @@
                 <a:cs typeface="+mn-cs"/>
               </a:defRPr>
             </a:pPr>
-            <a:endParaRPr lang="es-CL"/>
+            <a:endParaRPr lang="en-US"/>
           </a:p>
         </c:txPr>
         <c:crossAx val="626788072"/>
@@ -5214,7 +5214,7 @@
                 <a:cs typeface="+mn-cs"/>
               </a:defRPr>
             </a:pPr>
-            <a:endParaRPr lang="es-CL"/>
+            <a:endParaRPr lang="en-US"/>
           </a:p>
         </c:txPr>
         <c:crossAx val="626790592"/>
@@ -5256,7 +5256,7 @@
               <a:cs typeface="+mn-cs"/>
             </a:defRPr>
           </a:pPr>
-          <a:endParaRPr lang="es-CL"/>
+          <a:endParaRPr lang="en-US"/>
         </a:p>
       </c:txPr>
     </c:legend>
@@ -5285,7 +5285,7 @@
       <a:pPr>
         <a:defRPr/>
       </a:pPr>
-      <a:endParaRPr lang="es-CL"/>
+      <a:endParaRPr lang="en-US"/>
     </a:p>
   </c:txPr>
   <c:externalData r:id="rId3">
@@ -7229,7 +7229,7 @@
           <a:p>
             <a:fld id="{80AD1966-643A-ED45-BFF9-B0FE18A32E2B}" type="slidenum">
               <a:rPr lang="es-ES_tradnl" smtClean="0"/>
-              <a:t>‹Nº›</a:t>
+              <a:t>‹#›</a:t>
             </a:fld>
             <a:endParaRPr lang="es-ES_tradnl"/>
           </a:p>
@@ -8354,7 +8354,7 @@
           <a:p>
             <a:fld id="{3352F6F5-E16D-F340-A90C-ABCF032D59B6}" type="slidenum">
               <a:rPr lang="es-ES_tradnl" smtClean="0"/>
-              <a:t>‹Nº›</a:t>
+              <a:t>‹#›</a:t>
             </a:fld>
             <a:endParaRPr lang="es-ES_tradnl"/>
           </a:p>
@@ -8519,7 +8519,7 @@
           <a:p>
             <a:fld id="{3352F6F5-E16D-F340-A90C-ABCF032D59B6}" type="slidenum">
               <a:rPr lang="es-ES_tradnl" smtClean="0"/>
-              <a:t>‹Nº›</a:t>
+              <a:t>‹#›</a:t>
             </a:fld>
             <a:endParaRPr lang="es-ES_tradnl"/>
           </a:p>
@@ -8694,7 +8694,7 @@
           <a:p>
             <a:fld id="{3352F6F5-E16D-F340-A90C-ABCF032D59B6}" type="slidenum">
               <a:rPr lang="es-ES_tradnl" smtClean="0"/>
-              <a:t>‹Nº›</a:t>
+              <a:t>‹#›</a:t>
             </a:fld>
             <a:endParaRPr lang="es-ES_tradnl"/>
           </a:p>
@@ -8859,7 +8859,7 @@
           <a:p>
             <a:fld id="{3352F6F5-E16D-F340-A90C-ABCF032D59B6}" type="slidenum">
               <a:rPr lang="es-ES_tradnl" smtClean="0"/>
-              <a:t>‹Nº›</a:t>
+              <a:t>‹#›</a:t>
             </a:fld>
             <a:endParaRPr lang="es-ES_tradnl"/>
           </a:p>
@@ -9098,7 +9098,7 @@
           <a:p>
             <a:fld id="{3352F6F5-E16D-F340-A90C-ABCF032D59B6}" type="slidenum">
               <a:rPr lang="es-ES_tradnl" smtClean="0"/>
-              <a:t>‹Nº›</a:t>
+              <a:t>‹#›</a:t>
             </a:fld>
             <a:endParaRPr lang="es-ES_tradnl"/>
           </a:p>
@@ -9325,7 +9325,7 @@
           <a:p>
             <a:fld id="{3352F6F5-E16D-F340-A90C-ABCF032D59B6}" type="slidenum">
               <a:rPr lang="es-ES_tradnl" smtClean="0"/>
-              <a:t>‹Nº›</a:t>
+              <a:t>‹#›</a:t>
             </a:fld>
             <a:endParaRPr lang="es-ES_tradnl"/>
           </a:p>
@@ -9687,7 +9687,7 @@
           <a:p>
             <a:fld id="{3352F6F5-E16D-F340-A90C-ABCF032D59B6}" type="slidenum">
               <a:rPr lang="es-ES_tradnl" smtClean="0"/>
-              <a:t>‹Nº›</a:t>
+              <a:t>‹#›</a:t>
             </a:fld>
             <a:endParaRPr lang="es-ES_tradnl"/>
           </a:p>
@@ -9800,7 +9800,7 @@
           <a:p>
             <a:fld id="{3352F6F5-E16D-F340-A90C-ABCF032D59B6}" type="slidenum">
               <a:rPr lang="es-ES_tradnl" smtClean="0"/>
-              <a:t>‹Nº›</a:t>
+              <a:t>‹#›</a:t>
             </a:fld>
             <a:endParaRPr lang="es-ES_tradnl"/>
           </a:p>
@@ -9890,7 +9890,7 @@
           <a:p>
             <a:fld id="{3352F6F5-E16D-F340-A90C-ABCF032D59B6}" type="slidenum">
               <a:rPr lang="es-ES_tradnl" smtClean="0"/>
-              <a:t>‹Nº›</a:t>
+              <a:t>‹#›</a:t>
             </a:fld>
             <a:endParaRPr lang="es-ES_tradnl"/>
           </a:p>
@@ -10162,7 +10162,7 @@
           <a:p>
             <a:fld id="{3352F6F5-E16D-F340-A90C-ABCF032D59B6}" type="slidenum">
               <a:rPr lang="es-ES_tradnl" smtClean="0"/>
-              <a:t>‹Nº›</a:t>
+              <a:t>‹#›</a:t>
             </a:fld>
             <a:endParaRPr lang="es-ES_tradnl"/>
           </a:p>
@@ -10414,7 +10414,7 @@
           <a:p>
             <a:fld id="{3352F6F5-E16D-F340-A90C-ABCF032D59B6}" type="slidenum">
               <a:rPr lang="es-ES_tradnl" smtClean="0"/>
-              <a:t>‹Nº›</a:t>
+              <a:t>‹#›</a:t>
             </a:fld>
             <a:endParaRPr lang="es-ES_tradnl"/>
           </a:p>
@@ -10658,7 +10658,7 @@
           <a:p>
             <a:fld id="{3352F6F5-E16D-F340-A90C-ABCF032D59B6}" type="slidenum">
               <a:rPr lang="es-ES_tradnl" smtClean="0"/>
-              <a:t>‹Nº›</a:t>
+              <a:t>‹#›</a:t>
             </a:fld>
             <a:endParaRPr lang="es-ES_tradnl"/>
           </a:p>

--- a/presentacionMineriaDeDatos.pptx
+++ b/presentacionMineriaDeDatos.pptx
@@ -5,20 +5,19 @@
     <p:sldMasterId id="2147483660" r:id="rId1"/>
   </p:sldMasterIdLst>
   <p:notesMasterIdLst>
-    <p:notesMasterId r:id="rId13"/>
+    <p:notesMasterId r:id="rId12"/>
   </p:notesMasterIdLst>
   <p:sldIdLst>
     <p:sldId id="262" r:id="rId2"/>
     <p:sldId id="307" r:id="rId3"/>
     <p:sldId id="312" r:id="rId4"/>
-    <p:sldId id="313" r:id="rId5"/>
-    <p:sldId id="306" r:id="rId6"/>
-    <p:sldId id="305" r:id="rId7"/>
-    <p:sldId id="304" r:id="rId8"/>
-    <p:sldId id="308" r:id="rId9"/>
-    <p:sldId id="309" r:id="rId10"/>
-    <p:sldId id="311" r:id="rId11"/>
-    <p:sldId id="310" r:id="rId12"/>
+    <p:sldId id="306" r:id="rId5"/>
+    <p:sldId id="305" r:id="rId6"/>
+    <p:sldId id="304" r:id="rId7"/>
+    <p:sldId id="308" r:id="rId8"/>
+    <p:sldId id="309" r:id="rId9"/>
+    <p:sldId id="311" r:id="rId10"/>
+    <p:sldId id="310" r:id="rId11"/>
   </p:sldIdLst>
   <p:sldSz cx="9144000" cy="6858000" type="letter"/>
   <p:notesSz cx="6858000" cy="9144000"/>
@@ -129,9 +128,11 @@
 <p1510:revInfo xmlns:a="http://schemas.openxmlformats.org/drawingml/2006/main" xmlns:r="http://schemas.openxmlformats.org/officeDocument/2006/relationships" xmlns:p1510="http://schemas.microsoft.com/office/powerpoint/2015/10/main">
   <p1510:revLst>
     <p1510:client id="{21DE7819-0617-47C0-93DE-DFAD272935D7}" v="26" dt="2024-04-19T00:22:49.854"/>
-    <p1510:client id="{3A7F9412-3488-4BA4-8AB4-0FB30BEA8B99}" v="2" dt="2024-04-18T23:51:37.747"/>
-    <p1510:client id="{512BB393-AFC8-321A-CA6F-0FE68B77EE34}" v="364" dt="2024-04-19T01:11:10.441"/>
-    <p1510:client id="{5B4D70C6-83A3-41C3-8256-4EC1A969E359}" v="223" dt="2024-04-19T01:02:10.805"/>
+    <p1510:client id="{3A7F9412-3488-4BA4-8AB4-0FB30BEA8B99}" v="39" dt="2024-04-19T02:05:59.585"/>
+    <p1510:client id="{512BB393-AFC8-321A-CA6F-0FE68B77EE34}" v="793" vWet="910" dt="2024-04-19T01:59:01.618"/>
+    <p1510:client id="{5B4D70C6-83A3-41C3-8256-4EC1A969E359}" v="332" dt="2024-04-19T02:34:15.727"/>
+    <p1510:client id="{6ACD99B5-93F1-D704-0CFC-093CEABA2219}" v="23" dt="2024-04-19T02:36:50.876"/>
+    <p1510:client id="{CCE71196-D9EA-5FF5-3E05-183E6D1705FC}" v="8" dt="2024-04-19T02:33:07.451"/>
   </p1510:revLst>
 </p1510:revInfo>
 </file>
@@ -141,12 +142,12 @@
   <pc:docChgLst>
     <pc:chgData name="VÁSQUEZ CARVAJAL GONZALO A" userId="fdf6c519-ebfd-465d-b4fa-917b5c704028" providerId="ADAL" clId="{3A7F9412-3488-4BA4-8AB4-0FB30BEA8B99}"/>
     <pc:docChg chg="undo custSel modSld">
-      <pc:chgData name="VÁSQUEZ CARVAJAL GONZALO A" userId="fdf6c519-ebfd-465d-b4fa-917b5c704028" providerId="ADAL" clId="{3A7F9412-3488-4BA4-8AB4-0FB30BEA8B99}" dt="2024-04-18T23:51:37.747" v="1" actId="14100"/>
+      <pc:chgData name="VÁSQUEZ CARVAJAL GONZALO A" userId="fdf6c519-ebfd-465d-b4fa-917b5c704028" providerId="ADAL" clId="{3A7F9412-3488-4BA4-8AB4-0FB30BEA8B99}" dt="2024-04-19T02:05:59.585" v="37" actId="20577"/>
       <pc:docMkLst>
         <pc:docMk/>
       </pc:docMkLst>
       <pc:sldChg chg="modSp mod">
-        <pc:chgData name="VÁSQUEZ CARVAJAL GONZALO A" userId="fdf6c519-ebfd-465d-b4fa-917b5c704028" providerId="ADAL" clId="{3A7F9412-3488-4BA4-8AB4-0FB30BEA8B99}" dt="2024-04-18T23:51:37.747" v="1" actId="14100"/>
+        <pc:chgData name="VÁSQUEZ CARVAJAL GONZALO A" userId="fdf6c519-ebfd-465d-b4fa-917b5c704028" providerId="ADAL" clId="{3A7F9412-3488-4BA4-8AB4-0FB30BEA8B99}" dt="2024-04-19T01:19:50.609" v="3" actId="1076"/>
         <pc:sldMkLst>
           <pc:docMk/>
           <pc:sldMk cId="717496427" sldId="309"/>
@@ -157,6 +158,444 @@
             <pc:docMk/>
             <pc:sldMk cId="717496427" sldId="309"/>
             <ac:picMk id="11" creationId="{B97D08A8-CE05-6CF7-8738-465319CE1A09}"/>
+          </ac:picMkLst>
+        </pc:picChg>
+        <pc:picChg chg="mod">
+          <ac:chgData name="VÁSQUEZ CARVAJAL GONZALO A" userId="fdf6c519-ebfd-465d-b4fa-917b5c704028" providerId="ADAL" clId="{3A7F9412-3488-4BA4-8AB4-0FB30BEA8B99}" dt="2024-04-19T01:19:50.609" v="3" actId="1076"/>
+          <ac:picMkLst>
+            <pc:docMk/>
+            <pc:sldMk cId="717496427" sldId="309"/>
+            <ac:picMk id="30" creationId="{B485ADEB-05E8-36ED-D24E-97CD837DF2A1}"/>
+          </ac:picMkLst>
+        </pc:picChg>
+      </pc:sldChg>
+      <pc:sldChg chg="addSp delSp modSp mod">
+        <pc:chgData name="VÁSQUEZ CARVAJAL GONZALO A" userId="fdf6c519-ebfd-465d-b4fa-917b5c704028" providerId="ADAL" clId="{3A7F9412-3488-4BA4-8AB4-0FB30BEA8B99}" dt="2024-04-19T02:05:59.585" v="37" actId="20577"/>
+        <pc:sldMkLst>
+          <pc:docMk/>
+          <pc:sldMk cId="4026079951" sldId="310"/>
+        </pc:sldMkLst>
+        <pc:spChg chg="add del mod">
+          <ac:chgData name="VÁSQUEZ CARVAJAL GONZALO A" userId="fdf6c519-ebfd-465d-b4fa-917b5c704028" providerId="ADAL" clId="{3A7F9412-3488-4BA4-8AB4-0FB30BEA8B99}" dt="2024-04-19T02:02:17.418" v="8" actId="478"/>
+          <ac:spMkLst>
+            <pc:docMk/>
+            <pc:sldMk cId="4026079951" sldId="310"/>
+            <ac:spMk id="5" creationId="{DB1B59E7-61CF-B407-0796-138C7888D58D}"/>
+          </ac:spMkLst>
+        </pc:spChg>
+        <pc:spChg chg="add del mod">
+          <ac:chgData name="VÁSQUEZ CARVAJAL GONZALO A" userId="fdf6c519-ebfd-465d-b4fa-917b5c704028" providerId="ADAL" clId="{3A7F9412-3488-4BA4-8AB4-0FB30BEA8B99}" dt="2024-04-19T02:02:17.418" v="8" actId="478"/>
+          <ac:spMkLst>
+            <pc:docMk/>
+            <pc:sldMk cId="4026079951" sldId="310"/>
+            <ac:spMk id="6" creationId="{839A29D8-5FBA-790C-E8EB-D2433956C9EA}"/>
+          </ac:spMkLst>
+        </pc:spChg>
+        <pc:spChg chg="add del mod">
+          <ac:chgData name="VÁSQUEZ CARVAJAL GONZALO A" userId="fdf6c519-ebfd-465d-b4fa-917b5c704028" providerId="ADAL" clId="{3A7F9412-3488-4BA4-8AB4-0FB30BEA8B99}" dt="2024-04-19T02:02:17.418" v="8" actId="478"/>
+          <ac:spMkLst>
+            <pc:docMk/>
+            <pc:sldMk cId="4026079951" sldId="310"/>
+            <ac:spMk id="8" creationId="{2D1F271B-E9E4-DE9E-E76D-D0B31A68C4C7}"/>
+          </ac:spMkLst>
+        </pc:spChg>
+        <pc:spChg chg="add del mod">
+          <ac:chgData name="VÁSQUEZ CARVAJAL GONZALO A" userId="fdf6c519-ebfd-465d-b4fa-917b5c704028" providerId="ADAL" clId="{3A7F9412-3488-4BA4-8AB4-0FB30BEA8B99}" dt="2024-04-19T02:02:17.418" v="8" actId="478"/>
+          <ac:spMkLst>
+            <pc:docMk/>
+            <pc:sldMk cId="4026079951" sldId="310"/>
+            <ac:spMk id="9" creationId="{C201BFEB-A2A0-521F-C1FF-F73CD92DB45C}"/>
+          </ac:spMkLst>
+        </pc:spChg>
+        <pc:spChg chg="add mod">
+          <ac:chgData name="VÁSQUEZ CARVAJAL GONZALO A" userId="fdf6c519-ebfd-465d-b4fa-917b5c704028" providerId="ADAL" clId="{3A7F9412-3488-4BA4-8AB4-0FB30BEA8B99}" dt="2024-04-19T02:03:15.361" v="11" actId="1076"/>
+          <ac:spMkLst>
+            <pc:docMk/>
+            <pc:sldMk cId="4026079951" sldId="310"/>
+            <ac:spMk id="11" creationId="{F7C4C1AA-CBA9-86E8-0AA3-94399BFC4857}"/>
+          </ac:spMkLst>
+        </pc:spChg>
+        <pc:spChg chg="add mod">
+          <ac:chgData name="VÁSQUEZ CARVAJAL GONZALO A" userId="fdf6c519-ebfd-465d-b4fa-917b5c704028" providerId="ADAL" clId="{3A7F9412-3488-4BA4-8AB4-0FB30BEA8B99}" dt="2024-04-19T02:04:01.078" v="13" actId="571"/>
+          <ac:spMkLst>
+            <pc:docMk/>
+            <pc:sldMk cId="4026079951" sldId="310"/>
+            <ac:spMk id="13" creationId="{8A244E7C-2810-E35A-255B-85C357D73F6E}"/>
+          </ac:spMkLst>
+        </pc:spChg>
+        <pc:spChg chg="add mod">
+          <ac:chgData name="VÁSQUEZ CARVAJAL GONZALO A" userId="fdf6c519-ebfd-465d-b4fa-917b5c704028" providerId="ADAL" clId="{3A7F9412-3488-4BA4-8AB4-0FB30BEA8B99}" dt="2024-04-19T02:04:01.078" v="13" actId="571"/>
+          <ac:spMkLst>
+            <pc:docMk/>
+            <pc:sldMk cId="4026079951" sldId="310"/>
+            <ac:spMk id="14" creationId="{A7CDE95B-9F52-6F8D-F894-F397ACEEE879}"/>
+          </ac:spMkLst>
+        </pc:spChg>
+        <pc:spChg chg="add mod">
+          <ac:chgData name="VÁSQUEZ CARVAJAL GONZALO A" userId="fdf6c519-ebfd-465d-b4fa-917b5c704028" providerId="ADAL" clId="{3A7F9412-3488-4BA4-8AB4-0FB30BEA8B99}" dt="2024-04-19T02:04:32.385" v="22" actId="1076"/>
+          <ac:spMkLst>
+            <pc:docMk/>
+            <pc:sldMk cId="4026079951" sldId="310"/>
+            <ac:spMk id="15" creationId="{687C2E96-FE35-FEF7-BA0A-5ACF023FA5BD}"/>
+          </ac:spMkLst>
+        </pc:spChg>
+        <pc:spChg chg="add mod">
+          <ac:chgData name="VÁSQUEZ CARVAJAL GONZALO A" userId="fdf6c519-ebfd-465d-b4fa-917b5c704028" providerId="ADAL" clId="{3A7F9412-3488-4BA4-8AB4-0FB30BEA8B99}" dt="2024-04-19T02:04:07.952" v="15" actId="1076"/>
+          <ac:spMkLst>
+            <pc:docMk/>
+            <pc:sldMk cId="4026079951" sldId="310"/>
+            <ac:spMk id="16" creationId="{ED0C73D5-D867-8AA5-5CDD-36930A4486E8}"/>
+          </ac:spMkLst>
+        </pc:spChg>
+        <pc:spChg chg="add mod">
+          <ac:chgData name="VÁSQUEZ CARVAJAL GONZALO A" userId="fdf6c519-ebfd-465d-b4fa-917b5c704028" providerId="ADAL" clId="{3A7F9412-3488-4BA4-8AB4-0FB30BEA8B99}" dt="2024-04-19T02:04:39.354" v="27" actId="1076"/>
+          <ac:spMkLst>
+            <pc:docMk/>
+            <pc:sldMk cId="4026079951" sldId="310"/>
+            <ac:spMk id="17" creationId="{B4FB0981-55CB-5B53-D161-1B449F87837A}"/>
+          </ac:spMkLst>
+        </pc:spChg>
+        <pc:spChg chg="add mod">
+          <ac:chgData name="VÁSQUEZ CARVAJAL GONZALO A" userId="fdf6c519-ebfd-465d-b4fa-917b5c704028" providerId="ADAL" clId="{3A7F9412-3488-4BA4-8AB4-0FB30BEA8B99}" dt="2024-04-19T02:04:39.354" v="27" actId="1076"/>
+          <ac:spMkLst>
+            <pc:docMk/>
+            <pc:sldMk cId="4026079951" sldId="310"/>
+            <ac:spMk id="18" creationId="{1F43C420-F744-BC01-29AC-F17FD212F537}"/>
+          </ac:spMkLst>
+        </pc:spChg>
+        <pc:spChg chg="add mod">
+          <ac:chgData name="VÁSQUEZ CARVAJAL GONZALO A" userId="fdf6c519-ebfd-465d-b4fa-917b5c704028" providerId="ADAL" clId="{3A7F9412-3488-4BA4-8AB4-0FB30BEA8B99}" dt="2024-04-19T02:04:42.695" v="28" actId="1076"/>
+          <ac:spMkLst>
+            <pc:docMk/>
+            <pc:sldMk cId="4026079951" sldId="310"/>
+            <ac:spMk id="19" creationId="{BDB4DF92-2798-EECA-F1DC-727D236E16D6}"/>
+          </ac:spMkLst>
+        </pc:spChg>
+        <pc:spChg chg="add mod">
+          <ac:chgData name="VÁSQUEZ CARVAJAL GONZALO A" userId="fdf6c519-ebfd-465d-b4fa-917b5c704028" providerId="ADAL" clId="{3A7F9412-3488-4BA4-8AB4-0FB30BEA8B99}" dt="2024-04-19T02:04:42.695" v="28" actId="1076"/>
+          <ac:spMkLst>
+            <pc:docMk/>
+            <pc:sldMk cId="4026079951" sldId="310"/>
+            <ac:spMk id="20" creationId="{58A80695-BC02-A6E2-35B6-7E82ABDBD1B7}"/>
+          </ac:spMkLst>
+        </pc:spChg>
+        <pc:spChg chg="add del mod">
+          <ac:chgData name="VÁSQUEZ CARVAJAL GONZALO A" userId="fdf6c519-ebfd-465d-b4fa-917b5c704028" providerId="ADAL" clId="{3A7F9412-3488-4BA4-8AB4-0FB30BEA8B99}" dt="2024-04-19T02:04:47.522" v="29" actId="478"/>
+          <ac:spMkLst>
+            <pc:docMk/>
+            <pc:sldMk cId="4026079951" sldId="310"/>
+            <ac:spMk id="21" creationId="{23642D39-7AEC-3F47-61C3-6114598B6AB1}"/>
+          </ac:spMkLst>
+        </pc:spChg>
+        <pc:spChg chg="add del mod">
+          <ac:chgData name="VÁSQUEZ CARVAJAL GONZALO A" userId="fdf6c519-ebfd-465d-b4fa-917b5c704028" providerId="ADAL" clId="{3A7F9412-3488-4BA4-8AB4-0FB30BEA8B99}" dt="2024-04-19T02:04:47.522" v="29" actId="478"/>
+          <ac:spMkLst>
+            <pc:docMk/>
+            <pc:sldMk cId="4026079951" sldId="310"/>
+            <ac:spMk id="22" creationId="{95F0BB0A-DA3E-DE26-7D3B-73A7BA1D847E}"/>
+          </ac:spMkLst>
+        </pc:spChg>
+        <pc:spChg chg="add del mod">
+          <ac:chgData name="VÁSQUEZ CARVAJAL GONZALO A" userId="fdf6c519-ebfd-465d-b4fa-917b5c704028" providerId="ADAL" clId="{3A7F9412-3488-4BA4-8AB4-0FB30BEA8B99}" dt="2024-04-19T02:04:47.522" v="29" actId="478"/>
+          <ac:spMkLst>
+            <pc:docMk/>
+            <pc:sldMk cId="4026079951" sldId="310"/>
+            <ac:spMk id="23" creationId="{2305F3C9-1698-F50F-E557-68071E7B4E76}"/>
+          </ac:spMkLst>
+        </pc:spChg>
+        <pc:spChg chg="add del mod">
+          <ac:chgData name="VÁSQUEZ CARVAJAL GONZALO A" userId="fdf6c519-ebfd-465d-b4fa-917b5c704028" providerId="ADAL" clId="{3A7F9412-3488-4BA4-8AB4-0FB30BEA8B99}" dt="2024-04-19T02:04:47.522" v="29" actId="478"/>
+          <ac:spMkLst>
+            <pc:docMk/>
+            <pc:sldMk cId="4026079951" sldId="310"/>
+            <ac:spMk id="24" creationId="{047AEBB8-E33C-23A9-E577-971EAB522FFF}"/>
+          </ac:spMkLst>
+        </pc:spChg>
+        <pc:spChg chg="add del mod">
+          <ac:chgData name="VÁSQUEZ CARVAJAL GONZALO A" userId="fdf6c519-ebfd-465d-b4fa-917b5c704028" providerId="ADAL" clId="{3A7F9412-3488-4BA4-8AB4-0FB30BEA8B99}" dt="2024-04-19T02:04:47.522" v="29" actId="478"/>
+          <ac:spMkLst>
+            <pc:docMk/>
+            <pc:sldMk cId="4026079951" sldId="310"/>
+            <ac:spMk id="25" creationId="{B87593CC-9216-DF4E-121E-00242A1F6EAF}"/>
+          </ac:spMkLst>
+        </pc:spChg>
+        <pc:spChg chg="add del mod">
+          <ac:chgData name="VÁSQUEZ CARVAJAL GONZALO A" userId="fdf6c519-ebfd-465d-b4fa-917b5c704028" providerId="ADAL" clId="{3A7F9412-3488-4BA4-8AB4-0FB30BEA8B99}" dt="2024-04-19T02:04:47.522" v="29" actId="478"/>
+          <ac:spMkLst>
+            <pc:docMk/>
+            <pc:sldMk cId="4026079951" sldId="310"/>
+            <ac:spMk id="26" creationId="{4B03DD76-C7F5-2DBD-B4E3-61EE0652055A}"/>
+          </ac:spMkLst>
+        </pc:spChg>
+        <pc:spChg chg="add mod">
+          <ac:chgData name="VÁSQUEZ CARVAJAL GONZALO A" userId="fdf6c519-ebfd-465d-b4fa-917b5c704028" providerId="ADAL" clId="{3A7F9412-3488-4BA4-8AB4-0FB30BEA8B99}" dt="2024-04-19T02:05:59.585" v="37" actId="20577"/>
+          <ac:spMkLst>
+            <pc:docMk/>
+            <pc:sldMk cId="4026079951" sldId="310"/>
+            <ac:spMk id="27" creationId="{7D902329-67E8-92E9-92F7-0C3B39A25C9A}"/>
+          </ac:spMkLst>
+        </pc:spChg>
+        <pc:spChg chg="add mod">
+          <ac:chgData name="VÁSQUEZ CARVAJAL GONZALO A" userId="fdf6c519-ebfd-465d-b4fa-917b5c704028" providerId="ADAL" clId="{3A7F9412-3488-4BA4-8AB4-0FB30BEA8B99}" dt="2024-04-19T02:04:36.297" v="26" actId="1076"/>
+          <ac:spMkLst>
+            <pc:docMk/>
+            <pc:sldMk cId="4026079951" sldId="310"/>
+            <ac:spMk id="28" creationId="{C2D2FADB-C13F-5DC1-9B86-CFB9FD33C2F3}"/>
+          </ac:spMkLst>
+        </pc:spChg>
+        <pc:spChg chg="mod">
+          <ac:chgData name="VÁSQUEZ CARVAJAL GONZALO A" userId="fdf6c519-ebfd-465d-b4fa-917b5c704028" providerId="ADAL" clId="{3A7F9412-3488-4BA4-8AB4-0FB30BEA8B99}" dt="2024-04-19T02:04:51.784" v="30"/>
+          <ac:spMkLst>
+            <pc:docMk/>
+            <pc:sldMk cId="4026079951" sldId="310"/>
+            <ac:spMk id="32" creationId="{37F5CE8D-A7FA-AC42-C131-B7B45584B63C}"/>
+          </ac:spMkLst>
+        </pc:spChg>
+        <pc:spChg chg="mod">
+          <ac:chgData name="VÁSQUEZ CARVAJAL GONZALO A" userId="fdf6c519-ebfd-465d-b4fa-917b5c704028" providerId="ADAL" clId="{3A7F9412-3488-4BA4-8AB4-0FB30BEA8B99}" dt="2024-04-19T02:04:51.784" v="30"/>
+          <ac:spMkLst>
+            <pc:docMk/>
+            <pc:sldMk cId="4026079951" sldId="310"/>
+            <ac:spMk id="33" creationId="{248DACA0-1707-83A2-DFD7-E4B8CF27ECE5}"/>
+          </ac:spMkLst>
+        </pc:spChg>
+        <pc:spChg chg="mod">
+          <ac:chgData name="VÁSQUEZ CARVAJAL GONZALO A" userId="fdf6c519-ebfd-465d-b4fa-917b5c704028" providerId="ADAL" clId="{3A7F9412-3488-4BA4-8AB4-0FB30BEA8B99}" dt="2024-04-19T02:04:51.784" v="30"/>
+          <ac:spMkLst>
+            <pc:docMk/>
+            <pc:sldMk cId="4026079951" sldId="310"/>
+            <ac:spMk id="35" creationId="{A7F2FD6A-68BD-9588-0D59-11428C0B9B23}"/>
+          </ac:spMkLst>
+        </pc:spChg>
+        <pc:spChg chg="mod">
+          <ac:chgData name="VÁSQUEZ CARVAJAL GONZALO A" userId="fdf6c519-ebfd-465d-b4fa-917b5c704028" providerId="ADAL" clId="{3A7F9412-3488-4BA4-8AB4-0FB30BEA8B99}" dt="2024-04-19T02:04:51.784" v="30"/>
+          <ac:spMkLst>
+            <pc:docMk/>
+            <pc:sldMk cId="4026079951" sldId="310"/>
+            <ac:spMk id="36" creationId="{D3A5C724-712B-C104-3929-EF0299E92EF9}"/>
+          </ac:spMkLst>
+        </pc:spChg>
+        <pc:spChg chg="mod">
+          <ac:chgData name="VÁSQUEZ CARVAJAL GONZALO A" userId="fdf6c519-ebfd-465d-b4fa-917b5c704028" providerId="ADAL" clId="{3A7F9412-3488-4BA4-8AB4-0FB30BEA8B99}" dt="2024-04-19T02:04:51.784" v="30"/>
+          <ac:spMkLst>
+            <pc:docMk/>
+            <pc:sldMk cId="4026079951" sldId="310"/>
+            <ac:spMk id="37" creationId="{144C30AA-FB92-C49A-C7D9-13DC80832B66}"/>
+          </ac:spMkLst>
+        </pc:spChg>
+        <pc:spChg chg="mod">
+          <ac:chgData name="VÁSQUEZ CARVAJAL GONZALO A" userId="fdf6c519-ebfd-465d-b4fa-917b5c704028" providerId="ADAL" clId="{3A7F9412-3488-4BA4-8AB4-0FB30BEA8B99}" dt="2024-04-19T02:04:51.784" v="30"/>
+          <ac:spMkLst>
+            <pc:docMk/>
+            <pc:sldMk cId="4026079951" sldId="310"/>
+            <ac:spMk id="38" creationId="{9A2E86C6-79FE-3ABE-7598-952A4F4E35AD}"/>
+          </ac:spMkLst>
+        </pc:spChg>
+        <pc:spChg chg="mod">
+          <ac:chgData name="VÁSQUEZ CARVAJAL GONZALO A" userId="fdf6c519-ebfd-465d-b4fa-917b5c704028" providerId="ADAL" clId="{3A7F9412-3488-4BA4-8AB4-0FB30BEA8B99}" dt="2024-04-19T02:04:55.259" v="32"/>
+          <ac:spMkLst>
+            <pc:docMk/>
+            <pc:sldMk cId="4026079951" sldId="310"/>
+            <ac:spMk id="40" creationId="{8D747AE0-A708-D0CF-C0EA-4E8DC7ADE1A1}"/>
+          </ac:spMkLst>
+        </pc:spChg>
+        <pc:spChg chg="mod">
+          <ac:chgData name="VÁSQUEZ CARVAJAL GONZALO A" userId="fdf6c519-ebfd-465d-b4fa-917b5c704028" providerId="ADAL" clId="{3A7F9412-3488-4BA4-8AB4-0FB30BEA8B99}" dt="2024-04-19T02:04:55.259" v="32"/>
+          <ac:spMkLst>
+            <pc:docMk/>
+            <pc:sldMk cId="4026079951" sldId="310"/>
+            <ac:spMk id="41" creationId="{AF9FB61E-A193-EFEC-42DB-3DDA989881A4}"/>
+          </ac:spMkLst>
+        </pc:spChg>
+        <pc:spChg chg="mod">
+          <ac:chgData name="VÁSQUEZ CARVAJAL GONZALO A" userId="fdf6c519-ebfd-465d-b4fa-917b5c704028" providerId="ADAL" clId="{3A7F9412-3488-4BA4-8AB4-0FB30BEA8B99}" dt="2024-04-19T02:04:55.259" v="32"/>
+          <ac:spMkLst>
+            <pc:docMk/>
+            <pc:sldMk cId="4026079951" sldId="310"/>
+            <ac:spMk id="42" creationId="{F6DF212A-48B7-25CE-344C-7E90469314F7}"/>
+          </ac:spMkLst>
+        </pc:spChg>
+        <pc:spChg chg="mod">
+          <ac:chgData name="VÁSQUEZ CARVAJAL GONZALO A" userId="fdf6c519-ebfd-465d-b4fa-917b5c704028" providerId="ADAL" clId="{3A7F9412-3488-4BA4-8AB4-0FB30BEA8B99}" dt="2024-04-19T02:04:55.259" v="32"/>
+          <ac:spMkLst>
+            <pc:docMk/>
+            <pc:sldMk cId="4026079951" sldId="310"/>
+            <ac:spMk id="44" creationId="{647C86DD-6EEB-7DC1-428A-00DB5CCF69CF}"/>
+          </ac:spMkLst>
+        </pc:spChg>
+        <pc:spChg chg="mod">
+          <ac:chgData name="VÁSQUEZ CARVAJAL GONZALO A" userId="fdf6c519-ebfd-465d-b4fa-917b5c704028" providerId="ADAL" clId="{3A7F9412-3488-4BA4-8AB4-0FB30BEA8B99}" dt="2024-04-19T02:05:00.971" v="35" actId="571"/>
+          <ac:spMkLst>
+            <pc:docMk/>
+            <pc:sldMk cId="4026079951" sldId="310"/>
+            <ac:spMk id="46" creationId="{3D2BA7C5-B634-174E-9E00-5BAF3765F5A2}"/>
+          </ac:spMkLst>
+        </pc:spChg>
+        <pc:spChg chg="mod">
+          <ac:chgData name="VÁSQUEZ CARVAJAL GONZALO A" userId="fdf6c519-ebfd-465d-b4fa-917b5c704028" providerId="ADAL" clId="{3A7F9412-3488-4BA4-8AB4-0FB30BEA8B99}" dt="2024-04-19T02:05:00.971" v="35" actId="571"/>
+          <ac:spMkLst>
+            <pc:docMk/>
+            <pc:sldMk cId="4026079951" sldId="310"/>
+            <ac:spMk id="49" creationId="{3B301982-42C4-708E-9C44-6E0EB9DB693A}"/>
+          </ac:spMkLst>
+        </pc:spChg>
+        <pc:spChg chg="mod">
+          <ac:chgData name="VÁSQUEZ CARVAJAL GONZALO A" userId="fdf6c519-ebfd-465d-b4fa-917b5c704028" providerId="ADAL" clId="{3A7F9412-3488-4BA4-8AB4-0FB30BEA8B99}" dt="2024-04-19T02:05:00.971" v="35" actId="571"/>
+          <ac:spMkLst>
+            <pc:docMk/>
+            <pc:sldMk cId="4026079951" sldId="310"/>
+            <ac:spMk id="51" creationId="{024792D9-8FB8-9032-B131-49B587AFD913}"/>
+          </ac:spMkLst>
+        </pc:spChg>
+        <pc:spChg chg="mod">
+          <ac:chgData name="VÁSQUEZ CARVAJAL GONZALO A" userId="fdf6c519-ebfd-465d-b4fa-917b5c704028" providerId="ADAL" clId="{3A7F9412-3488-4BA4-8AB4-0FB30BEA8B99}" dt="2024-04-19T02:05:00.971" v="35" actId="571"/>
+          <ac:spMkLst>
+            <pc:docMk/>
+            <pc:sldMk cId="4026079951" sldId="310"/>
+            <ac:spMk id="52" creationId="{D5CD0018-7244-03E4-DC0B-779DEE1A8027}"/>
+          </ac:spMkLst>
+        </pc:spChg>
+        <pc:spChg chg="mod">
+          <ac:chgData name="VÁSQUEZ CARVAJAL GONZALO A" userId="fdf6c519-ebfd-465d-b4fa-917b5c704028" providerId="ADAL" clId="{3A7F9412-3488-4BA4-8AB4-0FB30BEA8B99}" dt="2024-04-19T02:05:00.971" v="35" actId="571"/>
+          <ac:spMkLst>
+            <pc:docMk/>
+            <pc:sldMk cId="4026079951" sldId="310"/>
+            <ac:spMk id="53" creationId="{1D92CD14-3704-368C-8993-9FAA966F6B4B}"/>
+          </ac:spMkLst>
+        </pc:spChg>
+        <pc:spChg chg="mod">
+          <ac:chgData name="VÁSQUEZ CARVAJAL GONZALO A" userId="fdf6c519-ebfd-465d-b4fa-917b5c704028" providerId="ADAL" clId="{3A7F9412-3488-4BA4-8AB4-0FB30BEA8B99}" dt="2024-04-19T02:05:00.971" v="35" actId="571"/>
+          <ac:spMkLst>
+            <pc:docMk/>
+            <pc:sldMk cId="4026079951" sldId="310"/>
+            <ac:spMk id="54" creationId="{B8E53B93-B508-04E5-32B3-987D1D12B699}"/>
+          </ac:spMkLst>
+        </pc:spChg>
+        <pc:grpChg chg="mod">
+          <ac:chgData name="VÁSQUEZ CARVAJAL GONZALO A" userId="fdf6c519-ebfd-465d-b4fa-917b5c704028" providerId="ADAL" clId="{3A7F9412-3488-4BA4-8AB4-0FB30BEA8B99}" dt="2024-04-19T02:05:04.827" v="36" actId="1076"/>
+          <ac:grpSpMkLst>
+            <pc:docMk/>
+            <pc:sldMk cId="4026079951" sldId="310"/>
+            <ac:grpSpMk id="6" creationId="{618536BF-4E51-2E18-BAB2-099DF9A8C94E}"/>
+          </ac:grpSpMkLst>
+        </pc:grpChg>
+        <pc:grpChg chg="add mod">
+          <ac:chgData name="VÁSQUEZ CARVAJAL GONZALO A" userId="fdf6c519-ebfd-465d-b4fa-917b5c704028" providerId="ADAL" clId="{3A7F9412-3488-4BA4-8AB4-0FB30BEA8B99}" dt="2024-04-19T02:04:53.419" v="31" actId="1076"/>
+          <ac:grpSpMkLst>
+            <pc:docMk/>
+            <pc:sldMk cId="4026079951" sldId="310"/>
+            <ac:grpSpMk id="31" creationId="{618536BF-4E51-2E18-BAB2-099DF9A8C94E}"/>
+          </ac:grpSpMkLst>
+        </pc:grpChg>
+        <pc:grpChg chg="add mod">
+          <ac:chgData name="VÁSQUEZ CARVAJAL GONZALO A" userId="fdf6c519-ebfd-465d-b4fa-917b5c704028" providerId="ADAL" clId="{3A7F9412-3488-4BA4-8AB4-0FB30BEA8B99}" dt="2024-04-19T02:05:04.827" v="36" actId="1076"/>
+          <ac:grpSpMkLst>
+            <pc:docMk/>
+            <pc:sldMk cId="4026079951" sldId="310"/>
+            <ac:grpSpMk id="34" creationId="{4C606DCA-568B-919F-E36E-E93C67C4396A}"/>
+          </ac:grpSpMkLst>
+        </pc:grpChg>
+        <pc:grpChg chg="add mod">
+          <ac:chgData name="VÁSQUEZ CARVAJAL GONZALO A" userId="fdf6c519-ebfd-465d-b4fa-917b5c704028" providerId="ADAL" clId="{3A7F9412-3488-4BA4-8AB4-0FB30BEA8B99}" dt="2024-04-19T02:05:04.827" v="36" actId="1076"/>
+          <ac:grpSpMkLst>
+            <pc:docMk/>
+            <pc:sldMk cId="4026079951" sldId="310"/>
+            <ac:grpSpMk id="39" creationId="{9BAE4014-9F5E-C0C0-EB91-433737D3B68E}"/>
+          </ac:grpSpMkLst>
+        </pc:grpChg>
+        <pc:grpChg chg="add mod">
+          <ac:chgData name="VÁSQUEZ CARVAJAL GONZALO A" userId="fdf6c519-ebfd-465d-b4fa-917b5c704028" providerId="ADAL" clId="{3A7F9412-3488-4BA4-8AB4-0FB30BEA8B99}" dt="2024-04-19T02:05:00.971" v="35" actId="571"/>
+          <ac:grpSpMkLst>
+            <pc:docMk/>
+            <pc:sldMk cId="4026079951" sldId="310"/>
+            <ac:grpSpMk id="45" creationId="{C6FCEC88-21E8-AB9F-3C9E-D708F1541912}"/>
+          </ac:grpSpMkLst>
+        </pc:grpChg>
+        <pc:grpChg chg="add mod">
+          <ac:chgData name="VÁSQUEZ CARVAJAL GONZALO A" userId="fdf6c519-ebfd-465d-b4fa-917b5c704028" providerId="ADAL" clId="{3A7F9412-3488-4BA4-8AB4-0FB30BEA8B99}" dt="2024-04-19T02:05:00.971" v="35" actId="571"/>
+          <ac:grpSpMkLst>
+            <pc:docMk/>
+            <pc:sldMk cId="4026079951" sldId="310"/>
+            <ac:grpSpMk id="50" creationId="{1D57259E-3987-20E9-01EF-5AC6E5B0798A}"/>
+          </ac:grpSpMkLst>
+        </pc:grpChg>
+      </pc:sldChg>
+    </pc:docChg>
+  </pc:docChgLst>
+  <pc:docChgLst>
+    <pc:chgData name="PEREZ VERGARA MELANY" userId="S::m.perezvergara@uandresbello.edu::d95698a7-632e-4c03-ab0f-564477513d69" providerId="AD" clId="Web-{6ACD99B5-93F1-D704-0CFC-093CEABA2219}"/>
+    <pc:docChg chg="delSld modSld">
+      <pc:chgData name="PEREZ VERGARA MELANY" userId="S::m.perezvergara@uandresbello.edu::d95698a7-632e-4c03-ab0f-564477513d69" providerId="AD" clId="Web-{6ACD99B5-93F1-D704-0CFC-093CEABA2219}" dt="2024-04-19T02:36:50.876" v="21" actId="20577"/>
+      <pc:docMkLst>
+        <pc:docMk/>
+      </pc:docMkLst>
+      <pc:sldChg chg="modSp">
+        <pc:chgData name="PEREZ VERGARA MELANY" userId="S::m.perezvergara@uandresbello.edu::d95698a7-632e-4c03-ab0f-564477513d69" providerId="AD" clId="Web-{6ACD99B5-93F1-D704-0CFC-093CEABA2219}" dt="2024-04-19T02:36:50.876" v="21" actId="20577"/>
+        <pc:sldMkLst>
+          <pc:docMk/>
+          <pc:sldMk cId="4002806811" sldId="305"/>
+        </pc:sldMkLst>
+        <pc:spChg chg="mod">
+          <ac:chgData name="PEREZ VERGARA MELANY" userId="S::m.perezvergara@uandresbello.edu::d95698a7-632e-4c03-ab0f-564477513d69" providerId="AD" clId="Web-{6ACD99B5-93F1-D704-0CFC-093CEABA2219}" dt="2024-04-19T02:33:48.714" v="3" actId="1076"/>
+          <ac:spMkLst>
+            <pc:docMk/>
+            <pc:sldMk cId="4002806811" sldId="305"/>
+            <ac:spMk id="44" creationId="{426D55FC-DD63-4C00-8593-8ECEC36FC200}"/>
+          </ac:spMkLst>
+        </pc:spChg>
+        <pc:spChg chg="mod">
+          <ac:chgData name="PEREZ VERGARA MELANY" userId="S::m.perezvergara@uandresbello.edu::d95698a7-632e-4c03-ab0f-564477513d69" providerId="AD" clId="Web-{6ACD99B5-93F1-D704-0CFC-093CEABA2219}" dt="2024-04-19T02:36:50.876" v="21" actId="20577"/>
+          <ac:spMkLst>
+            <pc:docMk/>
+            <pc:sldMk cId="4002806811" sldId="305"/>
+            <ac:spMk id="45" creationId="{8D54D22B-9D56-4A2F-84A4-70372A67D809}"/>
+          </ac:spMkLst>
+        </pc:spChg>
+        <pc:spChg chg="mod">
+          <ac:chgData name="PEREZ VERGARA MELANY" userId="S::m.perezvergara@uandresbello.edu::d95698a7-632e-4c03-ab0f-564477513d69" providerId="AD" clId="Web-{6ACD99B5-93F1-D704-0CFC-093CEABA2219}" dt="2024-04-19T02:33:53.574" v="4" actId="1076"/>
+          <ac:spMkLst>
+            <pc:docMk/>
+            <pc:sldMk cId="4002806811" sldId="305"/>
+            <ac:spMk id="79" creationId="{7B1A732E-38FE-4458-A1D9-9A97AF0440E6}"/>
+          </ac:spMkLst>
+        </pc:spChg>
+        <pc:spChg chg="mod">
+          <ac:chgData name="PEREZ VERGARA MELANY" userId="S::m.perezvergara@uandresbello.edu::d95698a7-632e-4c03-ab0f-564477513d69" providerId="AD" clId="Web-{6ACD99B5-93F1-D704-0CFC-093CEABA2219}" dt="2024-04-19T02:36:03.750" v="10" actId="1076"/>
+          <ac:spMkLst>
+            <pc:docMk/>
+            <pc:sldMk cId="4002806811" sldId="305"/>
+            <ac:spMk id="89" creationId="{9643106E-B78F-462C-B172-9657EC03DCAA}"/>
+          </ac:spMkLst>
+        </pc:spChg>
+      </pc:sldChg>
+      <pc:sldChg chg="del">
+        <pc:chgData name="PEREZ VERGARA MELANY" userId="S::m.perezvergara@uandresbello.edu::d95698a7-632e-4c03-ab0f-564477513d69" providerId="AD" clId="Web-{6ACD99B5-93F1-D704-0CFC-093CEABA2219}" dt="2024-04-19T02:16:51.807" v="0"/>
+        <pc:sldMkLst>
+          <pc:docMk/>
+          <pc:sldMk cId="319540435" sldId="313"/>
+        </pc:sldMkLst>
+      </pc:sldChg>
+    </pc:docChg>
+  </pc:docChgLst>
+  <pc:docChgLst>
+    <pc:chgData name="VÁSQUEZ CARVAJAL GONZALO A" userId="S::g.vsquezcarvajal@uandresbello.edu::fdf6c519-ebfd-465d-b4fa-917b5c704028" providerId="AD" clId="Web-{CCE71196-D9EA-5FF5-3E05-183E6D1705FC}"/>
+    <pc:docChg chg="modSld">
+      <pc:chgData name="VÁSQUEZ CARVAJAL GONZALO A" userId="S::g.vsquezcarvajal@uandresbello.edu::fdf6c519-ebfd-465d-b4fa-917b5c704028" providerId="AD" clId="Web-{CCE71196-D9EA-5FF5-3E05-183E6D1705FC}" dt="2024-04-19T02:33:07.451" v="6" actId="1076"/>
+      <pc:docMkLst>
+        <pc:docMk/>
+      </pc:docMkLst>
+      <pc:sldChg chg="addSp modSp">
+        <pc:chgData name="VÁSQUEZ CARVAJAL GONZALO A" userId="S::g.vsquezcarvajal@uandresbello.edu::fdf6c519-ebfd-465d-b4fa-917b5c704028" providerId="AD" clId="Web-{CCE71196-D9EA-5FF5-3E05-183E6D1705FC}" dt="2024-04-19T02:33:07.451" v="6" actId="1076"/>
+        <pc:sldMkLst>
+          <pc:docMk/>
+          <pc:sldMk cId="2779685119" sldId="306"/>
+        </pc:sldMkLst>
+        <pc:picChg chg="add mod">
+          <ac:chgData name="VÁSQUEZ CARVAJAL GONZALO A" userId="S::g.vsquezcarvajal@uandresbello.edu::fdf6c519-ebfd-465d-b4fa-917b5c704028" providerId="AD" clId="Web-{CCE71196-D9EA-5FF5-3E05-183E6D1705FC}" dt="2024-04-19T02:33:07.451" v="6" actId="1076"/>
+          <ac:picMkLst>
+            <pc:docMk/>
+            <pc:sldMk cId="2779685119" sldId="306"/>
+            <ac:picMk id="31" creationId="{637CF5E8-ABB0-22A1-D946-FDFCE8232FD1}"/>
           </ac:picMkLst>
         </pc:picChg>
       </pc:sldChg>
@@ -1942,7 +2381,7 @@
   <pc:docChgLst>
     <pc:chgData name="GAMBOA ALVARADO IGNACIO G" userId="d3d0d4b5-30dd-46e6-93bb-837ddea6ad49" providerId="ADAL" clId="{5B4D70C6-83A3-41C3-8256-4EC1A969E359}"/>
     <pc:docChg chg="undo redo custSel addSld delSld modSld sldOrd">
-      <pc:chgData name="GAMBOA ALVARADO IGNACIO G" userId="d3d0d4b5-30dd-46e6-93bb-837ddea6ad49" providerId="ADAL" clId="{5B4D70C6-83A3-41C3-8256-4EC1A969E359}" dt="2024-04-19T01:02:10.805" v="3189"/>
+      <pc:chgData name="GAMBOA ALVARADO IGNACIO G" userId="d3d0d4b5-30dd-46e6-93bb-837ddea6ad49" providerId="ADAL" clId="{5B4D70C6-83A3-41C3-8256-4EC1A969E359}" dt="2024-04-19T02:34:13.568" v="3299"/>
       <pc:docMkLst>
         <pc:docMk/>
       </pc:docMkLst>
@@ -2360,7 +2799,7 @@
         </pc:cxnChg>
       </pc:sldChg>
       <pc:sldChg chg="addSp delSp modSp mod ord">
-        <pc:chgData name="GAMBOA ALVARADO IGNACIO G" userId="d3d0d4b5-30dd-46e6-93bb-837ddea6ad49" providerId="ADAL" clId="{5B4D70C6-83A3-41C3-8256-4EC1A969E359}" dt="2024-04-18T02:40:04.205" v="2116" actId="1076"/>
+        <pc:chgData name="GAMBOA ALVARADO IGNACIO G" userId="d3d0d4b5-30dd-46e6-93bb-837ddea6ad49" providerId="ADAL" clId="{5B4D70C6-83A3-41C3-8256-4EC1A969E359}" dt="2024-04-19T02:28:47.659" v="3297" actId="1076"/>
         <pc:sldMkLst>
           <pc:docMk/>
           <pc:sldMk cId="4002806811" sldId="305"/>
@@ -2398,7 +2837,7 @@
           </ac:spMkLst>
         </pc:spChg>
         <pc:spChg chg="mod">
-          <ac:chgData name="GAMBOA ALVARADO IGNACIO G" userId="d3d0d4b5-30dd-46e6-93bb-837ddea6ad49" providerId="ADAL" clId="{5B4D70C6-83A3-41C3-8256-4EC1A969E359}" dt="2024-04-18T02:38:26.958" v="2108" actId="14100"/>
+          <ac:chgData name="GAMBOA ALVARADO IGNACIO G" userId="d3d0d4b5-30dd-46e6-93bb-837ddea6ad49" providerId="ADAL" clId="{5B4D70C6-83A3-41C3-8256-4EC1A969E359}" dt="2024-04-19T02:28:37.716" v="3296" actId="313"/>
           <ac:spMkLst>
             <pc:docMk/>
             <pc:sldMk cId="4002806811" sldId="305"/>
@@ -2422,7 +2861,7 @@
           </ac:spMkLst>
         </pc:spChg>
         <pc:spChg chg="mod">
-          <ac:chgData name="GAMBOA ALVARADO IGNACIO G" userId="d3d0d4b5-30dd-46e6-93bb-837ddea6ad49" providerId="ADAL" clId="{5B4D70C6-83A3-41C3-8256-4EC1A969E359}" dt="2024-04-18T02:40:04.205" v="2116" actId="1076"/>
+          <ac:chgData name="GAMBOA ALVARADO IGNACIO G" userId="d3d0d4b5-30dd-46e6-93bb-837ddea6ad49" providerId="ADAL" clId="{5B4D70C6-83A3-41C3-8256-4EC1A969E359}" dt="2024-04-19T02:28:47.659" v="3297" actId="1076"/>
           <ac:spMkLst>
             <pc:docMk/>
             <pc:sldMk cId="4002806811" sldId="305"/>
@@ -2447,7 +2886,7 @@
         </pc:picChg>
       </pc:sldChg>
       <pc:sldChg chg="addSp delSp modSp mod modNotesTx">
-        <pc:chgData name="GAMBOA ALVARADO IGNACIO G" userId="d3d0d4b5-30dd-46e6-93bb-837ddea6ad49" providerId="ADAL" clId="{5B4D70C6-83A3-41C3-8256-4EC1A969E359}" dt="2024-04-18T02:41:10.947" v="2122" actId="164"/>
+        <pc:chgData name="GAMBOA ALVARADO IGNACIO G" userId="d3d0d4b5-30dd-46e6-93bb-837ddea6ad49" providerId="ADAL" clId="{5B4D70C6-83A3-41C3-8256-4EC1A969E359}" dt="2024-04-19T02:34:13.568" v="3299"/>
         <pc:sldMkLst>
           <pc:docMk/>
           <pc:sldMk cId="2779685119" sldId="306"/>
@@ -2882,6 +3321,22 @@
             <pc:docMk/>
             <pc:sldMk cId="2779685119" sldId="306"/>
             <ac:picMk id="28" creationId="{77795404-A2C2-4B03-8F96-7FBA7A67E7DE}"/>
+          </ac:picMkLst>
+        </pc:picChg>
+        <pc:picChg chg="del">
+          <ac:chgData name="GAMBOA ALVARADO IGNACIO G" userId="d3d0d4b5-30dd-46e6-93bb-837ddea6ad49" providerId="ADAL" clId="{5B4D70C6-83A3-41C3-8256-4EC1A969E359}" dt="2024-04-19T02:34:07.139" v="3298" actId="21"/>
+          <ac:picMkLst>
+            <pc:docMk/>
+            <pc:sldMk cId="2779685119" sldId="306"/>
+            <ac:picMk id="31" creationId="{637CF5E8-ABB0-22A1-D946-FDFCE8232FD1}"/>
+          </ac:picMkLst>
+        </pc:picChg>
+        <pc:picChg chg="add">
+          <ac:chgData name="GAMBOA ALVARADO IGNACIO G" userId="d3d0d4b5-30dd-46e6-93bb-837ddea6ad49" providerId="ADAL" clId="{5B4D70C6-83A3-41C3-8256-4EC1A969E359}" dt="2024-04-19T02:34:13.568" v="3299"/>
+          <ac:picMkLst>
+            <pc:docMk/>
+            <pc:sldMk cId="2779685119" sldId="306"/>
+            <ac:picMk id="32" creationId="{B6E54D26-C92E-3819-3840-BB1F962D64C7}"/>
           </ac:picMkLst>
         </pc:picChg>
         <pc:picChg chg="del">
@@ -3193,12 +3648,204 @@
           </ac:picMkLst>
         </pc:picChg>
       </pc:sldChg>
-      <pc:sldChg chg="add">
-        <pc:chgData name="GAMBOA ALVARADO IGNACIO G" userId="d3d0d4b5-30dd-46e6-93bb-837ddea6ad49" providerId="ADAL" clId="{5B4D70C6-83A3-41C3-8256-4EC1A969E359}" dt="2024-04-18T23:43:10.108" v="2918" actId="2890"/>
+      <pc:sldChg chg="addSp delSp modSp add mod">
+        <pc:chgData name="GAMBOA ALVARADO IGNACIO G" userId="d3d0d4b5-30dd-46e6-93bb-837ddea6ad49" providerId="ADAL" clId="{5B4D70C6-83A3-41C3-8256-4EC1A969E359}" dt="2024-04-19T02:08:19.472" v="3294" actId="207"/>
         <pc:sldMkLst>
           <pc:docMk/>
           <pc:sldMk cId="4026079951" sldId="310"/>
         </pc:sldMkLst>
+        <pc:spChg chg="add mod topLvl">
+          <ac:chgData name="GAMBOA ALVARADO IGNACIO G" userId="d3d0d4b5-30dd-46e6-93bb-837ddea6ad49" providerId="ADAL" clId="{5B4D70C6-83A3-41C3-8256-4EC1A969E359}" dt="2024-04-19T02:05:09.654" v="3229" actId="20577"/>
+          <ac:spMkLst>
+            <pc:docMk/>
+            <pc:sldMk cId="4026079951" sldId="310"/>
+            <ac:spMk id="3" creationId="{8FFB18C6-E252-AEA7-7546-D8E3ACC10833}"/>
+          </ac:spMkLst>
+        </pc:spChg>
+        <pc:spChg chg="add mod topLvl">
+          <ac:chgData name="GAMBOA ALVARADO IGNACIO G" userId="d3d0d4b5-30dd-46e6-93bb-837ddea6ad49" providerId="ADAL" clId="{5B4D70C6-83A3-41C3-8256-4EC1A969E359}" dt="2024-04-19T02:04:35.397" v="3222" actId="164"/>
+          <ac:spMkLst>
+            <pc:docMk/>
+            <pc:sldMk cId="4026079951" sldId="310"/>
+            <ac:spMk id="4" creationId="{DFC250D8-D0C3-D279-0ED9-892373FEFC12}"/>
+          </ac:spMkLst>
+        </pc:spChg>
+        <pc:spChg chg="add mod">
+          <ac:chgData name="GAMBOA ALVARADO IGNACIO G" userId="d3d0d4b5-30dd-46e6-93bb-837ddea6ad49" providerId="ADAL" clId="{5B4D70C6-83A3-41C3-8256-4EC1A969E359}" dt="2024-04-19T02:02:11.245" v="3203" actId="767"/>
+          <ac:spMkLst>
+            <pc:docMk/>
+            <pc:sldMk cId="4026079951" sldId="310"/>
+            <ac:spMk id="8" creationId="{3B958F62-B544-8606-70D7-9FC08BE7DEF8}"/>
+          </ac:spMkLst>
+        </pc:spChg>
+        <pc:spChg chg="del">
+          <ac:chgData name="GAMBOA ALVARADO IGNACIO G" userId="d3d0d4b5-30dd-46e6-93bb-837ddea6ad49" providerId="ADAL" clId="{5B4D70C6-83A3-41C3-8256-4EC1A969E359}" dt="2024-04-19T02:02:23.203" v="3206"/>
+          <ac:spMkLst>
+            <pc:docMk/>
+            <pc:sldMk cId="4026079951" sldId="310"/>
+            <ac:spMk id="10" creationId="{3B958F62-B544-8606-70D7-9FC08BE7DEF8}"/>
+          </ac:spMkLst>
+        </pc:spChg>
+        <pc:spChg chg="add del mod">
+          <ac:chgData name="GAMBOA ALVARADO IGNACIO G" userId="d3d0d4b5-30dd-46e6-93bb-837ddea6ad49" providerId="ADAL" clId="{5B4D70C6-83A3-41C3-8256-4EC1A969E359}" dt="2024-04-19T02:02:23.206" v="3208"/>
+          <ac:spMkLst>
+            <pc:docMk/>
+            <pc:sldMk cId="4026079951" sldId="310"/>
+            <ac:spMk id="11" creationId="{5A30E48D-ED63-0F98-76D9-5AEF476C753E}"/>
+          </ac:spMkLst>
+        </pc:spChg>
+        <pc:spChg chg="mod">
+          <ac:chgData name="GAMBOA ALVARADO IGNACIO G" userId="d3d0d4b5-30dd-46e6-93bb-837ddea6ad49" providerId="ADAL" clId="{5B4D70C6-83A3-41C3-8256-4EC1A969E359}" dt="2024-04-19T02:04:40.525" v="3223" actId="164"/>
+          <ac:spMkLst>
+            <pc:docMk/>
+            <pc:sldMk cId="4026079951" sldId="310"/>
+            <ac:spMk id="15" creationId="{687C2E96-FE35-FEF7-BA0A-5ACF023FA5BD}"/>
+          </ac:spMkLst>
+        </pc:spChg>
+        <pc:spChg chg="mod">
+          <ac:chgData name="GAMBOA ALVARADO IGNACIO G" userId="d3d0d4b5-30dd-46e6-93bb-837ddea6ad49" providerId="ADAL" clId="{5B4D70C6-83A3-41C3-8256-4EC1A969E359}" dt="2024-04-19T02:04:40.525" v="3223" actId="164"/>
+          <ac:spMkLst>
+            <pc:docMk/>
+            <pc:sldMk cId="4026079951" sldId="310"/>
+            <ac:spMk id="16" creationId="{ED0C73D5-D867-8AA5-5CDD-36930A4486E8}"/>
+          </ac:spMkLst>
+        </pc:spChg>
+        <pc:spChg chg="mod">
+          <ac:chgData name="GAMBOA ALVARADO IGNACIO G" userId="d3d0d4b5-30dd-46e6-93bb-837ddea6ad49" providerId="ADAL" clId="{5B4D70C6-83A3-41C3-8256-4EC1A969E359}" dt="2024-04-19T02:05:18.977" v="3244" actId="20577"/>
+          <ac:spMkLst>
+            <pc:docMk/>
+            <pc:sldMk cId="4026079951" sldId="310"/>
+            <ac:spMk id="17" creationId="{B4FB0981-55CB-5B53-D161-1B449F87837A}"/>
+          </ac:spMkLst>
+        </pc:spChg>
+        <pc:spChg chg="mod">
+          <ac:chgData name="GAMBOA ALVARADO IGNACIO G" userId="d3d0d4b5-30dd-46e6-93bb-837ddea6ad49" providerId="ADAL" clId="{5B4D70C6-83A3-41C3-8256-4EC1A969E359}" dt="2024-04-19T02:04:46.819" v="3224" actId="164"/>
+          <ac:spMkLst>
+            <pc:docMk/>
+            <pc:sldMk cId="4026079951" sldId="310"/>
+            <ac:spMk id="18" creationId="{1F43C420-F744-BC01-29AC-F17FD212F537}"/>
+          </ac:spMkLst>
+        </pc:spChg>
+        <pc:spChg chg="mod">
+          <ac:chgData name="GAMBOA ALVARADO IGNACIO G" userId="d3d0d4b5-30dd-46e6-93bb-837ddea6ad49" providerId="ADAL" clId="{5B4D70C6-83A3-41C3-8256-4EC1A969E359}" dt="2024-04-19T02:05:22.963" v="3250" actId="20577"/>
+          <ac:spMkLst>
+            <pc:docMk/>
+            <pc:sldMk cId="4026079951" sldId="310"/>
+            <ac:spMk id="19" creationId="{BDB4DF92-2798-EECA-F1DC-727D236E16D6}"/>
+          </ac:spMkLst>
+        </pc:spChg>
+        <pc:spChg chg="mod">
+          <ac:chgData name="GAMBOA ALVARADO IGNACIO G" userId="d3d0d4b5-30dd-46e6-93bb-837ddea6ad49" providerId="ADAL" clId="{5B4D70C6-83A3-41C3-8256-4EC1A969E359}" dt="2024-04-19T02:07:10.727" v="3274" actId="21"/>
+          <ac:spMkLst>
+            <pc:docMk/>
+            <pc:sldMk cId="4026079951" sldId="310"/>
+            <ac:spMk id="20" creationId="{58A80695-BC02-A6E2-35B6-7E82ABDBD1B7}"/>
+          </ac:spMkLst>
+        </pc:spChg>
+        <pc:spChg chg="mod">
+          <ac:chgData name="GAMBOA ALVARADO IGNACIO G" userId="d3d0d4b5-30dd-46e6-93bb-837ddea6ad49" providerId="ADAL" clId="{5B4D70C6-83A3-41C3-8256-4EC1A969E359}" dt="2024-04-19T02:05:14.557" v="3239" actId="20577"/>
+          <ac:spMkLst>
+            <pc:docMk/>
+            <pc:sldMk cId="4026079951" sldId="310"/>
+            <ac:spMk id="27" creationId="{7D902329-67E8-92E9-92F7-0C3B39A25C9A}"/>
+          </ac:spMkLst>
+        </pc:spChg>
+        <pc:spChg chg="mod">
+          <ac:chgData name="GAMBOA ALVARADO IGNACIO G" userId="d3d0d4b5-30dd-46e6-93bb-837ddea6ad49" providerId="ADAL" clId="{5B4D70C6-83A3-41C3-8256-4EC1A969E359}" dt="2024-04-19T02:04:40.525" v="3223" actId="164"/>
+          <ac:spMkLst>
+            <pc:docMk/>
+            <pc:sldMk cId="4026079951" sldId="310"/>
+            <ac:spMk id="28" creationId="{C2D2FADB-C13F-5DC1-9B86-CFB9FD33C2F3}"/>
+          </ac:spMkLst>
+        </pc:spChg>
+        <pc:spChg chg="mod">
+          <ac:chgData name="GAMBOA ALVARADO IGNACIO G" userId="d3d0d4b5-30dd-46e6-93bb-837ddea6ad49" providerId="ADAL" clId="{5B4D70C6-83A3-41C3-8256-4EC1A969E359}" dt="2024-04-19T02:05:25.854" v="3251" actId="20577"/>
+          <ac:spMkLst>
+            <pc:docMk/>
+            <pc:sldMk cId="4026079951" sldId="310"/>
+            <ac:spMk id="32" creationId="{37F5CE8D-A7FA-AC42-C131-B7B45584B63C}"/>
+          </ac:spMkLst>
+        </pc:spChg>
+        <pc:spChg chg="mod">
+          <ac:chgData name="GAMBOA ALVARADO IGNACIO G" userId="d3d0d4b5-30dd-46e6-93bb-837ddea6ad49" providerId="ADAL" clId="{5B4D70C6-83A3-41C3-8256-4EC1A969E359}" dt="2024-04-19T02:08:19.472" v="3294" actId="207"/>
+          <ac:spMkLst>
+            <pc:docMk/>
+            <pc:sldMk cId="4026079951" sldId="310"/>
+            <ac:spMk id="33" creationId="{248DACA0-1707-83A2-DFD7-E4B8CF27ECE5}"/>
+          </ac:spMkLst>
+        </pc:spChg>
+        <pc:spChg chg="mod">
+          <ac:chgData name="GAMBOA ALVARADO IGNACIO G" userId="d3d0d4b5-30dd-46e6-93bb-837ddea6ad49" providerId="ADAL" clId="{5B4D70C6-83A3-41C3-8256-4EC1A969E359}" dt="2024-04-19T02:05:27.423" v="3252" actId="20577"/>
+          <ac:spMkLst>
+            <pc:docMk/>
+            <pc:sldMk cId="4026079951" sldId="310"/>
+            <ac:spMk id="37" creationId="{144C30AA-FB92-C49A-C7D9-13DC80832B66}"/>
+          </ac:spMkLst>
+        </pc:spChg>
+        <pc:spChg chg="mod">
+          <ac:chgData name="GAMBOA ALVARADO IGNACIO G" userId="d3d0d4b5-30dd-46e6-93bb-837ddea6ad49" providerId="ADAL" clId="{5B4D70C6-83A3-41C3-8256-4EC1A969E359}" dt="2024-04-19T02:05:29.986" v="3253" actId="20577"/>
+          <ac:spMkLst>
+            <pc:docMk/>
+            <pc:sldMk cId="4026079951" sldId="310"/>
+            <ac:spMk id="42" creationId="{F6DF212A-48B7-25CE-344C-7E90469314F7}"/>
+          </ac:spMkLst>
+        </pc:spChg>
+        <pc:spChg chg="mod">
+          <ac:chgData name="GAMBOA ALVARADO IGNACIO G" userId="d3d0d4b5-30dd-46e6-93bb-837ddea6ad49" providerId="ADAL" clId="{5B4D70C6-83A3-41C3-8256-4EC1A969E359}" dt="2024-04-19T01:21:23.968" v="3191" actId="14100"/>
+          <ac:spMkLst>
+            <pc:docMk/>
+            <pc:sldMk cId="4026079951" sldId="310"/>
+            <ac:spMk id="43" creationId="{227163E9-5661-4AAF-9078-F7CFD4D862FB}"/>
+          </ac:spMkLst>
+        </pc:spChg>
+        <pc:spChg chg="add del">
+          <ac:chgData name="GAMBOA ALVARADO IGNACIO G" userId="d3d0d4b5-30dd-46e6-93bb-837ddea6ad49" providerId="ADAL" clId="{5B4D70C6-83A3-41C3-8256-4EC1A969E359}" dt="2024-04-19T02:07:09.349" v="3273" actId="22"/>
+          <ac:spMkLst>
+            <pc:docMk/>
+            <pc:sldMk cId="4026079951" sldId="310"/>
+            <ac:spMk id="46" creationId="{2A090067-0B0A-6045-43F2-8B5BE84234BF}"/>
+          </ac:spMkLst>
+        </pc:spChg>
+        <pc:grpChg chg="add del mod">
+          <ac:chgData name="GAMBOA ALVARADO IGNACIO G" userId="d3d0d4b5-30dd-46e6-93bb-837ddea6ad49" providerId="ADAL" clId="{5B4D70C6-83A3-41C3-8256-4EC1A969E359}" dt="2024-04-19T02:02:51.443" v="3210" actId="165"/>
+          <ac:grpSpMkLst>
+            <pc:docMk/>
+            <pc:sldMk cId="4026079951" sldId="310"/>
+            <ac:grpSpMk id="12" creationId="{C1924760-07FE-76C6-FBA0-1BA2F2E95381}"/>
+          </ac:grpSpMkLst>
+        </pc:grpChg>
+        <pc:grpChg chg="add mod">
+          <ac:chgData name="GAMBOA ALVARADO IGNACIO G" userId="d3d0d4b5-30dd-46e6-93bb-837ddea6ad49" providerId="ADAL" clId="{5B4D70C6-83A3-41C3-8256-4EC1A969E359}" dt="2024-04-19T02:04:35.397" v="3222" actId="164"/>
+          <ac:grpSpMkLst>
+            <pc:docMk/>
+            <pc:sldMk cId="4026079951" sldId="310"/>
+            <ac:grpSpMk id="29" creationId="{06F6DB3C-0030-016C-D276-7DC33ECB1382}"/>
+          </ac:grpSpMkLst>
+        </pc:grpChg>
+        <pc:grpChg chg="add mod">
+          <ac:chgData name="GAMBOA ALVARADO IGNACIO G" userId="d3d0d4b5-30dd-46e6-93bb-837ddea6ad49" providerId="ADAL" clId="{5B4D70C6-83A3-41C3-8256-4EC1A969E359}" dt="2024-04-19T02:04:40.525" v="3223" actId="164"/>
+          <ac:grpSpMkLst>
+            <pc:docMk/>
+            <pc:sldMk cId="4026079951" sldId="310"/>
+            <ac:grpSpMk id="30" creationId="{F904F3FA-55A8-357F-D91D-0E20DA056807}"/>
+          </ac:grpSpMkLst>
+        </pc:grpChg>
+        <pc:grpChg chg="add mod">
+          <ac:chgData name="GAMBOA ALVARADO IGNACIO G" userId="d3d0d4b5-30dd-46e6-93bb-837ddea6ad49" providerId="ADAL" clId="{5B4D70C6-83A3-41C3-8256-4EC1A969E359}" dt="2024-04-19T02:04:46.819" v="3224" actId="164"/>
+          <ac:grpSpMkLst>
+            <pc:docMk/>
+            <pc:sldMk cId="4026079951" sldId="310"/>
+            <ac:grpSpMk id="31" creationId="{5462D678-0C32-84D3-A914-A87E4AC3F7F9}"/>
+          </ac:grpSpMkLst>
+        </pc:grpChg>
+        <pc:grpChg chg="add mod">
+          <ac:chgData name="GAMBOA ALVARADO IGNACIO G" userId="d3d0d4b5-30dd-46e6-93bb-837ddea6ad49" providerId="ADAL" clId="{5B4D70C6-83A3-41C3-8256-4EC1A969E359}" dt="2024-04-19T02:04:53.337" v="3225" actId="164"/>
+          <ac:grpSpMkLst>
+            <pc:docMk/>
+            <pc:sldMk cId="4026079951" sldId="310"/>
+            <ac:grpSpMk id="32" creationId="{17D8EA0E-8C38-AC06-AB8E-9A9079087245}"/>
+          </ac:grpSpMkLst>
+        </pc:grpChg>
       </pc:sldChg>
       <pc:sldChg chg="addSp modSp add mod modAnim">
         <pc:chgData name="GAMBOA ALVARADO IGNACIO G" userId="d3d0d4b5-30dd-46e6-93bb-837ddea6ad49" providerId="ADAL" clId="{5B4D70C6-83A3-41C3-8256-4EC1A969E359}" dt="2024-04-19T01:02:10.805" v="3189"/>
@@ -3270,6 +3917,514 @@
             <ac:picMk id="17" creationId="{46C870D0-8D72-A076-1CF6-E698E7399FA5}"/>
           </ac:picMkLst>
         </pc:picChg>
+      </pc:sldChg>
+      <pc:sldChg chg="modSp mod">
+        <pc:chgData name="GAMBOA ALVARADO IGNACIO G" userId="d3d0d4b5-30dd-46e6-93bb-837ddea6ad49" providerId="ADAL" clId="{5B4D70C6-83A3-41C3-8256-4EC1A969E359}" dt="2024-04-19T01:45:12.843" v="3193" actId="1076"/>
+        <pc:sldMkLst>
+          <pc:docMk/>
+          <pc:sldMk cId="319540435" sldId="313"/>
+        </pc:sldMkLst>
+        <pc:spChg chg="mod">
+          <ac:chgData name="GAMBOA ALVARADO IGNACIO G" userId="d3d0d4b5-30dd-46e6-93bb-837ddea6ad49" providerId="ADAL" clId="{5B4D70C6-83A3-41C3-8256-4EC1A969E359}" dt="2024-04-19T01:45:12.843" v="3193" actId="1076"/>
+          <ac:spMkLst>
+            <pc:docMk/>
+            <pc:sldMk cId="319540435" sldId="313"/>
+            <ac:spMk id="23" creationId="{73182A38-D6DF-453D-921E-315EFA20E2ED}"/>
+          </ac:spMkLst>
+        </pc:spChg>
+        <pc:spChg chg="mod">
+          <ac:chgData name="GAMBOA ALVARADO IGNACIO G" userId="d3d0d4b5-30dd-46e6-93bb-837ddea6ad49" providerId="ADAL" clId="{5B4D70C6-83A3-41C3-8256-4EC1A969E359}" dt="2024-04-19T01:41:24.187" v="3192" actId="14100"/>
+          <ac:spMkLst>
+            <pc:docMk/>
+            <pc:sldMk cId="319540435" sldId="313"/>
+            <ac:spMk id="24" creationId="{BA18F6DF-CBB0-C049-F795-5FBA7BFF080B}"/>
+          </ac:spMkLst>
+        </pc:spChg>
+      </pc:sldChg>
+    </pc:docChg>
+  </pc:docChgLst>
+  <pc:docChgLst>
+    <pc:chgData name="PEREZ VERGARA MELANY" userId="S::m.perezvergara@uandresbello.edu::d95698a7-632e-4c03-ab0f-564477513d69" providerId="AD" clId="Web-{512BB393-AFC8-321A-CA6F-0FE68B77EE34}"/>
+    <pc:docChg chg="addSld modSld">
+      <pc:chgData name="PEREZ VERGARA MELANY" userId="S::m.perezvergara@uandresbello.edu::d95698a7-632e-4c03-ab0f-564477513d69" providerId="AD" clId="Web-{512BB393-AFC8-321A-CA6F-0FE68B77EE34}" dt="2024-04-19T01:55:38.091" v="766" actId="20577"/>
+      <pc:docMkLst>
+        <pc:docMk/>
+      </pc:docMkLst>
+      <pc:sldChg chg="modSp">
+        <pc:chgData name="PEREZ VERGARA MELANY" userId="S::m.perezvergara@uandresbello.edu::d95698a7-632e-4c03-ab0f-564477513d69" providerId="AD" clId="Web-{512BB393-AFC8-321A-CA6F-0FE68B77EE34}" dt="2024-04-19T01:55:38.091" v="766" actId="20577"/>
+        <pc:sldMkLst>
+          <pc:docMk/>
+          <pc:sldMk cId="4002806811" sldId="305"/>
+        </pc:sldMkLst>
+        <pc:spChg chg="mod">
+          <ac:chgData name="PEREZ VERGARA MELANY" userId="S::m.perezvergara@uandresbello.edu::d95698a7-632e-4c03-ab0f-564477513d69" providerId="AD" clId="Web-{512BB393-AFC8-321A-CA6F-0FE68B77EE34}" dt="2024-04-19T01:55:38.091" v="766" actId="20577"/>
+          <ac:spMkLst>
+            <pc:docMk/>
+            <pc:sldMk cId="4002806811" sldId="305"/>
+            <ac:spMk id="46" creationId="{407ACAF3-9F46-4590-BB27-0A76A5E37EF0}"/>
+          </ac:spMkLst>
+        </pc:spChg>
+        <pc:spChg chg="mod">
+          <ac:chgData name="PEREZ VERGARA MELANY" userId="S::m.perezvergara@uandresbello.edu::d95698a7-632e-4c03-ab0f-564477513d69" providerId="AD" clId="Web-{512BB393-AFC8-321A-CA6F-0FE68B77EE34}" dt="2024-04-19T01:54:55.167" v="758" actId="20577"/>
+          <ac:spMkLst>
+            <pc:docMk/>
+            <pc:sldMk cId="4002806811" sldId="305"/>
+            <ac:spMk id="78" creationId="{01A187E2-50D2-4CF9-BEC4-99ED7D9D1517}"/>
+          </ac:spMkLst>
+        </pc:spChg>
+      </pc:sldChg>
+      <pc:sldChg chg="addSp delSp modSp">
+        <pc:chgData name="PEREZ VERGARA MELANY" userId="S::m.perezvergara@uandresbello.edu::d95698a7-632e-4c03-ab0f-564477513d69" providerId="AD" clId="Web-{512BB393-AFC8-321A-CA6F-0FE68B77EE34}" dt="2024-04-19T01:07:30.976" v="279" actId="1076"/>
+        <pc:sldMkLst>
+          <pc:docMk/>
+          <pc:sldMk cId="1677787951" sldId="307"/>
+        </pc:sldMkLst>
+        <pc:spChg chg="del">
+          <ac:chgData name="PEREZ VERGARA MELANY" userId="S::m.perezvergara@uandresbello.edu::d95698a7-632e-4c03-ab0f-564477513d69" providerId="AD" clId="Web-{512BB393-AFC8-321A-CA6F-0FE68B77EE34}" dt="2024-04-19T00:42:44.457" v="26"/>
+          <ac:spMkLst>
+            <pc:docMk/>
+            <pc:sldMk cId="1677787951" sldId="307"/>
+            <ac:spMk id="2" creationId="{89F7B28D-E55B-A156-E75F-6B7FAAC53BF2}"/>
+          </ac:spMkLst>
+        </pc:spChg>
+        <pc:spChg chg="del">
+          <ac:chgData name="PEREZ VERGARA MELANY" userId="S::m.perezvergara@uandresbello.edu::d95698a7-632e-4c03-ab0f-564477513d69" providerId="AD" clId="Web-{512BB393-AFC8-321A-CA6F-0FE68B77EE34}" dt="2024-04-19T00:42:41.363" v="25"/>
+          <ac:spMkLst>
+            <pc:docMk/>
+            <pc:sldMk cId="1677787951" sldId="307"/>
+            <ac:spMk id="3" creationId="{D475482D-7F09-DE4F-FF9A-2C7FBEF94594}"/>
+          </ac:spMkLst>
+        </pc:spChg>
+        <pc:spChg chg="add mod">
+          <ac:chgData name="PEREZ VERGARA MELANY" userId="S::m.perezvergara@uandresbello.edu::d95698a7-632e-4c03-ab0f-564477513d69" providerId="AD" clId="Web-{512BB393-AFC8-321A-CA6F-0FE68B77EE34}" dt="2024-04-19T01:01:44.676" v="244" actId="1076"/>
+          <ac:spMkLst>
+            <pc:docMk/>
+            <pc:sldMk cId="1677787951" sldId="307"/>
+            <ac:spMk id="4" creationId="{D4E280EB-7A2F-4C18-150A-38B298C950B4}"/>
+          </ac:spMkLst>
+        </pc:spChg>
+        <pc:spChg chg="mod">
+          <ac:chgData name="PEREZ VERGARA MELANY" userId="S::m.perezvergara@uandresbello.edu::d95698a7-632e-4c03-ab0f-564477513d69" providerId="AD" clId="Web-{512BB393-AFC8-321A-CA6F-0FE68B77EE34}" dt="2024-04-19T01:01:38.676" v="243"/>
+          <ac:spMkLst>
+            <pc:docMk/>
+            <pc:sldMk cId="1677787951" sldId="307"/>
+            <ac:spMk id="5" creationId="{699E2788-EBE2-45DF-9C0B-D666080A46A9}"/>
+          </ac:spMkLst>
+        </pc:spChg>
+        <pc:spChg chg="del mod">
+          <ac:chgData name="PEREZ VERGARA MELANY" userId="S::m.perezvergara@uandresbello.edu::d95698a7-632e-4c03-ab0f-564477513d69" providerId="AD" clId="Web-{512BB393-AFC8-321A-CA6F-0FE68B77EE34}" dt="2024-04-19T00:42:36.879" v="24"/>
+          <ac:spMkLst>
+            <pc:docMk/>
+            <pc:sldMk cId="1677787951" sldId="307"/>
+            <ac:spMk id="6" creationId="{9DEC9D77-6AA7-4B6B-881C-F31DAAE1DB2A}"/>
+          </ac:spMkLst>
+        </pc:spChg>
+        <pc:spChg chg="add mod">
+          <ac:chgData name="PEREZ VERGARA MELANY" userId="S::m.perezvergara@uandresbello.edu::d95698a7-632e-4c03-ab0f-564477513d69" providerId="AD" clId="Web-{512BB393-AFC8-321A-CA6F-0FE68B77EE34}" dt="2024-04-19T01:03:49.292" v="264" actId="1076"/>
+          <ac:spMkLst>
+            <pc:docMk/>
+            <pc:sldMk cId="1677787951" sldId="307"/>
+            <ac:spMk id="7" creationId="{96739617-0171-F356-FA57-24597D06AC62}"/>
+          </ac:spMkLst>
+        </pc:spChg>
+        <pc:spChg chg="del">
+          <ac:chgData name="PEREZ VERGARA MELANY" userId="S::m.perezvergara@uandresbello.edu::d95698a7-632e-4c03-ab0f-564477513d69" providerId="AD" clId="Web-{512BB393-AFC8-321A-CA6F-0FE68B77EE34}" dt="2024-04-19T00:45:59.907" v="31"/>
+          <ac:spMkLst>
+            <pc:docMk/>
+            <pc:sldMk cId="1677787951" sldId="307"/>
+            <ac:spMk id="8" creationId="{8E5AB793-981F-4F0C-993F-B574912D895B}"/>
+          </ac:spMkLst>
+        </pc:spChg>
+        <pc:spChg chg="mod">
+          <ac:chgData name="PEREZ VERGARA MELANY" userId="S::m.perezvergara@uandresbello.edu::d95698a7-632e-4c03-ab0f-564477513d69" providerId="AD" clId="Web-{512BB393-AFC8-321A-CA6F-0FE68B77EE34}" dt="2024-04-19T01:07:30.976" v="279" actId="1076"/>
+          <ac:spMkLst>
+            <pc:docMk/>
+            <pc:sldMk cId="1677787951" sldId="307"/>
+            <ac:spMk id="10" creationId="{DC1D303F-E600-4ACE-9AB7-C6AEB05050D4}"/>
+          </ac:spMkLst>
+        </pc:spChg>
+        <pc:spChg chg="add mod">
+          <ac:chgData name="PEREZ VERGARA MELANY" userId="S::m.perezvergara@uandresbello.edu::d95698a7-632e-4c03-ab0f-564477513d69" providerId="AD" clId="Web-{512BB393-AFC8-321A-CA6F-0FE68B77EE34}" dt="2024-04-19T01:04:02.481" v="265" actId="1076"/>
+          <ac:spMkLst>
+            <pc:docMk/>
+            <pc:sldMk cId="1677787951" sldId="307"/>
+            <ac:spMk id="11" creationId="{121DDE4A-F080-BD75-0314-DE2CD23B7C0D}"/>
+          </ac:spMkLst>
+        </pc:spChg>
+        <pc:spChg chg="del mod">
+          <ac:chgData name="PEREZ VERGARA MELANY" userId="S::m.perezvergara@uandresbello.edu::d95698a7-632e-4c03-ab0f-564477513d69" providerId="AD" clId="Web-{512BB393-AFC8-321A-CA6F-0FE68B77EE34}" dt="2024-04-19T00:21:15.398" v="9"/>
+          <ac:spMkLst>
+            <pc:docMk/>
+            <pc:sldMk cId="1677787951" sldId="307"/>
+            <ac:spMk id="11" creationId="{ACB6F962-DADC-4482-8A69-766A19968AF5}"/>
+          </ac:spMkLst>
+        </pc:spChg>
+        <pc:spChg chg="del">
+          <ac:chgData name="PEREZ VERGARA MELANY" userId="S::m.perezvergara@uandresbello.edu::d95698a7-632e-4c03-ab0f-564477513d69" providerId="AD" clId="Web-{512BB393-AFC8-321A-CA6F-0FE68B77EE34}" dt="2024-04-19T00:22:39.620" v="12"/>
+          <ac:spMkLst>
+            <pc:docMk/>
+            <pc:sldMk cId="1677787951" sldId="307"/>
+            <ac:spMk id="12" creationId="{A3A365B2-B2DE-4D2C-92CE-32C0611969DB}"/>
+          </ac:spMkLst>
+        </pc:spChg>
+        <pc:spChg chg="add mod">
+          <ac:chgData name="PEREZ VERGARA MELANY" userId="S::m.perezvergara@uandresbello.edu::d95698a7-632e-4c03-ab0f-564477513d69" providerId="AD" clId="Web-{512BB393-AFC8-321A-CA6F-0FE68B77EE34}" dt="2024-04-19T01:07:04.272" v="274" actId="20577"/>
+          <ac:spMkLst>
+            <pc:docMk/>
+            <pc:sldMk cId="1677787951" sldId="307"/>
+            <ac:spMk id="12" creationId="{FCD74C54-A2BA-C62A-8C3D-6FBB66913252}"/>
+          </ac:spMkLst>
+        </pc:spChg>
+        <pc:spChg chg="add mod">
+          <ac:chgData name="PEREZ VERGARA MELANY" userId="S::m.perezvergara@uandresbello.edu::d95698a7-632e-4c03-ab0f-564477513d69" providerId="AD" clId="Web-{512BB393-AFC8-321A-CA6F-0FE68B77EE34}" dt="2024-04-19T01:07:16.819" v="277" actId="1076"/>
+          <ac:spMkLst>
+            <pc:docMk/>
+            <pc:sldMk cId="1677787951" sldId="307"/>
+            <ac:spMk id="17" creationId="{3E9CB07A-4474-8A61-287D-570011831083}"/>
+          </ac:spMkLst>
+        </pc:spChg>
+        <pc:spChg chg="del">
+          <ac:chgData name="PEREZ VERGARA MELANY" userId="S::m.perezvergara@uandresbello.edu::d95698a7-632e-4c03-ab0f-564477513d69" providerId="AD" clId="Web-{512BB393-AFC8-321A-CA6F-0FE68B77EE34}" dt="2024-04-19T00:45:50.141" v="29"/>
+          <ac:spMkLst>
+            <pc:docMk/>
+            <pc:sldMk cId="1677787951" sldId="307"/>
+            <ac:spMk id="19" creationId="{9052CB31-5E86-43F7-9E18-68D97336D3DC}"/>
+          </ac:spMkLst>
+        </pc:spChg>
+        <pc:spChg chg="del">
+          <ac:chgData name="PEREZ VERGARA MELANY" userId="S::m.perezvergara@uandresbello.edu::d95698a7-632e-4c03-ab0f-564477513d69" providerId="AD" clId="Web-{512BB393-AFC8-321A-CA6F-0FE68B77EE34}" dt="2024-04-19T00:46:07.204" v="35"/>
+          <ac:spMkLst>
+            <pc:docMk/>
+            <pc:sldMk cId="1677787951" sldId="307"/>
+            <ac:spMk id="20" creationId="{BF49D49A-95BF-4D21-AE29-BD9D704FEC5F}"/>
+          </ac:spMkLst>
+        </pc:spChg>
+        <pc:spChg chg="del">
+          <ac:chgData name="PEREZ VERGARA MELANY" userId="S::m.perezvergara@uandresbello.edu::d95698a7-632e-4c03-ab0f-564477513d69" providerId="AD" clId="Web-{512BB393-AFC8-321A-CA6F-0FE68B77EE34}" dt="2024-04-19T00:46:03.016" v="32"/>
+          <ac:spMkLst>
+            <pc:docMk/>
+            <pc:sldMk cId="1677787951" sldId="307"/>
+            <ac:spMk id="21" creationId="{6A548F58-8CF8-4D0C-8871-44C1700A4D4B}"/>
+          </ac:spMkLst>
+        </pc:spChg>
+        <pc:spChg chg="mod ord">
+          <ac:chgData name="PEREZ VERGARA MELANY" userId="S::m.perezvergara@uandresbello.edu::d95698a7-632e-4c03-ab0f-564477513d69" providerId="AD" clId="Web-{512BB393-AFC8-321A-CA6F-0FE68B77EE34}" dt="2024-04-19T01:03:43.558" v="263"/>
+          <ac:spMkLst>
+            <pc:docMk/>
+            <pc:sldMk cId="1677787951" sldId="307"/>
+            <ac:spMk id="23" creationId="{73182A38-D6DF-453D-921E-315EFA20E2ED}"/>
+          </ac:spMkLst>
+        </pc:spChg>
+        <pc:spChg chg="add del mod ord">
+          <ac:chgData name="PEREZ VERGARA MELANY" userId="S::m.perezvergara@uandresbello.edu::d95698a7-632e-4c03-ab0f-564477513d69" providerId="AD" clId="Web-{512BB393-AFC8-321A-CA6F-0FE68B77EE34}" dt="2024-04-19T01:03:14.384" v="256"/>
+          <ac:spMkLst>
+            <pc:docMk/>
+            <pc:sldMk cId="1677787951" sldId="307"/>
+            <ac:spMk id="27" creationId="{7D65C8FD-094B-8A21-061B-CD5D69DC6765}"/>
+          </ac:spMkLst>
+        </pc:spChg>
+        <pc:spChg chg="add del mod">
+          <ac:chgData name="PEREZ VERGARA MELANY" userId="S::m.perezvergara@uandresbello.edu::d95698a7-632e-4c03-ab0f-564477513d69" providerId="AD" clId="Web-{512BB393-AFC8-321A-CA6F-0FE68B77EE34}" dt="2024-04-19T01:02:25.225" v="250"/>
+          <ac:spMkLst>
+            <pc:docMk/>
+            <pc:sldMk cId="1677787951" sldId="307"/>
+            <ac:spMk id="28" creationId="{95560FC6-C715-30FC-CD43-D2AADA33EF80}"/>
+          </ac:spMkLst>
+        </pc:spChg>
+        <pc:spChg chg="add mod ord">
+          <ac:chgData name="PEREZ VERGARA MELANY" userId="S::m.perezvergara@uandresbello.edu::d95698a7-632e-4c03-ab0f-564477513d69" providerId="AD" clId="Web-{512BB393-AFC8-321A-CA6F-0FE68B77EE34}" dt="2024-04-19T01:03:40.417" v="262"/>
+          <ac:spMkLst>
+            <pc:docMk/>
+            <pc:sldMk cId="1677787951" sldId="307"/>
+            <ac:spMk id="29" creationId="{4828D22C-CD2B-F23A-8E2B-C31406165D80}"/>
+          </ac:spMkLst>
+        </pc:spChg>
+        <pc:picChg chg="mod modCrop">
+          <ac:chgData name="PEREZ VERGARA MELANY" userId="S::m.perezvergara@uandresbello.edu::d95698a7-632e-4c03-ab0f-564477513d69" providerId="AD" clId="Web-{512BB393-AFC8-321A-CA6F-0FE68B77EE34}" dt="2024-04-19T01:07:24.476" v="278" actId="1076"/>
+          <ac:picMkLst>
+            <pc:docMk/>
+            <pc:sldMk cId="1677787951" sldId="307"/>
+            <ac:picMk id="9" creationId="{8CA17F75-6E6A-44AC-B88D-4A56682EC3B2}"/>
+          </ac:picMkLst>
+        </pc:picChg>
+        <pc:picChg chg="del">
+          <ac:chgData name="PEREZ VERGARA MELANY" userId="S::m.perezvergara@uandresbello.edu::d95698a7-632e-4c03-ab0f-564477513d69" providerId="AD" clId="Web-{512BB393-AFC8-321A-CA6F-0FE68B77EE34}" dt="2024-04-19T00:45:51.953" v="30"/>
+          <ac:picMkLst>
+            <pc:docMk/>
+            <pc:sldMk cId="1677787951" sldId="307"/>
+            <ac:picMk id="13" creationId="{0B2A21D9-80B6-456C-A8D6-7AE3F3558AF4}"/>
+          </ac:picMkLst>
+        </pc:picChg>
+        <pc:picChg chg="add mod">
+          <ac:chgData name="PEREZ VERGARA MELANY" userId="S::m.perezvergara@uandresbello.edu::d95698a7-632e-4c03-ab0f-564477513d69" providerId="AD" clId="Web-{512BB393-AFC8-321A-CA6F-0FE68B77EE34}" dt="2024-04-19T00:55:55.220" v="225"/>
+          <ac:picMkLst>
+            <pc:docMk/>
+            <pc:sldMk cId="1677787951" sldId="307"/>
+            <ac:picMk id="24" creationId="{71F5FAC3-5BF7-B3F9-A2BF-90FCBEB5A94B}"/>
+          </ac:picMkLst>
+        </pc:picChg>
+        <pc:picChg chg="add mod">
+          <ac:chgData name="PEREZ VERGARA MELANY" userId="S::m.perezvergara@uandresbello.edu::d95698a7-632e-4c03-ab0f-564477513d69" providerId="AD" clId="Web-{512BB393-AFC8-321A-CA6F-0FE68B77EE34}" dt="2024-04-19T00:55:55.236" v="226"/>
+          <ac:picMkLst>
+            <pc:docMk/>
+            <pc:sldMk cId="1677787951" sldId="307"/>
+            <ac:picMk id="25" creationId="{208DBB9B-9953-D867-60BD-E4A1D5F4DD94}"/>
+          </ac:picMkLst>
+        </pc:picChg>
+        <pc:picChg chg="add mod modCrop">
+          <ac:chgData name="PEREZ VERGARA MELANY" userId="S::m.perezvergara@uandresbello.edu::d95698a7-632e-4c03-ab0f-564477513d69" providerId="AD" clId="Web-{512BB393-AFC8-321A-CA6F-0FE68B77EE34}" dt="2024-04-19T01:01:29.535" v="240"/>
+          <ac:picMkLst>
+            <pc:docMk/>
+            <pc:sldMk cId="1677787951" sldId="307"/>
+            <ac:picMk id="26" creationId="{E0ECE6FA-740B-8DC5-BB34-B58A16FF7C5E}"/>
+          </ac:picMkLst>
+        </pc:picChg>
+        <pc:picChg chg="add mod modCrop">
+          <ac:chgData name="PEREZ VERGARA MELANY" userId="S::m.perezvergara@uandresbello.edu::d95698a7-632e-4c03-ab0f-564477513d69" providerId="AD" clId="Web-{512BB393-AFC8-321A-CA6F-0FE68B77EE34}" dt="2024-04-19T01:06:56.490" v="273"/>
+          <ac:picMkLst>
+            <pc:docMk/>
+            <pc:sldMk cId="1677787951" sldId="307"/>
+            <ac:picMk id="30" creationId="{15400110-8BB1-8BBE-26F2-849DFE643E9E}"/>
+          </ac:picMkLst>
+        </pc:picChg>
+        <pc:cxnChg chg="del">
+          <ac:chgData name="PEREZ VERGARA MELANY" userId="S::m.perezvergara@uandresbello.edu::d95698a7-632e-4c03-ab0f-564477513d69" providerId="AD" clId="Web-{512BB393-AFC8-321A-CA6F-0FE68B77EE34}" dt="2024-04-19T00:45:46.953" v="27"/>
+          <ac:cxnSpMkLst>
+            <pc:docMk/>
+            <pc:sldMk cId="1677787951" sldId="307"/>
+            <ac:cxnSpMk id="14" creationId="{1585265B-4E00-434F-A644-ADFF1F48468A}"/>
+          </ac:cxnSpMkLst>
+        </pc:cxnChg>
+        <pc:cxnChg chg="del">
+          <ac:chgData name="PEREZ VERGARA MELANY" userId="S::m.perezvergara@uandresbello.edu::d95698a7-632e-4c03-ab0f-564477513d69" providerId="AD" clId="Web-{512BB393-AFC8-321A-CA6F-0FE68B77EE34}" dt="2024-04-19T00:45:48.312" v="28"/>
+          <ac:cxnSpMkLst>
+            <pc:docMk/>
+            <pc:sldMk cId="1677787951" sldId="307"/>
+            <ac:cxnSpMk id="15" creationId="{5B64C4A8-E34F-4E93-9BA1-1925F378EC3D}"/>
+          </ac:cxnSpMkLst>
+        </pc:cxnChg>
+        <pc:cxnChg chg="del">
+          <ac:chgData name="PEREZ VERGARA MELANY" userId="S::m.perezvergara@uandresbello.edu::d95698a7-632e-4c03-ab0f-564477513d69" providerId="AD" clId="Web-{512BB393-AFC8-321A-CA6F-0FE68B77EE34}" dt="2024-04-19T00:46:09.126" v="36"/>
+          <ac:cxnSpMkLst>
+            <pc:docMk/>
+            <pc:sldMk cId="1677787951" sldId="307"/>
+            <ac:cxnSpMk id="16" creationId="{122064AE-3A3A-4F63-800C-6648A2ADA6BE}"/>
+          </ac:cxnSpMkLst>
+        </pc:cxnChg>
+        <pc:cxnChg chg="del">
+          <ac:chgData name="PEREZ VERGARA MELANY" userId="S::m.perezvergara@uandresbello.edu::d95698a7-632e-4c03-ab0f-564477513d69" providerId="AD" clId="Web-{512BB393-AFC8-321A-CA6F-0FE68B77EE34}" dt="2024-04-19T00:46:05.079" v="34"/>
+          <ac:cxnSpMkLst>
+            <pc:docMk/>
+            <pc:sldMk cId="1677787951" sldId="307"/>
+            <ac:cxnSpMk id="18" creationId="{6B53EC84-3601-4293-B749-A2BC2795B17D}"/>
+          </ac:cxnSpMkLst>
+        </pc:cxnChg>
+        <pc:cxnChg chg="del mod">
+          <ac:chgData name="PEREZ VERGARA MELANY" userId="S::m.perezvergara@uandresbello.edu::d95698a7-632e-4c03-ab0f-564477513d69" providerId="AD" clId="Web-{512BB393-AFC8-321A-CA6F-0FE68B77EE34}" dt="2024-04-19T00:46:03.391" v="33"/>
+          <ac:cxnSpMkLst>
+            <pc:docMk/>
+            <pc:sldMk cId="1677787951" sldId="307"/>
+            <ac:cxnSpMk id="22" creationId="{6A7DB234-E311-4E3B-AE05-EF5CB163CB48}"/>
+          </ac:cxnSpMkLst>
+        </pc:cxnChg>
+      </pc:sldChg>
+      <pc:sldChg chg="modSp add replId">
+        <pc:chgData name="PEREZ VERGARA MELANY" userId="S::m.perezvergara@uandresbello.edu::d95698a7-632e-4c03-ab0f-564477513d69" providerId="AD" clId="Web-{512BB393-AFC8-321A-CA6F-0FE68B77EE34}" dt="2024-04-19T01:08:57.684" v="281" actId="20577"/>
+        <pc:sldMkLst>
+          <pc:docMk/>
+          <pc:sldMk cId="1128333449" sldId="312"/>
+        </pc:sldMkLst>
+        <pc:spChg chg="mod">
+          <ac:chgData name="PEREZ VERGARA MELANY" userId="S::m.perezvergara@uandresbello.edu::d95698a7-632e-4c03-ab0f-564477513d69" providerId="AD" clId="Web-{512BB393-AFC8-321A-CA6F-0FE68B77EE34}" dt="2024-04-19T01:08:57.684" v="281" actId="20577"/>
+          <ac:spMkLst>
+            <pc:docMk/>
+            <pc:sldMk cId="1128333449" sldId="312"/>
+            <ac:spMk id="8" creationId="{8E5AB793-981F-4F0C-993F-B574912D895B}"/>
+          </ac:spMkLst>
+        </pc:spChg>
+      </pc:sldChg>
+      <pc:sldChg chg="addSp delSp modSp add replId">
+        <pc:chgData name="PEREZ VERGARA MELANY" userId="S::m.perezvergara@uandresbello.edu::d95698a7-632e-4c03-ab0f-564477513d69" providerId="AD" clId="Web-{512BB393-AFC8-321A-CA6F-0FE68B77EE34}" dt="2024-04-19T01:46:43.063" v="740" actId="20577"/>
+        <pc:sldMkLst>
+          <pc:docMk/>
+          <pc:sldMk cId="319540435" sldId="313"/>
+        </pc:sldMkLst>
+        <pc:spChg chg="del">
+          <ac:chgData name="PEREZ VERGARA MELANY" userId="S::m.perezvergara@uandresbello.edu::d95698a7-632e-4c03-ab0f-564477513d69" providerId="AD" clId="Web-{512BB393-AFC8-321A-CA6F-0FE68B77EE34}" dt="2024-04-19T01:10:09.204" v="297"/>
+          <ac:spMkLst>
+            <pc:docMk/>
+            <pc:sldMk cId="319540435" sldId="313"/>
+            <ac:spMk id="2" creationId="{89F7B28D-E55B-A156-E75F-6B7FAAC53BF2}"/>
+          </ac:spMkLst>
+        </pc:spChg>
+        <pc:spChg chg="del">
+          <ac:chgData name="PEREZ VERGARA MELANY" userId="S::m.perezvergara@uandresbello.edu::d95698a7-632e-4c03-ab0f-564477513d69" providerId="AD" clId="Web-{512BB393-AFC8-321A-CA6F-0FE68B77EE34}" dt="2024-04-19T01:09:45.843" v="283"/>
+          <ac:spMkLst>
+            <pc:docMk/>
+            <pc:sldMk cId="319540435" sldId="313"/>
+            <ac:spMk id="3" creationId="{D475482D-7F09-DE4F-FF9A-2C7FBEF94594}"/>
+          </ac:spMkLst>
+        </pc:spChg>
+        <pc:spChg chg="add mod">
+          <ac:chgData name="PEREZ VERGARA MELANY" userId="S::m.perezvergara@uandresbello.edu::d95698a7-632e-4c03-ab0f-564477513d69" providerId="AD" clId="Web-{512BB393-AFC8-321A-CA6F-0FE68B77EE34}" dt="2024-04-19T01:38:23.076" v="709" actId="1076"/>
+          <ac:spMkLst>
+            <pc:docMk/>
+            <pc:sldMk cId="319540435" sldId="313"/>
+            <ac:spMk id="4" creationId="{631823CF-BC2F-D4EC-5405-A6FDF562CE09}"/>
+          </ac:spMkLst>
+        </pc:spChg>
+        <pc:spChg chg="del mod">
+          <ac:chgData name="PEREZ VERGARA MELANY" userId="S::m.perezvergara@uandresbello.edu::d95698a7-632e-4c03-ab0f-564477513d69" providerId="AD" clId="Web-{512BB393-AFC8-321A-CA6F-0FE68B77EE34}" dt="2024-04-19T01:10:15.079" v="300"/>
+          <ac:spMkLst>
+            <pc:docMk/>
+            <pc:sldMk cId="319540435" sldId="313"/>
+            <ac:spMk id="5" creationId="{699E2788-EBE2-45DF-9C0B-D666080A46A9}"/>
+          </ac:spMkLst>
+        </pc:spChg>
+        <pc:spChg chg="del mod">
+          <ac:chgData name="PEREZ VERGARA MELANY" userId="S::m.perezvergara@uandresbello.edu::d95698a7-632e-4c03-ab0f-564477513d69" providerId="AD" clId="Web-{512BB393-AFC8-321A-CA6F-0FE68B77EE34}" dt="2024-04-19T01:10:05.188" v="295"/>
+          <ac:spMkLst>
+            <pc:docMk/>
+            <pc:sldMk cId="319540435" sldId="313"/>
+            <ac:spMk id="6" creationId="{9DEC9D77-6AA7-4B6B-881C-F31DAAE1DB2A}"/>
+          </ac:spMkLst>
+        </pc:spChg>
+        <pc:spChg chg="del">
+          <ac:chgData name="PEREZ VERGARA MELANY" userId="S::m.perezvergara@uandresbello.edu::d95698a7-632e-4c03-ab0f-564477513d69" providerId="AD" clId="Web-{512BB393-AFC8-321A-CA6F-0FE68B77EE34}" dt="2024-04-19T01:10:32.861" v="311"/>
+          <ac:spMkLst>
+            <pc:docMk/>
+            <pc:sldMk cId="319540435" sldId="313"/>
+            <ac:spMk id="8" creationId="{8E5AB793-981F-4F0C-993F-B574912D895B}"/>
+          </ac:spMkLst>
+        </pc:spChg>
+        <pc:spChg chg="del">
+          <ac:chgData name="PEREZ VERGARA MELANY" userId="S::m.perezvergara@uandresbello.edu::d95698a7-632e-4c03-ab0f-564477513d69" providerId="AD" clId="Web-{512BB393-AFC8-321A-CA6F-0FE68B77EE34}" dt="2024-04-19T01:09:54.968" v="286"/>
+          <ac:spMkLst>
+            <pc:docMk/>
+            <pc:sldMk cId="319540435" sldId="313"/>
+            <ac:spMk id="10" creationId="{DC1D303F-E600-4ACE-9AB7-C6AEB05050D4}"/>
+          </ac:spMkLst>
+        </pc:spChg>
+        <pc:spChg chg="del mod">
+          <ac:chgData name="PEREZ VERGARA MELANY" userId="S::m.perezvergara@uandresbello.edu::d95698a7-632e-4c03-ab0f-564477513d69" providerId="AD" clId="Web-{512BB393-AFC8-321A-CA6F-0FE68B77EE34}" dt="2024-04-19T01:10:07.110" v="296"/>
+          <ac:spMkLst>
+            <pc:docMk/>
+            <pc:sldMk cId="319540435" sldId="313"/>
+            <ac:spMk id="11" creationId="{ACB6F962-DADC-4482-8A69-766A19968AF5}"/>
+          </ac:spMkLst>
+        </pc:spChg>
+        <pc:spChg chg="mod">
+          <ac:chgData name="PEREZ VERGARA MELANY" userId="S::m.perezvergara@uandresbello.edu::d95698a7-632e-4c03-ab0f-564477513d69" providerId="AD" clId="Web-{512BB393-AFC8-321A-CA6F-0FE68B77EE34}" dt="2024-04-19T01:10:51.190" v="326" actId="20577"/>
+          <ac:spMkLst>
+            <pc:docMk/>
+            <pc:sldMk cId="319540435" sldId="313"/>
+            <ac:spMk id="12" creationId="{A3A365B2-B2DE-4D2C-92CE-32C0611969DB}"/>
+          </ac:spMkLst>
+        </pc:spChg>
+        <pc:spChg chg="add mod">
+          <ac:chgData name="PEREZ VERGARA MELANY" userId="S::m.perezvergara@uandresbello.edu::d95698a7-632e-4c03-ab0f-564477513d69" providerId="AD" clId="Web-{512BB393-AFC8-321A-CA6F-0FE68B77EE34}" dt="2024-04-19T01:30:03.830" v="483" actId="20577"/>
+          <ac:spMkLst>
+            <pc:docMk/>
+            <pc:sldMk cId="319540435" sldId="313"/>
+            <ac:spMk id="17" creationId="{1FCC3FBF-86B2-0BB3-B8FA-409661665625}"/>
+          </ac:spMkLst>
+        </pc:spChg>
+        <pc:spChg chg="del">
+          <ac:chgData name="PEREZ VERGARA MELANY" userId="S::m.perezvergara@uandresbello.edu::d95698a7-632e-4c03-ab0f-564477513d69" providerId="AD" clId="Web-{512BB393-AFC8-321A-CA6F-0FE68B77EE34}" dt="2024-04-19T01:10:25.048" v="307"/>
+          <ac:spMkLst>
+            <pc:docMk/>
+            <pc:sldMk cId="319540435" sldId="313"/>
+            <ac:spMk id="19" creationId="{9052CB31-5E86-43F7-9E18-68D97336D3DC}"/>
+          </ac:spMkLst>
+        </pc:spChg>
+        <pc:spChg chg="del">
+          <ac:chgData name="PEREZ VERGARA MELANY" userId="S::m.perezvergara@uandresbello.edu::d95698a7-632e-4c03-ab0f-564477513d69" providerId="AD" clId="Web-{512BB393-AFC8-321A-CA6F-0FE68B77EE34}" dt="2024-04-19T01:10:30.642" v="310"/>
+          <ac:spMkLst>
+            <pc:docMk/>
+            <pc:sldMk cId="319540435" sldId="313"/>
+            <ac:spMk id="20" creationId="{BF49D49A-95BF-4D21-AE29-BD9D704FEC5F}"/>
+          </ac:spMkLst>
+        </pc:spChg>
+        <pc:spChg chg="del">
+          <ac:chgData name="PEREZ VERGARA MELANY" userId="S::m.perezvergara@uandresbello.edu::d95698a7-632e-4c03-ab0f-564477513d69" providerId="AD" clId="Web-{512BB393-AFC8-321A-CA6F-0FE68B77EE34}" dt="2024-04-19T01:09:57.687" v="290"/>
+          <ac:spMkLst>
+            <pc:docMk/>
+            <pc:sldMk cId="319540435" sldId="313"/>
+            <ac:spMk id="21" creationId="{6A548F58-8CF8-4D0C-8871-44C1700A4D4B}"/>
+          </ac:spMkLst>
+        </pc:spChg>
+        <pc:spChg chg="add del mod">
+          <ac:chgData name="PEREZ VERGARA MELANY" userId="S::m.perezvergara@uandresbello.edu::d95698a7-632e-4c03-ab0f-564477513d69" providerId="AD" clId="Web-{512BB393-AFC8-321A-CA6F-0FE68B77EE34}" dt="2024-04-19T01:38:28.873" v="711" actId="1076"/>
+          <ac:spMkLst>
+            <pc:docMk/>
+            <pc:sldMk cId="319540435" sldId="313"/>
+            <ac:spMk id="23" creationId="{73182A38-D6DF-453D-921E-315EFA20E2ED}"/>
+          </ac:spMkLst>
+        </pc:spChg>
+        <pc:spChg chg="add mod">
+          <ac:chgData name="PEREZ VERGARA MELANY" userId="S::m.perezvergara@uandresbello.edu::d95698a7-632e-4c03-ab0f-564477513d69" providerId="AD" clId="Web-{512BB393-AFC8-321A-CA6F-0FE68B77EE34}" dt="2024-04-19T01:46:43.063" v="740" actId="20577"/>
+          <ac:spMkLst>
+            <pc:docMk/>
+            <pc:sldMk cId="319540435" sldId="313"/>
+            <ac:spMk id="24" creationId="{BA18F6DF-CBB0-C049-F795-5FBA7BFF080B}"/>
+          </ac:spMkLst>
+        </pc:spChg>
+        <pc:picChg chg="del">
+          <ac:chgData name="PEREZ VERGARA MELANY" userId="S::m.perezvergara@uandresbello.edu::d95698a7-632e-4c03-ab0f-564477513d69" providerId="AD" clId="Web-{512BB393-AFC8-321A-CA6F-0FE68B77EE34}" dt="2024-04-19T01:09:55.625" v="287"/>
+          <ac:picMkLst>
+            <pc:docMk/>
+            <pc:sldMk cId="319540435" sldId="313"/>
+            <ac:picMk id="9" creationId="{8CA17F75-6E6A-44AC-B88D-4A56682EC3B2}"/>
+          </ac:picMkLst>
+        </pc:picChg>
+        <pc:picChg chg="del">
+          <ac:chgData name="PEREZ VERGARA MELANY" userId="S::m.perezvergara@uandresbello.edu::d95698a7-632e-4c03-ab0f-564477513d69" providerId="AD" clId="Web-{512BB393-AFC8-321A-CA6F-0FE68B77EE34}" dt="2024-04-19T01:10:16.954" v="301"/>
+          <ac:picMkLst>
+            <pc:docMk/>
+            <pc:sldMk cId="319540435" sldId="313"/>
+            <ac:picMk id="13" creationId="{0B2A21D9-80B6-456C-A8D6-7AE3F3558AF4}"/>
+          </ac:picMkLst>
+        </pc:picChg>
+        <pc:cxnChg chg="del">
+          <ac:chgData name="PEREZ VERGARA MELANY" userId="S::m.perezvergara@uandresbello.edu::d95698a7-632e-4c03-ab0f-564477513d69" providerId="AD" clId="Web-{512BB393-AFC8-321A-CA6F-0FE68B77EE34}" dt="2024-04-19T01:10:19.642" v="303"/>
+          <ac:cxnSpMkLst>
+            <pc:docMk/>
+            <pc:sldMk cId="319540435" sldId="313"/>
+            <ac:cxnSpMk id="14" creationId="{1585265B-4E00-434F-A644-ADFF1F48468A}"/>
+          </ac:cxnSpMkLst>
+        </pc:cxnChg>
+        <pc:cxnChg chg="del">
+          <ac:chgData name="PEREZ VERGARA MELANY" userId="S::m.perezvergara@uandresbello.edu::d95698a7-632e-4c03-ab0f-564477513d69" providerId="AD" clId="Web-{512BB393-AFC8-321A-CA6F-0FE68B77EE34}" dt="2024-04-19T01:10:21.048" v="304"/>
+          <ac:cxnSpMkLst>
+            <pc:docMk/>
+            <pc:sldMk cId="319540435" sldId="313"/>
+            <ac:cxnSpMk id="15" creationId="{5B64C4A8-E34F-4E93-9BA1-1925F378EC3D}"/>
+          </ac:cxnSpMkLst>
+        </pc:cxnChg>
+        <pc:cxnChg chg="del">
+          <ac:chgData name="PEREZ VERGARA MELANY" userId="S::m.perezvergara@uandresbello.edu::d95698a7-632e-4c03-ab0f-564477513d69" providerId="AD" clId="Web-{512BB393-AFC8-321A-CA6F-0FE68B77EE34}" dt="2024-04-19T01:10:27.611" v="308"/>
+          <ac:cxnSpMkLst>
+            <pc:docMk/>
+            <pc:sldMk cId="319540435" sldId="313"/>
+            <ac:cxnSpMk id="16" creationId="{122064AE-3A3A-4F63-800C-6648A2ADA6BE}"/>
+          </ac:cxnSpMkLst>
+        </pc:cxnChg>
+        <pc:cxnChg chg="del">
+          <ac:chgData name="PEREZ VERGARA MELANY" userId="S::m.perezvergara@uandresbello.edu::d95698a7-632e-4c03-ab0f-564477513d69" providerId="AD" clId="Web-{512BB393-AFC8-321A-CA6F-0FE68B77EE34}" dt="2024-04-19T01:10:29.095" v="309"/>
+          <ac:cxnSpMkLst>
+            <pc:docMk/>
+            <pc:sldMk cId="319540435" sldId="313"/>
+            <ac:cxnSpMk id="18" creationId="{6B53EC84-3601-4293-B749-A2BC2795B17D}"/>
+          </ac:cxnSpMkLst>
+        </pc:cxnChg>
+        <pc:cxnChg chg="del mod">
+          <ac:chgData name="PEREZ VERGARA MELANY" userId="S::m.perezvergara@uandresbello.edu::d95698a7-632e-4c03-ab0f-564477513d69" providerId="AD" clId="Web-{512BB393-AFC8-321A-CA6F-0FE68B77EE34}" dt="2024-04-19T01:10:18.095" v="302"/>
+          <ac:cxnSpMkLst>
+            <pc:docMk/>
+            <pc:sldMk cId="319540435" sldId="313"/>
+            <ac:cxnSpMk id="22" creationId="{6A7DB234-E311-4E3B-AE05-EF5CB163CB48}"/>
+          </ac:cxnSpMkLst>
+        </pc:cxnChg>
       </pc:sldChg>
     </pc:docChg>
   </pc:docChgLst>
@@ -3739,452 +4894,6 @@
             <ac:picMk id="28" creationId="{77795404-A2C2-4B03-8F96-7FBA7A67E7DE}"/>
           </ac:picMkLst>
         </pc:picChg>
-      </pc:sldChg>
-    </pc:docChg>
-  </pc:docChgLst>
-  <pc:docChgLst>
-    <pc:chgData name="PEREZ VERGARA MELANY" userId="S::m.perezvergara@uandresbello.edu::d95698a7-632e-4c03-ab0f-564477513d69" providerId="AD" clId="Web-{512BB393-AFC8-321A-CA6F-0FE68B77EE34}"/>
-    <pc:docChg chg="addSld modSld">
-      <pc:chgData name="PEREZ VERGARA MELANY" userId="S::m.perezvergara@uandresbello.edu::d95698a7-632e-4c03-ab0f-564477513d69" providerId="AD" clId="Web-{512BB393-AFC8-321A-CA6F-0FE68B77EE34}" dt="2024-04-19T01:11:10.441" v="341" actId="14100"/>
-      <pc:docMkLst>
-        <pc:docMk/>
-      </pc:docMkLst>
-      <pc:sldChg chg="addSp delSp modSp">
-        <pc:chgData name="PEREZ VERGARA MELANY" userId="S::m.perezvergara@uandresbello.edu::d95698a7-632e-4c03-ab0f-564477513d69" providerId="AD" clId="Web-{512BB393-AFC8-321A-CA6F-0FE68B77EE34}" dt="2024-04-19T01:07:30.976" v="279" actId="1076"/>
-        <pc:sldMkLst>
-          <pc:docMk/>
-          <pc:sldMk cId="1677787951" sldId="307"/>
-        </pc:sldMkLst>
-        <pc:spChg chg="del">
-          <ac:chgData name="PEREZ VERGARA MELANY" userId="S::m.perezvergara@uandresbello.edu::d95698a7-632e-4c03-ab0f-564477513d69" providerId="AD" clId="Web-{512BB393-AFC8-321A-CA6F-0FE68B77EE34}" dt="2024-04-19T00:42:44.457" v="26"/>
-          <ac:spMkLst>
-            <pc:docMk/>
-            <pc:sldMk cId="1677787951" sldId="307"/>
-            <ac:spMk id="2" creationId="{89F7B28D-E55B-A156-E75F-6B7FAAC53BF2}"/>
-          </ac:spMkLst>
-        </pc:spChg>
-        <pc:spChg chg="del">
-          <ac:chgData name="PEREZ VERGARA MELANY" userId="S::m.perezvergara@uandresbello.edu::d95698a7-632e-4c03-ab0f-564477513d69" providerId="AD" clId="Web-{512BB393-AFC8-321A-CA6F-0FE68B77EE34}" dt="2024-04-19T00:42:41.363" v="25"/>
-          <ac:spMkLst>
-            <pc:docMk/>
-            <pc:sldMk cId="1677787951" sldId="307"/>
-            <ac:spMk id="3" creationId="{D475482D-7F09-DE4F-FF9A-2C7FBEF94594}"/>
-          </ac:spMkLst>
-        </pc:spChg>
-        <pc:spChg chg="add mod">
-          <ac:chgData name="PEREZ VERGARA MELANY" userId="S::m.perezvergara@uandresbello.edu::d95698a7-632e-4c03-ab0f-564477513d69" providerId="AD" clId="Web-{512BB393-AFC8-321A-CA6F-0FE68B77EE34}" dt="2024-04-19T01:01:44.676" v="244" actId="1076"/>
-          <ac:spMkLst>
-            <pc:docMk/>
-            <pc:sldMk cId="1677787951" sldId="307"/>
-            <ac:spMk id="4" creationId="{D4E280EB-7A2F-4C18-150A-38B298C950B4}"/>
-          </ac:spMkLst>
-        </pc:spChg>
-        <pc:spChg chg="mod">
-          <ac:chgData name="PEREZ VERGARA MELANY" userId="S::m.perezvergara@uandresbello.edu::d95698a7-632e-4c03-ab0f-564477513d69" providerId="AD" clId="Web-{512BB393-AFC8-321A-CA6F-0FE68B77EE34}" dt="2024-04-19T01:01:38.676" v="243"/>
-          <ac:spMkLst>
-            <pc:docMk/>
-            <pc:sldMk cId="1677787951" sldId="307"/>
-            <ac:spMk id="5" creationId="{699E2788-EBE2-45DF-9C0B-D666080A46A9}"/>
-          </ac:spMkLst>
-        </pc:spChg>
-        <pc:spChg chg="del mod">
-          <ac:chgData name="PEREZ VERGARA MELANY" userId="S::m.perezvergara@uandresbello.edu::d95698a7-632e-4c03-ab0f-564477513d69" providerId="AD" clId="Web-{512BB393-AFC8-321A-CA6F-0FE68B77EE34}" dt="2024-04-19T00:42:36.879" v="24"/>
-          <ac:spMkLst>
-            <pc:docMk/>
-            <pc:sldMk cId="1677787951" sldId="307"/>
-            <ac:spMk id="6" creationId="{9DEC9D77-6AA7-4B6B-881C-F31DAAE1DB2A}"/>
-          </ac:spMkLst>
-        </pc:spChg>
-        <pc:spChg chg="add mod">
-          <ac:chgData name="PEREZ VERGARA MELANY" userId="S::m.perezvergara@uandresbello.edu::d95698a7-632e-4c03-ab0f-564477513d69" providerId="AD" clId="Web-{512BB393-AFC8-321A-CA6F-0FE68B77EE34}" dt="2024-04-19T01:03:49.292" v="264" actId="1076"/>
-          <ac:spMkLst>
-            <pc:docMk/>
-            <pc:sldMk cId="1677787951" sldId="307"/>
-            <ac:spMk id="7" creationId="{96739617-0171-F356-FA57-24597D06AC62}"/>
-          </ac:spMkLst>
-        </pc:spChg>
-        <pc:spChg chg="del">
-          <ac:chgData name="PEREZ VERGARA MELANY" userId="S::m.perezvergara@uandresbello.edu::d95698a7-632e-4c03-ab0f-564477513d69" providerId="AD" clId="Web-{512BB393-AFC8-321A-CA6F-0FE68B77EE34}" dt="2024-04-19T00:45:59.907" v="31"/>
-          <ac:spMkLst>
-            <pc:docMk/>
-            <pc:sldMk cId="1677787951" sldId="307"/>
-            <ac:spMk id="8" creationId="{8E5AB793-981F-4F0C-993F-B574912D895B}"/>
-          </ac:spMkLst>
-        </pc:spChg>
-        <pc:spChg chg="mod">
-          <ac:chgData name="PEREZ VERGARA MELANY" userId="S::m.perezvergara@uandresbello.edu::d95698a7-632e-4c03-ab0f-564477513d69" providerId="AD" clId="Web-{512BB393-AFC8-321A-CA6F-0FE68B77EE34}" dt="2024-04-19T01:07:30.976" v="279" actId="1076"/>
-          <ac:spMkLst>
-            <pc:docMk/>
-            <pc:sldMk cId="1677787951" sldId="307"/>
-            <ac:spMk id="10" creationId="{DC1D303F-E600-4ACE-9AB7-C6AEB05050D4}"/>
-          </ac:spMkLst>
-        </pc:spChg>
-        <pc:spChg chg="add mod">
-          <ac:chgData name="PEREZ VERGARA MELANY" userId="S::m.perezvergara@uandresbello.edu::d95698a7-632e-4c03-ab0f-564477513d69" providerId="AD" clId="Web-{512BB393-AFC8-321A-CA6F-0FE68B77EE34}" dt="2024-04-19T01:04:02.481" v="265" actId="1076"/>
-          <ac:spMkLst>
-            <pc:docMk/>
-            <pc:sldMk cId="1677787951" sldId="307"/>
-            <ac:spMk id="11" creationId="{121DDE4A-F080-BD75-0314-DE2CD23B7C0D}"/>
-          </ac:spMkLst>
-        </pc:spChg>
-        <pc:spChg chg="del mod">
-          <ac:chgData name="PEREZ VERGARA MELANY" userId="S::m.perezvergara@uandresbello.edu::d95698a7-632e-4c03-ab0f-564477513d69" providerId="AD" clId="Web-{512BB393-AFC8-321A-CA6F-0FE68B77EE34}" dt="2024-04-19T00:21:15.398" v="9"/>
-          <ac:spMkLst>
-            <pc:docMk/>
-            <pc:sldMk cId="1677787951" sldId="307"/>
-            <ac:spMk id="11" creationId="{ACB6F962-DADC-4482-8A69-766A19968AF5}"/>
-          </ac:spMkLst>
-        </pc:spChg>
-        <pc:spChg chg="del">
-          <ac:chgData name="PEREZ VERGARA MELANY" userId="S::m.perezvergara@uandresbello.edu::d95698a7-632e-4c03-ab0f-564477513d69" providerId="AD" clId="Web-{512BB393-AFC8-321A-CA6F-0FE68B77EE34}" dt="2024-04-19T00:22:39.620" v="12"/>
-          <ac:spMkLst>
-            <pc:docMk/>
-            <pc:sldMk cId="1677787951" sldId="307"/>
-            <ac:spMk id="12" creationId="{A3A365B2-B2DE-4D2C-92CE-32C0611969DB}"/>
-          </ac:spMkLst>
-        </pc:spChg>
-        <pc:spChg chg="add mod">
-          <ac:chgData name="PEREZ VERGARA MELANY" userId="S::m.perezvergara@uandresbello.edu::d95698a7-632e-4c03-ab0f-564477513d69" providerId="AD" clId="Web-{512BB393-AFC8-321A-CA6F-0FE68B77EE34}" dt="2024-04-19T01:07:04.272" v="274" actId="20577"/>
-          <ac:spMkLst>
-            <pc:docMk/>
-            <pc:sldMk cId="1677787951" sldId="307"/>
-            <ac:spMk id="12" creationId="{FCD74C54-A2BA-C62A-8C3D-6FBB66913252}"/>
-          </ac:spMkLst>
-        </pc:spChg>
-        <pc:spChg chg="add mod">
-          <ac:chgData name="PEREZ VERGARA MELANY" userId="S::m.perezvergara@uandresbello.edu::d95698a7-632e-4c03-ab0f-564477513d69" providerId="AD" clId="Web-{512BB393-AFC8-321A-CA6F-0FE68B77EE34}" dt="2024-04-19T01:07:16.819" v="277" actId="1076"/>
-          <ac:spMkLst>
-            <pc:docMk/>
-            <pc:sldMk cId="1677787951" sldId="307"/>
-            <ac:spMk id="17" creationId="{3E9CB07A-4474-8A61-287D-570011831083}"/>
-          </ac:spMkLst>
-        </pc:spChg>
-        <pc:spChg chg="del">
-          <ac:chgData name="PEREZ VERGARA MELANY" userId="S::m.perezvergara@uandresbello.edu::d95698a7-632e-4c03-ab0f-564477513d69" providerId="AD" clId="Web-{512BB393-AFC8-321A-CA6F-0FE68B77EE34}" dt="2024-04-19T00:45:50.141" v="29"/>
-          <ac:spMkLst>
-            <pc:docMk/>
-            <pc:sldMk cId="1677787951" sldId="307"/>
-            <ac:spMk id="19" creationId="{9052CB31-5E86-43F7-9E18-68D97336D3DC}"/>
-          </ac:spMkLst>
-        </pc:spChg>
-        <pc:spChg chg="del">
-          <ac:chgData name="PEREZ VERGARA MELANY" userId="S::m.perezvergara@uandresbello.edu::d95698a7-632e-4c03-ab0f-564477513d69" providerId="AD" clId="Web-{512BB393-AFC8-321A-CA6F-0FE68B77EE34}" dt="2024-04-19T00:46:07.204" v="35"/>
-          <ac:spMkLst>
-            <pc:docMk/>
-            <pc:sldMk cId="1677787951" sldId="307"/>
-            <ac:spMk id="20" creationId="{BF49D49A-95BF-4D21-AE29-BD9D704FEC5F}"/>
-          </ac:spMkLst>
-        </pc:spChg>
-        <pc:spChg chg="del">
-          <ac:chgData name="PEREZ VERGARA MELANY" userId="S::m.perezvergara@uandresbello.edu::d95698a7-632e-4c03-ab0f-564477513d69" providerId="AD" clId="Web-{512BB393-AFC8-321A-CA6F-0FE68B77EE34}" dt="2024-04-19T00:46:03.016" v="32"/>
-          <ac:spMkLst>
-            <pc:docMk/>
-            <pc:sldMk cId="1677787951" sldId="307"/>
-            <ac:spMk id="21" creationId="{6A548F58-8CF8-4D0C-8871-44C1700A4D4B}"/>
-          </ac:spMkLst>
-        </pc:spChg>
-        <pc:spChg chg="mod ord">
-          <ac:chgData name="PEREZ VERGARA MELANY" userId="S::m.perezvergara@uandresbello.edu::d95698a7-632e-4c03-ab0f-564477513d69" providerId="AD" clId="Web-{512BB393-AFC8-321A-CA6F-0FE68B77EE34}" dt="2024-04-19T01:03:43.558" v="263"/>
-          <ac:spMkLst>
-            <pc:docMk/>
-            <pc:sldMk cId="1677787951" sldId="307"/>
-            <ac:spMk id="23" creationId="{73182A38-D6DF-453D-921E-315EFA20E2ED}"/>
-          </ac:spMkLst>
-        </pc:spChg>
-        <pc:spChg chg="add del mod ord">
-          <ac:chgData name="PEREZ VERGARA MELANY" userId="S::m.perezvergara@uandresbello.edu::d95698a7-632e-4c03-ab0f-564477513d69" providerId="AD" clId="Web-{512BB393-AFC8-321A-CA6F-0FE68B77EE34}" dt="2024-04-19T01:03:14.384" v="256"/>
-          <ac:spMkLst>
-            <pc:docMk/>
-            <pc:sldMk cId="1677787951" sldId="307"/>
-            <ac:spMk id="27" creationId="{7D65C8FD-094B-8A21-061B-CD5D69DC6765}"/>
-          </ac:spMkLst>
-        </pc:spChg>
-        <pc:spChg chg="add del mod">
-          <ac:chgData name="PEREZ VERGARA MELANY" userId="S::m.perezvergara@uandresbello.edu::d95698a7-632e-4c03-ab0f-564477513d69" providerId="AD" clId="Web-{512BB393-AFC8-321A-CA6F-0FE68B77EE34}" dt="2024-04-19T01:02:25.225" v="250"/>
-          <ac:spMkLst>
-            <pc:docMk/>
-            <pc:sldMk cId="1677787951" sldId="307"/>
-            <ac:spMk id="28" creationId="{95560FC6-C715-30FC-CD43-D2AADA33EF80}"/>
-          </ac:spMkLst>
-        </pc:spChg>
-        <pc:spChg chg="add mod ord">
-          <ac:chgData name="PEREZ VERGARA MELANY" userId="S::m.perezvergara@uandresbello.edu::d95698a7-632e-4c03-ab0f-564477513d69" providerId="AD" clId="Web-{512BB393-AFC8-321A-CA6F-0FE68B77EE34}" dt="2024-04-19T01:03:40.417" v="262"/>
-          <ac:spMkLst>
-            <pc:docMk/>
-            <pc:sldMk cId="1677787951" sldId="307"/>
-            <ac:spMk id="29" creationId="{4828D22C-CD2B-F23A-8E2B-C31406165D80}"/>
-          </ac:spMkLst>
-        </pc:spChg>
-        <pc:picChg chg="mod modCrop">
-          <ac:chgData name="PEREZ VERGARA MELANY" userId="S::m.perezvergara@uandresbello.edu::d95698a7-632e-4c03-ab0f-564477513d69" providerId="AD" clId="Web-{512BB393-AFC8-321A-CA6F-0FE68B77EE34}" dt="2024-04-19T01:07:24.476" v="278" actId="1076"/>
-          <ac:picMkLst>
-            <pc:docMk/>
-            <pc:sldMk cId="1677787951" sldId="307"/>
-            <ac:picMk id="9" creationId="{8CA17F75-6E6A-44AC-B88D-4A56682EC3B2}"/>
-          </ac:picMkLst>
-        </pc:picChg>
-        <pc:picChg chg="del">
-          <ac:chgData name="PEREZ VERGARA MELANY" userId="S::m.perezvergara@uandresbello.edu::d95698a7-632e-4c03-ab0f-564477513d69" providerId="AD" clId="Web-{512BB393-AFC8-321A-CA6F-0FE68B77EE34}" dt="2024-04-19T00:45:51.953" v="30"/>
-          <ac:picMkLst>
-            <pc:docMk/>
-            <pc:sldMk cId="1677787951" sldId="307"/>
-            <ac:picMk id="13" creationId="{0B2A21D9-80B6-456C-A8D6-7AE3F3558AF4}"/>
-          </ac:picMkLst>
-        </pc:picChg>
-        <pc:picChg chg="add mod">
-          <ac:chgData name="PEREZ VERGARA MELANY" userId="S::m.perezvergara@uandresbello.edu::d95698a7-632e-4c03-ab0f-564477513d69" providerId="AD" clId="Web-{512BB393-AFC8-321A-CA6F-0FE68B77EE34}" dt="2024-04-19T00:55:55.220" v="225"/>
-          <ac:picMkLst>
-            <pc:docMk/>
-            <pc:sldMk cId="1677787951" sldId="307"/>
-            <ac:picMk id="24" creationId="{71F5FAC3-5BF7-B3F9-A2BF-90FCBEB5A94B}"/>
-          </ac:picMkLst>
-        </pc:picChg>
-        <pc:picChg chg="add mod">
-          <ac:chgData name="PEREZ VERGARA MELANY" userId="S::m.perezvergara@uandresbello.edu::d95698a7-632e-4c03-ab0f-564477513d69" providerId="AD" clId="Web-{512BB393-AFC8-321A-CA6F-0FE68B77EE34}" dt="2024-04-19T00:55:55.236" v="226"/>
-          <ac:picMkLst>
-            <pc:docMk/>
-            <pc:sldMk cId="1677787951" sldId="307"/>
-            <ac:picMk id="25" creationId="{208DBB9B-9953-D867-60BD-E4A1D5F4DD94}"/>
-          </ac:picMkLst>
-        </pc:picChg>
-        <pc:picChg chg="add mod modCrop">
-          <ac:chgData name="PEREZ VERGARA MELANY" userId="S::m.perezvergara@uandresbello.edu::d95698a7-632e-4c03-ab0f-564477513d69" providerId="AD" clId="Web-{512BB393-AFC8-321A-CA6F-0FE68B77EE34}" dt="2024-04-19T01:01:29.535" v="240"/>
-          <ac:picMkLst>
-            <pc:docMk/>
-            <pc:sldMk cId="1677787951" sldId="307"/>
-            <ac:picMk id="26" creationId="{E0ECE6FA-740B-8DC5-BB34-B58A16FF7C5E}"/>
-          </ac:picMkLst>
-        </pc:picChg>
-        <pc:picChg chg="add mod modCrop">
-          <ac:chgData name="PEREZ VERGARA MELANY" userId="S::m.perezvergara@uandresbello.edu::d95698a7-632e-4c03-ab0f-564477513d69" providerId="AD" clId="Web-{512BB393-AFC8-321A-CA6F-0FE68B77EE34}" dt="2024-04-19T01:06:56.490" v="273"/>
-          <ac:picMkLst>
-            <pc:docMk/>
-            <pc:sldMk cId="1677787951" sldId="307"/>
-            <ac:picMk id="30" creationId="{15400110-8BB1-8BBE-26F2-849DFE643E9E}"/>
-          </ac:picMkLst>
-        </pc:picChg>
-        <pc:cxnChg chg="del">
-          <ac:chgData name="PEREZ VERGARA MELANY" userId="S::m.perezvergara@uandresbello.edu::d95698a7-632e-4c03-ab0f-564477513d69" providerId="AD" clId="Web-{512BB393-AFC8-321A-CA6F-0FE68B77EE34}" dt="2024-04-19T00:45:46.953" v="27"/>
-          <ac:cxnSpMkLst>
-            <pc:docMk/>
-            <pc:sldMk cId="1677787951" sldId="307"/>
-            <ac:cxnSpMk id="14" creationId="{1585265B-4E00-434F-A644-ADFF1F48468A}"/>
-          </ac:cxnSpMkLst>
-        </pc:cxnChg>
-        <pc:cxnChg chg="del">
-          <ac:chgData name="PEREZ VERGARA MELANY" userId="S::m.perezvergara@uandresbello.edu::d95698a7-632e-4c03-ab0f-564477513d69" providerId="AD" clId="Web-{512BB393-AFC8-321A-CA6F-0FE68B77EE34}" dt="2024-04-19T00:45:48.312" v="28"/>
-          <ac:cxnSpMkLst>
-            <pc:docMk/>
-            <pc:sldMk cId="1677787951" sldId="307"/>
-            <ac:cxnSpMk id="15" creationId="{5B64C4A8-E34F-4E93-9BA1-1925F378EC3D}"/>
-          </ac:cxnSpMkLst>
-        </pc:cxnChg>
-        <pc:cxnChg chg="del">
-          <ac:chgData name="PEREZ VERGARA MELANY" userId="S::m.perezvergara@uandresbello.edu::d95698a7-632e-4c03-ab0f-564477513d69" providerId="AD" clId="Web-{512BB393-AFC8-321A-CA6F-0FE68B77EE34}" dt="2024-04-19T00:46:09.126" v="36"/>
-          <ac:cxnSpMkLst>
-            <pc:docMk/>
-            <pc:sldMk cId="1677787951" sldId="307"/>
-            <ac:cxnSpMk id="16" creationId="{122064AE-3A3A-4F63-800C-6648A2ADA6BE}"/>
-          </ac:cxnSpMkLst>
-        </pc:cxnChg>
-        <pc:cxnChg chg="del">
-          <ac:chgData name="PEREZ VERGARA MELANY" userId="S::m.perezvergara@uandresbello.edu::d95698a7-632e-4c03-ab0f-564477513d69" providerId="AD" clId="Web-{512BB393-AFC8-321A-CA6F-0FE68B77EE34}" dt="2024-04-19T00:46:05.079" v="34"/>
-          <ac:cxnSpMkLst>
-            <pc:docMk/>
-            <pc:sldMk cId="1677787951" sldId="307"/>
-            <ac:cxnSpMk id="18" creationId="{6B53EC84-3601-4293-B749-A2BC2795B17D}"/>
-          </ac:cxnSpMkLst>
-        </pc:cxnChg>
-        <pc:cxnChg chg="del mod">
-          <ac:chgData name="PEREZ VERGARA MELANY" userId="S::m.perezvergara@uandresbello.edu::d95698a7-632e-4c03-ab0f-564477513d69" providerId="AD" clId="Web-{512BB393-AFC8-321A-CA6F-0FE68B77EE34}" dt="2024-04-19T00:46:03.391" v="33"/>
-          <ac:cxnSpMkLst>
-            <pc:docMk/>
-            <pc:sldMk cId="1677787951" sldId="307"/>
-            <ac:cxnSpMk id="22" creationId="{6A7DB234-E311-4E3B-AE05-EF5CB163CB48}"/>
-          </ac:cxnSpMkLst>
-        </pc:cxnChg>
-      </pc:sldChg>
-      <pc:sldChg chg="modSp add replId">
-        <pc:chgData name="PEREZ VERGARA MELANY" userId="S::m.perezvergara@uandresbello.edu::d95698a7-632e-4c03-ab0f-564477513d69" providerId="AD" clId="Web-{512BB393-AFC8-321A-CA6F-0FE68B77EE34}" dt="2024-04-19T01:08:57.684" v="281" actId="20577"/>
-        <pc:sldMkLst>
-          <pc:docMk/>
-          <pc:sldMk cId="1128333449" sldId="312"/>
-        </pc:sldMkLst>
-        <pc:spChg chg="mod">
-          <ac:chgData name="PEREZ VERGARA MELANY" userId="S::m.perezvergara@uandresbello.edu::d95698a7-632e-4c03-ab0f-564477513d69" providerId="AD" clId="Web-{512BB393-AFC8-321A-CA6F-0FE68B77EE34}" dt="2024-04-19T01:08:57.684" v="281" actId="20577"/>
-          <ac:spMkLst>
-            <pc:docMk/>
-            <pc:sldMk cId="1128333449" sldId="312"/>
-            <ac:spMk id="8" creationId="{8E5AB793-981F-4F0C-993F-B574912D895B}"/>
-          </ac:spMkLst>
-        </pc:spChg>
-      </pc:sldChg>
-      <pc:sldChg chg="addSp delSp modSp add replId">
-        <pc:chgData name="PEREZ VERGARA MELANY" userId="S::m.perezvergara@uandresbello.edu::d95698a7-632e-4c03-ab0f-564477513d69" providerId="AD" clId="Web-{512BB393-AFC8-321A-CA6F-0FE68B77EE34}" dt="2024-04-19T01:11:10.441" v="341" actId="14100"/>
-        <pc:sldMkLst>
-          <pc:docMk/>
-          <pc:sldMk cId="319540435" sldId="313"/>
-        </pc:sldMkLst>
-        <pc:spChg chg="del">
-          <ac:chgData name="PEREZ VERGARA MELANY" userId="S::m.perezvergara@uandresbello.edu::d95698a7-632e-4c03-ab0f-564477513d69" providerId="AD" clId="Web-{512BB393-AFC8-321A-CA6F-0FE68B77EE34}" dt="2024-04-19T01:10:09.204" v="297"/>
-          <ac:spMkLst>
-            <pc:docMk/>
-            <pc:sldMk cId="319540435" sldId="313"/>
-            <ac:spMk id="2" creationId="{89F7B28D-E55B-A156-E75F-6B7FAAC53BF2}"/>
-          </ac:spMkLst>
-        </pc:spChg>
-        <pc:spChg chg="del">
-          <ac:chgData name="PEREZ VERGARA MELANY" userId="S::m.perezvergara@uandresbello.edu::d95698a7-632e-4c03-ab0f-564477513d69" providerId="AD" clId="Web-{512BB393-AFC8-321A-CA6F-0FE68B77EE34}" dt="2024-04-19T01:09:45.843" v="283"/>
-          <ac:spMkLst>
-            <pc:docMk/>
-            <pc:sldMk cId="319540435" sldId="313"/>
-            <ac:spMk id="3" creationId="{D475482D-7F09-DE4F-FF9A-2C7FBEF94594}"/>
-          </ac:spMkLst>
-        </pc:spChg>
-        <pc:spChg chg="add mod">
-          <ac:chgData name="PEREZ VERGARA MELANY" userId="S::m.perezvergara@uandresbello.edu::d95698a7-632e-4c03-ab0f-564477513d69" providerId="AD" clId="Web-{512BB393-AFC8-321A-CA6F-0FE68B77EE34}" dt="2024-04-19T01:11:10.441" v="341" actId="14100"/>
-          <ac:spMkLst>
-            <pc:docMk/>
-            <pc:sldMk cId="319540435" sldId="313"/>
-            <ac:spMk id="4" creationId="{631823CF-BC2F-D4EC-5405-A6FDF562CE09}"/>
-          </ac:spMkLst>
-        </pc:spChg>
-        <pc:spChg chg="del mod">
-          <ac:chgData name="PEREZ VERGARA MELANY" userId="S::m.perezvergara@uandresbello.edu::d95698a7-632e-4c03-ab0f-564477513d69" providerId="AD" clId="Web-{512BB393-AFC8-321A-CA6F-0FE68B77EE34}" dt="2024-04-19T01:10:15.079" v="300"/>
-          <ac:spMkLst>
-            <pc:docMk/>
-            <pc:sldMk cId="319540435" sldId="313"/>
-            <ac:spMk id="5" creationId="{699E2788-EBE2-45DF-9C0B-D666080A46A9}"/>
-          </ac:spMkLst>
-        </pc:spChg>
-        <pc:spChg chg="del mod">
-          <ac:chgData name="PEREZ VERGARA MELANY" userId="S::m.perezvergara@uandresbello.edu::d95698a7-632e-4c03-ab0f-564477513d69" providerId="AD" clId="Web-{512BB393-AFC8-321A-CA6F-0FE68B77EE34}" dt="2024-04-19T01:10:05.188" v="295"/>
-          <ac:spMkLst>
-            <pc:docMk/>
-            <pc:sldMk cId="319540435" sldId="313"/>
-            <ac:spMk id="6" creationId="{9DEC9D77-6AA7-4B6B-881C-F31DAAE1DB2A}"/>
-          </ac:spMkLst>
-        </pc:spChg>
-        <pc:spChg chg="del">
-          <ac:chgData name="PEREZ VERGARA MELANY" userId="S::m.perezvergara@uandresbello.edu::d95698a7-632e-4c03-ab0f-564477513d69" providerId="AD" clId="Web-{512BB393-AFC8-321A-CA6F-0FE68B77EE34}" dt="2024-04-19T01:10:32.861" v="311"/>
-          <ac:spMkLst>
-            <pc:docMk/>
-            <pc:sldMk cId="319540435" sldId="313"/>
-            <ac:spMk id="8" creationId="{8E5AB793-981F-4F0C-993F-B574912D895B}"/>
-          </ac:spMkLst>
-        </pc:spChg>
-        <pc:spChg chg="del">
-          <ac:chgData name="PEREZ VERGARA MELANY" userId="S::m.perezvergara@uandresbello.edu::d95698a7-632e-4c03-ab0f-564477513d69" providerId="AD" clId="Web-{512BB393-AFC8-321A-CA6F-0FE68B77EE34}" dt="2024-04-19T01:09:54.968" v="286"/>
-          <ac:spMkLst>
-            <pc:docMk/>
-            <pc:sldMk cId="319540435" sldId="313"/>
-            <ac:spMk id="10" creationId="{DC1D303F-E600-4ACE-9AB7-C6AEB05050D4}"/>
-          </ac:spMkLst>
-        </pc:spChg>
-        <pc:spChg chg="del mod">
-          <ac:chgData name="PEREZ VERGARA MELANY" userId="S::m.perezvergara@uandresbello.edu::d95698a7-632e-4c03-ab0f-564477513d69" providerId="AD" clId="Web-{512BB393-AFC8-321A-CA6F-0FE68B77EE34}" dt="2024-04-19T01:10:07.110" v="296"/>
-          <ac:spMkLst>
-            <pc:docMk/>
-            <pc:sldMk cId="319540435" sldId="313"/>
-            <ac:spMk id="11" creationId="{ACB6F962-DADC-4482-8A69-766A19968AF5}"/>
-          </ac:spMkLst>
-        </pc:spChg>
-        <pc:spChg chg="mod">
-          <ac:chgData name="PEREZ VERGARA MELANY" userId="S::m.perezvergara@uandresbello.edu::d95698a7-632e-4c03-ab0f-564477513d69" providerId="AD" clId="Web-{512BB393-AFC8-321A-CA6F-0FE68B77EE34}" dt="2024-04-19T01:10:51.190" v="326" actId="20577"/>
-          <ac:spMkLst>
-            <pc:docMk/>
-            <pc:sldMk cId="319540435" sldId="313"/>
-            <ac:spMk id="12" creationId="{A3A365B2-B2DE-4D2C-92CE-32C0611969DB}"/>
-          </ac:spMkLst>
-        </pc:spChg>
-        <pc:spChg chg="del">
-          <ac:chgData name="PEREZ VERGARA MELANY" userId="S::m.perezvergara@uandresbello.edu::d95698a7-632e-4c03-ab0f-564477513d69" providerId="AD" clId="Web-{512BB393-AFC8-321A-CA6F-0FE68B77EE34}" dt="2024-04-19T01:10:25.048" v="307"/>
-          <ac:spMkLst>
-            <pc:docMk/>
-            <pc:sldMk cId="319540435" sldId="313"/>
-            <ac:spMk id="19" creationId="{9052CB31-5E86-43F7-9E18-68D97336D3DC}"/>
-          </ac:spMkLst>
-        </pc:spChg>
-        <pc:spChg chg="del">
-          <ac:chgData name="PEREZ VERGARA MELANY" userId="S::m.perezvergara@uandresbello.edu::d95698a7-632e-4c03-ab0f-564477513d69" providerId="AD" clId="Web-{512BB393-AFC8-321A-CA6F-0FE68B77EE34}" dt="2024-04-19T01:10:30.642" v="310"/>
-          <ac:spMkLst>
-            <pc:docMk/>
-            <pc:sldMk cId="319540435" sldId="313"/>
-            <ac:spMk id="20" creationId="{BF49D49A-95BF-4D21-AE29-BD9D704FEC5F}"/>
-          </ac:spMkLst>
-        </pc:spChg>
-        <pc:spChg chg="del">
-          <ac:chgData name="PEREZ VERGARA MELANY" userId="S::m.perezvergara@uandresbello.edu::d95698a7-632e-4c03-ab0f-564477513d69" providerId="AD" clId="Web-{512BB393-AFC8-321A-CA6F-0FE68B77EE34}" dt="2024-04-19T01:09:57.687" v="290"/>
-          <ac:spMkLst>
-            <pc:docMk/>
-            <pc:sldMk cId="319540435" sldId="313"/>
-            <ac:spMk id="21" creationId="{6A548F58-8CF8-4D0C-8871-44C1700A4D4B}"/>
-          </ac:spMkLst>
-        </pc:spChg>
-        <pc:spChg chg="add del">
-          <ac:chgData name="PEREZ VERGARA MELANY" userId="S::m.perezvergara@uandresbello.edu::d95698a7-632e-4c03-ab0f-564477513d69" providerId="AD" clId="Web-{512BB393-AFC8-321A-CA6F-0FE68B77EE34}" dt="2024-04-19T01:10:22.704" v="306"/>
-          <ac:spMkLst>
-            <pc:docMk/>
-            <pc:sldMk cId="319540435" sldId="313"/>
-            <ac:spMk id="23" creationId="{73182A38-D6DF-453D-921E-315EFA20E2ED}"/>
-          </ac:spMkLst>
-        </pc:spChg>
-        <pc:picChg chg="del">
-          <ac:chgData name="PEREZ VERGARA MELANY" userId="S::m.perezvergara@uandresbello.edu::d95698a7-632e-4c03-ab0f-564477513d69" providerId="AD" clId="Web-{512BB393-AFC8-321A-CA6F-0FE68B77EE34}" dt="2024-04-19T01:09:55.625" v="287"/>
-          <ac:picMkLst>
-            <pc:docMk/>
-            <pc:sldMk cId="319540435" sldId="313"/>
-            <ac:picMk id="9" creationId="{8CA17F75-6E6A-44AC-B88D-4A56682EC3B2}"/>
-          </ac:picMkLst>
-        </pc:picChg>
-        <pc:picChg chg="del">
-          <ac:chgData name="PEREZ VERGARA MELANY" userId="S::m.perezvergara@uandresbello.edu::d95698a7-632e-4c03-ab0f-564477513d69" providerId="AD" clId="Web-{512BB393-AFC8-321A-CA6F-0FE68B77EE34}" dt="2024-04-19T01:10:16.954" v="301"/>
-          <ac:picMkLst>
-            <pc:docMk/>
-            <pc:sldMk cId="319540435" sldId="313"/>
-            <ac:picMk id="13" creationId="{0B2A21D9-80B6-456C-A8D6-7AE3F3558AF4}"/>
-          </ac:picMkLst>
-        </pc:picChg>
-        <pc:cxnChg chg="del">
-          <ac:chgData name="PEREZ VERGARA MELANY" userId="S::m.perezvergara@uandresbello.edu::d95698a7-632e-4c03-ab0f-564477513d69" providerId="AD" clId="Web-{512BB393-AFC8-321A-CA6F-0FE68B77EE34}" dt="2024-04-19T01:10:19.642" v="303"/>
-          <ac:cxnSpMkLst>
-            <pc:docMk/>
-            <pc:sldMk cId="319540435" sldId="313"/>
-            <ac:cxnSpMk id="14" creationId="{1585265B-4E00-434F-A644-ADFF1F48468A}"/>
-          </ac:cxnSpMkLst>
-        </pc:cxnChg>
-        <pc:cxnChg chg="del">
-          <ac:chgData name="PEREZ VERGARA MELANY" userId="S::m.perezvergara@uandresbello.edu::d95698a7-632e-4c03-ab0f-564477513d69" providerId="AD" clId="Web-{512BB393-AFC8-321A-CA6F-0FE68B77EE34}" dt="2024-04-19T01:10:21.048" v="304"/>
-          <ac:cxnSpMkLst>
-            <pc:docMk/>
-            <pc:sldMk cId="319540435" sldId="313"/>
-            <ac:cxnSpMk id="15" creationId="{5B64C4A8-E34F-4E93-9BA1-1925F378EC3D}"/>
-          </ac:cxnSpMkLst>
-        </pc:cxnChg>
-        <pc:cxnChg chg="del">
-          <ac:chgData name="PEREZ VERGARA MELANY" userId="S::m.perezvergara@uandresbello.edu::d95698a7-632e-4c03-ab0f-564477513d69" providerId="AD" clId="Web-{512BB393-AFC8-321A-CA6F-0FE68B77EE34}" dt="2024-04-19T01:10:27.611" v="308"/>
-          <ac:cxnSpMkLst>
-            <pc:docMk/>
-            <pc:sldMk cId="319540435" sldId="313"/>
-            <ac:cxnSpMk id="16" creationId="{122064AE-3A3A-4F63-800C-6648A2ADA6BE}"/>
-          </ac:cxnSpMkLst>
-        </pc:cxnChg>
-        <pc:cxnChg chg="del">
-          <ac:chgData name="PEREZ VERGARA MELANY" userId="S::m.perezvergara@uandresbello.edu::d95698a7-632e-4c03-ab0f-564477513d69" providerId="AD" clId="Web-{512BB393-AFC8-321A-CA6F-0FE68B77EE34}" dt="2024-04-19T01:10:29.095" v="309"/>
-          <ac:cxnSpMkLst>
-            <pc:docMk/>
-            <pc:sldMk cId="319540435" sldId="313"/>
-            <ac:cxnSpMk id="18" creationId="{6B53EC84-3601-4293-B749-A2BC2795B17D}"/>
-          </ac:cxnSpMkLst>
-        </pc:cxnChg>
-        <pc:cxnChg chg="del mod">
-          <ac:chgData name="PEREZ VERGARA MELANY" userId="S::m.perezvergara@uandresbello.edu::d95698a7-632e-4c03-ab0f-564477513d69" providerId="AD" clId="Web-{512BB393-AFC8-321A-CA6F-0FE68B77EE34}" dt="2024-04-19T01:10:18.095" v="302"/>
-          <ac:cxnSpMkLst>
-            <pc:docMk/>
-            <pc:sldMk cId="319540435" sldId="313"/>
-            <ac:cxnSpMk id="22" creationId="{6A7DB234-E311-4E3B-AE05-EF5CB163CB48}"/>
-          </ac:cxnSpMkLst>
-        </pc:cxnChg>
       </pc:sldChg>
     </pc:docChg>
   </pc:docChgLst>
@@ -7422,90 +8131,6 @@
 </p:notes>
 </file>
 
-<file path=ppt/notesSlides/notesSlide10.xml><?xml version="1.0" encoding="utf-8"?>
-<p:notes xmlns:a="http://schemas.openxmlformats.org/drawingml/2006/main" xmlns:r="http://schemas.openxmlformats.org/officeDocument/2006/relationships" xmlns:p="http://schemas.openxmlformats.org/presentationml/2006/main">
-  <p:cSld>
-    <p:spTree>
-      <p:nvGrpSpPr>
-        <p:cNvPr id="1" name=""/>
-        <p:cNvGrpSpPr/>
-        <p:nvPr/>
-      </p:nvGrpSpPr>
-      <p:grpSpPr>
-        <a:xfrm>
-          <a:off x="0" y="0"/>
-          <a:ext cx="0" cy="0"/>
-          <a:chOff x="0" y="0"/>
-          <a:chExt cx="0" cy="0"/>
-        </a:xfrm>
-      </p:grpSpPr>
-      <p:sp>
-        <p:nvSpPr>
-          <p:cNvPr id="2" name="Marcador de imagen de diapositiva 1"/>
-          <p:cNvSpPr>
-            <a:spLocks noGrp="1" noRot="1" noChangeAspect="1"/>
-          </p:cNvSpPr>
-          <p:nvPr>
-            <p:ph type="sldImg"/>
-          </p:nvPr>
-        </p:nvSpPr>
-        <p:spPr/>
-      </p:sp>
-      <p:sp>
-        <p:nvSpPr>
-          <p:cNvPr id="3" name="Marcador de notas 2"/>
-          <p:cNvSpPr>
-            <a:spLocks noGrp="1"/>
-          </p:cNvSpPr>
-          <p:nvPr>
-            <p:ph type="body" idx="1"/>
-          </p:nvPr>
-        </p:nvSpPr>
-        <p:spPr/>
-        <p:txBody>
-          <a:bodyPr/>
-          <a:lstStyle/>
-          <a:p>
-            <a:endParaRPr lang="es-ES_tradnl"/>
-          </a:p>
-        </p:txBody>
-      </p:sp>
-      <p:sp>
-        <p:nvSpPr>
-          <p:cNvPr id="4" name="Marcador de número de diapositiva 3"/>
-          <p:cNvSpPr>
-            <a:spLocks noGrp="1"/>
-          </p:cNvSpPr>
-          <p:nvPr>
-            <p:ph type="sldNum" sz="quarter" idx="10"/>
-          </p:nvPr>
-        </p:nvSpPr>
-        <p:spPr/>
-        <p:txBody>
-          <a:bodyPr/>
-          <a:lstStyle/>
-          <a:p>
-            <a:fld id="{80AD1966-643A-ED45-BFF9-B0FE18A32E2B}" type="slidenum">
-              <a:rPr lang="es-ES_tradnl" smtClean="0"/>
-              <a:t>11</a:t>
-            </a:fld>
-            <a:endParaRPr lang="es-ES_tradnl"/>
-          </a:p>
-        </p:txBody>
-      </p:sp>
-    </p:spTree>
-    <p:extLst>
-      <p:ext uri="{BB962C8B-B14F-4D97-AF65-F5344CB8AC3E}">
-        <p14:creationId xmlns:p14="http://schemas.microsoft.com/office/powerpoint/2010/main" val="1534869468"/>
-      </p:ext>
-    </p:extLst>
-  </p:cSld>
-  <p:clrMapOvr>
-    <a:masterClrMapping/>
-  </p:clrMapOvr>
-</p:notes>
-</file>
-
 <file path=ppt/notesSlides/notesSlide2.xml><?xml version="1.0" encoding="utf-8"?>
 <p:notes xmlns:a="http://schemas.openxmlformats.org/drawingml/2006/main" xmlns:r="http://schemas.openxmlformats.org/officeDocument/2006/relationships" xmlns:p="http://schemas.openxmlformats.org/presentationml/2006/main">
   <p:cSld>
@@ -7634,7 +8259,10 @@
           <a:bodyPr/>
           <a:lstStyle/>
           <a:p>
-            <a:endParaRPr lang="es-ES_tradnl"/>
+            <a:r>
+              <a:rPr lang="es-ES_tradnl"/>
+              <a:t>Cambiar imágenes e iconos por equivalentes en diamantes, dinero y/o base de datos</a:t>
+            </a:r>
           </a:p>
         </p:txBody>
       </p:sp>
@@ -7664,7 +8292,7 @@
     </p:spTree>
     <p:extLst>
       <p:ext uri="{BB962C8B-B14F-4D97-AF65-F5344CB8AC3E}">
-        <p14:creationId xmlns:p14="http://schemas.microsoft.com/office/powerpoint/2010/main" val="168727993"/>
+        <p14:creationId xmlns:p14="http://schemas.microsoft.com/office/powerpoint/2010/main" val="3955928597"/>
       </p:ext>
     </p:extLst>
   </p:cSld>
@@ -7718,10 +8346,7 @@
           <a:bodyPr/>
           <a:lstStyle/>
           <a:p>
-            <a:r>
-              <a:rPr lang="es-ES_tradnl"/>
-              <a:t>Cambiar imágenes e iconos por equivalentes en diamantes, dinero y/o base de datos</a:t>
-            </a:r>
+            <a:endParaRPr lang="es-ES_tradnl"/>
           </a:p>
         </p:txBody>
       </p:sp>
@@ -7751,7 +8376,7 @@
     </p:spTree>
     <p:extLst>
       <p:ext uri="{BB962C8B-B14F-4D97-AF65-F5344CB8AC3E}">
-        <p14:creationId xmlns:p14="http://schemas.microsoft.com/office/powerpoint/2010/main" val="3955928597"/>
+        <p14:creationId xmlns:p14="http://schemas.microsoft.com/office/powerpoint/2010/main" val="2138495965"/>
       </p:ext>
     </p:extLst>
   </p:cSld>
@@ -7835,7 +8460,7 @@
     </p:spTree>
     <p:extLst>
       <p:ext uri="{BB962C8B-B14F-4D97-AF65-F5344CB8AC3E}">
-        <p14:creationId xmlns:p14="http://schemas.microsoft.com/office/powerpoint/2010/main" val="2138495965"/>
+        <p14:creationId xmlns:p14="http://schemas.microsoft.com/office/powerpoint/2010/main" val="1915245970"/>
       </p:ext>
     </p:extLst>
   </p:cSld>
@@ -7919,7 +8544,7 @@
     </p:spTree>
     <p:extLst>
       <p:ext uri="{BB962C8B-B14F-4D97-AF65-F5344CB8AC3E}">
-        <p14:creationId xmlns:p14="http://schemas.microsoft.com/office/powerpoint/2010/main" val="1915245970"/>
+        <p14:creationId xmlns:p14="http://schemas.microsoft.com/office/powerpoint/2010/main" val="3015270799"/>
       </p:ext>
     </p:extLst>
   </p:cSld>
@@ -8003,7 +8628,7 @@
     </p:spTree>
     <p:extLst>
       <p:ext uri="{BB962C8B-B14F-4D97-AF65-F5344CB8AC3E}">
-        <p14:creationId xmlns:p14="http://schemas.microsoft.com/office/powerpoint/2010/main" val="3015270799"/>
+        <p14:creationId xmlns:p14="http://schemas.microsoft.com/office/powerpoint/2010/main" val="2678916818"/>
       </p:ext>
     </p:extLst>
   </p:cSld>
@@ -8087,7 +8712,7 @@
     </p:spTree>
     <p:extLst>
       <p:ext uri="{BB962C8B-B14F-4D97-AF65-F5344CB8AC3E}">
-        <p14:creationId xmlns:p14="http://schemas.microsoft.com/office/powerpoint/2010/main" val="2678916818"/>
+        <p14:creationId xmlns:p14="http://schemas.microsoft.com/office/powerpoint/2010/main" val="3543600428"/>
       </p:ext>
     </p:extLst>
   </p:cSld>
@@ -8171,7 +8796,7 @@
     </p:spTree>
     <p:extLst>
       <p:ext uri="{BB962C8B-B14F-4D97-AF65-F5344CB8AC3E}">
-        <p14:creationId xmlns:p14="http://schemas.microsoft.com/office/powerpoint/2010/main" val="3543600428"/>
+        <p14:creationId xmlns:p14="http://schemas.microsoft.com/office/powerpoint/2010/main" val="1534869468"/>
       </p:ext>
     </p:extLst>
   </p:cSld>
@@ -11669,7 +12294,7 @@
         <p:spPr>
           <a:xfrm>
             <a:off x="328592" y="177986"/>
-            <a:ext cx="4708228" cy="461665"/>
+            <a:ext cx="5229246" cy="461665"/>
           </a:xfrm>
           <a:prstGeom prst="rect">
             <a:avLst/>
@@ -11690,936 +12315,18 @@
                 <a:ea typeface="Gungsuh" charset="-127"/>
                 <a:cs typeface="Gungsuh" charset="-127"/>
               </a:rPr>
-              <a:t>Diamantes: Gráficos Q-Q</a:t>
-            </a:r>
-          </a:p>
-        </p:txBody>
-      </p:sp>
-      <p:pic>
-        <p:nvPicPr>
-          <p:cNvPr id="4" name="Imagen 3" descr="Gráfico, Gráfico de líneas&#10;&#10;Descripción generada automáticamente">
-            <a:extLst>
-              <a:ext uri="{FF2B5EF4-FFF2-40B4-BE49-F238E27FC236}">
-                <a16:creationId xmlns:a16="http://schemas.microsoft.com/office/drawing/2014/main" id="{FEDCE075-42E5-E83C-31CE-3E4AEAFC79A5}"/>
-              </a:ext>
-            </a:extLst>
-          </p:cNvPr>
-          <p:cNvPicPr>
-            <a:picLocks noChangeAspect="1"/>
-          </p:cNvPicPr>
-          <p:nvPr/>
-        </p:nvPicPr>
-        <p:blipFill>
-          <a:blip r:embed="rId5"/>
-          <a:stretch>
-            <a:fillRect/>
-          </a:stretch>
-        </p:blipFill>
-        <p:spPr>
-          <a:xfrm>
-            <a:off x="1626840" y="1473090"/>
-            <a:ext cx="5890320" cy="4170436"/>
-          </a:xfrm>
-          <a:prstGeom prst="rect">
-            <a:avLst/>
-          </a:prstGeom>
-        </p:spPr>
-      </p:pic>
-      <p:pic>
-        <p:nvPicPr>
-          <p:cNvPr id="6" name="Imagen 5" descr="Gráfico, Gráfico de líneas&#10;&#10;Descripción generada automáticamente">
-            <a:extLst>
-              <a:ext uri="{FF2B5EF4-FFF2-40B4-BE49-F238E27FC236}">
-                <a16:creationId xmlns:a16="http://schemas.microsoft.com/office/drawing/2014/main" id="{FF240646-FC4C-C3C5-42DC-A5F386F8A290}"/>
-              </a:ext>
-            </a:extLst>
-          </p:cNvPr>
-          <p:cNvPicPr>
-            <a:picLocks noChangeAspect="1"/>
-          </p:cNvPicPr>
-          <p:nvPr/>
-        </p:nvPicPr>
-        <p:blipFill>
-          <a:blip r:embed="rId6"/>
-          <a:stretch>
-            <a:fillRect/>
-          </a:stretch>
-        </p:blipFill>
-        <p:spPr>
-          <a:xfrm>
-            <a:off x="1626840" y="1473090"/>
-            <a:ext cx="5890320" cy="4170436"/>
-          </a:xfrm>
-          <a:prstGeom prst="rect">
-            <a:avLst/>
-          </a:prstGeom>
-        </p:spPr>
-      </p:pic>
-      <p:pic>
-        <p:nvPicPr>
-          <p:cNvPr id="9" name="Imagen 8" descr="Gráfico, Gráfico de líneas&#10;&#10;Descripción generada automáticamente">
-            <a:extLst>
-              <a:ext uri="{FF2B5EF4-FFF2-40B4-BE49-F238E27FC236}">
-                <a16:creationId xmlns:a16="http://schemas.microsoft.com/office/drawing/2014/main" id="{3BA6C39A-8D1D-88A4-3759-CBC876CFCB12}"/>
-              </a:ext>
-            </a:extLst>
-          </p:cNvPr>
-          <p:cNvPicPr>
-            <a:picLocks noChangeAspect="1"/>
-          </p:cNvPicPr>
-          <p:nvPr/>
-        </p:nvPicPr>
-        <p:blipFill>
-          <a:blip r:embed="rId7"/>
-          <a:stretch>
-            <a:fillRect/>
-          </a:stretch>
-        </p:blipFill>
-        <p:spPr>
-          <a:xfrm>
-            <a:off x="1626840" y="1473090"/>
-            <a:ext cx="5890320" cy="4170436"/>
-          </a:xfrm>
-          <a:prstGeom prst="rect">
-            <a:avLst/>
-          </a:prstGeom>
-        </p:spPr>
-      </p:pic>
-      <p:pic>
-        <p:nvPicPr>
-          <p:cNvPr id="11" name="Imagen 10" descr="Gráfico, Gráfico de líneas&#10;&#10;Descripción generada automáticamente">
-            <a:extLst>
-              <a:ext uri="{FF2B5EF4-FFF2-40B4-BE49-F238E27FC236}">
-                <a16:creationId xmlns:a16="http://schemas.microsoft.com/office/drawing/2014/main" id="{646B010E-4009-4DFA-988A-0E320B226D98}"/>
-              </a:ext>
-            </a:extLst>
-          </p:cNvPr>
-          <p:cNvPicPr>
-            <a:picLocks noChangeAspect="1"/>
-          </p:cNvPicPr>
-          <p:nvPr/>
-        </p:nvPicPr>
-        <p:blipFill>
-          <a:blip r:embed="rId8"/>
-          <a:stretch>
-            <a:fillRect/>
-          </a:stretch>
-        </p:blipFill>
-        <p:spPr>
-          <a:xfrm>
-            <a:off x="1626840" y="1473090"/>
-            <a:ext cx="5890320" cy="4170436"/>
-          </a:xfrm>
-          <a:prstGeom prst="rect">
-            <a:avLst/>
-          </a:prstGeom>
-        </p:spPr>
-      </p:pic>
-      <p:pic>
-        <p:nvPicPr>
-          <p:cNvPr id="13" name="Imagen 12" descr="Gráfico, Gráfico de líneas&#10;&#10;Descripción generada automáticamente">
-            <a:extLst>
-              <a:ext uri="{FF2B5EF4-FFF2-40B4-BE49-F238E27FC236}">
-                <a16:creationId xmlns:a16="http://schemas.microsoft.com/office/drawing/2014/main" id="{36380DEF-BDCC-58D6-29ED-D587D130996B}"/>
-              </a:ext>
-            </a:extLst>
-          </p:cNvPr>
-          <p:cNvPicPr>
-            <a:picLocks noChangeAspect="1"/>
-          </p:cNvPicPr>
-          <p:nvPr/>
-        </p:nvPicPr>
-        <p:blipFill>
-          <a:blip r:embed="rId9"/>
-          <a:stretch>
-            <a:fillRect/>
-          </a:stretch>
-        </p:blipFill>
-        <p:spPr>
-          <a:xfrm>
-            <a:off x="1626840" y="1473090"/>
-            <a:ext cx="5890320" cy="4170436"/>
-          </a:xfrm>
-          <a:prstGeom prst="rect">
-            <a:avLst/>
-          </a:prstGeom>
-        </p:spPr>
-      </p:pic>
-      <p:pic>
-        <p:nvPicPr>
-          <p:cNvPr id="15" name="Imagen 14" descr="Gráfico, Gráfico de líneas&#10;&#10;Descripción generada automáticamente">
-            <a:extLst>
-              <a:ext uri="{FF2B5EF4-FFF2-40B4-BE49-F238E27FC236}">
-                <a16:creationId xmlns:a16="http://schemas.microsoft.com/office/drawing/2014/main" id="{047B7768-CC06-2D79-53D9-0F1A2ED1BF69}"/>
-              </a:ext>
-            </a:extLst>
-          </p:cNvPr>
-          <p:cNvPicPr>
-            <a:picLocks noChangeAspect="1"/>
-          </p:cNvPicPr>
-          <p:nvPr/>
-        </p:nvPicPr>
-        <p:blipFill>
-          <a:blip r:embed="rId10"/>
-          <a:stretch>
-            <a:fillRect/>
-          </a:stretch>
-        </p:blipFill>
-        <p:spPr>
-          <a:xfrm>
-            <a:off x="1626840" y="1473090"/>
-            <a:ext cx="5890320" cy="4170436"/>
-          </a:xfrm>
-          <a:prstGeom prst="rect">
-            <a:avLst/>
-          </a:prstGeom>
-        </p:spPr>
-      </p:pic>
-      <p:pic>
-        <p:nvPicPr>
-          <p:cNvPr id="17" name="Imagen 16" descr="Gráfico, Gráfico de líneas&#10;&#10;Descripción generada automáticamente">
-            <a:extLst>
-              <a:ext uri="{FF2B5EF4-FFF2-40B4-BE49-F238E27FC236}">
-                <a16:creationId xmlns:a16="http://schemas.microsoft.com/office/drawing/2014/main" id="{46C870D0-8D72-A076-1CF6-E698E7399FA5}"/>
-              </a:ext>
-            </a:extLst>
-          </p:cNvPr>
-          <p:cNvPicPr>
-            <a:picLocks noChangeAspect="1"/>
-          </p:cNvPicPr>
-          <p:nvPr/>
-        </p:nvPicPr>
-        <p:blipFill>
-          <a:blip r:embed="rId11"/>
-          <a:stretch>
-            <a:fillRect/>
-          </a:stretch>
-        </p:blipFill>
-        <p:spPr>
-          <a:xfrm>
-            <a:off x="1626840" y="1473090"/>
-            <a:ext cx="5890320" cy="4170436"/>
-          </a:xfrm>
-          <a:prstGeom prst="rect">
-            <a:avLst/>
-          </a:prstGeom>
-        </p:spPr>
-      </p:pic>
-    </p:spTree>
-    <p:extLst>
-      <p:ext uri="{BB962C8B-B14F-4D97-AF65-F5344CB8AC3E}">
-        <p14:creationId xmlns:p14="http://schemas.microsoft.com/office/powerpoint/2010/main" val="2883232662"/>
-      </p:ext>
-    </p:extLst>
-  </p:cSld>
-  <p:clrMapOvr>
-    <a:masterClrMapping/>
-  </p:clrMapOvr>
-  <p:timing>
-    <p:tnLst>
-      <p:par>
-        <p:cTn id="1" dur="indefinite" restart="never" nodeType="tmRoot">
-          <p:childTnLst>
-            <p:seq concurrent="1" nextAc="seek">
-              <p:cTn id="2" dur="indefinite" nodeType="mainSeq">
-                <p:childTnLst>
-                  <p:par>
-                    <p:cTn id="3" fill="hold">
-                      <p:stCondLst>
-                        <p:cond delay="indefinite"/>
-                      </p:stCondLst>
-                      <p:childTnLst>
-                        <p:par>
-                          <p:cTn id="4" fill="hold">
-                            <p:stCondLst>
-                              <p:cond delay="0"/>
-                            </p:stCondLst>
-                            <p:childTnLst>
-                              <p:par>
-                                <p:cTn id="5" presetID="10" presetClass="entr" presetSubtype="0" fill="hold" nodeType="clickEffect">
-                                  <p:stCondLst>
-                                    <p:cond delay="0"/>
-                                  </p:stCondLst>
-                                  <p:childTnLst>
-                                    <p:set>
-                                      <p:cBhvr>
-                                        <p:cTn id="6" dur="1" fill="hold">
-                                          <p:stCondLst>
-                                            <p:cond delay="0"/>
-                                          </p:stCondLst>
-                                        </p:cTn>
-                                        <p:tgtEl>
-                                          <p:spTgt spid="4"/>
-                                        </p:tgtEl>
-                                        <p:attrNameLst>
-                                          <p:attrName>style.visibility</p:attrName>
-                                        </p:attrNameLst>
-                                      </p:cBhvr>
-                                      <p:to>
-                                        <p:strVal val="visible"/>
-                                      </p:to>
-                                    </p:set>
-                                    <p:animEffect transition="in" filter="fade">
-                                      <p:cBhvr>
-                                        <p:cTn id="7" dur="500"/>
-                                        <p:tgtEl>
-                                          <p:spTgt spid="4"/>
-                                        </p:tgtEl>
-                                      </p:cBhvr>
-                                    </p:animEffect>
-                                  </p:childTnLst>
-                                </p:cTn>
-                              </p:par>
-                            </p:childTnLst>
-                          </p:cTn>
-                        </p:par>
-                      </p:childTnLst>
-                    </p:cTn>
-                  </p:par>
-                  <p:par>
-                    <p:cTn id="8" fill="hold">
-                      <p:stCondLst>
-                        <p:cond delay="indefinite"/>
-                      </p:stCondLst>
-                      <p:childTnLst>
-                        <p:par>
-                          <p:cTn id="9" fill="hold">
-                            <p:stCondLst>
-                              <p:cond delay="0"/>
-                            </p:stCondLst>
-                            <p:childTnLst>
-                              <p:par>
-                                <p:cTn id="10" presetID="10" presetClass="entr" presetSubtype="0" fill="hold" nodeType="clickEffect">
-                                  <p:stCondLst>
-                                    <p:cond delay="0"/>
-                                  </p:stCondLst>
-                                  <p:childTnLst>
-                                    <p:set>
-                                      <p:cBhvr>
-                                        <p:cTn id="11" dur="1" fill="hold">
-                                          <p:stCondLst>
-                                            <p:cond delay="0"/>
-                                          </p:stCondLst>
-                                        </p:cTn>
-                                        <p:tgtEl>
-                                          <p:spTgt spid="6"/>
-                                        </p:tgtEl>
-                                        <p:attrNameLst>
-                                          <p:attrName>style.visibility</p:attrName>
-                                        </p:attrNameLst>
-                                      </p:cBhvr>
-                                      <p:to>
-                                        <p:strVal val="visible"/>
-                                      </p:to>
-                                    </p:set>
-                                    <p:animEffect transition="in" filter="fade">
-                                      <p:cBhvr>
-                                        <p:cTn id="12" dur="500"/>
-                                        <p:tgtEl>
-                                          <p:spTgt spid="6"/>
-                                        </p:tgtEl>
-                                      </p:cBhvr>
-                                    </p:animEffect>
-                                  </p:childTnLst>
-                                </p:cTn>
-                              </p:par>
-                            </p:childTnLst>
-                          </p:cTn>
-                        </p:par>
-                      </p:childTnLst>
-                    </p:cTn>
-                  </p:par>
-                  <p:par>
-                    <p:cTn id="13" fill="hold">
-                      <p:stCondLst>
-                        <p:cond delay="indefinite"/>
-                      </p:stCondLst>
-                      <p:childTnLst>
-                        <p:par>
-                          <p:cTn id="14" fill="hold">
-                            <p:stCondLst>
-                              <p:cond delay="0"/>
-                            </p:stCondLst>
-                            <p:childTnLst>
-                              <p:par>
-                                <p:cTn id="15" presetID="10" presetClass="entr" presetSubtype="0" fill="hold" nodeType="clickEffect">
-                                  <p:stCondLst>
-                                    <p:cond delay="0"/>
-                                  </p:stCondLst>
-                                  <p:childTnLst>
-                                    <p:set>
-                                      <p:cBhvr>
-                                        <p:cTn id="16" dur="1" fill="hold">
-                                          <p:stCondLst>
-                                            <p:cond delay="0"/>
-                                          </p:stCondLst>
-                                        </p:cTn>
-                                        <p:tgtEl>
-                                          <p:spTgt spid="9"/>
-                                        </p:tgtEl>
-                                        <p:attrNameLst>
-                                          <p:attrName>style.visibility</p:attrName>
-                                        </p:attrNameLst>
-                                      </p:cBhvr>
-                                      <p:to>
-                                        <p:strVal val="visible"/>
-                                      </p:to>
-                                    </p:set>
-                                    <p:animEffect transition="in" filter="fade">
-                                      <p:cBhvr>
-                                        <p:cTn id="17" dur="500"/>
-                                        <p:tgtEl>
-                                          <p:spTgt spid="9"/>
-                                        </p:tgtEl>
-                                      </p:cBhvr>
-                                    </p:animEffect>
-                                  </p:childTnLst>
-                                </p:cTn>
-                              </p:par>
-                            </p:childTnLst>
-                          </p:cTn>
-                        </p:par>
-                      </p:childTnLst>
-                    </p:cTn>
-                  </p:par>
-                  <p:par>
-                    <p:cTn id="18" fill="hold">
-                      <p:stCondLst>
-                        <p:cond delay="indefinite"/>
-                      </p:stCondLst>
-                      <p:childTnLst>
-                        <p:par>
-                          <p:cTn id="19" fill="hold">
-                            <p:stCondLst>
-                              <p:cond delay="0"/>
-                            </p:stCondLst>
-                            <p:childTnLst>
-                              <p:par>
-                                <p:cTn id="20" presetID="10" presetClass="entr" presetSubtype="0" fill="hold" nodeType="clickEffect">
-                                  <p:stCondLst>
-                                    <p:cond delay="0"/>
-                                  </p:stCondLst>
-                                  <p:childTnLst>
-                                    <p:set>
-                                      <p:cBhvr>
-                                        <p:cTn id="21" dur="1" fill="hold">
-                                          <p:stCondLst>
-                                            <p:cond delay="0"/>
-                                          </p:stCondLst>
-                                        </p:cTn>
-                                        <p:tgtEl>
-                                          <p:spTgt spid="11"/>
-                                        </p:tgtEl>
-                                        <p:attrNameLst>
-                                          <p:attrName>style.visibility</p:attrName>
-                                        </p:attrNameLst>
-                                      </p:cBhvr>
-                                      <p:to>
-                                        <p:strVal val="visible"/>
-                                      </p:to>
-                                    </p:set>
-                                    <p:animEffect transition="in" filter="fade">
-                                      <p:cBhvr>
-                                        <p:cTn id="22" dur="500"/>
-                                        <p:tgtEl>
-                                          <p:spTgt spid="11"/>
-                                        </p:tgtEl>
-                                      </p:cBhvr>
-                                    </p:animEffect>
-                                  </p:childTnLst>
-                                </p:cTn>
-                              </p:par>
-                            </p:childTnLst>
-                          </p:cTn>
-                        </p:par>
-                      </p:childTnLst>
-                    </p:cTn>
-                  </p:par>
-                  <p:par>
-                    <p:cTn id="23" fill="hold">
-                      <p:stCondLst>
-                        <p:cond delay="indefinite"/>
-                      </p:stCondLst>
-                      <p:childTnLst>
-                        <p:par>
-                          <p:cTn id="24" fill="hold">
-                            <p:stCondLst>
-                              <p:cond delay="0"/>
-                            </p:stCondLst>
-                            <p:childTnLst>
-                              <p:par>
-                                <p:cTn id="25" presetID="10" presetClass="entr" presetSubtype="0" fill="hold" nodeType="clickEffect">
-                                  <p:stCondLst>
-                                    <p:cond delay="0"/>
-                                  </p:stCondLst>
-                                  <p:childTnLst>
-                                    <p:set>
-                                      <p:cBhvr>
-                                        <p:cTn id="26" dur="1" fill="hold">
-                                          <p:stCondLst>
-                                            <p:cond delay="0"/>
-                                          </p:stCondLst>
-                                        </p:cTn>
-                                        <p:tgtEl>
-                                          <p:spTgt spid="13"/>
-                                        </p:tgtEl>
-                                        <p:attrNameLst>
-                                          <p:attrName>style.visibility</p:attrName>
-                                        </p:attrNameLst>
-                                      </p:cBhvr>
-                                      <p:to>
-                                        <p:strVal val="visible"/>
-                                      </p:to>
-                                    </p:set>
-                                    <p:animEffect transition="in" filter="fade">
-                                      <p:cBhvr>
-                                        <p:cTn id="27" dur="500"/>
-                                        <p:tgtEl>
-                                          <p:spTgt spid="13"/>
-                                        </p:tgtEl>
-                                      </p:cBhvr>
-                                    </p:animEffect>
-                                  </p:childTnLst>
-                                </p:cTn>
-                              </p:par>
-                            </p:childTnLst>
-                          </p:cTn>
-                        </p:par>
-                      </p:childTnLst>
-                    </p:cTn>
-                  </p:par>
-                  <p:par>
-                    <p:cTn id="28" fill="hold">
-                      <p:stCondLst>
-                        <p:cond delay="indefinite"/>
-                      </p:stCondLst>
-                      <p:childTnLst>
-                        <p:par>
-                          <p:cTn id="29" fill="hold">
-                            <p:stCondLst>
-                              <p:cond delay="0"/>
-                            </p:stCondLst>
-                            <p:childTnLst>
-                              <p:par>
-                                <p:cTn id="30" presetID="10" presetClass="entr" presetSubtype="0" fill="hold" nodeType="clickEffect">
-                                  <p:stCondLst>
-                                    <p:cond delay="0"/>
-                                  </p:stCondLst>
-                                  <p:childTnLst>
-                                    <p:set>
-                                      <p:cBhvr>
-                                        <p:cTn id="31" dur="1" fill="hold">
-                                          <p:stCondLst>
-                                            <p:cond delay="0"/>
-                                          </p:stCondLst>
-                                        </p:cTn>
-                                        <p:tgtEl>
-                                          <p:spTgt spid="15"/>
-                                        </p:tgtEl>
-                                        <p:attrNameLst>
-                                          <p:attrName>style.visibility</p:attrName>
-                                        </p:attrNameLst>
-                                      </p:cBhvr>
-                                      <p:to>
-                                        <p:strVal val="visible"/>
-                                      </p:to>
-                                    </p:set>
-                                    <p:animEffect transition="in" filter="fade">
-                                      <p:cBhvr>
-                                        <p:cTn id="32" dur="500"/>
-                                        <p:tgtEl>
-                                          <p:spTgt spid="15"/>
-                                        </p:tgtEl>
-                                      </p:cBhvr>
-                                    </p:animEffect>
-                                  </p:childTnLst>
-                                </p:cTn>
-                              </p:par>
-                            </p:childTnLst>
-                          </p:cTn>
-                        </p:par>
-                      </p:childTnLst>
-                    </p:cTn>
-                  </p:par>
-                  <p:par>
-                    <p:cTn id="33" fill="hold">
-                      <p:stCondLst>
-                        <p:cond delay="indefinite"/>
-                      </p:stCondLst>
-                      <p:childTnLst>
-                        <p:par>
-                          <p:cTn id="34" fill="hold">
-                            <p:stCondLst>
-                              <p:cond delay="0"/>
-                            </p:stCondLst>
-                            <p:childTnLst>
-                              <p:par>
-                                <p:cTn id="35" presetID="10" presetClass="entr" presetSubtype="0" fill="hold" nodeType="clickEffect">
-                                  <p:stCondLst>
-                                    <p:cond delay="0"/>
-                                  </p:stCondLst>
-                                  <p:childTnLst>
-                                    <p:set>
-                                      <p:cBhvr>
-                                        <p:cTn id="36" dur="1" fill="hold">
-                                          <p:stCondLst>
-                                            <p:cond delay="0"/>
-                                          </p:stCondLst>
-                                        </p:cTn>
-                                        <p:tgtEl>
-                                          <p:spTgt spid="17"/>
-                                        </p:tgtEl>
-                                        <p:attrNameLst>
-                                          <p:attrName>style.visibility</p:attrName>
-                                        </p:attrNameLst>
-                                      </p:cBhvr>
-                                      <p:to>
-                                        <p:strVal val="visible"/>
-                                      </p:to>
-                                    </p:set>
-                                    <p:animEffect transition="in" filter="fade">
-                                      <p:cBhvr>
-                                        <p:cTn id="37" dur="500"/>
-                                        <p:tgtEl>
-                                          <p:spTgt spid="17"/>
-                                        </p:tgtEl>
-                                      </p:cBhvr>
-                                    </p:animEffect>
-                                  </p:childTnLst>
-                                </p:cTn>
-                              </p:par>
-                            </p:childTnLst>
-                          </p:cTn>
-                        </p:par>
-                      </p:childTnLst>
-                    </p:cTn>
-                  </p:par>
-                </p:childTnLst>
-              </p:cTn>
-              <p:prevCondLst>
-                <p:cond evt="onPrev" delay="0">
-                  <p:tgtEl>
-                    <p:sldTgt/>
-                  </p:tgtEl>
-                </p:cond>
-              </p:prevCondLst>
-              <p:nextCondLst>
-                <p:cond evt="onNext" delay="0">
-                  <p:tgtEl>
-                    <p:sldTgt/>
-                  </p:tgtEl>
-                </p:cond>
-              </p:nextCondLst>
-            </p:seq>
-          </p:childTnLst>
-        </p:cTn>
-      </p:par>
-    </p:tnLst>
-  </p:timing>
-</p:sld>
-</file>
-
-<file path=ppt/slides/slide11.xml><?xml version="1.0" encoding="utf-8"?>
-<p:sld xmlns:a="http://schemas.openxmlformats.org/drawingml/2006/main" xmlns:r="http://schemas.openxmlformats.org/officeDocument/2006/relationships" xmlns:p="http://schemas.openxmlformats.org/presentationml/2006/main">
-  <p:cSld>
-    <p:spTree>
-      <p:nvGrpSpPr>
-        <p:cNvPr id="1" name=""/>
-        <p:cNvGrpSpPr/>
-        <p:nvPr/>
-      </p:nvGrpSpPr>
-      <p:grpSpPr>
-        <a:xfrm>
-          <a:off x="0" y="0"/>
-          <a:ext cx="0" cy="0"/>
-          <a:chOff x="0" y="0"/>
-          <a:chExt cx="0" cy="0"/>
-        </a:xfrm>
-      </p:grpSpPr>
-      <p:pic>
-        <p:nvPicPr>
-          <p:cNvPr id="7" name="Imagen 6"/>
-          <p:cNvPicPr>
-            <a:picLocks noChangeAspect="1"/>
-          </p:cNvPicPr>
-          <p:nvPr/>
-        </p:nvPicPr>
-        <p:blipFill rotWithShape="1">
-          <a:blip r:embed="rId3">
-            <a:extLst>
-              <a:ext uri="{28A0092B-C50C-407E-A947-70E740481C1C}">
-                <a14:useLocalDpi xmlns:a14="http://schemas.microsoft.com/office/drawing/2010/main" val="0"/>
-              </a:ext>
-            </a:extLst>
-          </a:blip>
-          <a:srcRect l="-153" t="20538" r="153" b="51651"/>
-          <a:stretch/>
-        </p:blipFill>
-        <p:spPr>
-          <a:xfrm>
-            <a:off x="-14013" y="1"/>
-            <a:ext cx="9172026" cy="802886"/>
-          </a:xfrm>
-          <a:prstGeom prst="rect">
-            <a:avLst/>
-          </a:prstGeom>
-        </p:spPr>
-      </p:pic>
-      <p:pic>
-        <p:nvPicPr>
-          <p:cNvPr id="2" name="Imagen 1"/>
-          <p:cNvPicPr>
-            <a:picLocks noChangeAspect="1"/>
-          </p:cNvPicPr>
-          <p:nvPr/>
-        </p:nvPicPr>
-        <p:blipFill>
-          <a:blip r:embed="rId4">
-            <a:extLst>
-              <a:ext uri="{28A0092B-C50C-407E-A947-70E740481C1C}">
-                <a14:useLocalDpi xmlns:a14="http://schemas.microsoft.com/office/drawing/2010/main" val="0"/>
-              </a:ext>
-            </a:extLst>
-          </a:blip>
-          <a:stretch>
-            <a:fillRect/>
-          </a:stretch>
-        </p:blipFill>
-        <p:spPr>
-          <a:xfrm>
-            <a:off x="8316024" y="89553"/>
-            <a:ext cx="719254" cy="600029"/>
-          </a:xfrm>
-          <a:prstGeom prst="rect">
-            <a:avLst/>
-          </a:prstGeom>
-        </p:spPr>
-      </p:pic>
-      <p:cxnSp>
-        <p:nvCxnSpPr>
-          <p:cNvPr id="47" name="Conector recto 46">
-            <a:extLst>
-              <a:ext uri="{FF2B5EF4-FFF2-40B4-BE49-F238E27FC236}">
-                <a16:creationId xmlns:a16="http://schemas.microsoft.com/office/drawing/2014/main" id="{4181175F-F92E-4346-BEF2-F4DEB204DBB1}"/>
-              </a:ext>
-            </a:extLst>
-          </p:cNvPr>
-          <p:cNvCxnSpPr>
-            <a:cxnSpLocks/>
-          </p:cNvCxnSpPr>
-          <p:nvPr/>
-        </p:nvCxnSpPr>
-        <p:spPr>
-          <a:xfrm flipV="1">
-            <a:off x="1190625" y="5978980"/>
-            <a:ext cx="7844653" cy="26290"/>
-          </a:xfrm>
-          <a:prstGeom prst="line">
-            <a:avLst/>
-          </a:prstGeom>
-          <a:noFill/>
-          <a:ln w="6350" cap="flat" cmpd="sng" algn="ctr">
-            <a:solidFill>
-              <a:sysClr val="window" lastClr="FFFFFF">
-                <a:lumMod val="65000"/>
-              </a:sysClr>
-            </a:solidFill>
-            <a:prstDash val="solid"/>
-            <a:miter lim="800000"/>
-          </a:ln>
-          <a:effectLst/>
-        </p:spPr>
-      </p:cxnSp>
-      <p:cxnSp>
-        <p:nvCxnSpPr>
-          <p:cNvPr id="48" name="Conector recto 47">
-            <a:extLst>
-              <a:ext uri="{FF2B5EF4-FFF2-40B4-BE49-F238E27FC236}">
-                <a16:creationId xmlns:a16="http://schemas.microsoft.com/office/drawing/2014/main" id="{47A71E6E-CEFB-4409-BE5A-DAA75229C265}"/>
-              </a:ext>
-            </a:extLst>
-          </p:cNvPr>
-          <p:cNvCxnSpPr>
-            <a:cxnSpLocks/>
-            <a:stCxn id="77" idx="6"/>
-          </p:cNvCxnSpPr>
-          <p:nvPr/>
-        </p:nvCxnSpPr>
-        <p:spPr>
-          <a:xfrm>
-            <a:off x="144000" y="1470820"/>
-            <a:ext cx="7914150" cy="0"/>
-          </a:xfrm>
-          <a:prstGeom prst="line">
-            <a:avLst/>
-          </a:prstGeom>
-          <a:noFill/>
-          <a:ln w="6350" cap="flat" cmpd="sng" algn="ctr">
-            <a:solidFill>
-              <a:sysClr val="window" lastClr="FFFFFF">
-                <a:lumMod val="65000"/>
-              </a:sysClr>
-            </a:solidFill>
-            <a:prstDash val="solid"/>
-            <a:miter lim="800000"/>
-          </a:ln>
-          <a:effectLst/>
-        </p:spPr>
-      </p:cxnSp>
-      <p:sp>
-        <p:nvSpPr>
-          <p:cNvPr id="77" name="Elipse 76">
-            <a:extLst>
-              <a:ext uri="{FF2B5EF4-FFF2-40B4-BE49-F238E27FC236}">
-                <a16:creationId xmlns:a16="http://schemas.microsoft.com/office/drawing/2014/main" id="{2971289C-465B-442E-ACCB-3ADFA813459D}"/>
-              </a:ext>
-            </a:extLst>
-          </p:cNvPr>
-          <p:cNvSpPr/>
-          <p:nvPr/>
-        </p:nvSpPr>
-        <p:spPr>
-          <a:xfrm>
-            <a:off x="0" y="1397000"/>
-            <a:ext cx="144000" cy="147640"/>
-          </a:xfrm>
-          <a:prstGeom prst="ellipse">
-            <a:avLst/>
-          </a:prstGeom>
-          <a:solidFill>
-            <a:sysClr val="window" lastClr="FFFFFF"/>
-          </a:solidFill>
-          <a:ln w="12700" cap="flat" cmpd="sng" algn="ctr">
-            <a:solidFill>
-              <a:sysClr val="window" lastClr="FFFFFF">
-                <a:lumMod val="65000"/>
-              </a:sysClr>
-            </a:solidFill>
-            <a:prstDash val="solid"/>
-            <a:miter lim="800000"/>
-          </a:ln>
-          <a:effectLst/>
-        </p:spPr>
-        <p:txBody>
-          <a:bodyPr rtlCol="0" anchor="ctr"/>
-          <a:lstStyle/>
-          <a:p>
-            <a:pPr marL="0" marR="0" lvl="0" indent="0" algn="ctr" defTabSz="914400" eaLnBrk="1" fontAlgn="auto" latinLnBrk="0" hangingPunct="1">
-              <a:lnSpc>
-                <a:spcPct val="100000"/>
-              </a:lnSpc>
-              <a:spcBef>
-                <a:spcPts val="0"/>
-              </a:spcBef>
-              <a:spcAft>
-                <a:spcPts val="0"/>
-              </a:spcAft>
-              <a:buClrTx/>
-              <a:buSzTx/>
-              <a:buFontTx/>
-              <a:buNone/>
-              <a:tabLst/>
-              <a:defRPr/>
-            </a:pPr>
-            <a:endParaRPr kumimoji="0" lang="es-CL" sz="1800" b="0" i="0" u="none" strike="noStrike" kern="0" cap="none" spc="0" normalizeH="0" baseline="0" noProof="0">
-              <a:ln>
-                <a:noFill/>
-              </a:ln>
-              <a:solidFill>
-                <a:prstClr val="white"/>
-              </a:solidFill>
-              <a:effectLst/>
-              <a:uLnTx/>
-              <a:uFillTx/>
-              <a:latin typeface="Calibri" panose="020F0502020204030204"/>
-              <a:ea typeface="+mn-ea"/>
-              <a:cs typeface="+mn-cs"/>
-            </a:endParaRPr>
-          </a:p>
-        </p:txBody>
-      </p:sp>
-      <p:sp>
-        <p:nvSpPr>
-          <p:cNvPr id="80" name="2 CuadroTexto">
-            <a:extLst>
-              <a:ext uri="{FF2B5EF4-FFF2-40B4-BE49-F238E27FC236}">
-                <a16:creationId xmlns:a16="http://schemas.microsoft.com/office/drawing/2014/main" id="{BEC35C67-D9A9-40B5-8795-B1AD983B674D}"/>
-              </a:ext>
-            </a:extLst>
-          </p:cNvPr>
-          <p:cNvSpPr txBox="1"/>
-          <p:nvPr/>
-        </p:nvSpPr>
-        <p:spPr>
-          <a:xfrm>
-            <a:off x="7188862" y="6403211"/>
-            <a:ext cx="1542847" cy="307777"/>
-          </a:xfrm>
-          <a:prstGeom prst="rect">
-            <a:avLst/>
-          </a:prstGeom>
-          <a:noFill/>
-        </p:spPr>
-        <p:txBody>
-          <a:bodyPr wrap="square" rtlCol="0">
-            <a:spAutoFit/>
-          </a:bodyPr>
-          <a:lstStyle/>
-          <a:p>
-            <a:pPr algn="r" defTabSz="914332">
-              <a:defRPr/>
-            </a:pPr>
-            <a:r>
-              <a:rPr lang="es-ES" sz="1400" i="1">
-                <a:solidFill>
-                  <a:prstClr val="black"/>
-                </a:solidFill>
-                <a:latin typeface="Arial" panose="020B0604020202020204" pitchFamily="34" charset="0"/>
-                <a:cs typeface="Arial" panose="020B0604020202020204" pitchFamily="34" charset="0"/>
-              </a:rPr>
-              <a:t>Abril </a:t>
+              <a:t>Diamantes: Test </a:t>
             </a:r>
             <a:r>
-              <a:rPr lang="es-CL" sz="1400" i="1">
+              <a:rPr lang="es-ES_tradnl" sz="2400" b="1" err="1">
                 <a:solidFill>
-                  <a:prstClr val="black"/>
+                  <a:schemeClr val="bg1"/>
                 </a:solidFill>
-                <a:latin typeface="Arial" panose="020B0604020202020204" pitchFamily="34" charset="0"/>
-                <a:cs typeface="Arial" panose="020B0604020202020204" pitchFamily="34" charset="0"/>
+                <a:ea typeface="Gungsuh" charset="-127"/>
+                <a:cs typeface="Gungsuh" charset="-127"/>
               </a:rPr>
-              <a:t>2024</a:t>
+              <a:t>Kolmogorov</a:t>
             </a:r>
-          </a:p>
-        </p:txBody>
-      </p:sp>
-      <p:sp>
-        <p:nvSpPr>
-          <p:cNvPr id="43" name="CuadroTexto 42">
-            <a:extLst>
-              <a:ext uri="{FF2B5EF4-FFF2-40B4-BE49-F238E27FC236}">
-                <a16:creationId xmlns:a16="http://schemas.microsoft.com/office/drawing/2014/main" id="{227163E9-5661-4AAF-9078-F7CFD4D862FB}"/>
-              </a:ext>
-            </a:extLst>
-          </p:cNvPr>
-          <p:cNvSpPr txBox="1"/>
-          <p:nvPr/>
-        </p:nvSpPr>
-        <p:spPr>
-          <a:xfrm>
-            <a:off x="328592" y="177986"/>
-            <a:ext cx="4708228" cy="461665"/>
-          </a:xfrm>
-          <a:prstGeom prst="rect">
-            <a:avLst/>
-          </a:prstGeom>
-          <a:noFill/>
-        </p:spPr>
-        <p:txBody>
-          <a:bodyPr wrap="square" rtlCol="0">
-            <a:spAutoFit/>
-          </a:bodyPr>
-          <a:lstStyle/>
-          <a:p>
             <a:r>
               <a:rPr lang="es-ES_tradnl" sz="2400" b="1">
                 <a:solidFill>
@@ -12628,11 +12335,1266 @@
                 <a:ea typeface="Gungsuh" charset="-127"/>
                 <a:cs typeface="Gungsuh" charset="-127"/>
               </a:rPr>
-              <a:t>Diamantes: Mediadas estadísticas</a:t>
+              <a:t>–</a:t>
             </a:r>
+            <a:r>
+              <a:rPr lang="es-ES_tradnl" sz="2400" b="1" err="1">
+                <a:solidFill>
+                  <a:schemeClr val="bg1"/>
+                </a:solidFill>
+                <a:ea typeface="Gungsuh" charset="-127"/>
+                <a:cs typeface="Gungsuh" charset="-127"/>
+              </a:rPr>
+              <a:t>Smirnov</a:t>
+            </a:r>
+            <a:endParaRPr lang="es-ES_tradnl" sz="2400" b="1">
+              <a:solidFill>
+                <a:schemeClr val="bg1"/>
+              </a:solidFill>
+              <a:ea typeface="Gungsuh" charset="-127"/>
+              <a:cs typeface="Gungsuh" charset="-127"/>
+            </a:endParaRPr>
           </a:p>
         </p:txBody>
       </p:sp>
+      <p:grpSp>
+        <p:nvGrpSpPr>
+          <p:cNvPr id="29" name="Grupo 28">
+            <a:extLst>
+              <a:ext uri="{FF2B5EF4-FFF2-40B4-BE49-F238E27FC236}">
+                <a16:creationId xmlns:a16="http://schemas.microsoft.com/office/drawing/2014/main" id="{06F6DB3C-0030-016C-D276-7DC33ECB1382}"/>
+              </a:ext>
+            </a:extLst>
+          </p:cNvPr>
+          <p:cNvGrpSpPr/>
+          <p:nvPr/>
+        </p:nvGrpSpPr>
+        <p:grpSpPr>
+          <a:xfrm>
+            <a:off x="300016" y="1619290"/>
+            <a:ext cx="1885971" cy="1771643"/>
+            <a:chOff x="300016" y="1619290"/>
+            <a:chExt cx="1885971" cy="1771643"/>
+          </a:xfrm>
+        </p:grpSpPr>
+        <p:sp>
+          <p:nvSpPr>
+            <p:cNvPr id="3" name="Rectángulo: esquinas redondeadas 2">
+              <a:extLst>
+                <a:ext uri="{FF2B5EF4-FFF2-40B4-BE49-F238E27FC236}">
+                  <a16:creationId xmlns:a16="http://schemas.microsoft.com/office/drawing/2014/main" id="{8FFB18C6-E252-AEA7-7546-D8E3ACC10833}"/>
+                </a:ext>
+              </a:extLst>
+            </p:cNvPr>
+            <p:cNvSpPr/>
+            <p:nvPr/>
+          </p:nvSpPr>
+          <p:spPr>
+            <a:xfrm>
+              <a:off x="300016" y="1619290"/>
+              <a:ext cx="1871683" cy="885821"/>
+            </a:xfrm>
+            <a:prstGeom prst="roundRect">
+              <a:avLst/>
+            </a:prstGeom>
+            <a:solidFill>
+              <a:srgbClr val="E35F65"/>
+            </a:solidFill>
+            <a:ln>
+              <a:solidFill>
+                <a:srgbClr val="E30000"/>
+              </a:solidFill>
+            </a:ln>
+          </p:spPr>
+          <p:style>
+            <a:lnRef idx="2">
+              <a:schemeClr val="accent1">
+                <a:shade val="15000"/>
+              </a:schemeClr>
+            </a:lnRef>
+            <a:fillRef idx="1">
+              <a:schemeClr val="accent1"/>
+            </a:fillRef>
+            <a:effectRef idx="0">
+              <a:schemeClr val="accent1"/>
+            </a:effectRef>
+            <a:fontRef idx="minor">
+              <a:schemeClr val="lt1"/>
+            </a:fontRef>
+          </p:style>
+          <p:txBody>
+            <a:bodyPr rtlCol="0" anchor="ctr"/>
+            <a:lstStyle/>
+            <a:p>
+              <a:pPr algn="ctr"/>
+              <a:r>
+                <a:rPr lang="es-CL"/>
+                <a:t>Peso</a:t>
+              </a:r>
+            </a:p>
+          </p:txBody>
+        </p:sp>
+        <p:sp>
+          <p:nvSpPr>
+            <p:cNvPr id="4" name="Rectángulo: esquinas redondeadas 3">
+              <a:extLst>
+                <a:ext uri="{FF2B5EF4-FFF2-40B4-BE49-F238E27FC236}">
+                  <a16:creationId xmlns:a16="http://schemas.microsoft.com/office/drawing/2014/main" id="{DFC250D8-D0C3-D279-0ED9-892373FEFC12}"/>
+                </a:ext>
+              </a:extLst>
+            </p:cNvPr>
+            <p:cNvSpPr/>
+            <p:nvPr/>
+          </p:nvSpPr>
+          <p:spPr>
+            <a:xfrm>
+              <a:off x="314304" y="2505111"/>
+              <a:ext cx="1871683" cy="885822"/>
+            </a:xfrm>
+            <a:prstGeom prst="roundRect">
+              <a:avLst/>
+            </a:prstGeom>
+            <a:solidFill>
+              <a:schemeClr val="bg1">
+                <a:lumMod val="95000"/>
+              </a:schemeClr>
+            </a:solidFill>
+          </p:spPr>
+          <p:style>
+            <a:lnRef idx="2">
+              <a:schemeClr val="accent1">
+                <a:shade val="15000"/>
+              </a:schemeClr>
+            </a:lnRef>
+            <a:fillRef idx="1">
+              <a:schemeClr val="accent1"/>
+            </a:fillRef>
+            <a:effectRef idx="0">
+              <a:schemeClr val="accent1"/>
+            </a:effectRef>
+            <a:fontRef idx="minor">
+              <a:schemeClr val="lt1"/>
+            </a:fontRef>
+          </p:style>
+          <p:txBody>
+            <a:bodyPr rtlCol="0" anchor="ctr"/>
+            <a:lstStyle/>
+            <a:p>
+              <a:pPr algn="ctr"/>
+              <a:endParaRPr lang="es-CL"/>
+            </a:p>
+          </p:txBody>
+        </p:sp>
+      </p:grpSp>
+      <p:grpSp>
+        <p:nvGrpSpPr>
+          <p:cNvPr id="31" name="Grupo 30">
+            <a:extLst>
+              <a:ext uri="{FF2B5EF4-FFF2-40B4-BE49-F238E27FC236}">
+                <a16:creationId xmlns:a16="http://schemas.microsoft.com/office/drawing/2014/main" id="{5462D678-0C32-84D3-A914-A87E4AC3F7F9}"/>
+              </a:ext>
+            </a:extLst>
+          </p:cNvPr>
+          <p:cNvGrpSpPr/>
+          <p:nvPr/>
+        </p:nvGrpSpPr>
+        <p:grpSpPr>
+          <a:xfrm>
+            <a:off x="4470094" y="1619290"/>
+            <a:ext cx="1885971" cy="1771643"/>
+            <a:chOff x="4470094" y="1619290"/>
+            <a:chExt cx="1885971" cy="1771643"/>
+          </a:xfrm>
+        </p:grpSpPr>
+        <p:sp>
+          <p:nvSpPr>
+            <p:cNvPr id="17" name="Rectángulo: esquinas redondeadas 16">
+              <a:extLst>
+                <a:ext uri="{FF2B5EF4-FFF2-40B4-BE49-F238E27FC236}">
+                  <a16:creationId xmlns:a16="http://schemas.microsoft.com/office/drawing/2014/main" id="{B4FB0981-55CB-5B53-D161-1B449F87837A}"/>
+                </a:ext>
+              </a:extLst>
+            </p:cNvPr>
+            <p:cNvSpPr/>
+            <p:nvPr/>
+          </p:nvSpPr>
+          <p:spPr>
+            <a:xfrm>
+              <a:off x="4470094" y="1619290"/>
+              <a:ext cx="1871683" cy="885821"/>
+            </a:xfrm>
+            <a:prstGeom prst="roundRect">
+              <a:avLst/>
+            </a:prstGeom>
+            <a:solidFill>
+              <a:srgbClr val="E35F65"/>
+            </a:solidFill>
+            <a:ln>
+              <a:solidFill>
+                <a:srgbClr val="E30000"/>
+              </a:solidFill>
+            </a:ln>
+          </p:spPr>
+          <p:style>
+            <a:lnRef idx="2">
+              <a:schemeClr val="accent1">
+                <a:shade val="15000"/>
+              </a:schemeClr>
+            </a:lnRef>
+            <a:fillRef idx="1">
+              <a:schemeClr val="accent1"/>
+            </a:fillRef>
+            <a:effectRef idx="0">
+              <a:schemeClr val="accent1"/>
+            </a:effectRef>
+            <a:fontRef idx="minor">
+              <a:schemeClr val="lt1"/>
+            </a:fontRef>
+          </p:style>
+          <p:txBody>
+            <a:bodyPr rtlCol="0" anchor="ctr"/>
+            <a:lstStyle/>
+            <a:p>
+              <a:pPr algn="ctr"/>
+              <a:r>
+                <a:rPr lang="es-CL"/>
+                <a:t>Ancho</a:t>
+              </a:r>
+            </a:p>
+          </p:txBody>
+        </p:sp>
+        <p:sp>
+          <p:nvSpPr>
+            <p:cNvPr id="18" name="Rectángulo: esquinas redondeadas 17">
+              <a:extLst>
+                <a:ext uri="{FF2B5EF4-FFF2-40B4-BE49-F238E27FC236}">
+                  <a16:creationId xmlns:a16="http://schemas.microsoft.com/office/drawing/2014/main" id="{1F43C420-F744-BC01-29AC-F17FD212F537}"/>
+                </a:ext>
+              </a:extLst>
+            </p:cNvPr>
+            <p:cNvSpPr/>
+            <p:nvPr/>
+          </p:nvSpPr>
+          <p:spPr>
+            <a:xfrm>
+              <a:off x="4484382" y="2505111"/>
+              <a:ext cx="1871683" cy="885822"/>
+            </a:xfrm>
+            <a:prstGeom prst="roundRect">
+              <a:avLst/>
+            </a:prstGeom>
+            <a:solidFill>
+              <a:schemeClr val="bg1">
+                <a:lumMod val="95000"/>
+              </a:schemeClr>
+            </a:solidFill>
+          </p:spPr>
+          <p:style>
+            <a:lnRef idx="2">
+              <a:schemeClr val="accent1">
+                <a:shade val="15000"/>
+              </a:schemeClr>
+            </a:lnRef>
+            <a:fillRef idx="1">
+              <a:schemeClr val="accent1"/>
+            </a:fillRef>
+            <a:effectRef idx="0">
+              <a:schemeClr val="accent1"/>
+            </a:effectRef>
+            <a:fontRef idx="minor">
+              <a:schemeClr val="lt1"/>
+            </a:fontRef>
+          </p:style>
+          <p:txBody>
+            <a:bodyPr rtlCol="0" anchor="ctr"/>
+            <a:lstStyle/>
+            <a:p>
+              <a:pPr algn="ctr"/>
+              <a:endParaRPr lang="es-CL"/>
+            </a:p>
+          </p:txBody>
+        </p:sp>
+      </p:grpSp>
+      <p:grpSp>
+        <p:nvGrpSpPr>
+          <p:cNvPr id="5" name="Grupo 4">
+            <a:extLst>
+              <a:ext uri="{FF2B5EF4-FFF2-40B4-BE49-F238E27FC236}">
+                <a16:creationId xmlns:a16="http://schemas.microsoft.com/office/drawing/2014/main" id="{17D8EA0E-8C38-AC06-AB8E-9A9079087245}"/>
+              </a:ext>
+            </a:extLst>
+          </p:cNvPr>
+          <p:cNvGrpSpPr/>
+          <p:nvPr/>
+        </p:nvGrpSpPr>
+        <p:grpSpPr>
+          <a:xfrm>
+            <a:off x="6569421" y="1615977"/>
+            <a:ext cx="1885971" cy="1771643"/>
+            <a:chOff x="6569421" y="1615977"/>
+            <a:chExt cx="1885971" cy="1771643"/>
+          </a:xfrm>
+        </p:grpSpPr>
+        <p:sp>
+          <p:nvSpPr>
+            <p:cNvPr id="19" name="Rectángulo: esquinas redondeadas 18">
+              <a:extLst>
+                <a:ext uri="{FF2B5EF4-FFF2-40B4-BE49-F238E27FC236}">
+                  <a16:creationId xmlns:a16="http://schemas.microsoft.com/office/drawing/2014/main" id="{BDB4DF92-2798-EECA-F1DC-727D236E16D6}"/>
+                </a:ext>
+              </a:extLst>
+            </p:cNvPr>
+            <p:cNvSpPr/>
+            <p:nvPr/>
+          </p:nvSpPr>
+          <p:spPr>
+            <a:xfrm>
+              <a:off x="6569421" y="1615977"/>
+              <a:ext cx="1871683" cy="885821"/>
+            </a:xfrm>
+            <a:prstGeom prst="roundRect">
+              <a:avLst/>
+            </a:prstGeom>
+            <a:solidFill>
+              <a:srgbClr val="E35F65"/>
+            </a:solidFill>
+            <a:ln>
+              <a:solidFill>
+                <a:srgbClr val="E30000"/>
+              </a:solidFill>
+            </a:ln>
+          </p:spPr>
+          <p:style>
+            <a:lnRef idx="2">
+              <a:schemeClr val="accent1">
+                <a:shade val="15000"/>
+              </a:schemeClr>
+            </a:lnRef>
+            <a:fillRef idx="1">
+              <a:schemeClr val="accent1"/>
+            </a:fillRef>
+            <a:effectRef idx="0">
+              <a:schemeClr val="accent1"/>
+            </a:effectRef>
+            <a:fontRef idx="minor">
+              <a:schemeClr val="lt1"/>
+            </a:fontRef>
+          </p:style>
+          <p:txBody>
+            <a:bodyPr rtlCol="0" anchor="ctr"/>
+            <a:lstStyle/>
+            <a:p>
+              <a:pPr algn="ctr"/>
+              <a:r>
+                <a:rPr lang="es-CL"/>
+                <a:t>Precio</a:t>
+              </a:r>
+            </a:p>
+          </p:txBody>
+        </p:sp>
+        <p:sp>
+          <p:nvSpPr>
+            <p:cNvPr id="20" name="Rectángulo: esquinas redondeadas 19">
+              <a:extLst>
+                <a:ext uri="{FF2B5EF4-FFF2-40B4-BE49-F238E27FC236}">
+                  <a16:creationId xmlns:a16="http://schemas.microsoft.com/office/drawing/2014/main" id="{58A80695-BC02-A6E2-35B6-7E82ABDBD1B7}"/>
+                </a:ext>
+              </a:extLst>
+            </p:cNvPr>
+            <p:cNvSpPr/>
+            <p:nvPr/>
+          </p:nvSpPr>
+          <p:spPr>
+            <a:xfrm>
+              <a:off x="6583709" y="2501798"/>
+              <a:ext cx="1871683" cy="885822"/>
+            </a:xfrm>
+            <a:prstGeom prst="roundRect">
+              <a:avLst/>
+            </a:prstGeom>
+            <a:solidFill>
+              <a:schemeClr val="bg1">
+                <a:lumMod val="95000"/>
+              </a:schemeClr>
+            </a:solidFill>
+          </p:spPr>
+          <p:style>
+            <a:lnRef idx="2">
+              <a:schemeClr val="accent1">
+                <a:shade val="15000"/>
+              </a:schemeClr>
+            </a:lnRef>
+            <a:fillRef idx="1">
+              <a:schemeClr val="accent1"/>
+            </a:fillRef>
+            <a:effectRef idx="0">
+              <a:schemeClr val="accent1"/>
+            </a:effectRef>
+            <a:fontRef idx="minor">
+              <a:schemeClr val="lt1"/>
+            </a:fontRef>
+          </p:style>
+          <p:txBody>
+            <a:bodyPr rtlCol="0" anchor="ctr"/>
+            <a:lstStyle/>
+            <a:p>
+              <a:pPr algn="ctr"/>
+              <a:r>
+                <a:rPr lang="es-CL">
+                  <a:solidFill>
+                    <a:schemeClr val="tx1">
+                      <a:lumMod val="75000"/>
+                      <a:lumOff val="25000"/>
+                    </a:schemeClr>
+                  </a:solidFill>
+                </a:rPr>
+                <a:t>&lt;2,2*10^-16</a:t>
+              </a:r>
+            </a:p>
+          </p:txBody>
+        </p:sp>
+      </p:grpSp>
+      <p:grpSp>
+        <p:nvGrpSpPr>
+          <p:cNvPr id="30" name="Grupo 29">
+            <a:extLst>
+              <a:ext uri="{FF2B5EF4-FFF2-40B4-BE49-F238E27FC236}">
+                <a16:creationId xmlns:a16="http://schemas.microsoft.com/office/drawing/2014/main" id="{F904F3FA-55A8-357F-D91D-0E20DA056807}"/>
+              </a:ext>
+            </a:extLst>
+          </p:cNvPr>
+          <p:cNvGrpSpPr/>
+          <p:nvPr/>
+        </p:nvGrpSpPr>
+        <p:grpSpPr>
+          <a:xfrm>
+            <a:off x="2392199" y="1615977"/>
+            <a:ext cx="1880821" cy="1778268"/>
+            <a:chOff x="2392199" y="1615977"/>
+            <a:chExt cx="1880821" cy="1778268"/>
+          </a:xfrm>
+        </p:grpSpPr>
+        <p:sp>
+          <p:nvSpPr>
+            <p:cNvPr id="15" name="Rectángulo: esquinas redondeadas 14">
+              <a:extLst>
+                <a:ext uri="{FF2B5EF4-FFF2-40B4-BE49-F238E27FC236}">
+                  <a16:creationId xmlns:a16="http://schemas.microsoft.com/office/drawing/2014/main" id="{687C2E96-FE35-FEF7-BA0A-5ACF023FA5BD}"/>
+                </a:ext>
+              </a:extLst>
+            </p:cNvPr>
+            <p:cNvSpPr/>
+            <p:nvPr/>
+          </p:nvSpPr>
+          <p:spPr>
+            <a:xfrm>
+              <a:off x="2394193" y="1615977"/>
+              <a:ext cx="1871683" cy="885821"/>
+            </a:xfrm>
+            <a:prstGeom prst="roundRect">
+              <a:avLst/>
+            </a:prstGeom>
+            <a:solidFill>
+              <a:srgbClr val="E35F65"/>
+            </a:solidFill>
+            <a:ln>
+              <a:solidFill>
+                <a:srgbClr val="E30000"/>
+              </a:solidFill>
+            </a:ln>
+          </p:spPr>
+          <p:style>
+            <a:lnRef idx="2">
+              <a:schemeClr val="accent1">
+                <a:shade val="15000"/>
+              </a:schemeClr>
+            </a:lnRef>
+            <a:fillRef idx="1">
+              <a:schemeClr val="accent1"/>
+            </a:fillRef>
+            <a:effectRef idx="0">
+              <a:schemeClr val="accent1"/>
+            </a:effectRef>
+            <a:fontRef idx="minor">
+              <a:schemeClr val="lt1"/>
+            </a:fontRef>
+          </p:style>
+          <p:txBody>
+            <a:bodyPr rtlCol="0" anchor="ctr"/>
+            <a:lstStyle/>
+            <a:p>
+              <a:pPr algn="ctr"/>
+              <a:endParaRPr lang="es-CL"/>
+            </a:p>
+          </p:txBody>
+        </p:sp>
+        <p:sp>
+          <p:nvSpPr>
+            <p:cNvPr id="16" name="Rectángulo: esquinas redondeadas 15">
+              <a:extLst>
+                <a:ext uri="{FF2B5EF4-FFF2-40B4-BE49-F238E27FC236}">
+                  <a16:creationId xmlns:a16="http://schemas.microsoft.com/office/drawing/2014/main" id="{ED0C73D5-D867-8AA5-5CDD-36930A4486E8}"/>
+                </a:ext>
+              </a:extLst>
+            </p:cNvPr>
+            <p:cNvSpPr/>
+            <p:nvPr/>
+          </p:nvSpPr>
+          <p:spPr>
+            <a:xfrm>
+              <a:off x="2401337" y="2505111"/>
+              <a:ext cx="1871683" cy="885822"/>
+            </a:xfrm>
+            <a:prstGeom prst="roundRect">
+              <a:avLst/>
+            </a:prstGeom>
+            <a:solidFill>
+              <a:schemeClr val="bg1">
+                <a:lumMod val="95000"/>
+              </a:schemeClr>
+            </a:solidFill>
+          </p:spPr>
+          <p:style>
+            <a:lnRef idx="2">
+              <a:schemeClr val="accent1">
+                <a:shade val="15000"/>
+              </a:schemeClr>
+            </a:lnRef>
+            <a:fillRef idx="1">
+              <a:schemeClr val="accent1"/>
+            </a:fillRef>
+            <a:effectRef idx="0">
+              <a:schemeClr val="accent1"/>
+            </a:effectRef>
+            <a:fontRef idx="minor">
+              <a:schemeClr val="lt1"/>
+            </a:fontRef>
+          </p:style>
+          <p:txBody>
+            <a:bodyPr rtlCol="0" anchor="ctr"/>
+            <a:lstStyle/>
+            <a:p>
+              <a:pPr algn="ctr"/>
+              <a:endParaRPr lang="es-CL"/>
+            </a:p>
+          </p:txBody>
+        </p:sp>
+        <p:sp>
+          <p:nvSpPr>
+            <p:cNvPr id="27" name="Rectángulo: esquinas redondeadas 26">
+              <a:extLst>
+                <a:ext uri="{FF2B5EF4-FFF2-40B4-BE49-F238E27FC236}">
+                  <a16:creationId xmlns:a16="http://schemas.microsoft.com/office/drawing/2014/main" id="{7D902329-67E8-92E9-92F7-0C3B39A25C9A}"/>
+                </a:ext>
+              </a:extLst>
+            </p:cNvPr>
+            <p:cNvSpPr/>
+            <p:nvPr/>
+          </p:nvSpPr>
+          <p:spPr>
+            <a:xfrm>
+              <a:off x="2392199" y="1619289"/>
+              <a:ext cx="1871683" cy="885821"/>
+            </a:xfrm>
+            <a:prstGeom prst="roundRect">
+              <a:avLst/>
+            </a:prstGeom>
+            <a:solidFill>
+              <a:srgbClr val="E35F65"/>
+            </a:solidFill>
+            <a:ln>
+              <a:solidFill>
+                <a:srgbClr val="E30000"/>
+              </a:solidFill>
+            </a:ln>
+          </p:spPr>
+          <p:style>
+            <a:lnRef idx="2">
+              <a:schemeClr val="accent1">
+                <a:shade val="15000"/>
+              </a:schemeClr>
+            </a:lnRef>
+            <a:fillRef idx="1">
+              <a:schemeClr val="accent1"/>
+            </a:fillRef>
+            <a:effectRef idx="0">
+              <a:schemeClr val="accent1"/>
+            </a:effectRef>
+            <a:fontRef idx="minor">
+              <a:schemeClr val="lt1"/>
+            </a:fontRef>
+          </p:style>
+          <p:txBody>
+            <a:bodyPr rtlCol="0" anchor="ctr"/>
+            <a:lstStyle/>
+            <a:p>
+              <a:pPr algn="ctr"/>
+              <a:r>
+                <a:rPr lang="es-CL"/>
+                <a:t>Profundidad</a:t>
+              </a:r>
+            </a:p>
+          </p:txBody>
+        </p:sp>
+        <p:sp>
+          <p:nvSpPr>
+            <p:cNvPr id="28" name="Rectángulo: esquinas redondeadas 27">
+              <a:extLst>
+                <a:ext uri="{FF2B5EF4-FFF2-40B4-BE49-F238E27FC236}">
+                  <a16:creationId xmlns:a16="http://schemas.microsoft.com/office/drawing/2014/main" id="{C2D2FADB-C13F-5DC1-9B86-CFB9FD33C2F3}"/>
+                </a:ext>
+              </a:extLst>
+            </p:cNvPr>
+            <p:cNvSpPr/>
+            <p:nvPr/>
+          </p:nvSpPr>
+          <p:spPr>
+            <a:xfrm>
+              <a:off x="2399343" y="2508423"/>
+              <a:ext cx="1871683" cy="885822"/>
+            </a:xfrm>
+            <a:prstGeom prst="roundRect">
+              <a:avLst/>
+            </a:prstGeom>
+            <a:solidFill>
+              <a:schemeClr val="bg1">
+                <a:lumMod val="95000"/>
+              </a:schemeClr>
+            </a:solidFill>
+          </p:spPr>
+          <p:style>
+            <a:lnRef idx="2">
+              <a:schemeClr val="accent1">
+                <a:shade val="15000"/>
+              </a:schemeClr>
+            </a:lnRef>
+            <a:fillRef idx="1">
+              <a:schemeClr val="accent1"/>
+            </a:fillRef>
+            <a:effectRef idx="0">
+              <a:schemeClr val="accent1"/>
+            </a:effectRef>
+            <a:fontRef idx="minor">
+              <a:schemeClr val="lt1"/>
+            </a:fontRef>
+          </p:style>
+          <p:txBody>
+            <a:bodyPr rtlCol="0" anchor="ctr"/>
+            <a:lstStyle/>
+            <a:p>
+              <a:pPr algn="ctr"/>
+              <a:endParaRPr lang="es-CL"/>
+            </a:p>
+          </p:txBody>
+        </p:sp>
+      </p:grpSp>
+      <p:grpSp>
+        <p:nvGrpSpPr>
+          <p:cNvPr id="6" name="Grupo 5">
+            <a:extLst>
+              <a:ext uri="{FF2B5EF4-FFF2-40B4-BE49-F238E27FC236}">
+                <a16:creationId xmlns:a16="http://schemas.microsoft.com/office/drawing/2014/main" id="{618536BF-4E51-2E18-BAB2-099DF9A8C94E}"/>
+              </a:ext>
+            </a:extLst>
+          </p:cNvPr>
+          <p:cNvGrpSpPr/>
+          <p:nvPr/>
+        </p:nvGrpSpPr>
+        <p:grpSpPr>
+          <a:xfrm>
+            <a:off x="1312851" y="3773306"/>
+            <a:ext cx="1885971" cy="1771643"/>
+            <a:chOff x="300016" y="1619290"/>
+            <a:chExt cx="1885971" cy="1771643"/>
+          </a:xfrm>
+        </p:grpSpPr>
+        <p:sp>
+          <p:nvSpPr>
+            <p:cNvPr id="32" name="Rectángulo: esquinas redondeadas 31">
+              <a:extLst>
+                <a:ext uri="{FF2B5EF4-FFF2-40B4-BE49-F238E27FC236}">
+                  <a16:creationId xmlns:a16="http://schemas.microsoft.com/office/drawing/2014/main" id="{37F5CE8D-A7FA-AC42-C131-B7B45584B63C}"/>
+                </a:ext>
+              </a:extLst>
+            </p:cNvPr>
+            <p:cNvSpPr/>
+            <p:nvPr/>
+          </p:nvSpPr>
+          <p:spPr>
+            <a:xfrm>
+              <a:off x="300016" y="1619290"/>
+              <a:ext cx="1871683" cy="885821"/>
+            </a:xfrm>
+            <a:prstGeom prst="roundRect">
+              <a:avLst/>
+            </a:prstGeom>
+            <a:solidFill>
+              <a:srgbClr val="E35F65"/>
+            </a:solidFill>
+            <a:ln>
+              <a:solidFill>
+                <a:srgbClr val="E30000"/>
+              </a:solidFill>
+            </a:ln>
+          </p:spPr>
+          <p:style>
+            <a:lnRef idx="2">
+              <a:schemeClr val="accent1">
+                <a:shade val="15000"/>
+              </a:schemeClr>
+            </a:lnRef>
+            <a:fillRef idx="1">
+              <a:schemeClr val="accent1"/>
+            </a:fillRef>
+            <a:effectRef idx="0">
+              <a:schemeClr val="accent1"/>
+            </a:effectRef>
+            <a:fontRef idx="minor">
+              <a:schemeClr val="lt1"/>
+            </a:fontRef>
+          </p:style>
+          <p:txBody>
+            <a:bodyPr rtlCol="0" anchor="ctr"/>
+            <a:lstStyle/>
+            <a:p>
+              <a:pPr algn="ctr"/>
+              <a:r>
+                <a:rPr lang="es-CL"/>
+                <a:t>X</a:t>
+              </a:r>
+            </a:p>
+          </p:txBody>
+        </p:sp>
+        <p:sp>
+          <p:nvSpPr>
+            <p:cNvPr id="33" name="Rectángulo: esquinas redondeadas 32">
+              <a:extLst>
+                <a:ext uri="{FF2B5EF4-FFF2-40B4-BE49-F238E27FC236}">
+                  <a16:creationId xmlns:a16="http://schemas.microsoft.com/office/drawing/2014/main" id="{248DACA0-1707-83A2-DFD7-E4B8CF27ECE5}"/>
+                </a:ext>
+              </a:extLst>
+            </p:cNvPr>
+            <p:cNvSpPr/>
+            <p:nvPr/>
+          </p:nvSpPr>
+          <p:spPr>
+            <a:xfrm>
+              <a:off x="314304" y="2505111"/>
+              <a:ext cx="1871683" cy="885822"/>
+            </a:xfrm>
+            <a:prstGeom prst="roundRect">
+              <a:avLst/>
+            </a:prstGeom>
+            <a:solidFill>
+              <a:schemeClr val="bg1">
+                <a:lumMod val="95000"/>
+              </a:schemeClr>
+            </a:solidFill>
+          </p:spPr>
+          <p:style>
+            <a:lnRef idx="2">
+              <a:schemeClr val="accent1">
+                <a:shade val="15000"/>
+              </a:schemeClr>
+            </a:lnRef>
+            <a:fillRef idx="1">
+              <a:schemeClr val="accent1"/>
+            </a:fillRef>
+            <a:effectRef idx="0">
+              <a:schemeClr val="accent1"/>
+            </a:effectRef>
+            <a:fontRef idx="minor">
+              <a:schemeClr val="lt1"/>
+            </a:fontRef>
+          </p:style>
+          <p:txBody>
+            <a:bodyPr rtlCol="0" anchor="ctr"/>
+            <a:lstStyle/>
+            <a:p>
+              <a:pPr algn="ctr"/>
+              <a:r>
+                <a:rPr lang="es-CL">
+                  <a:solidFill>
+                    <a:schemeClr val="tx1">
+                      <a:lumMod val="75000"/>
+                      <a:lumOff val="25000"/>
+                    </a:schemeClr>
+                  </a:solidFill>
+                </a:rPr>
+                <a:t>&lt;2,2*10^-16</a:t>
+              </a:r>
+            </a:p>
+          </p:txBody>
+        </p:sp>
+      </p:grpSp>
+      <p:grpSp>
+        <p:nvGrpSpPr>
+          <p:cNvPr id="34" name="Grupo 33">
+            <a:extLst>
+              <a:ext uri="{FF2B5EF4-FFF2-40B4-BE49-F238E27FC236}">
+                <a16:creationId xmlns:a16="http://schemas.microsoft.com/office/drawing/2014/main" id="{4C606DCA-568B-919F-E36E-E93C67C4396A}"/>
+              </a:ext>
+            </a:extLst>
+          </p:cNvPr>
+          <p:cNvGrpSpPr/>
+          <p:nvPr/>
+        </p:nvGrpSpPr>
+        <p:grpSpPr>
+          <a:xfrm>
+            <a:off x="3405034" y="3769993"/>
+            <a:ext cx="1880821" cy="1778268"/>
+            <a:chOff x="2392199" y="1615977"/>
+            <a:chExt cx="1880821" cy="1778268"/>
+          </a:xfrm>
+        </p:grpSpPr>
+        <p:sp>
+          <p:nvSpPr>
+            <p:cNvPr id="35" name="Rectángulo: esquinas redondeadas 34">
+              <a:extLst>
+                <a:ext uri="{FF2B5EF4-FFF2-40B4-BE49-F238E27FC236}">
+                  <a16:creationId xmlns:a16="http://schemas.microsoft.com/office/drawing/2014/main" id="{A7F2FD6A-68BD-9588-0D59-11428C0B9B23}"/>
+                </a:ext>
+              </a:extLst>
+            </p:cNvPr>
+            <p:cNvSpPr/>
+            <p:nvPr/>
+          </p:nvSpPr>
+          <p:spPr>
+            <a:xfrm>
+              <a:off x="2394193" y="1615977"/>
+              <a:ext cx="1871683" cy="885821"/>
+            </a:xfrm>
+            <a:prstGeom prst="roundRect">
+              <a:avLst/>
+            </a:prstGeom>
+            <a:solidFill>
+              <a:srgbClr val="E35F65"/>
+            </a:solidFill>
+            <a:ln>
+              <a:solidFill>
+                <a:srgbClr val="E30000"/>
+              </a:solidFill>
+            </a:ln>
+          </p:spPr>
+          <p:style>
+            <a:lnRef idx="2">
+              <a:schemeClr val="accent1">
+                <a:shade val="15000"/>
+              </a:schemeClr>
+            </a:lnRef>
+            <a:fillRef idx="1">
+              <a:schemeClr val="accent1"/>
+            </a:fillRef>
+            <a:effectRef idx="0">
+              <a:schemeClr val="accent1"/>
+            </a:effectRef>
+            <a:fontRef idx="minor">
+              <a:schemeClr val="lt1"/>
+            </a:fontRef>
+          </p:style>
+          <p:txBody>
+            <a:bodyPr rtlCol="0" anchor="ctr"/>
+            <a:lstStyle/>
+            <a:p>
+              <a:pPr algn="ctr"/>
+              <a:endParaRPr lang="es-CL"/>
+            </a:p>
+          </p:txBody>
+        </p:sp>
+        <p:sp>
+          <p:nvSpPr>
+            <p:cNvPr id="36" name="Rectángulo: esquinas redondeadas 35">
+              <a:extLst>
+                <a:ext uri="{FF2B5EF4-FFF2-40B4-BE49-F238E27FC236}">
+                  <a16:creationId xmlns:a16="http://schemas.microsoft.com/office/drawing/2014/main" id="{D3A5C724-712B-C104-3929-EF0299E92EF9}"/>
+                </a:ext>
+              </a:extLst>
+            </p:cNvPr>
+            <p:cNvSpPr/>
+            <p:nvPr/>
+          </p:nvSpPr>
+          <p:spPr>
+            <a:xfrm>
+              <a:off x="2401337" y="2505111"/>
+              <a:ext cx="1871683" cy="885822"/>
+            </a:xfrm>
+            <a:prstGeom prst="roundRect">
+              <a:avLst/>
+            </a:prstGeom>
+            <a:solidFill>
+              <a:schemeClr val="bg1">
+                <a:lumMod val="95000"/>
+              </a:schemeClr>
+            </a:solidFill>
+          </p:spPr>
+          <p:style>
+            <a:lnRef idx="2">
+              <a:schemeClr val="accent1">
+                <a:shade val="15000"/>
+              </a:schemeClr>
+            </a:lnRef>
+            <a:fillRef idx="1">
+              <a:schemeClr val="accent1"/>
+            </a:fillRef>
+            <a:effectRef idx="0">
+              <a:schemeClr val="accent1"/>
+            </a:effectRef>
+            <a:fontRef idx="minor">
+              <a:schemeClr val="lt1"/>
+            </a:fontRef>
+          </p:style>
+          <p:txBody>
+            <a:bodyPr rtlCol="0" anchor="ctr"/>
+            <a:lstStyle/>
+            <a:p>
+              <a:pPr algn="ctr"/>
+              <a:endParaRPr lang="es-CL"/>
+            </a:p>
+          </p:txBody>
+        </p:sp>
+        <p:sp>
+          <p:nvSpPr>
+            <p:cNvPr id="37" name="Rectángulo: esquinas redondeadas 36">
+              <a:extLst>
+                <a:ext uri="{FF2B5EF4-FFF2-40B4-BE49-F238E27FC236}">
+                  <a16:creationId xmlns:a16="http://schemas.microsoft.com/office/drawing/2014/main" id="{144C30AA-FB92-C49A-C7D9-13DC80832B66}"/>
+                </a:ext>
+              </a:extLst>
+            </p:cNvPr>
+            <p:cNvSpPr/>
+            <p:nvPr/>
+          </p:nvSpPr>
+          <p:spPr>
+            <a:xfrm>
+              <a:off x="2392199" y="1619289"/>
+              <a:ext cx="1871683" cy="885821"/>
+            </a:xfrm>
+            <a:prstGeom prst="roundRect">
+              <a:avLst/>
+            </a:prstGeom>
+            <a:solidFill>
+              <a:srgbClr val="E35F65"/>
+            </a:solidFill>
+            <a:ln>
+              <a:solidFill>
+                <a:srgbClr val="E30000"/>
+              </a:solidFill>
+            </a:ln>
+          </p:spPr>
+          <p:style>
+            <a:lnRef idx="2">
+              <a:schemeClr val="accent1">
+                <a:shade val="15000"/>
+              </a:schemeClr>
+            </a:lnRef>
+            <a:fillRef idx="1">
+              <a:schemeClr val="accent1"/>
+            </a:fillRef>
+            <a:effectRef idx="0">
+              <a:schemeClr val="accent1"/>
+            </a:effectRef>
+            <a:fontRef idx="minor">
+              <a:schemeClr val="lt1"/>
+            </a:fontRef>
+          </p:style>
+          <p:txBody>
+            <a:bodyPr rtlCol="0" anchor="ctr"/>
+            <a:lstStyle/>
+            <a:p>
+              <a:pPr algn="ctr"/>
+              <a:r>
+                <a:rPr lang="es-CL"/>
+                <a:t>Y</a:t>
+              </a:r>
+            </a:p>
+          </p:txBody>
+        </p:sp>
+        <p:sp>
+          <p:nvSpPr>
+            <p:cNvPr id="38" name="Rectángulo: esquinas redondeadas 37">
+              <a:extLst>
+                <a:ext uri="{FF2B5EF4-FFF2-40B4-BE49-F238E27FC236}">
+                  <a16:creationId xmlns:a16="http://schemas.microsoft.com/office/drawing/2014/main" id="{9A2E86C6-79FE-3ABE-7598-952A4F4E35AD}"/>
+                </a:ext>
+              </a:extLst>
+            </p:cNvPr>
+            <p:cNvSpPr/>
+            <p:nvPr/>
+          </p:nvSpPr>
+          <p:spPr>
+            <a:xfrm>
+              <a:off x="2399343" y="2508423"/>
+              <a:ext cx="1871683" cy="885822"/>
+            </a:xfrm>
+            <a:prstGeom prst="roundRect">
+              <a:avLst/>
+            </a:prstGeom>
+            <a:solidFill>
+              <a:schemeClr val="bg1">
+                <a:lumMod val="95000"/>
+              </a:schemeClr>
+            </a:solidFill>
+          </p:spPr>
+          <p:style>
+            <a:lnRef idx="2">
+              <a:schemeClr val="accent1">
+                <a:shade val="15000"/>
+              </a:schemeClr>
+            </a:lnRef>
+            <a:fillRef idx="1">
+              <a:schemeClr val="accent1"/>
+            </a:fillRef>
+            <a:effectRef idx="0">
+              <a:schemeClr val="accent1"/>
+            </a:effectRef>
+            <a:fontRef idx="minor">
+              <a:schemeClr val="lt1"/>
+            </a:fontRef>
+          </p:style>
+          <p:txBody>
+            <a:bodyPr rtlCol="0" anchor="ctr"/>
+            <a:lstStyle/>
+            <a:p>
+              <a:pPr algn="ctr"/>
+              <a:endParaRPr lang="es-CL"/>
+            </a:p>
+          </p:txBody>
+        </p:sp>
+      </p:grpSp>
+      <p:grpSp>
+        <p:nvGrpSpPr>
+          <p:cNvPr id="39" name="Grupo 38">
+            <a:extLst>
+              <a:ext uri="{FF2B5EF4-FFF2-40B4-BE49-F238E27FC236}">
+                <a16:creationId xmlns:a16="http://schemas.microsoft.com/office/drawing/2014/main" id="{9BAE4014-9F5E-C0C0-EB91-433737D3B68E}"/>
+              </a:ext>
+            </a:extLst>
+          </p:cNvPr>
+          <p:cNvGrpSpPr/>
+          <p:nvPr/>
+        </p:nvGrpSpPr>
+        <p:grpSpPr>
+          <a:xfrm>
+            <a:off x="5490073" y="3766680"/>
+            <a:ext cx="1880821" cy="1778268"/>
+            <a:chOff x="2392199" y="1615977"/>
+            <a:chExt cx="1880821" cy="1778268"/>
+          </a:xfrm>
+        </p:grpSpPr>
+        <p:sp>
+          <p:nvSpPr>
+            <p:cNvPr id="40" name="Rectángulo: esquinas redondeadas 39">
+              <a:extLst>
+                <a:ext uri="{FF2B5EF4-FFF2-40B4-BE49-F238E27FC236}">
+                  <a16:creationId xmlns:a16="http://schemas.microsoft.com/office/drawing/2014/main" id="{8D747AE0-A708-D0CF-C0EA-4E8DC7ADE1A1}"/>
+                </a:ext>
+              </a:extLst>
+            </p:cNvPr>
+            <p:cNvSpPr/>
+            <p:nvPr/>
+          </p:nvSpPr>
+          <p:spPr>
+            <a:xfrm>
+              <a:off x="2394193" y="1615977"/>
+              <a:ext cx="1871683" cy="885821"/>
+            </a:xfrm>
+            <a:prstGeom prst="roundRect">
+              <a:avLst/>
+            </a:prstGeom>
+            <a:solidFill>
+              <a:srgbClr val="E35F65"/>
+            </a:solidFill>
+            <a:ln>
+              <a:solidFill>
+                <a:srgbClr val="E30000"/>
+              </a:solidFill>
+            </a:ln>
+          </p:spPr>
+          <p:style>
+            <a:lnRef idx="2">
+              <a:schemeClr val="accent1">
+                <a:shade val="15000"/>
+              </a:schemeClr>
+            </a:lnRef>
+            <a:fillRef idx="1">
+              <a:schemeClr val="accent1"/>
+            </a:fillRef>
+            <a:effectRef idx="0">
+              <a:schemeClr val="accent1"/>
+            </a:effectRef>
+            <a:fontRef idx="minor">
+              <a:schemeClr val="lt1"/>
+            </a:fontRef>
+          </p:style>
+          <p:txBody>
+            <a:bodyPr rtlCol="0" anchor="ctr"/>
+            <a:lstStyle/>
+            <a:p>
+              <a:pPr algn="ctr"/>
+              <a:endParaRPr lang="es-CL"/>
+            </a:p>
+          </p:txBody>
+        </p:sp>
+        <p:sp>
+          <p:nvSpPr>
+            <p:cNvPr id="41" name="Rectángulo: esquinas redondeadas 40">
+              <a:extLst>
+                <a:ext uri="{FF2B5EF4-FFF2-40B4-BE49-F238E27FC236}">
+                  <a16:creationId xmlns:a16="http://schemas.microsoft.com/office/drawing/2014/main" id="{AF9FB61E-A193-EFEC-42DB-3DDA989881A4}"/>
+                </a:ext>
+              </a:extLst>
+            </p:cNvPr>
+            <p:cNvSpPr/>
+            <p:nvPr/>
+          </p:nvSpPr>
+          <p:spPr>
+            <a:xfrm>
+              <a:off x="2401337" y="2505111"/>
+              <a:ext cx="1871683" cy="885822"/>
+            </a:xfrm>
+            <a:prstGeom prst="roundRect">
+              <a:avLst/>
+            </a:prstGeom>
+            <a:solidFill>
+              <a:schemeClr val="bg1">
+                <a:lumMod val="95000"/>
+              </a:schemeClr>
+            </a:solidFill>
+          </p:spPr>
+          <p:style>
+            <a:lnRef idx="2">
+              <a:schemeClr val="accent1">
+                <a:shade val="15000"/>
+              </a:schemeClr>
+            </a:lnRef>
+            <a:fillRef idx="1">
+              <a:schemeClr val="accent1"/>
+            </a:fillRef>
+            <a:effectRef idx="0">
+              <a:schemeClr val="accent1"/>
+            </a:effectRef>
+            <a:fontRef idx="minor">
+              <a:schemeClr val="lt1"/>
+            </a:fontRef>
+          </p:style>
+          <p:txBody>
+            <a:bodyPr rtlCol="0" anchor="ctr"/>
+            <a:lstStyle/>
+            <a:p>
+              <a:pPr algn="ctr"/>
+              <a:endParaRPr lang="es-CL"/>
+            </a:p>
+          </p:txBody>
+        </p:sp>
+        <p:sp>
+          <p:nvSpPr>
+            <p:cNvPr id="42" name="Rectángulo: esquinas redondeadas 41">
+              <a:extLst>
+                <a:ext uri="{FF2B5EF4-FFF2-40B4-BE49-F238E27FC236}">
+                  <a16:creationId xmlns:a16="http://schemas.microsoft.com/office/drawing/2014/main" id="{F6DF212A-48B7-25CE-344C-7E90469314F7}"/>
+                </a:ext>
+              </a:extLst>
+            </p:cNvPr>
+            <p:cNvSpPr/>
+            <p:nvPr/>
+          </p:nvSpPr>
+          <p:spPr>
+            <a:xfrm>
+              <a:off x="2392199" y="1619289"/>
+              <a:ext cx="1871683" cy="885821"/>
+            </a:xfrm>
+            <a:prstGeom prst="roundRect">
+              <a:avLst/>
+            </a:prstGeom>
+            <a:solidFill>
+              <a:srgbClr val="E35F65"/>
+            </a:solidFill>
+            <a:ln>
+              <a:solidFill>
+                <a:srgbClr val="E30000"/>
+              </a:solidFill>
+            </a:ln>
+          </p:spPr>
+          <p:style>
+            <a:lnRef idx="2">
+              <a:schemeClr val="accent1">
+                <a:shade val="15000"/>
+              </a:schemeClr>
+            </a:lnRef>
+            <a:fillRef idx="1">
+              <a:schemeClr val="accent1"/>
+            </a:fillRef>
+            <a:effectRef idx="0">
+              <a:schemeClr val="accent1"/>
+            </a:effectRef>
+            <a:fontRef idx="minor">
+              <a:schemeClr val="lt1"/>
+            </a:fontRef>
+          </p:style>
+          <p:txBody>
+            <a:bodyPr rtlCol="0" anchor="ctr"/>
+            <a:lstStyle/>
+            <a:p>
+              <a:pPr algn="ctr"/>
+              <a:r>
+                <a:rPr lang="es-CL"/>
+                <a:t>Z</a:t>
+              </a:r>
+            </a:p>
+          </p:txBody>
+        </p:sp>
+        <p:sp>
+          <p:nvSpPr>
+            <p:cNvPr id="44" name="Rectángulo: esquinas redondeadas 43">
+              <a:extLst>
+                <a:ext uri="{FF2B5EF4-FFF2-40B4-BE49-F238E27FC236}">
+                  <a16:creationId xmlns:a16="http://schemas.microsoft.com/office/drawing/2014/main" id="{647C86DD-6EEB-7DC1-428A-00DB5CCF69CF}"/>
+                </a:ext>
+              </a:extLst>
+            </p:cNvPr>
+            <p:cNvSpPr/>
+            <p:nvPr/>
+          </p:nvSpPr>
+          <p:spPr>
+            <a:xfrm>
+              <a:off x="2399343" y="2508423"/>
+              <a:ext cx="1871683" cy="885822"/>
+            </a:xfrm>
+            <a:prstGeom prst="roundRect">
+              <a:avLst/>
+            </a:prstGeom>
+            <a:solidFill>
+              <a:schemeClr val="bg1">
+                <a:lumMod val="95000"/>
+              </a:schemeClr>
+            </a:solidFill>
+          </p:spPr>
+          <p:style>
+            <a:lnRef idx="2">
+              <a:schemeClr val="accent1">
+                <a:shade val="15000"/>
+              </a:schemeClr>
+            </a:lnRef>
+            <a:fillRef idx="1">
+              <a:schemeClr val="accent1"/>
+            </a:fillRef>
+            <a:effectRef idx="0">
+              <a:schemeClr val="accent1"/>
+            </a:effectRef>
+            <a:fontRef idx="minor">
+              <a:schemeClr val="lt1"/>
+            </a:fontRef>
+          </p:style>
+          <p:txBody>
+            <a:bodyPr rtlCol="0" anchor="ctr"/>
+            <a:lstStyle/>
+            <a:p>
+              <a:pPr algn="ctr"/>
+              <a:endParaRPr lang="es-CL"/>
+            </a:p>
+          </p:txBody>
+        </p:sp>
+      </p:grpSp>
     </p:spTree>
     <p:extLst>
       <p:ext uri="{BB962C8B-B14F-4D97-AF65-F5344CB8AC3E}">
@@ -15802,194 +16764,6 @@
 <file path=ppt/slides/slide4.xml><?xml version="1.0" encoding="utf-8"?>
 <p:sld xmlns:a="http://schemas.openxmlformats.org/drawingml/2006/main" xmlns:r="http://schemas.openxmlformats.org/officeDocument/2006/relationships" xmlns:p="http://schemas.openxmlformats.org/presentationml/2006/main">
   <p:cSld>
-    <p:bg>
-      <p:bgPr>
-        <a:solidFill>
-          <a:schemeClr val="bg1"/>
-        </a:solidFill>
-        <a:effectLst/>
-      </p:bgPr>
-    </p:bg>
-    <p:spTree>
-      <p:nvGrpSpPr>
-        <p:cNvPr id="1" name=""/>
-        <p:cNvGrpSpPr/>
-        <p:nvPr/>
-      </p:nvGrpSpPr>
-      <p:grpSpPr>
-        <a:xfrm>
-          <a:off x="0" y="0"/>
-          <a:ext cx="0" cy="0"/>
-          <a:chOff x="0" y="0"/>
-          <a:chExt cx="0" cy="0"/>
-        </a:xfrm>
-      </p:grpSpPr>
-      <p:sp>
-        <p:nvSpPr>
-          <p:cNvPr id="23" name="Rectángulo 22">
-            <a:extLst>
-              <a:ext uri="{FF2B5EF4-FFF2-40B4-BE49-F238E27FC236}">
-                <a16:creationId xmlns:a16="http://schemas.microsoft.com/office/drawing/2014/main" id="{73182A38-D6DF-453D-921E-315EFA20E2ED}"/>
-              </a:ext>
-            </a:extLst>
-          </p:cNvPr>
-          <p:cNvSpPr/>
-          <p:nvPr/>
-        </p:nvSpPr>
-        <p:spPr>
-          <a:xfrm>
-            <a:off x="0" y="-1786"/>
-            <a:ext cx="9149206" cy="6858000"/>
-          </a:xfrm>
-          <a:prstGeom prst="rect">
-            <a:avLst/>
-          </a:prstGeom>
-          <a:solidFill>
-            <a:srgbClr val="C1292E"/>
-          </a:solidFill>
-          <a:ln w="0">
-            <a:noFill/>
-          </a:ln>
-        </p:spPr>
-        <p:style>
-          <a:lnRef idx="2">
-            <a:schemeClr val="accent1">
-              <a:shade val="50000"/>
-            </a:schemeClr>
-          </a:lnRef>
-          <a:fillRef idx="1">
-            <a:schemeClr val="accent1"/>
-          </a:fillRef>
-          <a:effectRef idx="0">
-            <a:schemeClr val="accent1"/>
-          </a:effectRef>
-          <a:fontRef idx="minor">
-            <a:schemeClr val="lt1"/>
-          </a:fontRef>
-        </p:style>
-        <p:txBody>
-          <a:bodyPr rtlCol="0" anchor="ctr"/>
-          <a:lstStyle/>
-          <a:p>
-            <a:pPr algn="ctr"/>
-            <a:endParaRPr lang="es-CL"/>
-          </a:p>
-        </p:txBody>
-      </p:sp>
-      <p:sp>
-        <p:nvSpPr>
-          <p:cNvPr id="12" name="CuadroTexto 11">
-            <a:extLst>
-              <a:ext uri="{FF2B5EF4-FFF2-40B4-BE49-F238E27FC236}">
-                <a16:creationId xmlns:a16="http://schemas.microsoft.com/office/drawing/2014/main" id="{A3A365B2-B2DE-4D2C-92CE-32C0611969DB}"/>
-              </a:ext>
-            </a:extLst>
-          </p:cNvPr>
-          <p:cNvSpPr txBox="1"/>
-          <p:nvPr/>
-        </p:nvSpPr>
-        <p:spPr>
-          <a:xfrm>
-            <a:off x="479666" y="659052"/>
-            <a:ext cx="2423849" cy="369332"/>
-          </a:xfrm>
-          <a:prstGeom prst="rect">
-            <a:avLst/>
-          </a:prstGeom>
-          <a:noFill/>
-        </p:spPr>
-        <p:txBody>
-          <a:bodyPr wrap="square" lIns="91440" tIns="45720" rIns="91440" bIns="45720" anchor="t">
-            <a:spAutoFit/>
-          </a:bodyPr>
-          <a:lstStyle/>
-          <a:p>
-            <a:pPr algn="ctr"/>
-            <a:r>
-              <a:rPr lang="es-ES" b="1">
-                <a:solidFill>
-                  <a:schemeClr val="bg1"/>
-                </a:solidFill>
-                <a:latin typeface="Arial"/>
-                <a:cs typeface="Arial"/>
-              </a:rPr>
-              <a:t>Objetivo General</a:t>
-            </a:r>
-            <a:endParaRPr lang="es-ES" b="1">
-              <a:solidFill>
-                <a:schemeClr val="bg1"/>
-              </a:solidFill>
-              <a:latin typeface="Arial" panose="020B0604020202020204" pitchFamily="34" charset="0"/>
-              <a:cs typeface="Arial" panose="020B0604020202020204" pitchFamily="34" charset="0"/>
-            </a:endParaRPr>
-          </a:p>
-        </p:txBody>
-      </p:sp>
-      <p:sp>
-        <p:nvSpPr>
-          <p:cNvPr id="4" name="CuadroTexto 11">
-            <a:extLst>
-              <a:ext uri="{FF2B5EF4-FFF2-40B4-BE49-F238E27FC236}">
-                <a16:creationId xmlns:a16="http://schemas.microsoft.com/office/drawing/2014/main" id="{631823CF-BC2F-D4EC-5405-A6FDF562CE09}"/>
-              </a:ext>
-            </a:extLst>
-          </p:cNvPr>
-          <p:cNvSpPr txBox="1"/>
-          <p:nvPr/>
-        </p:nvSpPr>
-        <p:spPr>
-          <a:xfrm>
-            <a:off x="479666" y="3249852"/>
-            <a:ext cx="2811776" cy="369332"/>
-          </a:xfrm>
-          <a:prstGeom prst="rect">
-            <a:avLst/>
-          </a:prstGeom>
-          <a:noFill/>
-        </p:spPr>
-        <p:txBody>
-          <a:bodyPr wrap="square" lIns="91440" tIns="45720" rIns="91440" bIns="45720" anchor="t">
-            <a:spAutoFit/>
-          </a:bodyPr>
-          <a:lstStyle/>
-          <a:p>
-            <a:pPr algn="ctr"/>
-            <a:r>
-              <a:rPr lang="es-ES" b="1">
-                <a:solidFill>
-                  <a:schemeClr val="bg1"/>
-                </a:solidFill>
-                <a:latin typeface="Arial"/>
-                <a:cs typeface="Arial"/>
-              </a:rPr>
-              <a:t>Objetivos específicos</a:t>
-            </a:r>
-            <a:endParaRPr lang="es-ES" b="1">
-              <a:solidFill>
-                <a:schemeClr val="bg1"/>
-              </a:solidFill>
-              <a:latin typeface="Arial" panose="020B0604020202020204" pitchFamily="34" charset="0"/>
-              <a:cs typeface="Arial" panose="020B0604020202020204" pitchFamily="34" charset="0"/>
-            </a:endParaRPr>
-          </a:p>
-        </p:txBody>
-      </p:sp>
-    </p:spTree>
-    <p:extLst>
-      <p:ext uri="{BB962C8B-B14F-4D97-AF65-F5344CB8AC3E}">
-        <p14:creationId xmlns:p14="http://schemas.microsoft.com/office/powerpoint/2010/main" val="319540435"/>
-      </p:ext>
-    </p:extLst>
-  </p:cSld>
-  <p:clrMapOvr>
-    <a:masterClrMapping/>
-  </p:clrMapOvr>
-</p:sld>
-</file>
-
-<file path=ppt/slides/slide5.xml><?xml version="1.0" encoding="utf-8"?>
-<p:sld xmlns:a="http://schemas.openxmlformats.org/drawingml/2006/main" xmlns:r="http://schemas.openxmlformats.org/officeDocument/2006/relationships" xmlns:p="http://schemas.openxmlformats.org/presentationml/2006/main">
-  <p:cSld>
     <p:spTree>
       <p:nvGrpSpPr>
         <p:cNvPr id="1" name=""/>
@@ -18980,7 +19754,7 @@
 </p:sld>
 </file>
 
-<file path=ppt/slides/slide6.xml><?xml version="1.0" encoding="utf-8"?>
+<file path=ppt/slides/slide5.xml><?xml version="1.0" encoding="utf-8"?>
 <p:sld xmlns:a="http://schemas.openxmlformats.org/drawingml/2006/main" xmlns:r="http://schemas.openxmlformats.org/officeDocument/2006/relationships" xmlns:p="http://schemas.openxmlformats.org/presentationml/2006/main">
   <p:cSld>
     <p:spTree>
@@ -19105,20 +19879,20 @@
         </p:nvSpPr>
         <p:spPr>
           <a:xfrm>
-            <a:off x="4796959" y="987674"/>
-            <a:ext cx="3769277" cy="1048215"/>
+            <a:off x="4768204" y="800768"/>
+            <a:ext cx="4085578" cy="1048215"/>
           </a:xfrm>
           <a:prstGeom prst="rect">
             <a:avLst/>
           </a:prstGeom>
         </p:spPr>
         <p:txBody>
-          <a:bodyPr wrap="square" lIns="0" tIns="0" rIns="0" bIns="0" rtlCol="0">
+          <a:bodyPr wrap="square" lIns="0" tIns="0" rIns="0" bIns="0" rtlCol="0" anchor="t">
             <a:noAutofit/>
           </a:bodyPr>
           <a:lstStyle/>
           <a:p>
-            <a:pPr marL="57784" marR="13530" defTabSz="914400">
+            <a:pPr marL="57150" marR="13335" defTabSz="914400">
               <a:lnSpc>
                 <a:spcPts val="2565"/>
               </a:lnSpc>
@@ -19127,23 +19901,26 @@
               </a:spcBef>
             </a:pPr>
             <a:r>
-              <a:rPr lang="es-CL" sz="1600">
+              <a:rPr lang="es-CL" sz="1500">
                 <a:solidFill>
                   <a:schemeClr val="tx1">
                     <a:lumMod val="75000"/>
                     <a:lumOff val="25000"/>
                   </a:schemeClr>
                 </a:solidFill>
-                <a:latin typeface="Arial Narrow" panose="020B0606020202030204" pitchFamily="34" charset="0"/>
+                <a:latin typeface="Arial Narrow"/>
                 <a:cs typeface="Arial Narrow"/>
               </a:rPr>
               <a:t>Los datos presentados corresponden a un listado de precios y catalogación de diamantes en un mercado en particular.</a:t>
             </a:r>
-            <a:endParaRPr lang="en-US" sz="1600">
+            <a:endParaRPr lang="en-US" sz="1500">
               <a:solidFill>
-                <a:prstClr val="black"/>
+                <a:schemeClr val="tx1">
+                  <a:lumMod val="75000"/>
+                  <a:lumOff val="25000"/>
+                </a:schemeClr>
               </a:solidFill>
-              <a:latin typeface="Arial Narrow" panose="020B0606020202030204" pitchFamily="34" charset="0"/>
+              <a:latin typeface="Arial Narrow"/>
               <a:cs typeface="Arial Narrow"/>
             </a:endParaRPr>
           </a:p>
@@ -19163,15 +19940,15 @@
         </p:nvSpPr>
         <p:spPr>
           <a:xfrm>
-            <a:off x="4796958" y="2248870"/>
-            <a:ext cx="3769278" cy="690041"/>
+            <a:off x="4811336" y="1716908"/>
+            <a:ext cx="3984938" cy="690041"/>
           </a:xfrm>
           <a:prstGeom prst="rect">
             <a:avLst/>
           </a:prstGeom>
         </p:spPr>
         <p:txBody>
-          <a:bodyPr wrap="square" lIns="0" tIns="0" rIns="0" bIns="0" rtlCol="0">
+          <a:bodyPr wrap="square" lIns="0" tIns="0" rIns="0" bIns="0" rtlCol="0" anchor="t">
             <a:noAutofit/>
           </a:bodyPr>
           <a:lstStyle>
@@ -19192,17 +19969,100 @@
             </a:lvl1pPr>
           </a:lstStyle>
           <a:p>
+            <a:pPr marL="57150" marR="13335"/>
             <a:r>
-              <a:rPr lang="es-ES" sz="1600">
+              <a:rPr lang="es-ES" sz="1500">
                 <a:solidFill>
                   <a:schemeClr val="tx1">
                     <a:lumMod val="75000"/>
                     <a:lumOff val="25000"/>
                   </a:schemeClr>
                 </a:solidFill>
+                <a:latin typeface="Arial Narrow"/>
               </a:rPr>
-              <a:t>Objetivo general: Establecer un modelo que nos permita estimar el mejor precio para un diamante.</a:t>
+              <a:t>Objetivo general: Extraer </a:t>
             </a:r>
+            <a:r>
+              <a:rPr lang="es-ES" sz="1500" err="1">
+                <a:solidFill>
+                  <a:schemeClr val="tx1">
+                    <a:lumMod val="75000"/>
+                    <a:lumOff val="25000"/>
+                  </a:schemeClr>
+                </a:solidFill>
+                <a:latin typeface="Arial Narrow"/>
+              </a:rPr>
+              <a:t>informacion</a:t>
+            </a:r>
+            <a:r>
+              <a:rPr lang="es-ES" sz="1500">
+                <a:solidFill>
+                  <a:schemeClr val="tx1">
+                    <a:lumMod val="75000"/>
+                    <a:lumOff val="25000"/>
+                  </a:schemeClr>
+                </a:solidFill>
+                <a:latin typeface="Arial Narrow"/>
+              </a:rPr>
+              <a:t> significativa sobre la </a:t>
+            </a:r>
+            <a:r>
+              <a:rPr lang="es-ES" sz="1500" err="1">
+                <a:solidFill>
+                  <a:schemeClr val="tx1">
+                    <a:lumMod val="75000"/>
+                    <a:lumOff val="25000"/>
+                  </a:schemeClr>
+                </a:solidFill>
+                <a:latin typeface="Arial Narrow"/>
+              </a:rPr>
+              <a:t>produccion</a:t>
+            </a:r>
+            <a:r>
+              <a:rPr lang="es-ES" sz="1500">
+                <a:solidFill>
+                  <a:schemeClr val="tx1">
+                    <a:lumMod val="75000"/>
+                    <a:lumOff val="25000"/>
+                  </a:schemeClr>
+                </a:solidFill>
+                <a:latin typeface="Arial Narrow"/>
+              </a:rPr>
+              <a:t> de diamantes para poder generar decisiones </a:t>
+            </a:r>
+            <a:r>
+              <a:rPr lang="es-ES" sz="1500" err="1">
+                <a:solidFill>
+                  <a:schemeClr val="tx1">
+                    <a:lumMod val="75000"/>
+                    <a:lumOff val="25000"/>
+                  </a:schemeClr>
+                </a:solidFill>
+                <a:latin typeface="Arial Narrow"/>
+              </a:rPr>
+              <a:t>estrategicas</a:t>
+            </a:r>
+            <a:r>
+              <a:rPr lang="es-ES" sz="1500">
+                <a:solidFill>
+                  <a:schemeClr val="tx1">
+                    <a:lumMod val="75000"/>
+                    <a:lumOff val="25000"/>
+                  </a:schemeClr>
+                </a:solidFill>
+                <a:latin typeface="Arial Narrow"/>
+              </a:rPr>
+              <a:t> que nos ayuden a determinar el mejor precio posible para cada diamante.</a:t>
+            </a:r>
+            <a:endParaRPr lang="en-US" sz="1500">
+              <a:solidFill>
+                <a:schemeClr val="tx1">
+                  <a:lumMod val="75000"/>
+                  <a:lumOff val="25000"/>
+                </a:schemeClr>
+              </a:solidFill>
+              <a:latin typeface="Arial Narrow"/>
+            </a:endParaRPr>
           </a:p>
         </p:txBody>
       </p:sp>
@@ -19228,12 +20088,12 @@
           </a:prstGeom>
         </p:spPr>
         <p:txBody>
-          <a:bodyPr wrap="square" lIns="0" tIns="0" rIns="0" bIns="0" rtlCol="0">
+          <a:bodyPr wrap="square" lIns="0" tIns="0" rIns="0" bIns="0" rtlCol="0" anchor="t">
             <a:noAutofit/>
           </a:bodyPr>
           <a:lstStyle/>
           <a:p>
-            <a:pPr marL="57784" marR="13530" defTabSz="914400">
+            <a:pPr marL="57150" marR="13335" defTabSz="914400">
               <a:lnSpc>
                 <a:spcPts val="2565"/>
               </a:lnSpc>
@@ -19249,14 +20109,23 @@
                     <a:lumOff val="25000"/>
                   </a:schemeClr>
                 </a:solidFill>
-                <a:latin typeface="Arial Narrow" panose="020B0606020202030204" pitchFamily="34" charset="0"/>
+                <a:latin typeface="Arial Narrow"/>
                 <a:cs typeface="Arial Narrow"/>
               </a:rPr>
               <a:t>Objetivos específicos:</a:t>
             </a:r>
+            <a:endParaRPr lang="en-US">
+              <a:solidFill>
+                <a:schemeClr val="tx1">
+                  <a:lumMod val="75000"/>
+                  <a:lumOff val="25000"/>
+                </a:schemeClr>
+              </a:solidFill>
+              <a:latin typeface="Arial Narrow"/>
+            </a:endParaRPr>
           </a:p>
           <a:p>
-            <a:pPr marL="343534" marR="13530" indent="-285750" defTabSz="914400">
+            <a:pPr marL="342900" marR="13335" indent="-285750">
               <a:lnSpc>
                 <a:spcPts val="2565"/>
               </a:lnSpc>
@@ -19274,14 +20143,25 @@
                     <a:lumOff val="25000"/>
                   </a:schemeClr>
                 </a:solidFill>
-                <a:latin typeface="Arial Narrow" panose="020B0606020202030204" pitchFamily="34" charset="0"/>
+                <a:latin typeface="Arial Narrow"/>
                 <a:cs typeface="Arial Narrow"/>
               </a:rPr>
-              <a:t>Encontrar combinación de aspectos que nos dé el mejor precio.</a:t>
+              <a:t>Separar las características con análisis descriptivo de las variables individuales. </a:t>
             </a:r>
+            <a:endParaRPr lang="es-ES" sz="1200" spc="-4">
+              <a:solidFill>
+                <a:schemeClr val="tx1">
+                  <a:lumMod val="75000"/>
+                  <a:lumOff val="25000"/>
+                </a:schemeClr>
+              </a:solidFill>
+              <a:latin typeface="Arial Narrow"/>
+              <a:ea typeface="Calibri" panose="020F0502020204030204"/>
+              <a:cs typeface="Calibri" panose="020F0502020204030204"/>
+            </a:endParaRPr>
           </a:p>
           <a:p>
-            <a:pPr marL="343534" marR="13530" indent="-285750" defTabSz="914400">
+            <a:pPr marL="342900" marR="13335" indent="-285750" defTabSz="914400">
               <a:lnSpc>
                 <a:spcPts val="2565"/>
               </a:lnSpc>
@@ -19299,14 +20179,14 @@
                     <a:lumOff val="25000"/>
                   </a:schemeClr>
                 </a:solidFill>
-                <a:latin typeface="Arial Narrow" panose="020B0606020202030204" pitchFamily="34" charset="0"/>
+                <a:latin typeface="Arial Narrow"/>
                 <a:cs typeface="Arial Narrow"/>
               </a:rPr>
               <a:t>Obtener correlación de variables para predecir el precio</a:t>
             </a:r>
           </a:p>
           <a:p>
-            <a:pPr marL="343534" marR="13530" indent="-285750" defTabSz="914400">
+            <a:pPr marL="342900" marR="13335" indent="-285750" defTabSz="914400">
               <a:lnSpc>
                 <a:spcPts val="2565"/>
               </a:lnSpc>
@@ -19324,7 +20204,7 @@
                     <a:lumOff val="25000"/>
                   </a:schemeClr>
                 </a:solidFill>
-                <a:latin typeface="Arial Narrow" panose="020B0606020202030204" pitchFamily="34" charset="0"/>
+                <a:latin typeface="Arial Narrow"/>
                 <a:cs typeface="Arial Narrow"/>
               </a:rPr>
               <a:t>Detección y tratamiento de los datos atípicos.</a:t>
@@ -19354,7 +20234,7 @@
           </a:prstGeom>
         </p:spPr>
         <p:txBody>
-          <a:bodyPr wrap="square" lIns="0" tIns="0" rIns="0" bIns="0" rtlCol="0">
+          <a:bodyPr wrap="square" lIns="0" tIns="0" rIns="0" bIns="0" rtlCol="0" anchor="t">
             <a:noAutofit/>
           </a:bodyPr>
           <a:lstStyle>
@@ -19375,21 +20255,10 @@
             </a:lvl1pPr>
           </a:lstStyle>
           <a:p>
-            <a:pPr marL="343534" indent="-285750">
-              <a:buFont typeface="Arial" panose="020B0604020202020204" pitchFamily="34" charset="0"/>
+            <a:pPr marL="342900" marR="13335" indent="-285750">
+              <a:buFont typeface="Arial,Sans-Serif" panose="020B0604020202020204" pitchFamily="34" charset="0"/>
               <a:buChar char="•"/>
             </a:pPr>
-            <a:r>
-              <a:rPr lang="es-ES" sz="1200" err="1">
-                <a:solidFill>
-                  <a:schemeClr val="tx1">
-                    <a:lumMod val="75000"/>
-                    <a:lumOff val="25000"/>
-                  </a:schemeClr>
-                </a:solidFill>
-              </a:rPr>
-              <a:t>Obj</a:t>
-            </a:r>
             <a:r>
               <a:rPr lang="es-ES" sz="1200">
                 <a:solidFill>
@@ -19398,26 +20267,22 @@
                     <a:lumOff val="25000"/>
                   </a:schemeClr>
                 </a:solidFill>
+                <a:latin typeface="Arial Narrow"/>
               </a:rPr>
-              <a:t> especifico 4</a:t>
+              <a:t>Encontrar combinación de aspectos que nos dé el mejor precio.</a:t>
             </a:r>
+            <a:endParaRPr lang="es-ES" sz="1200">
+              <a:solidFill>
+                <a:srgbClr val="000000"/>
+              </a:solidFill>
+              <a:latin typeface="Arial Narrow"/>
+            </a:endParaRPr>
           </a:p>
           <a:p>
-            <a:pPr marL="343534" indent="-285750">
-              <a:buFont typeface="Arial" panose="020B0604020202020204" pitchFamily="34" charset="0"/>
+            <a:pPr marL="342900" marR="13335" indent="-285750">
+              <a:buFont typeface="Arial,Sans-Serif" panose="020B0604020202020204" pitchFamily="34" charset="0"/>
               <a:buChar char="•"/>
             </a:pPr>
-            <a:r>
-              <a:rPr lang="es-ES" sz="1200" err="1">
-                <a:solidFill>
-                  <a:schemeClr val="tx1">
-                    <a:lumMod val="75000"/>
-                    <a:lumOff val="25000"/>
-                  </a:schemeClr>
-                </a:solidFill>
-              </a:rPr>
-              <a:t>Obj</a:t>
-            </a:r>
             <a:r>
               <a:rPr lang="es-ES" sz="1200">
                 <a:solidFill>
@@ -19426,26 +20291,21 @@
                     <a:lumOff val="25000"/>
                   </a:schemeClr>
                 </a:solidFill>
+                <a:latin typeface="Arial Narrow"/>
               </a:rPr>
-              <a:t> especifico 5</a:t>
+              <a:t>Obtener correlación de variables para predecir el precio</a:t>
             </a:r>
+            <a:endParaRPr lang="en-US" sz="1200">
+              <a:solidFill>
+                <a:srgbClr val="000000"/>
+              </a:solidFill>
+            </a:endParaRPr>
           </a:p>
           <a:p>
-            <a:pPr marL="343534" indent="-285750">
-              <a:buFont typeface="Arial" panose="020B0604020202020204" pitchFamily="34" charset="0"/>
+            <a:pPr marL="342900" marR="13335" indent="-285750">
+              <a:buFont typeface="Arial,Sans-Serif" panose="020B0604020202020204" pitchFamily="34" charset="0"/>
               <a:buChar char="•"/>
             </a:pPr>
-            <a:r>
-              <a:rPr lang="es-ES" sz="1200" err="1">
-                <a:solidFill>
-                  <a:schemeClr val="tx1">
-                    <a:lumMod val="75000"/>
-                    <a:lumOff val="25000"/>
-                  </a:schemeClr>
-                </a:solidFill>
-              </a:rPr>
-              <a:t>Obj</a:t>
-            </a:r>
             <a:r>
               <a:rPr lang="es-ES" sz="1200">
                 <a:solidFill>
@@ -19454,9 +20314,29 @@
                     <a:lumOff val="25000"/>
                   </a:schemeClr>
                 </a:solidFill>
+                <a:latin typeface="Arial Narrow"/>
               </a:rPr>
-              <a:t> especifico 6</a:t>
+              <a:t>Detección y tratamiento de los datos atípicos.</a:t>
             </a:r>
+            <a:endParaRPr lang="en-US" sz="1200">
+              <a:solidFill>
+                <a:srgbClr val="000000"/>
+              </a:solidFill>
+            </a:endParaRPr>
+          </a:p>
+          <a:p>
+            <a:pPr marL="342900" marR="13335" indent="-285750">
+              <a:buFont typeface="Arial" panose="020B0604020202020204" pitchFamily="34" charset="0"/>
+              <a:buChar char="•"/>
+            </a:pPr>
+            <a:endParaRPr lang="es-ES" sz="1200">
+              <a:solidFill>
+                <a:schemeClr val="tx1">
+                  <a:lumMod val="75000"/>
+                  <a:lumOff val="25000"/>
+                </a:schemeClr>
+              </a:solidFill>
+            </a:endParaRPr>
           </a:p>
         </p:txBody>
       </p:sp>
@@ -19474,7 +20354,7 @@
         </p:nvSpPr>
         <p:spPr>
           <a:xfrm flipV="1">
-            <a:off x="4782947" y="2022620"/>
+            <a:off x="4768570" y="1548167"/>
             <a:ext cx="3988008" cy="45719"/>
           </a:xfrm>
           <a:prstGeom prst="rect">
@@ -19526,7 +20406,7 @@
         </p:nvSpPr>
         <p:spPr>
           <a:xfrm flipV="1">
-            <a:off x="4782947" y="4850016"/>
+            <a:off x="4782947" y="5026626"/>
             <a:ext cx="3988005" cy="45719"/>
           </a:xfrm>
           <a:prstGeom prst="rect">
@@ -19578,7 +20458,7 @@
         </p:nvSpPr>
         <p:spPr>
           <a:xfrm flipV="1">
-            <a:off x="4782947" y="3080080"/>
+            <a:off x="4768570" y="2533740"/>
             <a:ext cx="3988006" cy="45719"/>
           </a:xfrm>
           <a:prstGeom prst="rect">
@@ -19670,7 +20550,7 @@
 </p:sld>
 </file>
 
-<file path=ppt/slides/slide7.xml><?xml version="1.0" encoding="utf-8"?>
+<file path=ppt/slides/slide6.xml><?xml version="1.0" encoding="utf-8"?>
 <p:sld xmlns:a="http://schemas.openxmlformats.org/drawingml/2006/main" xmlns:r="http://schemas.openxmlformats.org/officeDocument/2006/relationships" xmlns:p="http://schemas.openxmlformats.org/presentationml/2006/main">
   <p:cSld>
     <p:spTree>
@@ -21306,7 +22186,7 @@
 </p:sld>
 </file>
 
-<file path=ppt/slides/slide8.xml><?xml version="1.0" encoding="utf-8"?>
+<file path=ppt/slides/slide7.xml><?xml version="1.0" encoding="utf-8"?>
 <p:sld xmlns:a="http://schemas.openxmlformats.org/drawingml/2006/main" xmlns:r="http://schemas.openxmlformats.org/officeDocument/2006/relationships" xmlns:p="http://schemas.openxmlformats.org/presentationml/2006/main">
   <p:cSld>
     <p:spTree>
@@ -22085,7 +22965,7 @@
 </p:sld>
 </file>
 
-<file path=ppt/slides/slide9.xml><?xml version="1.0" encoding="utf-8"?>
+<file path=ppt/slides/slide8.xml><?xml version="1.0" encoding="utf-8"?>
 <p:sld xmlns:a="http://schemas.openxmlformats.org/drawingml/2006/main" xmlns:r="http://schemas.openxmlformats.org/officeDocument/2006/relationships" xmlns:p="http://schemas.openxmlformats.org/presentationml/2006/main">
   <p:cSld>
     <p:spTree>
@@ -23546,6 +24426,944 @@
 </p:sld>
 </file>
 
+<file path=ppt/slides/slide9.xml><?xml version="1.0" encoding="utf-8"?>
+<p:sld xmlns:a="http://schemas.openxmlformats.org/drawingml/2006/main" xmlns:r="http://schemas.openxmlformats.org/officeDocument/2006/relationships" xmlns:p="http://schemas.openxmlformats.org/presentationml/2006/main">
+  <p:cSld>
+    <p:spTree>
+      <p:nvGrpSpPr>
+        <p:cNvPr id="1" name=""/>
+        <p:cNvGrpSpPr/>
+        <p:nvPr/>
+      </p:nvGrpSpPr>
+      <p:grpSpPr>
+        <a:xfrm>
+          <a:off x="0" y="0"/>
+          <a:ext cx="0" cy="0"/>
+          <a:chOff x="0" y="0"/>
+          <a:chExt cx="0" cy="0"/>
+        </a:xfrm>
+      </p:grpSpPr>
+      <p:pic>
+        <p:nvPicPr>
+          <p:cNvPr id="7" name="Imagen 6"/>
+          <p:cNvPicPr>
+            <a:picLocks noChangeAspect="1"/>
+          </p:cNvPicPr>
+          <p:nvPr/>
+        </p:nvPicPr>
+        <p:blipFill rotWithShape="1">
+          <a:blip r:embed="rId3">
+            <a:extLst>
+              <a:ext uri="{28A0092B-C50C-407E-A947-70E740481C1C}">
+                <a14:useLocalDpi xmlns:a14="http://schemas.microsoft.com/office/drawing/2010/main" val="0"/>
+              </a:ext>
+            </a:extLst>
+          </a:blip>
+          <a:srcRect l="-153" t="20538" r="153" b="51651"/>
+          <a:stretch/>
+        </p:blipFill>
+        <p:spPr>
+          <a:xfrm>
+            <a:off x="-14013" y="1"/>
+            <a:ext cx="9172026" cy="802886"/>
+          </a:xfrm>
+          <a:prstGeom prst="rect">
+            <a:avLst/>
+          </a:prstGeom>
+        </p:spPr>
+      </p:pic>
+      <p:pic>
+        <p:nvPicPr>
+          <p:cNvPr id="2" name="Imagen 1"/>
+          <p:cNvPicPr>
+            <a:picLocks noChangeAspect="1"/>
+          </p:cNvPicPr>
+          <p:nvPr/>
+        </p:nvPicPr>
+        <p:blipFill>
+          <a:blip r:embed="rId4">
+            <a:extLst>
+              <a:ext uri="{28A0092B-C50C-407E-A947-70E740481C1C}">
+                <a14:useLocalDpi xmlns:a14="http://schemas.microsoft.com/office/drawing/2010/main" val="0"/>
+              </a:ext>
+            </a:extLst>
+          </a:blip>
+          <a:stretch>
+            <a:fillRect/>
+          </a:stretch>
+        </p:blipFill>
+        <p:spPr>
+          <a:xfrm>
+            <a:off x="8316024" y="89553"/>
+            <a:ext cx="719254" cy="600029"/>
+          </a:xfrm>
+          <a:prstGeom prst="rect">
+            <a:avLst/>
+          </a:prstGeom>
+        </p:spPr>
+      </p:pic>
+      <p:cxnSp>
+        <p:nvCxnSpPr>
+          <p:cNvPr id="47" name="Conector recto 46">
+            <a:extLst>
+              <a:ext uri="{FF2B5EF4-FFF2-40B4-BE49-F238E27FC236}">
+                <a16:creationId xmlns:a16="http://schemas.microsoft.com/office/drawing/2014/main" id="{4181175F-F92E-4346-BEF2-F4DEB204DBB1}"/>
+              </a:ext>
+            </a:extLst>
+          </p:cNvPr>
+          <p:cNvCxnSpPr>
+            <a:cxnSpLocks/>
+          </p:cNvCxnSpPr>
+          <p:nvPr/>
+        </p:nvCxnSpPr>
+        <p:spPr>
+          <a:xfrm flipV="1">
+            <a:off x="1190625" y="5978980"/>
+            <a:ext cx="7844653" cy="26290"/>
+          </a:xfrm>
+          <a:prstGeom prst="line">
+            <a:avLst/>
+          </a:prstGeom>
+          <a:noFill/>
+          <a:ln w="6350" cap="flat" cmpd="sng" algn="ctr">
+            <a:solidFill>
+              <a:sysClr val="window" lastClr="FFFFFF">
+                <a:lumMod val="65000"/>
+              </a:sysClr>
+            </a:solidFill>
+            <a:prstDash val="solid"/>
+            <a:miter lim="800000"/>
+          </a:ln>
+          <a:effectLst/>
+        </p:spPr>
+      </p:cxnSp>
+      <p:cxnSp>
+        <p:nvCxnSpPr>
+          <p:cNvPr id="48" name="Conector recto 47">
+            <a:extLst>
+              <a:ext uri="{FF2B5EF4-FFF2-40B4-BE49-F238E27FC236}">
+                <a16:creationId xmlns:a16="http://schemas.microsoft.com/office/drawing/2014/main" id="{47A71E6E-CEFB-4409-BE5A-DAA75229C265}"/>
+              </a:ext>
+            </a:extLst>
+          </p:cNvPr>
+          <p:cNvCxnSpPr>
+            <a:cxnSpLocks/>
+            <a:stCxn id="77" idx="6"/>
+          </p:cNvCxnSpPr>
+          <p:nvPr/>
+        </p:nvCxnSpPr>
+        <p:spPr>
+          <a:xfrm>
+            <a:off x="144000" y="1470820"/>
+            <a:ext cx="7914150" cy="0"/>
+          </a:xfrm>
+          <a:prstGeom prst="line">
+            <a:avLst/>
+          </a:prstGeom>
+          <a:noFill/>
+          <a:ln w="6350" cap="flat" cmpd="sng" algn="ctr">
+            <a:solidFill>
+              <a:sysClr val="window" lastClr="FFFFFF">
+                <a:lumMod val="65000"/>
+              </a:sysClr>
+            </a:solidFill>
+            <a:prstDash val="solid"/>
+            <a:miter lim="800000"/>
+          </a:ln>
+          <a:effectLst/>
+        </p:spPr>
+      </p:cxnSp>
+      <p:sp>
+        <p:nvSpPr>
+          <p:cNvPr id="77" name="Elipse 76">
+            <a:extLst>
+              <a:ext uri="{FF2B5EF4-FFF2-40B4-BE49-F238E27FC236}">
+                <a16:creationId xmlns:a16="http://schemas.microsoft.com/office/drawing/2014/main" id="{2971289C-465B-442E-ACCB-3ADFA813459D}"/>
+              </a:ext>
+            </a:extLst>
+          </p:cNvPr>
+          <p:cNvSpPr/>
+          <p:nvPr/>
+        </p:nvSpPr>
+        <p:spPr>
+          <a:xfrm>
+            <a:off x="0" y="1397000"/>
+            <a:ext cx="144000" cy="147640"/>
+          </a:xfrm>
+          <a:prstGeom prst="ellipse">
+            <a:avLst/>
+          </a:prstGeom>
+          <a:solidFill>
+            <a:sysClr val="window" lastClr="FFFFFF"/>
+          </a:solidFill>
+          <a:ln w="12700" cap="flat" cmpd="sng" algn="ctr">
+            <a:solidFill>
+              <a:sysClr val="window" lastClr="FFFFFF">
+                <a:lumMod val="65000"/>
+              </a:sysClr>
+            </a:solidFill>
+            <a:prstDash val="solid"/>
+            <a:miter lim="800000"/>
+          </a:ln>
+          <a:effectLst/>
+        </p:spPr>
+        <p:txBody>
+          <a:bodyPr rtlCol="0" anchor="ctr"/>
+          <a:lstStyle/>
+          <a:p>
+            <a:pPr marL="0" marR="0" lvl="0" indent="0" algn="ctr" defTabSz="914400" eaLnBrk="1" fontAlgn="auto" latinLnBrk="0" hangingPunct="1">
+              <a:lnSpc>
+                <a:spcPct val="100000"/>
+              </a:lnSpc>
+              <a:spcBef>
+                <a:spcPts val="0"/>
+              </a:spcBef>
+              <a:spcAft>
+                <a:spcPts val="0"/>
+              </a:spcAft>
+              <a:buClrTx/>
+              <a:buSzTx/>
+              <a:buFontTx/>
+              <a:buNone/>
+              <a:tabLst/>
+              <a:defRPr/>
+            </a:pPr>
+            <a:endParaRPr kumimoji="0" lang="es-CL" sz="1800" b="0" i="0" u="none" strike="noStrike" kern="0" cap="none" spc="0" normalizeH="0" baseline="0" noProof="0">
+              <a:ln>
+                <a:noFill/>
+              </a:ln>
+              <a:solidFill>
+                <a:prstClr val="white"/>
+              </a:solidFill>
+              <a:effectLst/>
+              <a:uLnTx/>
+              <a:uFillTx/>
+              <a:latin typeface="Calibri" panose="020F0502020204030204"/>
+              <a:ea typeface="+mn-ea"/>
+              <a:cs typeface="+mn-cs"/>
+            </a:endParaRPr>
+          </a:p>
+        </p:txBody>
+      </p:sp>
+      <p:sp>
+        <p:nvSpPr>
+          <p:cNvPr id="80" name="2 CuadroTexto">
+            <a:extLst>
+              <a:ext uri="{FF2B5EF4-FFF2-40B4-BE49-F238E27FC236}">
+                <a16:creationId xmlns:a16="http://schemas.microsoft.com/office/drawing/2014/main" id="{BEC35C67-D9A9-40B5-8795-B1AD983B674D}"/>
+              </a:ext>
+            </a:extLst>
+          </p:cNvPr>
+          <p:cNvSpPr txBox="1"/>
+          <p:nvPr/>
+        </p:nvSpPr>
+        <p:spPr>
+          <a:xfrm>
+            <a:off x="7188862" y="6403211"/>
+            <a:ext cx="1542847" cy="307777"/>
+          </a:xfrm>
+          <a:prstGeom prst="rect">
+            <a:avLst/>
+          </a:prstGeom>
+          <a:noFill/>
+        </p:spPr>
+        <p:txBody>
+          <a:bodyPr wrap="square" rtlCol="0">
+            <a:spAutoFit/>
+          </a:bodyPr>
+          <a:lstStyle/>
+          <a:p>
+            <a:pPr algn="r" defTabSz="914332">
+              <a:defRPr/>
+            </a:pPr>
+            <a:r>
+              <a:rPr lang="es-ES" sz="1400" i="1">
+                <a:solidFill>
+                  <a:prstClr val="black"/>
+                </a:solidFill>
+                <a:latin typeface="Arial" panose="020B0604020202020204" pitchFamily="34" charset="0"/>
+                <a:cs typeface="Arial" panose="020B0604020202020204" pitchFamily="34" charset="0"/>
+              </a:rPr>
+              <a:t>Abril </a:t>
+            </a:r>
+            <a:r>
+              <a:rPr lang="es-CL" sz="1400" i="1">
+                <a:solidFill>
+                  <a:prstClr val="black"/>
+                </a:solidFill>
+                <a:latin typeface="Arial" panose="020B0604020202020204" pitchFamily="34" charset="0"/>
+                <a:cs typeface="Arial" panose="020B0604020202020204" pitchFamily="34" charset="0"/>
+              </a:rPr>
+              <a:t>2024</a:t>
+            </a:r>
+          </a:p>
+        </p:txBody>
+      </p:sp>
+      <p:sp>
+        <p:nvSpPr>
+          <p:cNvPr id="43" name="CuadroTexto 42">
+            <a:extLst>
+              <a:ext uri="{FF2B5EF4-FFF2-40B4-BE49-F238E27FC236}">
+                <a16:creationId xmlns:a16="http://schemas.microsoft.com/office/drawing/2014/main" id="{227163E9-5661-4AAF-9078-F7CFD4D862FB}"/>
+              </a:ext>
+            </a:extLst>
+          </p:cNvPr>
+          <p:cNvSpPr txBox="1"/>
+          <p:nvPr/>
+        </p:nvSpPr>
+        <p:spPr>
+          <a:xfrm>
+            <a:off x="328592" y="177986"/>
+            <a:ext cx="4708228" cy="461665"/>
+          </a:xfrm>
+          <a:prstGeom prst="rect">
+            <a:avLst/>
+          </a:prstGeom>
+          <a:noFill/>
+        </p:spPr>
+        <p:txBody>
+          <a:bodyPr wrap="square" rtlCol="0">
+            <a:spAutoFit/>
+          </a:bodyPr>
+          <a:lstStyle/>
+          <a:p>
+            <a:r>
+              <a:rPr lang="es-ES_tradnl" sz="2400" b="1">
+                <a:solidFill>
+                  <a:schemeClr val="bg1"/>
+                </a:solidFill>
+                <a:ea typeface="Gungsuh" charset="-127"/>
+                <a:cs typeface="Gungsuh" charset="-127"/>
+              </a:rPr>
+              <a:t>Diamantes: Gráficos Q-Q</a:t>
+            </a:r>
+          </a:p>
+        </p:txBody>
+      </p:sp>
+      <p:pic>
+        <p:nvPicPr>
+          <p:cNvPr id="4" name="Imagen 3" descr="Gráfico, Gráfico de líneas&#10;&#10;Descripción generada automáticamente">
+            <a:extLst>
+              <a:ext uri="{FF2B5EF4-FFF2-40B4-BE49-F238E27FC236}">
+                <a16:creationId xmlns:a16="http://schemas.microsoft.com/office/drawing/2014/main" id="{FEDCE075-42E5-E83C-31CE-3E4AEAFC79A5}"/>
+              </a:ext>
+            </a:extLst>
+          </p:cNvPr>
+          <p:cNvPicPr>
+            <a:picLocks noChangeAspect="1"/>
+          </p:cNvPicPr>
+          <p:nvPr/>
+        </p:nvPicPr>
+        <p:blipFill>
+          <a:blip r:embed="rId5"/>
+          <a:stretch>
+            <a:fillRect/>
+          </a:stretch>
+        </p:blipFill>
+        <p:spPr>
+          <a:xfrm>
+            <a:off x="1626840" y="1473090"/>
+            <a:ext cx="5890320" cy="4170436"/>
+          </a:xfrm>
+          <a:prstGeom prst="rect">
+            <a:avLst/>
+          </a:prstGeom>
+        </p:spPr>
+      </p:pic>
+      <p:pic>
+        <p:nvPicPr>
+          <p:cNvPr id="6" name="Imagen 5" descr="Gráfico, Gráfico de líneas&#10;&#10;Descripción generada automáticamente">
+            <a:extLst>
+              <a:ext uri="{FF2B5EF4-FFF2-40B4-BE49-F238E27FC236}">
+                <a16:creationId xmlns:a16="http://schemas.microsoft.com/office/drawing/2014/main" id="{FF240646-FC4C-C3C5-42DC-A5F386F8A290}"/>
+              </a:ext>
+            </a:extLst>
+          </p:cNvPr>
+          <p:cNvPicPr>
+            <a:picLocks noChangeAspect="1"/>
+          </p:cNvPicPr>
+          <p:nvPr/>
+        </p:nvPicPr>
+        <p:blipFill>
+          <a:blip r:embed="rId6"/>
+          <a:stretch>
+            <a:fillRect/>
+          </a:stretch>
+        </p:blipFill>
+        <p:spPr>
+          <a:xfrm>
+            <a:off x="1626840" y="1473090"/>
+            <a:ext cx="5890320" cy="4170436"/>
+          </a:xfrm>
+          <a:prstGeom prst="rect">
+            <a:avLst/>
+          </a:prstGeom>
+        </p:spPr>
+      </p:pic>
+      <p:pic>
+        <p:nvPicPr>
+          <p:cNvPr id="9" name="Imagen 8" descr="Gráfico, Gráfico de líneas&#10;&#10;Descripción generada automáticamente">
+            <a:extLst>
+              <a:ext uri="{FF2B5EF4-FFF2-40B4-BE49-F238E27FC236}">
+                <a16:creationId xmlns:a16="http://schemas.microsoft.com/office/drawing/2014/main" id="{3BA6C39A-8D1D-88A4-3759-CBC876CFCB12}"/>
+              </a:ext>
+            </a:extLst>
+          </p:cNvPr>
+          <p:cNvPicPr>
+            <a:picLocks noChangeAspect="1"/>
+          </p:cNvPicPr>
+          <p:nvPr/>
+        </p:nvPicPr>
+        <p:blipFill>
+          <a:blip r:embed="rId7"/>
+          <a:stretch>
+            <a:fillRect/>
+          </a:stretch>
+        </p:blipFill>
+        <p:spPr>
+          <a:xfrm>
+            <a:off x="1626840" y="1473090"/>
+            <a:ext cx="5890320" cy="4170436"/>
+          </a:xfrm>
+          <a:prstGeom prst="rect">
+            <a:avLst/>
+          </a:prstGeom>
+        </p:spPr>
+      </p:pic>
+      <p:pic>
+        <p:nvPicPr>
+          <p:cNvPr id="11" name="Imagen 10" descr="Gráfico, Gráfico de líneas&#10;&#10;Descripción generada automáticamente">
+            <a:extLst>
+              <a:ext uri="{FF2B5EF4-FFF2-40B4-BE49-F238E27FC236}">
+                <a16:creationId xmlns:a16="http://schemas.microsoft.com/office/drawing/2014/main" id="{646B010E-4009-4DFA-988A-0E320B226D98}"/>
+              </a:ext>
+            </a:extLst>
+          </p:cNvPr>
+          <p:cNvPicPr>
+            <a:picLocks noChangeAspect="1"/>
+          </p:cNvPicPr>
+          <p:nvPr/>
+        </p:nvPicPr>
+        <p:blipFill>
+          <a:blip r:embed="rId8"/>
+          <a:stretch>
+            <a:fillRect/>
+          </a:stretch>
+        </p:blipFill>
+        <p:spPr>
+          <a:xfrm>
+            <a:off x="1626840" y="1473090"/>
+            <a:ext cx="5890320" cy="4170436"/>
+          </a:xfrm>
+          <a:prstGeom prst="rect">
+            <a:avLst/>
+          </a:prstGeom>
+        </p:spPr>
+      </p:pic>
+      <p:pic>
+        <p:nvPicPr>
+          <p:cNvPr id="13" name="Imagen 12" descr="Gráfico, Gráfico de líneas&#10;&#10;Descripción generada automáticamente">
+            <a:extLst>
+              <a:ext uri="{FF2B5EF4-FFF2-40B4-BE49-F238E27FC236}">
+                <a16:creationId xmlns:a16="http://schemas.microsoft.com/office/drawing/2014/main" id="{36380DEF-BDCC-58D6-29ED-D587D130996B}"/>
+              </a:ext>
+            </a:extLst>
+          </p:cNvPr>
+          <p:cNvPicPr>
+            <a:picLocks noChangeAspect="1"/>
+          </p:cNvPicPr>
+          <p:nvPr/>
+        </p:nvPicPr>
+        <p:blipFill>
+          <a:blip r:embed="rId9"/>
+          <a:stretch>
+            <a:fillRect/>
+          </a:stretch>
+        </p:blipFill>
+        <p:spPr>
+          <a:xfrm>
+            <a:off x="1626840" y="1473090"/>
+            <a:ext cx="5890320" cy="4170436"/>
+          </a:xfrm>
+          <a:prstGeom prst="rect">
+            <a:avLst/>
+          </a:prstGeom>
+        </p:spPr>
+      </p:pic>
+      <p:pic>
+        <p:nvPicPr>
+          <p:cNvPr id="15" name="Imagen 14" descr="Gráfico, Gráfico de líneas&#10;&#10;Descripción generada automáticamente">
+            <a:extLst>
+              <a:ext uri="{FF2B5EF4-FFF2-40B4-BE49-F238E27FC236}">
+                <a16:creationId xmlns:a16="http://schemas.microsoft.com/office/drawing/2014/main" id="{047B7768-CC06-2D79-53D9-0F1A2ED1BF69}"/>
+              </a:ext>
+            </a:extLst>
+          </p:cNvPr>
+          <p:cNvPicPr>
+            <a:picLocks noChangeAspect="1"/>
+          </p:cNvPicPr>
+          <p:nvPr/>
+        </p:nvPicPr>
+        <p:blipFill>
+          <a:blip r:embed="rId10"/>
+          <a:stretch>
+            <a:fillRect/>
+          </a:stretch>
+        </p:blipFill>
+        <p:spPr>
+          <a:xfrm>
+            <a:off x="1626840" y="1473090"/>
+            <a:ext cx="5890320" cy="4170436"/>
+          </a:xfrm>
+          <a:prstGeom prst="rect">
+            <a:avLst/>
+          </a:prstGeom>
+        </p:spPr>
+      </p:pic>
+      <p:pic>
+        <p:nvPicPr>
+          <p:cNvPr id="17" name="Imagen 16" descr="Gráfico, Gráfico de líneas&#10;&#10;Descripción generada automáticamente">
+            <a:extLst>
+              <a:ext uri="{FF2B5EF4-FFF2-40B4-BE49-F238E27FC236}">
+                <a16:creationId xmlns:a16="http://schemas.microsoft.com/office/drawing/2014/main" id="{46C870D0-8D72-A076-1CF6-E698E7399FA5}"/>
+              </a:ext>
+            </a:extLst>
+          </p:cNvPr>
+          <p:cNvPicPr>
+            <a:picLocks noChangeAspect="1"/>
+          </p:cNvPicPr>
+          <p:nvPr/>
+        </p:nvPicPr>
+        <p:blipFill>
+          <a:blip r:embed="rId11"/>
+          <a:stretch>
+            <a:fillRect/>
+          </a:stretch>
+        </p:blipFill>
+        <p:spPr>
+          <a:xfrm>
+            <a:off x="1626840" y="1473090"/>
+            <a:ext cx="5890320" cy="4170436"/>
+          </a:xfrm>
+          <a:prstGeom prst="rect">
+            <a:avLst/>
+          </a:prstGeom>
+        </p:spPr>
+      </p:pic>
+    </p:spTree>
+    <p:extLst>
+      <p:ext uri="{BB962C8B-B14F-4D97-AF65-F5344CB8AC3E}">
+        <p14:creationId xmlns:p14="http://schemas.microsoft.com/office/powerpoint/2010/main" val="2883232662"/>
+      </p:ext>
+    </p:extLst>
+  </p:cSld>
+  <p:clrMapOvr>
+    <a:masterClrMapping/>
+  </p:clrMapOvr>
+  <p:timing>
+    <p:tnLst>
+      <p:par>
+        <p:cTn id="1" dur="indefinite" restart="never" nodeType="tmRoot">
+          <p:childTnLst>
+            <p:seq concurrent="1" nextAc="seek">
+              <p:cTn id="2" dur="indefinite" nodeType="mainSeq">
+                <p:childTnLst>
+                  <p:par>
+                    <p:cTn id="3" fill="hold">
+                      <p:stCondLst>
+                        <p:cond delay="indefinite"/>
+                      </p:stCondLst>
+                      <p:childTnLst>
+                        <p:par>
+                          <p:cTn id="4" fill="hold">
+                            <p:stCondLst>
+                              <p:cond delay="0"/>
+                            </p:stCondLst>
+                            <p:childTnLst>
+                              <p:par>
+                                <p:cTn id="5" presetID="10" presetClass="entr" presetSubtype="0" fill="hold" nodeType="clickEffect">
+                                  <p:stCondLst>
+                                    <p:cond delay="0"/>
+                                  </p:stCondLst>
+                                  <p:childTnLst>
+                                    <p:set>
+                                      <p:cBhvr>
+                                        <p:cTn id="6" dur="1" fill="hold">
+                                          <p:stCondLst>
+                                            <p:cond delay="0"/>
+                                          </p:stCondLst>
+                                        </p:cTn>
+                                        <p:tgtEl>
+                                          <p:spTgt spid="4"/>
+                                        </p:tgtEl>
+                                        <p:attrNameLst>
+                                          <p:attrName>style.visibility</p:attrName>
+                                        </p:attrNameLst>
+                                      </p:cBhvr>
+                                      <p:to>
+                                        <p:strVal val="visible"/>
+                                      </p:to>
+                                    </p:set>
+                                    <p:animEffect transition="in" filter="fade">
+                                      <p:cBhvr>
+                                        <p:cTn id="7" dur="500"/>
+                                        <p:tgtEl>
+                                          <p:spTgt spid="4"/>
+                                        </p:tgtEl>
+                                      </p:cBhvr>
+                                    </p:animEffect>
+                                  </p:childTnLst>
+                                </p:cTn>
+                              </p:par>
+                            </p:childTnLst>
+                          </p:cTn>
+                        </p:par>
+                      </p:childTnLst>
+                    </p:cTn>
+                  </p:par>
+                  <p:par>
+                    <p:cTn id="8" fill="hold">
+                      <p:stCondLst>
+                        <p:cond delay="indefinite"/>
+                      </p:stCondLst>
+                      <p:childTnLst>
+                        <p:par>
+                          <p:cTn id="9" fill="hold">
+                            <p:stCondLst>
+                              <p:cond delay="0"/>
+                            </p:stCondLst>
+                            <p:childTnLst>
+                              <p:par>
+                                <p:cTn id="10" presetID="10" presetClass="entr" presetSubtype="0" fill="hold" nodeType="clickEffect">
+                                  <p:stCondLst>
+                                    <p:cond delay="0"/>
+                                  </p:stCondLst>
+                                  <p:childTnLst>
+                                    <p:set>
+                                      <p:cBhvr>
+                                        <p:cTn id="11" dur="1" fill="hold">
+                                          <p:stCondLst>
+                                            <p:cond delay="0"/>
+                                          </p:stCondLst>
+                                        </p:cTn>
+                                        <p:tgtEl>
+                                          <p:spTgt spid="6"/>
+                                        </p:tgtEl>
+                                        <p:attrNameLst>
+                                          <p:attrName>style.visibility</p:attrName>
+                                        </p:attrNameLst>
+                                      </p:cBhvr>
+                                      <p:to>
+                                        <p:strVal val="visible"/>
+                                      </p:to>
+                                    </p:set>
+                                    <p:animEffect transition="in" filter="fade">
+                                      <p:cBhvr>
+                                        <p:cTn id="12" dur="500"/>
+                                        <p:tgtEl>
+                                          <p:spTgt spid="6"/>
+                                        </p:tgtEl>
+                                      </p:cBhvr>
+                                    </p:animEffect>
+                                  </p:childTnLst>
+                                </p:cTn>
+                              </p:par>
+                            </p:childTnLst>
+                          </p:cTn>
+                        </p:par>
+                      </p:childTnLst>
+                    </p:cTn>
+                  </p:par>
+                  <p:par>
+                    <p:cTn id="13" fill="hold">
+                      <p:stCondLst>
+                        <p:cond delay="indefinite"/>
+                      </p:stCondLst>
+                      <p:childTnLst>
+                        <p:par>
+                          <p:cTn id="14" fill="hold">
+                            <p:stCondLst>
+                              <p:cond delay="0"/>
+                            </p:stCondLst>
+                            <p:childTnLst>
+                              <p:par>
+                                <p:cTn id="15" presetID="10" presetClass="entr" presetSubtype="0" fill="hold" nodeType="clickEffect">
+                                  <p:stCondLst>
+                                    <p:cond delay="0"/>
+                                  </p:stCondLst>
+                                  <p:childTnLst>
+                                    <p:set>
+                                      <p:cBhvr>
+                                        <p:cTn id="16" dur="1" fill="hold">
+                                          <p:stCondLst>
+                                            <p:cond delay="0"/>
+                                          </p:stCondLst>
+                                        </p:cTn>
+                                        <p:tgtEl>
+                                          <p:spTgt spid="9"/>
+                                        </p:tgtEl>
+                                        <p:attrNameLst>
+                                          <p:attrName>style.visibility</p:attrName>
+                                        </p:attrNameLst>
+                                      </p:cBhvr>
+                                      <p:to>
+                                        <p:strVal val="visible"/>
+                                      </p:to>
+                                    </p:set>
+                                    <p:animEffect transition="in" filter="fade">
+                                      <p:cBhvr>
+                                        <p:cTn id="17" dur="500"/>
+                                        <p:tgtEl>
+                                          <p:spTgt spid="9"/>
+                                        </p:tgtEl>
+                                      </p:cBhvr>
+                                    </p:animEffect>
+                                  </p:childTnLst>
+                                </p:cTn>
+                              </p:par>
+                            </p:childTnLst>
+                          </p:cTn>
+                        </p:par>
+                      </p:childTnLst>
+                    </p:cTn>
+                  </p:par>
+                  <p:par>
+                    <p:cTn id="18" fill="hold">
+                      <p:stCondLst>
+                        <p:cond delay="indefinite"/>
+                      </p:stCondLst>
+                      <p:childTnLst>
+                        <p:par>
+                          <p:cTn id="19" fill="hold">
+                            <p:stCondLst>
+                              <p:cond delay="0"/>
+                            </p:stCondLst>
+                            <p:childTnLst>
+                              <p:par>
+                                <p:cTn id="20" presetID="10" presetClass="entr" presetSubtype="0" fill="hold" nodeType="clickEffect">
+                                  <p:stCondLst>
+                                    <p:cond delay="0"/>
+                                  </p:stCondLst>
+                                  <p:childTnLst>
+                                    <p:set>
+                                      <p:cBhvr>
+                                        <p:cTn id="21" dur="1" fill="hold">
+                                          <p:stCondLst>
+                                            <p:cond delay="0"/>
+                                          </p:stCondLst>
+                                        </p:cTn>
+                                        <p:tgtEl>
+                                          <p:spTgt spid="11"/>
+                                        </p:tgtEl>
+                                        <p:attrNameLst>
+                                          <p:attrName>style.visibility</p:attrName>
+                                        </p:attrNameLst>
+                                      </p:cBhvr>
+                                      <p:to>
+                                        <p:strVal val="visible"/>
+                                      </p:to>
+                                    </p:set>
+                                    <p:animEffect transition="in" filter="fade">
+                                      <p:cBhvr>
+                                        <p:cTn id="22" dur="500"/>
+                                        <p:tgtEl>
+                                          <p:spTgt spid="11"/>
+                                        </p:tgtEl>
+                                      </p:cBhvr>
+                                    </p:animEffect>
+                                  </p:childTnLst>
+                                </p:cTn>
+                              </p:par>
+                            </p:childTnLst>
+                          </p:cTn>
+                        </p:par>
+                      </p:childTnLst>
+                    </p:cTn>
+                  </p:par>
+                  <p:par>
+                    <p:cTn id="23" fill="hold">
+                      <p:stCondLst>
+                        <p:cond delay="indefinite"/>
+                      </p:stCondLst>
+                      <p:childTnLst>
+                        <p:par>
+                          <p:cTn id="24" fill="hold">
+                            <p:stCondLst>
+                              <p:cond delay="0"/>
+                            </p:stCondLst>
+                            <p:childTnLst>
+                              <p:par>
+                                <p:cTn id="25" presetID="10" presetClass="entr" presetSubtype="0" fill="hold" nodeType="clickEffect">
+                                  <p:stCondLst>
+                                    <p:cond delay="0"/>
+                                  </p:stCondLst>
+                                  <p:childTnLst>
+                                    <p:set>
+                                      <p:cBhvr>
+                                        <p:cTn id="26" dur="1" fill="hold">
+                                          <p:stCondLst>
+                                            <p:cond delay="0"/>
+                                          </p:stCondLst>
+                                        </p:cTn>
+                                        <p:tgtEl>
+                                          <p:spTgt spid="13"/>
+                                        </p:tgtEl>
+                                        <p:attrNameLst>
+                                          <p:attrName>style.visibility</p:attrName>
+                                        </p:attrNameLst>
+                                      </p:cBhvr>
+                                      <p:to>
+                                        <p:strVal val="visible"/>
+                                      </p:to>
+                                    </p:set>
+                                    <p:animEffect transition="in" filter="fade">
+                                      <p:cBhvr>
+                                        <p:cTn id="27" dur="500"/>
+                                        <p:tgtEl>
+                                          <p:spTgt spid="13"/>
+                                        </p:tgtEl>
+                                      </p:cBhvr>
+                                    </p:animEffect>
+                                  </p:childTnLst>
+                                </p:cTn>
+                              </p:par>
+                            </p:childTnLst>
+                          </p:cTn>
+                        </p:par>
+                      </p:childTnLst>
+                    </p:cTn>
+                  </p:par>
+                  <p:par>
+                    <p:cTn id="28" fill="hold">
+                      <p:stCondLst>
+                        <p:cond delay="indefinite"/>
+                      </p:stCondLst>
+                      <p:childTnLst>
+                        <p:par>
+                          <p:cTn id="29" fill="hold">
+                            <p:stCondLst>
+                              <p:cond delay="0"/>
+                            </p:stCondLst>
+                            <p:childTnLst>
+                              <p:par>
+                                <p:cTn id="30" presetID="10" presetClass="entr" presetSubtype="0" fill="hold" nodeType="clickEffect">
+                                  <p:stCondLst>
+                                    <p:cond delay="0"/>
+                                  </p:stCondLst>
+                                  <p:childTnLst>
+                                    <p:set>
+                                      <p:cBhvr>
+                                        <p:cTn id="31" dur="1" fill="hold">
+                                          <p:stCondLst>
+                                            <p:cond delay="0"/>
+                                          </p:stCondLst>
+                                        </p:cTn>
+                                        <p:tgtEl>
+                                          <p:spTgt spid="15"/>
+                                        </p:tgtEl>
+                                        <p:attrNameLst>
+                                          <p:attrName>style.visibility</p:attrName>
+                                        </p:attrNameLst>
+                                      </p:cBhvr>
+                                      <p:to>
+                                        <p:strVal val="visible"/>
+                                      </p:to>
+                                    </p:set>
+                                    <p:animEffect transition="in" filter="fade">
+                                      <p:cBhvr>
+                                        <p:cTn id="32" dur="500"/>
+                                        <p:tgtEl>
+                                          <p:spTgt spid="15"/>
+                                        </p:tgtEl>
+                                      </p:cBhvr>
+                                    </p:animEffect>
+                                  </p:childTnLst>
+                                </p:cTn>
+                              </p:par>
+                            </p:childTnLst>
+                          </p:cTn>
+                        </p:par>
+                      </p:childTnLst>
+                    </p:cTn>
+                  </p:par>
+                  <p:par>
+                    <p:cTn id="33" fill="hold">
+                      <p:stCondLst>
+                        <p:cond delay="indefinite"/>
+                      </p:stCondLst>
+                      <p:childTnLst>
+                        <p:par>
+                          <p:cTn id="34" fill="hold">
+                            <p:stCondLst>
+                              <p:cond delay="0"/>
+                            </p:stCondLst>
+                            <p:childTnLst>
+                              <p:par>
+                                <p:cTn id="35" presetID="10" presetClass="entr" presetSubtype="0" fill="hold" nodeType="clickEffect">
+                                  <p:stCondLst>
+                                    <p:cond delay="0"/>
+                                  </p:stCondLst>
+                                  <p:childTnLst>
+                                    <p:set>
+                                      <p:cBhvr>
+                                        <p:cTn id="36" dur="1" fill="hold">
+                                          <p:stCondLst>
+                                            <p:cond delay="0"/>
+                                          </p:stCondLst>
+                                        </p:cTn>
+                                        <p:tgtEl>
+                                          <p:spTgt spid="17"/>
+                                        </p:tgtEl>
+                                        <p:attrNameLst>
+                                          <p:attrName>style.visibility</p:attrName>
+                                        </p:attrNameLst>
+                                      </p:cBhvr>
+                                      <p:to>
+                                        <p:strVal val="visible"/>
+                                      </p:to>
+                                    </p:set>
+                                    <p:animEffect transition="in" filter="fade">
+                                      <p:cBhvr>
+                                        <p:cTn id="37" dur="500"/>
+                                        <p:tgtEl>
+                                          <p:spTgt spid="17"/>
+                                        </p:tgtEl>
+                                      </p:cBhvr>
+                                    </p:animEffect>
+                                  </p:childTnLst>
+                                </p:cTn>
+                              </p:par>
+                            </p:childTnLst>
+                          </p:cTn>
+                        </p:par>
+                      </p:childTnLst>
+                    </p:cTn>
+                  </p:par>
+                </p:childTnLst>
+              </p:cTn>
+              <p:prevCondLst>
+                <p:cond evt="onPrev" delay="0">
+                  <p:tgtEl>
+                    <p:sldTgt/>
+                  </p:tgtEl>
+                </p:cond>
+              </p:prevCondLst>
+              <p:nextCondLst>
+                <p:cond evt="onNext" delay="0">
+                  <p:tgtEl>
+                    <p:sldTgt/>
+                  </p:tgtEl>
+                </p:cond>
+              </p:nextCondLst>
+            </p:seq>
+          </p:childTnLst>
+        </p:cTn>
+      </p:par>
+    </p:tnLst>
+  </p:timing>
+</p:sld>
+</file>
+
 <file path=ppt/theme/theme1.xml><?xml version="1.0" encoding="utf-8"?>
 <a:theme xmlns:a="http://schemas.openxmlformats.org/drawingml/2006/main" name="Tema de Office">
   <a:themeElements>

--- a/presentacionMineriaDeDatos.pptx
+++ b/presentacionMineriaDeDatos.pptx
@@ -131,7 +131,7 @@
     <p1510:client id="{3A7F9412-3488-4BA4-8AB4-0FB30BEA8B99}" v="39" dt="2024-04-19T02:05:59.585"/>
     <p1510:client id="{512BB393-AFC8-321A-CA6F-0FE68B77EE34}" v="793" vWet="910" dt="2024-04-19T01:59:01.618"/>
     <p1510:client id="{5B4D70C6-83A3-41C3-8256-4EC1A969E359}" v="332" dt="2024-04-19T02:34:15.727"/>
-    <p1510:client id="{6ACD99B5-93F1-D704-0CFC-093CEABA2219}" v="23" dt="2024-04-19T02:36:50.876"/>
+    <p1510:client id="{6ACD99B5-93F1-D704-0CFC-093CEABA2219}" v="25" dt="2024-04-19T02:37:23.361"/>
     <p1510:client id="{CCE71196-D9EA-5FF5-3E05-183E6D1705FC}" v="8" dt="2024-04-19T02:33:07.451"/>
   </p1510:revLst>
 </p1510:revInfo>
@@ -525,12 +525,12 @@
   <pc:docChgLst>
     <pc:chgData name="PEREZ VERGARA MELANY" userId="S::m.perezvergara@uandresbello.edu::d95698a7-632e-4c03-ab0f-564477513d69" providerId="AD" clId="Web-{6ACD99B5-93F1-D704-0CFC-093CEABA2219}"/>
     <pc:docChg chg="delSld modSld">
-      <pc:chgData name="PEREZ VERGARA MELANY" userId="S::m.perezvergara@uandresbello.edu::d95698a7-632e-4c03-ab0f-564477513d69" providerId="AD" clId="Web-{6ACD99B5-93F1-D704-0CFC-093CEABA2219}" dt="2024-04-19T02:36:50.876" v="21" actId="20577"/>
+      <pc:chgData name="PEREZ VERGARA MELANY" userId="S::m.perezvergara@uandresbello.edu::d95698a7-632e-4c03-ab0f-564477513d69" providerId="AD" clId="Web-{6ACD99B5-93F1-D704-0CFC-093CEABA2219}" dt="2024-04-19T02:37:23.361" v="23" actId="20577"/>
       <pc:docMkLst>
         <pc:docMk/>
       </pc:docMkLst>
       <pc:sldChg chg="modSp">
-        <pc:chgData name="PEREZ VERGARA MELANY" userId="S::m.perezvergara@uandresbello.edu::d95698a7-632e-4c03-ab0f-564477513d69" providerId="AD" clId="Web-{6ACD99B5-93F1-D704-0CFC-093CEABA2219}" dt="2024-04-19T02:36:50.876" v="21" actId="20577"/>
+        <pc:chgData name="PEREZ VERGARA MELANY" userId="S::m.perezvergara@uandresbello.edu::d95698a7-632e-4c03-ab0f-564477513d69" providerId="AD" clId="Web-{6ACD99B5-93F1-D704-0CFC-093CEABA2219}" dt="2024-04-19T02:37:23.361" v="23" actId="20577"/>
         <pc:sldMkLst>
           <pc:docMk/>
           <pc:sldMk cId="4002806811" sldId="305"/>
@@ -544,7 +544,7 @@
           </ac:spMkLst>
         </pc:spChg>
         <pc:spChg chg="mod">
-          <ac:chgData name="PEREZ VERGARA MELANY" userId="S::m.perezvergara@uandresbello.edu::d95698a7-632e-4c03-ab0f-564477513d69" providerId="AD" clId="Web-{6ACD99B5-93F1-D704-0CFC-093CEABA2219}" dt="2024-04-19T02:36:50.876" v="21" actId="20577"/>
+          <ac:chgData name="PEREZ VERGARA MELANY" userId="S::m.perezvergara@uandresbello.edu::d95698a7-632e-4c03-ab0f-564477513d69" providerId="AD" clId="Web-{6ACD99B5-93F1-D704-0CFC-093CEABA2219}" dt="2024-04-19T02:37:23.361" v="23" actId="20577"/>
           <ac:spMkLst>
             <pc:docMk/>
             <pc:sldMk cId="4002806811" sldId="305"/>
@@ -20004,7 +20004,7 @@
                 </a:solidFill>
                 <a:latin typeface="Arial Narrow"/>
               </a:rPr>
-              <a:t> significativa sobre la </a:t>
+              <a:t> sobre la </a:t>
             </a:r>
             <a:r>
               <a:rPr lang="es-ES" sz="1500" err="1">

--- a/presentacionMineriaDeDatos.pptx
+++ b/presentacionMineriaDeDatos.pptx
@@ -5,7 +5,7 @@
     <p:sldMasterId id="2147483660" r:id="rId1"/>
   </p:sldMasterIdLst>
   <p:notesMasterIdLst>
-    <p:notesMasterId r:id="rId12"/>
+    <p:notesMasterId r:id="rId16"/>
   </p:notesMasterIdLst>
   <p:sldIdLst>
     <p:sldId id="262" r:id="rId2"/>
@@ -18,6 +18,10 @@
     <p:sldId id="309" r:id="rId9"/>
     <p:sldId id="311" r:id="rId10"/>
     <p:sldId id="310" r:id="rId11"/>
+    <p:sldId id="313" r:id="rId12"/>
+    <p:sldId id="314" r:id="rId13"/>
+    <p:sldId id="315" r:id="rId14"/>
+    <p:sldId id="316" r:id="rId15"/>
   </p:sldIdLst>
   <p:sldSz cx="9144000" cy="6858000" type="letter"/>
   <p:notesSz cx="6858000" cy="9144000"/>
@@ -127,12 +131,9 @@
 <file path=ppt/revisionInfo.xml><?xml version="1.0" encoding="utf-8"?>
 <p1510:revInfo xmlns:a="http://schemas.openxmlformats.org/drawingml/2006/main" xmlns:r="http://schemas.openxmlformats.org/officeDocument/2006/relationships" xmlns:p1510="http://schemas.microsoft.com/office/powerpoint/2015/10/main">
   <p1510:revLst>
-    <p1510:client id="{21DE7819-0617-47C0-93DE-DFAD272935D7}" v="26" dt="2024-04-19T00:22:49.854"/>
-    <p1510:client id="{3A7F9412-3488-4BA4-8AB4-0FB30BEA8B99}" v="39" dt="2024-04-19T02:05:59.585"/>
-    <p1510:client id="{512BB393-AFC8-321A-CA6F-0FE68B77EE34}" v="793" vWet="910" dt="2024-04-19T01:59:01.618"/>
-    <p1510:client id="{5B4D70C6-83A3-41C3-8256-4EC1A969E359}" v="332" dt="2024-04-19T02:34:15.727"/>
-    <p1510:client id="{6ACD99B5-93F1-D704-0CFC-093CEABA2219}" v="25" dt="2024-04-19T02:37:23.361"/>
-    <p1510:client id="{CCE71196-D9EA-5FF5-3E05-183E6D1705FC}" v="8" dt="2024-04-19T02:33:07.451"/>
+    <p1510:client id="{3A7F9412-3488-4BA4-8AB4-0FB30BEA8B99}" v="203" dt="2024-04-20T03:52:28.113"/>
+    <p1510:client id="{5B4D70C6-83A3-41C3-8256-4EC1A969E359}" v="836" dt="2024-04-20T03:54:21.941"/>
+    <p1510:client id="{7445F970-8BA9-EE1E-3E0A-E0D8FB319514}" v="5" vWet="6" dt="2024-04-20T01:56:14.310"/>
   </p1510:revLst>
 </p1510:revInfo>
 </file>
@@ -142,7 +143,7 @@
   <pc:docChgLst>
     <pc:chgData name="VÁSQUEZ CARVAJAL GONZALO A" userId="fdf6c519-ebfd-465d-b4fa-917b5c704028" providerId="ADAL" clId="{3A7F9412-3488-4BA4-8AB4-0FB30BEA8B99}"/>
     <pc:docChg chg="undo custSel modSld">
-      <pc:chgData name="VÁSQUEZ CARVAJAL GONZALO A" userId="fdf6c519-ebfd-465d-b4fa-917b5c704028" providerId="ADAL" clId="{3A7F9412-3488-4BA4-8AB4-0FB30BEA8B99}" dt="2024-04-19T02:05:59.585" v="37" actId="20577"/>
+      <pc:chgData name="VÁSQUEZ CARVAJAL GONZALO A" userId="fdf6c519-ebfd-465d-b4fa-917b5c704028" providerId="ADAL" clId="{3A7F9412-3488-4BA4-8AB4-0FB30BEA8B99}" dt="2024-04-20T03:52:28.113" v="237"/>
       <pc:docMkLst>
         <pc:docMk/>
       </pc:docMkLst>
@@ -520,82 +521,448 @@
           </ac:grpSpMkLst>
         </pc:grpChg>
       </pc:sldChg>
-    </pc:docChg>
-  </pc:docChgLst>
-  <pc:docChgLst>
-    <pc:chgData name="PEREZ VERGARA MELANY" userId="S::m.perezvergara@uandresbello.edu::d95698a7-632e-4c03-ab0f-564477513d69" providerId="AD" clId="Web-{6ACD99B5-93F1-D704-0CFC-093CEABA2219}"/>
-    <pc:docChg chg="delSld modSld">
-      <pc:chgData name="PEREZ VERGARA MELANY" userId="S::m.perezvergara@uandresbello.edu::d95698a7-632e-4c03-ab0f-564477513d69" providerId="AD" clId="Web-{6ACD99B5-93F1-D704-0CFC-093CEABA2219}" dt="2024-04-19T02:37:23.361" v="23" actId="20577"/>
-      <pc:docMkLst>
-        <pc:docMk/>
-      </pc:docMkLst>
-      <pc:sldChg chg="modSp">
-        <pc:chgData name="PEREZ VERGARA MELANY" userId="S::m.perezvergara@uandresbello.edu::d95698a7-632e-4c03-ab0f-564477513d69" providerId="AD" clId="Web-{6ACD99B5-93F1-D704-0CFC-093CEABA2219}" dt="2024-04-19T02:37:23.361" v="23" actId="20577"/>
+      <pc:sldChg chg="addSp delSp modSp mod modAnim">
+        <pc:chgData name="VÁSQUEZ CARVAJAL GONZALO A" userId="fdf6c519-ebfd-465d-b4fa-917b5c704028" providerId="ADAL" clId="{3A7F9412-3488-4BA4-8AB4-0FB30BEA8B99}" dt="2024-04-20T03:20:04.897" v="98"/>
         <pc:sldMkLst>
           <pc:docMk/>
-          <pc:sldMk cId="4002806811" sldId="305"/>
+          <pc:sldMk cId="418297950" sldId="313"/>
         </pc:sldMkLst>
+        <pc:spChg chg="add del mod">
+          <ac:chgData name="VÁSQUEZ CARVAJAL GONZALO A" userId="fdf6c519-ebfd-465d-b4fa-917b5c704028" providerId="ADAL" clId="{3A7F9412-3488-4BA4-8AB4-0FB30BEA8B99}" dt="2024-04-20T03:11:02.627" v="62" actId="478"/>
+          <ac:spMkLst>
+            <pc:docMk/>
+            <pc:sldMk cId="418297950" sldId="313"/>
+            <ac:spMk id="3" creationId="{E41F5C84-781B-FEFB-94BF-2925EF68FC45}"/>
+          </ac:spMkLst>
+        </pc:spChg>
+        <pc:spChg chg="add mod">
+          <ac:chgData name="VÁSQUEZ CARVAJAL GONZALO A" userId="fdf6c519-ebfd-465d-b4fa-917b5c704028" providerId="ADAL" clId="{3A7F9412-3488-4BA4-8AB4-0FB30BEA8B99}" dt="2024-04-20T03:09:03.687" v="57"/>
+          <ac:spMkLst>
+            <pc:docMk/>
+            <pc:sldMk cId="418297950" sldId="313"/>
+            <ac:spMk id="5" creationId="{3B04559E-140E-BD6E-D144-B4986CFFCE66}"/>
+          </ac:spMkLst>
+        </pc:spChg>
+        <pc:spChg chg="add del mod">
+          <ac:chgData name="VÁSQUEZ CARVAJAL GONZALO A" userId="fdf6c519-ebfd-465d-b4fa-917b5c704028" providerId="ADAL" clId="{3A7F9412-3488-4BA4-8AB4-0FB30BEA8B99}" dt="2024-04-20T03:11:04.659" v="63" actId="478"/>
+          <ac:spMkLst>
+            <pc:docMk/>
+            <pc:sldMk cId="418297950" sldId="313"/>
+            <ac:spMk id="8" creationId="{7E6FEB5C-9147-7FC9-6AEA-472B0AF4ADDE}"/>
+          </ac:spMkLst>
+        </pc:spChg>
+        <pc:spChg chg="add mod">
+          <ac:chgData name="VÁSQUEZ CARVAJAL GONZALO A" userId="fdf6c519-ebfd-465d-b4fa-917b5c704028" providerId="ADAL" clId="{3A7F9412-3488-4BA4-8AB4-0FB30BEA8B99}" dt="2024-04-20T03:17:40.570" v="72" actId="1076"/>
+          <ac:spMkLst>
+            <pc:docMk/>
+            <pc:sldMk cId="418297950" sldId="313"/>
+            <ac:spMk id="14" creationId="{677E6D0B-43E2-A3CD-CF04-C9698F0E3E96}"/>
+          </ac:spMkLst>
+        </pc:spChg>
+        <pc:spChg chg="add mod">
+          <ac:chgData name="VÁSQUEZ CARVAJAL GONZALO A" userId="fdf6c519-ebfd-465d-b4fa-917b5c704028" providerId="ADAL" clId="{3A7F9412-3488-4BA4-8AB4-0FB30BEA8B99}" dt="2024-04-20T03:18:15.746" v="75" actId="1076"/>
+          <ac:spMkLst>
+            <pc:docMk/>
+            <pc:sldMk cId="418297950" sldId="313"/>
+            <ac:spMk id="16" creationId="{34488E94-14C7-8C2F-CFF4-E46CD954E185}"/>
+          </ac:spMkLst>
+        </pc:spChg>
+        <pc:spChg chg="add mod">
+          <ac:chgData name="VÁSQUEZ CARVAJAL GONZALO A" userId="fdf6c519-ebfd-465d-b4fa-917b5c704028" providerId="ADAL" clId="{3A7F9412-3488-4BA4-8AB4-0FB30BEA8B99}" dt="2024-04-20T03:18:33.788" v="78" actId="1076"/>
+          <ac:spMkLst>
+            <pc:docMk/>
+            <pc:sldMk cId="418297950" sldId="313"/>
+            <ac:spMk id="18" creationId="{70B55675-5972-D105-E5A3-7BF9612E5671}"/>
+          </ac:spMkLst>
+        </pc:spChg>
+        <pc:spChg chg="add mod">
+          <ac:chgData name="VÁSQUEZ CARVAJAL GONZALO A" userId="fdf6c519-ebfd-465d-b4fa-917b5c704028" providerId="ADAL" clId="{3A7F9412-3488-4BA4-8AB4-0FB30BEA8B99}" dt="2024-04-20T03:19:05.509" v="83" actId="1076"/>
+          <ac:spMkLst>
+            <pc:docMk/>
+            <pc:sldMk cId="418297950" sldId="313"/>
+            <ac:spMk id="20" creationId="{3E28FD58-74B4-65B7-FD06-FC05CF5094CB}"/>
+          </ac:spMkLst>
+        </pc:spChg>
+        <pc:spChg chg="add mod">
+          <ac:chgData name="VÁSQUEZ CARVAJAL GONZALO A" userId="fdf6c519-ebfd-465d-b4fa-917b5c704028" providerId="ADAL" clId="{3A7F9412-3488-4BA4-8AB4-0FB30BEA8B99}" dt="2024-04-20T03:19:29.472" v="91" actId="1076"/>
+          <ac:spMkLst>
+            <pc:docMk/>
+            <pc:sldMk cId="418297950" sldId="313"/>
+            <ac:spMk id="22" creationId="{51891CF5-1F68-1099-5138-734252BA4E71}"/>
+          </ac:spMkLst>
+        </pc:spChg>
+        <pc:spChg chg="add mod">
+          <ac:chgData name="VÁSQUEZ CARVAJAL GONZALO A" userId="fdf6c519-ebfd-465d-b4fa-917b5c704028" providerId="ADAL" clId="{3A7F9412-3488-4BA4-8AB4-0FB30BEA8B99}" dt="2024-04-20T03:19:50.476" v="94" actId="1076"/>
+          <ac:spMkLst>
+            <pc:docMk/>
+            <pc:sldMk cId="418297950" sldId="313"/>
+            <ac:spMk id="24" creationId="{12844151-6DFB-4ECD-3FE0-DFD551FD81A2}"/>
+          </ac:spMkLst>
+        </pc:spChg>
+        <pc:spChg chg="add mod">
+          <ac:chgData name="VÁSQUEZ CARVAJAL GONZALO A" userId="fdf6c519-ebfd-465d-b4fa-917b5c704028" providerId="ADAL" clId="{3A7F9412-3488-4BA4-8AB4-0FB30BEA8B99}" dt="2024-04-20T03:20:03.311" v="97" actId="1076"/>
+          <ac:spMkLst>
+            <pc:docMk/>
+            <pc:sldMk cId="418297950" sldId="313"/>
+            <ac:spMk id="26" creationId="{4156F238-0315-7BF1-D77B-C4117DDB145F}"/>
+          </ac:spMkLst>
+        </pc:spChg>
         <pc:spChg chg="mod">
-          <ac:chgData name="PEREZ VERGARA MELANY" userId="S::m.perezvergara@uandresbello.edu::d95698a7-632e-4c03-ab0f-564477513d69" providerId="AD" clId="Web-{6ACD99B5-93F1-D704-0CFC-093CEABA2219}" dt="2024-04-19T02:33:48.714" v="3" actId="1076"/>
-          <ac:spMkLst>
-            <pc:docMk/>
-            <pc:sldMk cId="4002806811" sldId="305"/>
-            <ac:spMk id="44" creationId="{426D55FC-DD63-4C00-8593-8ECEC36FC200}"/>
-          </ac:spMkLst>
-        </pc:spChg>
-        <pc:spChg chg="mod">
-          <ac:chgData name="PEREZ VERGARA MELANY" userId="S::m.perezvergara@uandresbello.edu::d95698a7-632e-4c03-ab0f-564477513d69" providerId="AD" clId="Web-{6ACD99B5-93F1-D704-0CFC-093CEABA2219}" dt="2024-04-19T02:37:23.361" v="23" actId="20577"/>
-          <ac:spMkLst>
-            <pc:docMk/>
-            <pc:sldMk cId="4002806811" sldId="305"/>
-            <ac:spMk id="45" creationId="{8D54D22B-9D56-4A2F-84A4-70372A67D809}"/>
-          </ac:spMkLst>
-        </pc:spChg>
-        <pc:spChg chg="mod">
-          <ac:chgData name="PEREZ VERGARA MELANY" userId="S::m.perezvergara@uandresbello.edu::d95698a7-632e-4c03-ab0f-564477513d69" providerId="AD" clId="Web-{6ACD99B5-93F1-D704-0CFC-093CEABA2219}" dt="2024-04-19T02:33:53.574" v="4" actId="1076"/>
-          <ac:spMkLst>
-            <pc:docMk/>
-            <pc:sldMk cId="4002806811" sldId="305"/>
-            <ac:spMk id="79" creationId="{7B1A732E-38FE-4458-A1D9-9A97AF0440E6}"/>
-          </ac:spMkLst>
-        </pc:spChg>
-        <pc:spChg chg="mod">
-          <ac:chgData name="PEREZ VERGARA MELANY" userId="S::m.perezvergara@uandresbello.edu::d95698a7-632e-4c03-ab0f-564477513d69" providerId="AD" clId="Web-{6ACD99B5-93F1-D704-0CFC-093CEABA2219}" dt="2024-04-19T02:36:03.750" v="10" actId="1076"/>
-          <ac:spMkLst>
-            <pc:docMk/>
-            <pc:sldMk cId="4002806811" sldId="305"/>
-            <ac:spMk id="89" creationId="{9643106E-B78F-462C-B172-9657EC03DCAA}"/>
-          </ac:spMkLst>
-        </pc:spChg>
+          <ac:chgData name="VÁSQUEZ CARVAJAL GONZALO A" userId="fdf6c519-ebfd-465d-b4fa-917b5c704028" providerId="ADAL" clId="{3A7F9412-3488-4BA4-8AB4-0FB30BEA8B99}" dt="2024-04-20T03:07:25.882" v="45" actId="1076"/>
+          <ac:spMkLst>
+            <pc:docMk/>
+            <pc:sldMk cId="418297950" sldId="313"/>
+            <ac:spMk id="43" creationId="{227163E9-5661-4AAF-9078-F7CFD4D862FB}"/>
+          </ac:spMkLst>
+        </pc:spChg>
+        <pc:picChg chg="add del mod">
+          <ac:chgData name="VÁSQUEZ CARVAJAL GONZALO A" userId="fdf6c519-ebfd-465d-b4fa-917b5c704028" providerId="ADAL" clId="{3A7F9412-3488-4BA4-8AB4-0FB30BEA8B99}" dt="2024-04-20T03:11:01.189" v="61" actId="478"/>
+          <ac:picMkLst>
+            <pc:docMk/>
+            <pc:sldMk cId="418297950" sldId="313"/>
+            <ac:picMk id="4" creationId="{6ADABB5C-5FE2-28DD-07FB-F417D5F13D69}"/>
+          </ac:picMkLst>
+        </pc:picChg>
+        <pc:picChg chg="add del mod">
+          <ac:chgData name="VÁSQUEZ CARVAJAL GONZALO A" userId="fdf6c519-ebfd-465d-b4fa-917b5c704028" providerId="ADAL" clId="{3A7F9412-3488-4BA4-8AB4-0FB30BEA8B99}" dt="2024-04-20T03:11:37.096" v="70" actId="478"/>
+          <ac:picMkLst>
+            <pc:docMk/>
+            <pc:sldMk cId="418297950" sldId="313"/>
+            <ac:picMk id="10" creationId="{8B0B1CFE-9247-9C8D-78C9-D12A2934772D}"/>
+          </ac:picMkLst>
+        </pc:picChg>
+        <pc:picChg chg="add del mod">
+          <ac:chgData name="VÁSQUEZ CARVAJAL GONZALO A" userId="fdf6c519-ebfd-465d-b4fa-917b5c704028" providerId="ADAL" clId="{3A7F9412-3488-4BA4-8AB4-0FB30BEA8B99}" dt="2024-04-20T03:11:36.659" v="69" actId="478"/>
+          <ac:picMkLst>
+            <pc:docMk/>
+            <pc:sldMk cId="418297950" sldId="313"/>
+            <ac:picMk id="12" creationId="{C5882986-C653-346D-327D-43C118DBE567}"/>
+          </ac:picMkLst>
+        </pc:picChg>
+        <pc:picChg chg="add mod">
+          <ac:chgData name="VÁSQUEZ CARVAJAL GONZALO A" userId="fdf6c519-ebfd-465d-b4fa-917b5c704028" providerId="ADAL" clId="{3A7F9412-3488-4BA4-8AB4-0FB30BEA8B99}" dt="2024-04-20T03:17:40.570" v="72" actId="1076"/>
+          <ac:picMkLst>
+            <pc:docMk/>
+            <pc:sldMk cId="418297950" sldId="313"/>
+            <ac:picMk id="13" creationId="{C685C7A1-8B66-C5C3-468B-0DBE529B18F1}"/>
+          </ac:picMkLst>
+        </pc:picChg>
+        <pc:picChg chg="add mod">
+          <ac:chgData name="VÁSQUEZ CARVAJAL GONZALO A" userId="fdf6c519-ebfd-465d-b4fa-917b5c704028" providerId="ADAL" clId="{3A7F9412-3488-4BA4-8AB4-0FB30BEA8B99}" dt="2024-04-20T03:18:15.746" v="75" actId="1076"/>
+          <ac:picMkLst>
+            <pc:docMk/>
+            <pc:sldMk cId="418297950" sldId="313"/>
+            <ac:picMk id="15" creationId="{B5FB0709-CA6B-796C-F207-E2E3E5254193}"/>
+          </ac:picMkLst>
+        </pc:picChg>
+        <pc:picChg chg="add mod">
+          <ac:chgData name="VÁSQUEZ CARVAJAL GONZALO A" userId="fdf6c519-ebfd-465d-b4fa-917b5c704028" providerId="ADAL" clId="{3A7F9412-3488-4BA4-8AB4-0FB30BEA8B99}" dt="2024-04-20T03:18:33.788" v="78" actId="1076"/>
+          <ac:picMkLst>
+            <pc:docMk/>
+            <pc:sldMk cId="418297950" sldId="313"/>
+            <ac:picMk id="17" creationId="{57884A4A-6B3B-716A-8333-5B15206471D4}"/>
+          </ac:picMkLst>
+        </pc:picChg>
+        <pc:picChg chg="add mod">
+          <ac:chgData name="VÁSQUEZ CARVAJAL GONZALO A" userId="fdf6c519-ebfd-465d-b4fa-917b5c704028" providerId="ADAL" clId="{3A7F9412-3488-4BA4-8AB4-0FB30BEA8B99}" dt="2024-04-20T03:19:05.509" v="83" actId="1076"/>
+          <ac:picMkLst>
+            <pc:docMk/>
+            <pc:sldMk cId="418297950" sldId="313"/>
+            <ac:picMk id="19" creationId="{896199EC-4C71-1BCA-40C8-9EE3C5AD358B}"/>
+          </ac:picMkLst>
+        </pc:picChg>
+        <pc:picChg chg="add mod">
+          <ac:chgData name="VÁSQUEZ CARVAJAL GONZALO A" userId="fdf6c519-ebfd-465d-b4fa-917b5c704028" providerId="ADAL" clId="{3A7F9412-3488-4BA4-8AB4-0FB30BEA8B99}" dt="2024-04-20T03:19:29.472" v="91" actId="1076"/>
+          <ac:picMkLst>
+            <pc:docMk/>
+            <pc:sldMk cId="418297950" sldId="313"/>
+            <ac:picMk id="21" creationId="{9B2822C0-BD63-A8F1-0B24-058492501142}"/>
+          </ac:picMkLst>
+        </pc:picChg>
+        <pc:picChg chg="add mod">
+          <ac:chgData name="VÁSQUEZ CARVAJAL GONZALO A" userId="fdf6c519-ebfd-465d-b4fa-917b5c704028" providerId="ADAL" clId="{3A7F9412-3488-4BA4-8AB4-0FB30BEA8B99}" dt="2024-04-20T03:19:50.476" v="94" actId="1076"/>
+          <ac:picMkLst>
+            <pc:docMk/>
+            <pc:sldMk cId="418297950" sldId="313"/>
+            <ac:picMk id="23" creationId="{58769AE6-5B10-8657-BD4F-53F83392C9DF}"/>
+          </ac:picMkLst>
+        </pc:picChg>
+        <pc:picChg chg="add mod">
+          <ac:chgData name="VÁSQUEZ CARVAJAL GONZALO A" userId="fdf6c519-ebfd-465d-b4fa-917b5c704028" providerId="ADAL" clId="{3A7F9412-3488-4BA4-8AB4-0FB30BEA8B99}" dt="2024-04-20T03:20:03.311" v="97" actId="1076"/>
+          <ac:picMkLst>
+            <pc:docMk/>
+            <pc:sldMk cId="418297950" sldId="313"/>
+            <ac:picMk id="25" creationId="{2D0D134D-DF9E-1191-967D-81144D6C8489}"/>
+          </ac:picMkLst>
+        </pc:picChg>
+        <pc:cxnChg chg="del">
+          <ac:chgData name="VÁSQUEZ CARVAJAL GONZALO A" userId="fdf6c519-ebfd-465d-b4fa-917b5c704028" providerId="ADAL" clId="{3A7F9412-3488-4BA4-8AB4-0FB30BEA8B99}" dt="2024-04-20T03:07:33.177" v="47" actId="478"/>
+          <ac:cxnSpMkLst>
+            <pc:docMk/>
+            <pc:sldMk cId="418297950" sldId="313"/>
+            <ac:cxnSpMk id="47" creationId="{4181175F-F92E-4346-BEF2-F4DEB204DBB1}"/>
+          </ac:cxnSpMkLst>
+        </pc:cxnChg>
       </pc:sldChg>
-      <pc:sldChg chg="del">
-        <pc:chgData name="PEREZ VERGARA MELANY" userId="S::m.perezvergara@uandresbello.edu::d95698a7-632e-4c03-ab0f-564477513d69" providerId="AD" clId="Web-{6ACD99B5-93F1-D704-0CFC-093CEABA2219}" dt="2024-04-19T02:16:51.807" v="0"/>
+      <pc:sldChg chg="addSp delSp modSp mod delAnim modAnim">
+        <pc:chgData name="VÁSQUEZ CARVAJAL GONZALO A" userId="fdf6c519-ebfd-465d-b4fa-917b5c704028" providerId="ADAL" clId="{3A7F9412-3488-4BA4-8AB4-0FB30BEA8B99}" dt="2024-04-20T03:48:01.175" v="191"/>
         <pc:sldMkLst>
           <pc:docMk/>
-          <pc:sldMk cId="319540435" sldId="313"/>
+          <pc:sldMk cId="1678571474" sldId="314"/>
         </pc:sldMkLst>
+        <pc:spChg chg="add del mod">
+          <ac:chgData name="VÁSQUEZ CARVAJAL GONZALO A" userId="fdf6c519-ebfd-465d-b4fa-917b5c704028" providerId="ADAL" clId="{3A7F9412-3488-4BA4-8AB4-0FB30BEA8B99}" dt="2024-04-20T03:42:23.884" v="113" actId="478"/>
+          <ac:spMkLst>
+            <pc:docMk/>
+            <pc:sldMk cId="1678571474" sldId="314"/>
+            <ac:spMk id="4" creationId="{3430382B-FBFE-A748-0665-EC883CE2F400}"/>
+          </ac:spMkLst>
+        </pc:spChg>
+        <pc:spChg chg="add mod">
+          <ac:chgData name="VÁSQUEZ CARVAJAL GONZALO A" userId="fdf6c519-ebfd-465d-b4fa-917b5c704028" providerId="ADAL" clId="{3A7F9412-3488-4BA4-8AB4-0FB30BEA8B99}" dt="2024-04-20T03:41:13.806" v="107" actId="1076"/>
+          <ac:spMkLst>
+            <pc:docMk/>
+            <pc:sldMk cId="1678571474" sldId="314"/>
+            <ac:spMk id="6" creationId="{E086C28F-93BD-7881-FE12-80D2BA611BF7}"/>
+          </ac:spMkLst>
+        </pc:spChg>
+        <pc:spChg chg="add del mod">
+          <ac:chgData name="VÁSQUEZ CARVAJAL GONZALO A" userId="fdf6c519-ebfd-465d-b4fa-917b5c704028" providerId="ADAL" clId="{3A7F9412-3488-4BA4-8AB4-0FB30BEA8B99}" dt="2024-04-20T03:43:32.473" v="116" actId="478"/>
+          <ac:spMkLst>
+            <pc:docMk/>
+            <pc:sldMk cId="1678571474" sldId="314"/>
+            <ac:spMk id="9" creationId="{752146AD-F9B8-486B-85BC-4A031FF2C8DB}"/>
+          </ac:spMkLst>
+        </pc:spChg>
+        <pc:spChg chg="add del mod">
+          <ac:chgData name="VÁSQUEZ CARVAJAL GONZALO A" userId="fdf6c519-ebfd-465d-b4fa-917b5c704028" providerId="ADAL" clId="{3A7F9412-3488-4BA4-8AB4-0FB30BEA8B99}" dt="2024-04-20T03:44:24.959" v="126" actId="478"/>
+          <ac:spMkLst>
+            <pc:docMk/>
+            <pc:sldMk cId="1678571474" sldId="314"/>
+            <ac:spMk id="11" creationId="{64993EED-52D5-56DB-DF2F-F3065F81B0F8}"/>
+          </ac:spMkLst>
+        </pc:spChg>
+        <pc:spChg chg="add del mod">
+          <ac:chgData name="VÁSQUEZ CARVAJAL GONZALO A" userId="fdf6c519-ebfd-465d-b4fa-917b5c704028" providerId="ADAL" clId="{3A7F9412-3488-4BA4-8AB4-0FB30BEA8B99}" dt="2024-04-20T03:44:10.381" v="125" actId="478"/>
+          <ac:spMkLst>
+            <pc:docMk/>
+            <pc:sldMk cId="1678571474" sldId="314"/>
+            <ac:spMk id="13" creationId="{5F874516-95FA-608A-B34C-8FDBB9B154CE}"/>
+          </ac:spMkLst>
+        </pc:spChg>
+        <pc:spChg chg="add del mod">
+          <ac:chgData name="VÁSQUEZ CARVAJAL GONZALO A" userId="fdf6c519-ebfd-465d-b4fa-917b5c704028" providerId="ADAL" clId="{3A7F9412-3488-4BA4-8AB4-0FB30BEA8B99}" dt="2024-04-20T03:45:02.468" v="133" actId="478"/>
+          <ac:spMkLst>
+            <pc:docMk/>
+            <pc:sldMk cId="1678571474" sldId="314"/>
+            <ac:spMk id="15" creationId="{F15C3F09-6FEB-9925-06AD-07032BB276E2}"/>
+          </ac:spMkLst>
+        </pc:spChg>
+        <pc:spChg chg="add del mod">
+          <ac:chgData name="VÁSQUEZ CARVAJAL GONZALO A" userId="fdf6c519-ebfd-465d-b4fa-917b5c704028" providerId="ADAL" clId="{3A7F9412-3488-4BA4-8AB4-0FB30BEA8B99}" dt="2024-04-20T03:45:03.524" v="134" actId="478"/>
+          <ac:spMkLst>
+            <pc:docMk/>
+            <pc:sldMk cId="1678571474" sldId="314"/>
+            <ac:spMk id="17" creationId="{35CE0809-55C6-72DF-1C54-418D3163E758}"/>
+          </ac:spMkLst>
+        </pc:spChg>
+        <pc:picChg chg="add del mod">
+          <ac:chgData name="VÁSQUEZ CARVAJAL GONZALO A" userId="fdf6c519-ebfd-465d-b4fa-917b5c704028" providerId="ADAL" clId="{3A7F9412-3488-4BA4-8AB4-0FB30BEA8B99}" dt="2024-04-20T03:43:31.237" v="114" actId="478"/>
+          <ac:picMkLst>
+            <pc:docMk/>
+            <pc:sldMk cId="1678571474" sldId="314"/>
+            <ac:picMk id="3" creationId="{8E323302-8BBB-8D64-FC6F-EA9AA05B47FA}"/>
+          </ac:picMkLst>
+        </pc:picChg>
+        <pc:picChg chg="add mod">
+          <ac:chgData name="VÁSQUEZ CARVAJAL GONZALO A" userId="fdf6c519-ebfd-465d-b4fa-917b5c704028" providerId="ADAL" clId="{3A7F9412-3488-4BA4-8AB4-0FB30BEA8B99}" dt="2024-04-20T03:41:13.806" v="107" actId="1076"/>
+          <ac:picMkLst>
+            <pc:docMk/>
+            <pc:sldMk cId="1678571474" sldId="314"/>
+            <ac:picMk id="5" creationId="{1475AFFF-1DEC-6089-91B1-D5B91DBA54BA}"/>
+          </ac:picMkLst>
+        </pc:picChg>
+        <pc:picChg chg="add del mod">
+          <ac:chgData name="VÁSQUEZ CARVAJAL GONZALO A" userId="fdf6c519-ebfd-465d-b4fa-917b5c704028" providerId="ADAL" clId="{3A7F9412-3488-4BA4-8AB4-0FB30BEA8B99}" dt="2024-04-20T03:42:23.884" v="113" actId="478"/>
+          <ac:picMkLst>
+            <pc:docMk/>
+            <pc:sldMk cId="1678571474" sldId="314"/>
+            <ac:picMk id="8" creationId="{84C5946C-07FF-733F-CB4C-F8328F9CF8D7}"/>
+          </ac:picMkLst>
+        </pc:picChg>
+        <pc:picChg chg="add del mod">
+          <ac:chgData name="VÁSQUEZ CARVAJAL GONZALO A" userId="fdf6c519-ebfd-465d-b4fa-917b5c704028" providerId="ADAL" clId="{3A7F9412-3488-4BA4-8AB4-0FB30BEA8B99}" dt="2024-04-20T03:44:26.001" v="127" actId="478"/>
+          <ac:picMkLst>
+            <pc:docMk/>
+            <pc:sldMk cId="1678571474" sldId="314"/>
+            <ac:picMk id="10" creationId="{12CFF59F-57F7-57A5-FDB5-3A45C9DAA020}"/>
+          </ac:picMkLst>
+        </pc:picChg>
+        <pc:picChg chg="add del mod">
+          <ac:chgData name="VÁSQUEZ CARVAJAL GONZALO A" userId="fdf6c519-ebfd-465d-b4fa-917b5c704028" providerId="ADAL" clId="{3A7F9412-3488-4BA4-8AB4-0FB30BEA8B99}" dt="2024-04-20T03:44:08.729" v="124" actId="478"/>
+          <ac:picMkLst>
+            <pc:docMk/>
+            <pc:sldMk cId="1678571474" sldId="314"/>
+            <ac:picMk id="12" creationId="{05B7168D-96BD-DFCB-1172-73A571E94F4B}"/>
+          </ac:picMkLst>
+        </pc:picChg>
+        <pc:picChg chg="add del mod">
+          <ac:chgData name="VÁSQUEZ CARVAJAL GONZALO A" userId="fdf6c519-ebfd-465d-b4fa-917b5c704028" providerId="ADAL" clId="{3A7F9412-3488-4BA4-8AB4-0FB30BEA8B99}" dt="2024-04-20T03:45:48.266" v="155" actId="478"/>
+          <ac:picMkLst>
+            <pc:docMk/>
+            <pc:sldMk cId="1678571474" sldId="314"/>
+            <ac:picMk id="14" creationId="{B41BC3FA-10BF-D5D2-57A1-87F34381758A}"/>
+          </ac:picMkLst>
+        </pc:picChg>
+        <pc:picChg chg="add del mod">
+          <ac:chgData name="VÁSQUEZ CARVAJAL GONZALO A" userId="fdf6c519-ebfd-465d-b4fa-917b5c704028" providerId="ADAL" clId="{3A7F9412-3488-4BA4-8AB4-0FB30BEA8B99}" dt="2024-04-20T03:45:47.736" v="154" actId="478"/>
+          <ac:picMkLst>
+            <pc:docMk/>
+            <pc:sldMk cId="1678571474" sldId="314"/>
+            <ac:picMk id="16" creationId="{E8531995-2EB3-5E3B-2673-34ADD0546478}"/>
+          </ac:picMkLst>
+        </pc:picChg>
+        <pc:picChg chg="add mod">
+          <ac:chgData name="VÁSQUEZ CARVAJAL GONZALO A" userId="fdf6c519-ebfd-465d-b4fa-917b5c704028" providerId="ADAL" clId="{3A7F9412-3488-4BA4-8AB4-0FB30BEA8B99}" dt="2024-04-20T03:45:42.274" v="151" actId="1076"/>
+          <ac:picMkLst>
+            <pc:docMk/>
+            <pc:sldMk cId="1678571474" sldId="314"/>
+            <ac:picMk id="18" creationId="{9DD24444-8026-A615-2430-2672A3ACE8CB}"/>
+          </ac:picMkLst>
+        </pc:picChg>
+        <pc:picChg chg="add mod">
+          <ac:chgData name="VÁSQUEZ CARVAJAL GONZALO A" userId="fdf6c519-ebfd-465d-b4fa-917b5c704028" providerId="ADAL" clId="{3A7F9412-3488-4BA4-8AB4-0FB30BEA8B99}" dt="2024-04-20T03:45:41.579" v="150" actId="1076"/>
+          <ac:picMkLst>
+            <pc:docMk/>
+            <pc:sldMk cId="1678571474" sldId="314"/>
+            <ac:picMk id="19" creationId="{54D75474-AFF4-E9F5-1072-0D723606CFE8}"/>
+          </ac:picMkLst>
+        </pc:picChg>
+        <pc:picChg chg="add del mod">
+          <ac:chgData name="VÁSQUEZ CARVAJAL GONZALO A" userId="fdf6c519-ebfd-465d-b4fa-917b5c704028" providerId="ADAL" clId="{3A7F9412-3488-4BA4-8AB4-0FB30BEA8B99}" dt="2024-04-20T03:46:57.257" v="178" actId="478"/>
+          <ac:picMkLst>
+            <pc:docMk/>
+            <pc:sldMk cId="1678571474" sldId="314"/>
+            <ac:picMk id="20" creationId="{5FA55C13-0712-EE8D-2023-563AA5EA2344}"/>
+          </ac:picMkLst>
+        </pc:picChg>
+        <pc:picChg chg="add del mod">
+          <ac:chgData name="VÁSQUEZ CARVAJAL GONZALO A" userId="fdf6c519-ebfd-465d-b4fa-917b5c704028" providerId="ADAL" clId="{3A7F9412-3488-4BA4-8AB4-0FB30BEA8B99}" dt="2024-04-20T03:46:56.816" v="177" actId="478"/>
+          <ac:picMkLst>
+            <pc:docMk/>
+            <pc:sldMk cId="1678571474" sldId="314"/>
+            <ac:picMk id="21" creationId="{84089EAF-5A15-08E5-8027-93D51F78E8A2}"/>
+          </ac:picMkLst>
+        </pc:picChg>
+        <pc:picChg chg="add del mod">
+          <ac:chgData name="VÁSQUEZ CARVAJAL GONZALO A" userId="fdf6c519-ebfd-465d-b4fa-917b5c704028" providerId="ADAL" clId="{3A7F9412-3488-4BA4-8AB4-0FB30BEA8B99}" dt="2024-04-20T03:46:56.326" v="176" actId="478"/>
+          <ac:picMkLst>
+            <pc:docMk/>
+            <pc:sldMk cId="1678571474" sldId="314"/>
+            <ac:picMk id="22" creationId="{CDA795A2-5A45-C0ED-681E-1A1712D08AD8}"/>
+          </ac:picMkLst>
+        </pc:picChg>
+        <pc:picChg chg="add del mod">
+          <ac:chgData name="VÁSQUEZ CARVAJAL GONZALO A" userId="fdf6c519-ebfd-465d-b4fa-917b5c704028" providerId="ADAL" clId="{3A7F9412-3488-4BA4-8AB4-0FB30BEA8B99}" dt="2024-04-20T03:46:55.877" v="175" actId="478"/>
+          <ac:picMkLst>
+            <pc:docMk/>
+            <pc:sldMk cId="1678571474" sldId="314"/>
+            <ac:picMk id="23" creationId="{3700ACF2-C3CE-069B-F003-2BF54DE1AA7E}"/>
+          </ac:picMkLst>
+        </pc:picChg>
+        <pc:picChg chg="add mod">
+          <ac:chgData name="VÁSQUEZ CARVAJAL GONZALO A" userId="fdf6c519-ebfd-465d-b4fa-917b5c704028" providerId="ADAL" clId="{3A7F9412-3488-4BA4-8AB4-0FB30BEA8B99}" dt="2024-04-20T03:47:16.424" v="180" actId="1076"/>
+          <ac:picMkLst>
+            <pc:docMk/>
+            <pc:sldMk cId="1678571474" sldId="314"/>
+            <ac:picMk id="24" creationId="{34B146AE-6E8E-D40A-958E-4B672FB87E07}"/>
+          </ac:picMkLst>
+        </pc:picChg>
+        <pc:picChg chg="add mod">
+          <ac:chgData name="VÁSQUEZ CARVAJAL GONZALO A" userId="fdf6c519-ebfd-465d-b4fa-917b5c704028" providerId="ADAL" clId="{3A7F9412-3488-4BA4-8AB4-0FB30BEA8B99}" dt="2024-04-20T03:47:29.442" v="184" actId="1076"/>
+          <ac:picMkLst>
+            <pc:docMk/>
+            <pc:sldMk cId="1678571474" sldId="314"/>
+            <ac:picMk id="25" creationId="{08C5DA6B-0043-1E54-A85D-EB9B98871DDA}"/>
+          </ac:picMkLst>
+        </pc:picChg>
+        <pc:picChg chg="add mod">
+          <ac:chgData name="VÁSQUEZ CARVAJAL GONZALO A" userId="fdf6c519-ebfd-465d-b4fa-917b5c704028" providerId="ADAL" clId="{3A7F9412-3488-4BA4-8AB4-0FB30BEA8B99}" dt="2024-04-20T03:47:51.410" v="187" actId="1076"/>
+          <ac:picMkLst>
+            <pc:docMk/>
+            <pc:sldMk cId="1678571474" sldId="314"/>
+            <ac:picMk id="26" creationId="{24BD4017-7FAC-66E7-6F2B-FF4E2C795AA8}"/>
+          </ac:picMkLst>
+        </pc:picChg>
+        <pc:picChg chg="add mod">
+          <ac:chgData name="VÁSQUEZ CARVAJAL GONZALO A" userId="fdf6c519-ebfd-465d-b4fa-917b5c704028" providerId="ADAL" clId="{3A7F9412-3488-4BA4-8AB4-0FB30BEA8B99}" dt="2024-04-20T03:47:59.969" v="190" actId="1076"/>
+          <ac:picMkLst>
+            <pc:docMk/>
+            <pc:sldMk cId="1678571474" sldId="314"/>
+            <ac:picMk id="27" creationId="{5B1CFA0E-3B5E-1A36-2FE0-7C0642193AA6}"/>
+          </ac:picMkLst>
+        </pc:picChg>
       </pc:sldChg>
-    </pc:docChg>
-  </pc:docChgLst>
-  <pc:docChgLst>
-    <pc:chgData name="VÁSQUEZ CARVAJAL GONZALO A" userId="S::g.vsquezcarvajal@uandresbello.edu::fdf6c519-ebfd-465d-b4fa-917b5c704028" providerId="AD" clId="Web-{CCE71196-D9EA-5FF5-3E05-183E6D1705FC}"/>
-    <pc:docChg chg="modSld">
-      <pc:chgData name="VÁSQUEZ CARVAJAL GONZALO A" userId="S::g.vsquezcarvajal@uandresbello.edu::fdf6c519-ebfd-465d-b4fa-917b5c704028" providerId="AD" clId="Web-{CCE71196-D9EA-5FF5-3E05-183E6D1705FC}" dt="2024-04-19T02:33:07.451" v="6" actId="1076"/>
-      <pc:docMkLst>
-        <pc:docMk/>
-      </pc:docMkLst>
-      <pc:sldChg chg="addSp modSp">
-        <pc:chgData name="VÁSQUEZ CARVAJAL GONZALO A" userId="S::g.vsquezcarvajal@uandresbello.edu::fdf6c519-ebfd-465d-b4fa-917b5c704028" providerId="AD" clId="Web-{CCE71196-D9EA-5FF5-3E05-183E6D1705FC}" dt="2024-04-19T02:33:07.451" v="6" actId="1076"/>
+      <pc:sldChg chg="addSp modSp mod modAnim">
+        <pc:chgData name="VÁSQUEZ CARVAJAL GONZALO A" userId="fdf6c519-ebfd-465d-b4fa-917b5c704028" providerId="ADAL" clId="{3A7F9412-3488-4BA4-8AB4-0FB30BEA8B99}" dt="2024-04-20T03:52:28.113" v="237"/>
         <pc:sldMkLst>
           <pc:docMk/>
-          <pc:sldMk cId="2779685119" sldId="306"/>
+          <pc:sldMk cId="2726580496" sldId="316"/>
         </pc:sldMkLst>
         <pc:picChg chg="add mod">
-          <ac:chgData name="VÁSQUEZ CARVAJAL GONZALO A" userId="S::g.vsquezcarvajal@uandresbello.edu::fdf6c519-ebfd-465d-b4fa-917b5c704028" providerId="AD" clId="Web-{CCE71196-D9EA-5FF5-3E05-183E6D1705FC}" dt="2024-04-19T02:33:07.451" v="6" actId="1076"/>
+          <ac:chgData name="VÁSQUEZ CARVAJAL GONZALO A" userId="fdf6c519-ebfd-465d-b4fa-917b5c704028" providerId="ADAL" clId="{3A7F9412-3488-4BA4-8AB4-0FB30BEA8B99}" dt="2024-04-20T03:50:08.256" v="197" actId="1076"/>
           <ac:picMkLst>
             <pc:docMk/>
-            <pc:sldMk cId="2779685119" sldId="306"/>
-            <ac:picMk id="31" creationId="{637CF5E8-ABB0-22A1-D946-FDFCE8232FD1}"/>
+            <pc:sldMk cId="2726580496" sldId="316"/>
+            <ac:picMk id="4" creationId="{1F96907E-C09A-47CE-9DA6-4799D865586C}"/>
+          </ac:picMkLst>
+        </pc:picChg>
+        <pc:picChg chg="add mod">
+          <ac:chgData name="VÁSQUEZ CARVAJAL GONZALO A" userId="fdf6c519-ebfd-465d-b4fa-917b5c704028" providerId="ADAL" clId="{3A7F9412-3488-4BA4-8AB4-0FB30BEA8B99}" dt="2024-04-20T03:50:26.432" v="203" actId="1076"/>
+          <ac:picMkLst>
+            <pc:docMk/>
+            <pc:sldMk cId="2726580496" sldId="316"/>
+            <ac:picMk id="6" creationId="{EFA5760B-CA5F-7210-CDAF-D567CBF84623}"/>
+          </ac:picMkLst>
+        </pc:picChg>
+        <pc:picChg chg="add mod">
+          <ac:chgData name="VÁSQUEZ CARVAJAL GONZALO A" userId="fdf6c519-ebfd-465d-b4fa-917b5c704028" providerId="ADAL" clId="{3A7F9412-3488-4BA4-8AB4-0FB30BEA8B99}" dt="2024-04-20T03:50:54.335" v="213" actId="1076"/>
+          <ac:picMkLst>
+            <pc:docMk/>
+            <pc:sldMk cId="2726580496" sldId="316"/>
+            <ac:picMk id="9" creationId="{F374528B-1F26-C01F-792F-88CAF6A9B622}"/>
+          </ac:picMkLst>
+        </pc:picChg>
+        <pc:picChg chg="add mod">
+          <ac:chgData name="VÁSQUEZ CARVAJAL GONZALO A" userId="fdf6c519-ebfd-465d-b4fa-917b5c704028" providerId="ADAL" clId="{3A7F9412-3488-4BA4-8AB4-0FB30BEA8B99}" dt="2024-04-20T03:51:04.861" v="218" actId="1076"/>
+          <ac:picMkLst>
+            <pc:docMk/>
+            <pc:sldMk cId="2726580496" sldId="316"/>
+            <ac:picMk id="11" creationId="{6B73CAE3-CBBB-C8A4-F521-24A33899EDC4}"/>
+          </ac:picMkLst>
+        </pc:picChg>
+        <pc:picChg chg="add mod">
+          <ac:chgData name="VÁSQUEZ CARVAJAL GONZALO A" userId="fdf6c519-ebfd-465d-b4fa-917b5c704028" providerId="ADAL" clId="{3A7F9412-3488-4BA4-8AB4-0FB30BEA8B99}" dt="2024-04-20T03:51:21.935" v="224" actId="1076"/>
+          <ac:picMkLst>
+            <pc:docMk/>
+            <pc:sldMk cId="2726580496" sldId="316"/>
+            <ac:picMk id="13" creationId="{DA083C8A-9618-E3DF-88BB-2C9B346AB2C5}"/>
+          </ac:picMkLst>
+        </pc:picChg>
+        <pc:picChg chg="add mod">
+          <ac:chgData name="VÁSQUEZ CARVAJAL GONZALO A" userId="fdf6c519-ebfd-465d-b4fa-917b5c704028" providerId="ADAL" clId="{3A7F9412-3488-4BA4-8AB4-0FB30BEA8B99}" dt="2024-04-20T03:52:12.210" v="230" actId="1076"/>
+          <ac:picMkLst>
+            <pc:docMk/>
+            <pc:sldMk cId="2726580496" sldId="316"/>
+            <ac:picMk id="15" creationId="{D3C0B0ED-8F62-C89E-8FEC-42055A4E363A}"/>
+          </ac:picMkLst>
+        </pc:picChg>
+        <pc:picChg chg="add mod">
+          <ac:chgData name="VÁSQUEZ CARVAJAL GONZALO A" userId="fdf6c519-ebfd-465d-b4fa-917b5c704028" providerId="ADAL" clId="{3A7F9412-3488-4BA4-8AB4-0FB30BEA8B99}" dt="2024-04-20T03:52:25.788" v="236" actId="1076"/>
+          <ac:picMkLst>
+            <pc:docMk/>
+            <pc:sldMk cId="2726580496" sldId="316"/>
+            <ac:picMk id="17" creationId="{BD6B88E8-207E-08E3-F663-1CFAFDEE8CE8}"/>
           </ac:picMkLst>
         </pc:picChg>
       </pc:sldChg>
@@ -2379,9 +2746,112 @@
     </pc:docChg>
   </pc:docChgLst>
   <pc:docChgLst>
+    <pc:chgData name="PEREZ VERGARA MELANY" userId="S::m.perezvergara@uandresbello.edu::d95698a7-632e-4c03-ab0f-564477513d69" providerId="AD" clId="Web-{6ACD99B5-93F1-D704-0CFC-093CEABA2219}"/>
+    <pc:docChg chg="delSld modSld">
+      <pc:chgData name="PEREZ VERGARA MELANY" userId="S::m.perezvergara@uandresbello.edu::d95698a7-632e-4c03-ab0f-564477513d69" providerId="AD" clId="Web-{6ACD99B5-93F1-D704-0CFC-093CEABA2219}" dt="2024-04-19T03:09:11.315" v="316" actId="1076"/>
+      <pc:docMkLst>
+        <pc:docMk/>
+      </pc:docMkLst>
+      <pc:sldChg chg="modSp">
+        <pc:chgData name="PEREZ VERGARA MELANY" userId="S::m.perezvergara@uandresbello.edu::d95698a7-632e-4c03-ab0f-564477513d69" providerId="AD" clId="Web-{6ACD99B5-93F1-D704-0CFC-093CEABA2219}" dt="2024-04-19T03:09:11.315" v="316" actId="1076"/>
+        <pc:sldMkLst>
+          <pc:docMk/>
+          <pc:sldMk cId="4002806811" sldId="305"/>
+        </pc:sldMkLst>
+        <pc:spChg chg="mod">
+          <ac:chgData name="PEREZ VERGARA MELANY" userId="S::m.perezvergara@uandresbello.edu::d95698a7-632e-4c03-ab0f-564477513d69" providerId="AD" clId="Web-{6ACD99B5-93F1-D704-0CFC-093CEABA2219}" dt="2024-04-19T02:33:48.714" v="3" actId="1076"/>
+          <ac:spMkLst>
+            <pc:docMk/>
+            <pc:sldMk cId="4002806811" sldId="305"/>
+            <ac:spMk id="44" creationId="{426D55FC-DD63-4C00-8593-8ECEC36FC200}"/>
+          </ac:spMkLst>
+        </pc:spChg>
+        <pc:spChg chg="mod">
+          <ac:chgData name="PEREZ VERGARA MELANY" userId="S::m.perezvergara@uandresbello.edu::d95698a7-632e-4c03-ab0f-564477513d69" providerId="AD" clId="Web-{6ACD99B5-93F1-D704-0CFC-093CEABA2219}" dt="2024-04-19T03:08:41.064" v="308" actId="1076"/>
+          <ac:spMkLst>
+            <pc:docMk/>
+            <pc:sldMk cId="4002806811" sldId="305"/>
+            <ac:spMk id="45" creationId="{8D54D22B-9D56-4A2F-84A4-70372A67D809}"/>
+          </ac:spMkLst>
+        </pc:spChg>
+        <pc:spChg chg="mod">
+          <ac:chgData name="PEREZ VERGARA MELANY" userId="S::m.perezvergara@uandresbello.edu::d95698a7-632e-4c03-ab0f-564477513d69" providerId="AD" clId="Web-{6ACD99B5-93F1-D704-0CFC-093CEABA2219}" dt="2024-04-19T03:08:59.909" v="313" actId="14100"/>
+          <ac:spMkLst>
+            <pc:docMk/>
+            <pc:sldMk cId="4002806811" sldId="305"/>
+            <ac:spMk id="46" creationId="{407ACAF3-9F46-4590-BB27-0A76A5E37EF0}"/>
+          </ac:spMkLst>
+        </pc:spChg>
+        <pc:spChg chg="mod">
+          <ac:chgData name="PEREZ VERGARA MELANY" userId="S::m.perezvergara@uandresbello.edu::d95698a7-632e-4c03-ab0f-564477513d69" providerId="AD" clId="Web-{6ACD99B5-93F1-D704-0CFC-093CEABA2219}" dt="2024-04-19T03:09:08.940" v="315" actId="1076"/>
+          <ac:spMkLst>
+            <pc:docMk/>
+            <pc:sldMk cId="4002806811" sldId="305"/>
+            <ac:spMk id="78" creationId="{01A187E2-50D2-4CF9-BEC4-99ED7D9D1517}"/>
+          </ac:spMkLst>
+        </pc:spChg>
+        <pc:spChg chg="mod">
+          <ac:chgData name="PEREZ VERGARA MELANY" userId="S::m.perezvergara@uandresbello.edu::d95698a7-632e-4c03-ab0f-564477513d69" providerId="AD" clId="Web-{6ACD99B5-93F1-D704-0CFC-093CEABA2219}" dt="2024-04-19T02:33:53.574" v="4" actId="1076"/>
+          <ac:spMkLst>
+            <pc:docMk/>
+            <pc:sldMk cId="4002806811" sldId="305"/>
+            <ac:spMk id="79" creationId="{7B1A732E-38FE-4458-A1D9-9A97AF0440E6}"/>
+          </ac:spMkLst>
+        </pc:spChg>
+        <pc:spChg chg="mod">
+          <ac:chgData name="PEREZ VERGARA MELANY" userId="S::m.perezvergara@uandresbello.edu::d95698a7-632e-4c03-ab0f-564477513d69" providerId="AD" clId="Web-{6ACD99B5-93F1-D704-0CFC-093CEABA2219}" dt="2024-04-19T03:09:11.315" v="316" actId="1076"/>
+          <ac:spMkLst>
+            <pc:docMk/>
+            <pc:sldMk cId="4002806811" sldId="305"/>
+            <ac:spMk id="88" creationId="{FD0998A1-7FB0-4B0D-B632-48E4377F580C}"/>
+          </ac:spMkLst>
+        </pc:spChg>
+        <pc:spChg chg="mod">
+          <ac:chgData name="PEREZ VERGARA MELANY" userId="S::m.perezvergara@uandresbello.edu::d95698a7-632e-4c03-ab0f-564477513d69" providerId="AD" clId="Web-{6ACD99B5-93F1-D704-0CFC-093CEABA2219}" dt="2024-04-19T03:08:44.033" v="309" actId="1076"/>
+          <ac:spMkLst>
+            <pc:docMk/>
+            <pc:sldMk cId="4002806811" sldId="305"/>
+            <ac:spMk id="89" creationId="{9643106E-B78F-462C-B172-9657EC03DCAA}"/>
+          </ac:spMkLst>
+        </pc:spChg>
+      </pc:sldChg>
+      <pc:sldChg chg="del">
+        <pc:chgData name="PEREZ VERGARA MELANY" userId="S::m.perezvergara@uandresbello.edu::d95698a7-632e-4c03-ab0f-564477513d69" providerId="AD" clId="Web-{6ACD99B5-93F1-D704-0CFC-093CEABA2219}" dt="2024-04-19T02:16:51.807" v="0"/>
+        <pc:sldMkLst>
+          <pc:docMk/>
+          <pc:sldMk cId="319540435" sldId="313"/>
+        </pc:sldMkLst>
+      </pc:sldChg>
+    </pc:docChg>
+  </pc:docChgLst>
+  <pc:docChgLst>
+    <pc:chgData name="VÁSQUEZ CARVAJAL GONZALO A" userId="S::g.vsquezcarvajal@uandresbello.edu::fdf6c519-ebfd-465d-b4fa-917b5c704028" providerId="AD" clId="Web-{CCE71196-D9EA-5FF5-3E05-183E6D1705FC}"/>
+    <pc:docChg chg="modSld">
+      <pc:chgData name="VÁSQUEZ CARVAJAL GONZALO A" userId="S::g.vsquezcarvajal@uandresbello.edu::fdf6c519-ebfd-465d-b4fa-917b5c704028" providerId="AD" clId="Web-{CCE71196-D9EA-5FF5-3E05-183E6D1705FC}" dt="2024-04-19T02:33:07.451" v="6" actId="1076"/>
+      <pc:docMkLst>
+        <pc:docMk/>
+      </pc:docMkLst>
+      <pc:sldChg chg="addSp modSp">
+        <pc:chgData name="VÁSQUEZ CARVAJAL GONZALO A" userId="S::g.vsquezcarvajal@uandresbello.edu::fdf6c519-ebfd-465d-b4fa-917b5c704028" providerId="AD" clId="Web-{CCE71196-D9EA-5FF5-3E05-183E6D1705FC}" dt="2024-04-19T02:33:07.451" v="6" actId="1076"/>
+        <pc:sldMkLst>
+          <pc:docMk/>
+          <pc:sldMk cId="2779685119" sldId="306"/>
+        </pc:sldMkLst>
+        <pc:picChg chg="add mod">
+          <ac:chgData name="VÁSQUEZ CARVAJAL GONZALO A" userId="S::g.vsquezcarvajal@uandresbello.edu::fdf6c519-ebfd-465d-b4fa-917b5c704028" providerId="AD" clId="Web-{CCE71196-D9EA-5FF5-3E05-183E6D1705FC}" dt="2024-04-19T02:33:07.451" v="6" actId="1076"/>
+          <ac:picMkLst>
+            <pc:docMk/>
+            <pc:sldMk cId="2779685119" sldId="306"/>
+            <ac:picMk id="31" creationId="{637CF5E8-ABB0-22A1-D946-FDFCE8232FD1}"/>
+          </ac:picMkLst>
+        </pc:picChg>
+      </pc:sldChg>
+    </pc:docChg>
+  </pc:docChgLst>
+  <pc:docChgLst>
     <pc:chgData name="GAMBOA ALVARADO IGNACIO G" userId="d3d0d4b5-30dd-46e6-93bb-837ddea6ad49" providerId="ADAL" clId="{5B4D70C6-83A3-41C3-8256-4EC1A969E359}"/>
     <pc:docChg chg="undo redo custSel addSld delSld modSld sldOrd">
-      <pc:chgData name="GAMBOA ALVARADO IGNACIO G" userId="d3d0d4b5-30dd-46e6-93bb-837ddea6ad49" providerId="ADAL" clId="{5B4D70C6-83A3-41C3-8256-4EC1A969E359}" dt="2024-04-19T02:34:13.568" v="3299"/>
+      <pc:chgData name="GAMBOA ALVARADO IGNACIO G" userId="d3d0d4b5-30dd-46e6-93bb-837ddea6ad49" providerId="ADAL" clId="{5B4D70C6-83A3-41C3-8256-4EC1A969E359}" dt="2024-04-20T03:54:21.941" v="3987"/>
       <pc:docMkLst>
         <pc:docMk/>
       </pc:docMkLst>
@@ -2479,12 +2949,36 @@
           </ac:cxnSpMkLst>
         </pc:cxnChg>
       </pc:sldChg>
-      <pc:sldChg chg="addSp delSp modSp mod">
-        <pc:chgData name="GAMBOA ALVARADO IGNACIO G" userId="d3d0d4b5-30dd-46e6-93bb-837ddea6ad49" providerId="ADAL" clId="{5B4D70C6-83A3-41C3-8256-4EC1A969E359}" dt="2024-04-18T23:05:09.875" v="2907" actId="20577"/>
+      <pc:sldChg chg="addSp delSp modSp mod modAnim modNotesTx">
+        <pc:chgData name="GAMBOA ALVARADO IGNACIO G" userId="d3d0d4b5-30dd-46e6-93bb-837ddea6ad49" providerId="ADAL" clId="{5B4D70C6-83A3-41C3-8256-4EC1A969E359}" dt="2024-04-19T11:00:31.174" v="3460" actId="20577"/>
         <pc:sldMkLst>
           <pc:docMk/>
           <pc:sldMk cId="3105322462" sldId="304"/>
         </pc:sldMkLst>
+        <pc:spChg chg="add mod">
+          <ac:chgData name="GAMBOA ALVARADO IGNACIO G" userId="d3d0d4b5-30dd-46e6-93bb-837ddea6ad49" providerId="ADAL" clId="{5B4D70C6-83A3-41C3-8256-4EC1A969E359}" dt="2024-04-19T10:43:34.840" v="3313" actId="1076"/>
+          <ac:spMkLst>
+            <pc:docMk/>
+            <pc:sldMk cId="3105322462" sldId="304"/>
+            <ac:spMk id="9" creationId="{4F873072-B6C5-5453-4110-E1EB9A1C1F15}"/>
+          </ac:spMkLst>
+        </pc:spChg>
+        <pc:spChg chg="add mod">
+          <ac:chgData name="GAMBOA ALVARADO IGNACIO G" userId="d3d0d4b5-30dd-46e6-93bb-837ddea6ad49" providerId="ADAL" clId="{5B4D70C6-83A3-41C3-8256-4EC1A969E359}" dt="2024-04-19T10:43:41.288" v="3315" actId="1076"/>
+          <ac:spMkLst>
+            <pc:docMk/>
+            <pc:sldMk cId="3105322462" sldId="304"/>
+            <ac:spMk id="10" creationId="{EEBF8908-0BFD-35F1-AA06-AE0BC5CC87D9}"/>
+          </ac:spMkLst>
+        </pc:spChg>
+        <pc:spChg chg="add mod">
+          <ac:chgData name="GAMBOA ALVARADO IGNACIO G" userId="d3d0d4b5-30dd-46e6-93bb-837ddea6ad49" providerId="ADAL" clId="{5B4D70C6-83A3-41C3-8256-4EC1A969E359}" dt="2024-04-19T10:43:29.518" v="3311" actId="1076"/>
+          <ac:spMkLst>
+            <pc:docMk/>
+            <pc:sldMk cId="3105322462" sldId="304"/>
+            <ac:spMk id="14" creationId="{19531029-C944-4C26-A13D-D31F15121330}"/>
+          </ac:spMkLst>
+        </pc:spChg>
         <pc:spChg chg="mod">
           <ac:chgData name="GAMBOA ALVARADO IGNACIO G" userId="d3d0d4b5-30dd-46e6-93bb-837ddea6ad49" providerId="ADAL" clId="{5B4D70C6-83A3-41C3-8256-4EC1A969E359}" dt="2024-04-18T03:06:06.777" v="2487" actId="313"/>
           <ac:spMkLst>
@@ -2741,6 +3235,38 @@
             <ac:picMk id="70" creationId="{A11F56DC-94DD-41FB-89AA-53D0183F1A9D}"/>
           </ac:picMkLst>
         </pc:picChg>
+        <pc:inkChg chg="add del">
+          <ac:chgData name="GAMBOA ALVARADO IGNACIO G" userId="d3d0d4b5-30dd-46e6-93bb-837ddea6ad49" providerId="ADAL" clId="{5B4D70C6-83A3-41C3-8256-4EC1A969E359}" dt="2024-04-19T10:41:53.597" v="3301" actId="9405"/>
+          <ac:inkMkLst>
+            <pc:docMk/>
+            <pc:sldMk cId="3105322462" sldId="304"/>
+            <ac:inkMk id="4" creationId="{1227CA63-0F50-0961-065F-6EF5717EAA43}"/>
+          </ac:inkMkLst>
+        </pc:inkChg>
+        <pc:inkChg chg="add del">
+          <ac:chgData name="GAMBOA ALVARADO IGNACIO G" userId="d3d0d4b5-30dd-46e6-93bb-837ddea6ad49" providerId="ADAL" clId="{5B4D70C6-83A3-41C3-8256-4EC1A969E359}" dt="2024-04-19T10:42:00.675" v="3303" actId="9405"/>
+          <ac:inkMkLst>
+            <pc:docMk/>
+            <pc:sldMk cId="3105322462" sldId="304"/>
+            <ac:inkMk id="5" creationId="{5EA6C429-2BAC-9382-6212-017BAFA3EF3D}"/>
+          </ac:inkMkLst>
+        </pc:inkChg>
+        <pc:inkChg chg="add del">
+          <ac:chgData name="GAMBOA ALVARADO IGNACIO G" userId="d3d0d4b5-30dd-46e6-93bb-837ddea6ad49" providerId="ADAL" clId="{5B4D70C6-83A3-41C3-8256-4EC1A969E359}" dt="2024-04-19T10:42:28.827" v="3305" actId="9405"/>
+          <ac:inkMkLst>
+            <pc:docMk/>
+            <pc:sldMk cId="3105322462" sldId="304"/>
+            <ac:inkMk id="6" creationId="{186F051E-66A2-DFBB-746B-89DD151EDE14}"/>
+          </ac:inkMkLst>
+        </pc:inkChg>
+        <pc:inkChg chg="add del">
+          <ac:chgData name="GAMBOA ALVARADO IGNACIO G" userId="d3d0d4b5-30dd-46e6-93bb-837ddea6ad49" providerId="ADAL" clId="{5B4D70C6-83A3-41C3-8256-4EC1A969E359}" dt="2024-04-19T10:42:59.532" v="3307" actId="34122"/>
+          <ac:inkMkLst>
+            <pc:docMk/>
+            <pc:sldMk cId="3105322462" sldId="304"/>
+            <ac:inkMk id="8" creationId="{5C55D723-46A7-DAFD-9C1F-764C51656164}"/>
+          </ac:inkMkLst>
+        </pc:inkChg>
         <pc:cxnChg chg="mod">
           <ac:chgData name="GAMBOA ALVARADO IGNACIO G" userId="d3d0d4b5-30dd-46e6-93bb-837ddea6ad49" providerId="ADAL" clId="{5B4D70C6-83A3-41C3-8256-4EC1A969E359}" dt="2024-04-18T03:10:22.223" v="2502" actId="14100"/>
           <ac:cxnSpMkLst>
@@ -2799,7 +3325,7 @@
         </pc:cxnChg>
       </pc:sldChg>
       <pc:sldChg chg="addSp delSp modSp mod ord">
-        <pc:chgData name="GAMBOA ALVARADO IGNACIO G" userId="d3d0d4b5-30dd-46e6-93bb-837ddea6ad49" providerId="ADAL" clId="{5B4D70C6-83A3-41C3-8256-4EC1A969E359}" dt="2024-04-19T02:28:47.659" v="3297" actId="1076"/>
+        <pc:chgData name="GAMBOA ALVARADO IGNACIO G" userId="d3d0d4b5-30dd-46e6-93bb-837ddea6ad49" providerId="ADAL" clId="{5B4D70C6-83A3-41C3-8256-4EC1A969E359}" dt="2024-04-19T10:47:34.203" v="3349" actId="14100"/>
         <pc:sldMkLst>
           <pc:docMk/>
           <pc:sldMk cId="4002806811" sldId="305"/>
@@ -2821,7 +3347,7 @@
           </ac:spMkLst>
         </pc:spChg>
         <pc:spChg chg="mod">
-          <ac:chgData name="GAMBOA ALVARADO IGNACIO G" userId="d3d0d4b5-30dd-46e6-93bb-837ddea6ad49" providerId="ADAL" clId="{5B4D70C6-83A3-41C3-8256-4EC1A969E359}" dt="2024-04-18T02:29:06.242" v="1752" actId="1076"/>
+          <ac:chgData name="GAMBOA ALVARADO IGNACIO G" userId="d3d0d4b5-30dd-46e6-93bb-837ddea6ad49" providerId="ADAL" clId="{5B4D70C6-83A3-41C3-8256-4EC1A969E359}" dt="2024-04-19T10:45:20.241" v="3328" actId="404"/>
           <ac:spMkLst>
             <pc:docMk/>
             <pc:sldMk cId="4002806811" sldId="305"/>
@@ -2829,7 +3355,7 @@
           </ac:spMkLst>
         </pc:spChg>
         <pc:spChg chg="mod">
-          <ac:chgData name="GAMBOA ALVARADO IGNACIO G" userId="d3d0d4b5-30dd-46e6-93bb-837ddea6ad49" providerId="ADAL" clId="{5B4D70C6-83A3-41C3-8256-4EC1A969E359}" dt="2024-04-18T02:29:38.594" v="1755" actId="14100"/>
+          <ac:chgData name="GAMBOA ALVARADO IGNACIO G" userId="d3d0d4b5-30dd-46e6-93bb-837ddea6ad49" providerId="ADAL" clId="{5B4D70C6-83A3-41C3-8256-4EC1A969E359}" dt="2024-04-19T10:45:42.852" v="3333" actId="14100"/>
           <ac:spMkLst>
             <pc:docMk/>
             <pc:sldMk cId="4002806811" sldId="305"/>
@@ -2837,7 +3363,7 @@
           </ac:spMkLst>
         </pc:spChg>
         <pc:spChg chg="mod">
-          <ac:chgData name="GAMBOA ALVARADO IGNACIO G" userId="d3d0d4b5-30dd-46e6-93bb-837ddea6ad49" providerId="ADAL" clId="{5B4D70C6-83A3-41C3-8256-4EC1A969E359}" dt="2024-04-19T02:28:37.716" v="3296" actId="313"/>
+          <ac:chgData name="GAMBOA ALVARADO IGNACIO G" userId="d3d0d4b5-30dd-46e6-93bb-837ddea6ad49" providerId="ADAL" clId="{5B4D70C6-83A3-41C3-8256-4EC1A969E359}" dt="2024-04-19T10:46:49.720" v="3343" actId="2710"/>
           <ac:spMkLst>
             <pc:docMk/>
             <pc:sldMk cId="4002806811" sldId="305"/>
@@ -2845,7 +3371,7 @@
           </ac:spMkLst>
         </pc:spChg>
         <pc:spChg chg="mod">
-          <ac:chgData name="GAMBOA ALVARADO IGNACIO G" userId="d3d0d4b5-30dd-46e6-93bb-837ddea6ad49" providerId="ADAL" clId="{5B4D70C6-83A3-41C3-8256-4EC1A969E359}" dt="2024-04-18T02:39:06.390" v="2112" actId="1076"/>
+          <ac:chgData name="GAMBOA ALVARADO IGNACIO G" userId="d3d0d4b5-30dd-46e6-93bb-837ddea6ad49" providerId="ADAL" clId="{5B4D70C6-83A3-41C3-8256-4EC1A969E359}" dt="2024-04-19T10:47:34.203" v="3349" actId="14100"/>
           <ac:spMkLst>
             <pc:docMk/>
             <pc:sldMk cId="4002806811" sldId="305"/>
@@ -2861,7 +3387,7 @@
           </ac:spMkLst>
         </pc:spChg>
         <pc:spChg chg="mod">
-          <ac:chgData name="GAMBOA ALVARADO IGNACIO G" userId="d3d0d4b5-30dd-46e6-93bb-837ddea6ad49" providerId="ADAL" clId="{5B4D70C6-83A3-41C3-8256-4EC1A969E359}" dt="2024-04-19T02:28:47.659" v="3297" actId="1076"/>
+          <ac:chgData name="GAMBOA ALVARADO IGNACIO G" userId="d3d0d4b5-30dd-46e6-93bb-837ddea6ad49" providerId="ADAL" clId="{5B4D70C6-83A3-41C3-8256-4EC1A969E359}" dt="2024-04-19T10:47:19.627" v="3347" actId="1076"/>
           <ac:spMkLst>
             <pc:docMk/>
             <pc:sldMk cId="4002806811" sldId="305"/>
@@ -2886,7 +3412,7 @@
         </pc:picChg>
       </pc:sldChg>
       <pc:sldChg chg="addSp delSp modSp mod modNotesTx">
-        <pc:chgData name="GAMBOA ALVARADO IGNACIO G" userId="d3d0d4b5-30dd-46e6-93bb-837ddea6ad49" providerId="ADAL" clId="{5B4D70C6-83A3-41C3-8256-4EC1A969E359}" dt="2024-04-19T02:34:13.568" v="3299"/>
+        <pc:chgData name="GAMBOA ALVARADO IGNACIO G" userId="d3d0d4b5-30dd-46e6-93bb-837ddea6ad49" providerId="ADAL" clId="{5B4D70C6-83A3-41C3-8256-4EC1A969E359}" dt="2024-04-20T02:18:35.382" v="3832" actId="20577"/>
         <pc:sldMkLst>
           <pc:docMk/>
           <pc:sldMk cId="2779685119" sldId="306"/>
@@ -2987,8 +3513,8 @@
             <ac:spMk id="24" creationId="{03E5F3D1-3221-4659-A0A9-5A15FEF6B111}"/>
           </ac:spMkLst>
         </pc:spChg>
-        <pc:spChg chg="mod">
-          <ac:chgData name="GAMBOA ALVARADO IGNACIO G" userId="d3d0d4b5-30dd-46e6-93bb-837ddea6ad49" providerId="ADAL" clId="{5B4D70C6-83A3-41C3-8256-4EC1A969E359}" dt="2024-04-18T02:40:34.459" v="2118" actId="164"/>
+        <pc:spChg chg="add del mod topLvl">
+          <ac:chgData name="GAMBOA ALVARADO IGNACIO G" userId="d3d0d4b5-30dd-46e6-93bb-837ddea6ad49" providerId="ADAL" clId="{5B4D70C6-83A3-41C3-8256-4EC1A969E359}" dt="2024-04-20T01:57:26.148" v="3827" actId="1076"/>
           <ac:spMkLst>
             <pc:docMk/>
             <pc:sldMk cId="2779685119" sldId="306"/>
@@ -3108,7 +3634,7 @@
           </ac:spMkLst>
         </pc:spChg>
         <pc:spChg chg="mod">
-          <ac:chgData name="GAMBOA ALVARADO IGNACIO G" userId="d3d0d4b5-30dd-46e6-93bb-837ddea6ad49" providerId="ADAL" clId="{5B4D70C6-83A3-41C3-8256-4EC1A969E359}" dt="2024-04-17T11:47:52.663" v="1245" actId="122"/>
+          <ac:chgData name="GAMBOA ALVARADO IGNACIO G" userId="d3d0d4b5-30dd-46e6-93bb-837ddea6ad49" providerId="ADAL" clId="{5B4D70C6-83A3-41C3-8256-4EC1A969E359}" dt="2024-04-20T02:18:35.382" v="3832" actId="20577"/>
           <ac:spMkLst>
             <pc:docMk/>
             <pc:sldMk cId="2779685119" sldId="306"/>
@@ -3275,8 +3801,8 @@
             <ac:grpSpMk id="29" creationId="{142B264E-02D7-FA76-9015-8DE9252C6277}"/>
           </ac:grpSpMkLst>
         </pc:grpChg>
-        <pc:grpChg chg="add mod">
-          <ac:chgData name="GAMBOA ALVARADO IGNACIO G" userId="d3d0d4b5-30dd-46e6-93bb-837ddea6ad49" providerId="ADAL" clId="{5B4D70C6-83A3-41C3-8256-4EC1A969E359}" dt="2024-04-18T02:40:34.459" v="2118" actId="164"/>
+        <pc:grpChg chg="add del mod">
+          <ac:chgData name="GAMBOA ALVARADO IGNACIO G" userId="d3d0d4b5-30dd-46e6-93bb-837ddea6ad49" providerId="ADAL" clId="{5B4D70C6-83A3-41C3-8256-4EC1A969E359}" dt="2024-04-20T01:56:44.688" v="3815" actId="165"/>
           <ac:grpSpMkLst>
             <pc:docMk/>
             <pc:sldMk cId="2779685119" sldId="306"/>
@@ -3315,8 +3841,8 @@
             <ac:picMk id="13" creationId="{D259065A-E859-445B-9FE7-062BC3C6BE3C}"/>
           </ac:picMkLst>
         </pc:picChg>
-        <pc:picChg chg="mod modCrop">
-          <ac:chgData name="GAMBOA ALVARADO IGNACIO G" userId="d3d0d4b5-30dd-46e6-93bb-837ddea6ad49" providerId="ADAL" clId="{5B4D70C6-83A3-41C3-8256-4EC1A969E359}" dt="2024-04-18T02:40:34.459" v="2118" actId="164"/>
+        <pc:picChg chg="add del mod topLvl modCrop">
+          <ac:chgData name="GAMBOA ALVARADO IGNACIO G" userId="d3d0d4b5-30dd-46e6-93bb-837ddea6ad49" providerId="ADAL" clId="{5B4D70C6-83A3-41C3-8256-4EC1A969E359}" dt="2024-04-20T01:56:49.724" v="3818" actId="478"/>
           <ac:picMkLst>
             <pc:docMk/>
             <pc:sldMk cId="2779685119" sldId="306"/>
@@ -3329,6 +3855,14 @@
             <pc:docMk/>
             <pc:sldMk cId="2779685119" sldId="306"/>
             <ac:picMk id="31" creationId="{637CF5E8-ABB0-22A1-D946-FDFCE8232FD1}"/>
+          </ac:picMkLst>
+        </pc:picChg>
+        <pc:picChg chg="mod">
+          <ac:chgData name="GAMBOA ALVARADO IGNACIO G" userId="d3d0d4b5-30dd-46e6-93bb-837ddea6ad49" providerId="ADAL" clId="{5B4D70C6-83A3-41C3-8256-4EC1A969E359}" dt="2024-04-20T01:57:23.044" v="3826" actId="1076"/>
+          <ac:picMkLst>
+            <pc:docMk/>
+            <pc:sldMk cId="2779685119" sldId="306"/>
+            <ac:picMk id="31" creationId="{FB79B334-1684-865C-A78E-B8E6441643FA}"/>
           </ac:picMkLst>
         </pc:picChg>
         <pc:picChg chg="add">
@@ -3648,8 +4182,8 @@
           </ac:picMkLst>
         </pc:picChg>
       </pc:sldChg>
-      <pc:sldChg chg="addSp delSp modSp add mod">
-        <pc:chgData name="GAMBOA ALVARADO IGNACIO G" userId="d3d0d4b5-30dd-46e6-93bb-837ddea6ad49" providerId="ADAL" clId="{5B4D70C6-83A3-41C3-8256-4EC1A969E359}" dt="2024-04-19T02:08:19.472" v="3294" actId="207"/>
+      <pc:sldChg chg="addSp delSp modSp add mod modAnim">
+        <pc:chgData name="GAMBOA ALVARADO IGNACIO G" userId="d3d0d4b5-30dd-46e6-93bb-837ddea6ad49" providerId="ADAL" clId="{5B4D70C6-83A3-41C3-8256-4EC1A969E359}" dt="2024-04-19T11:13:54.926" v="3809"/>
         <pc:sldMkLst>
           <pc:docMk/>
           <pc:sldMk cId="4026079951" sldId="310"/>
@@ -3678,6 +4212,22 @@
             <ac:spMk id="8" creationId="{3B958F62-B544-8606-70D7-9FC08BE7DEF8}"/>
           </ac:spMkLst>
         </pc:spChg>
+        <pc:spChg chg="add mod">
+          <ac:chgData name="GAMBOA ALVARADO IGNACIO G" userId="d3d0d4b5-30dd-46e6-93bb-837ddea6ad49" providerId="ADAL" clId="{5B4D70C6-83A3-41C3-8256-4EC1A969E359}" dt="2024-04-19T11:03:06.875" v="3504" actId="20577"/>
+          <ac:spMkLst>
+            <pc:docMk/>
+            <pc:sldMk cId="4026079951" sldId="310"/>
+            <ac:spMk id="8" creationId="{BCB3922B-C2DC-EB08-0E39-D79B2646FD4D}"/>
+          </ac:spMkLst>
+        </pc:spChg>
+        <pc:spChg chg="add mod">
+          <ac:chgData name="GAMBOA ALVARADO IGNACIO G" userId="d3d0d4b5-30dd-46e6-93bb-837ddea6ad49" providerId="ADAL" clId="{5B4D70C6-83A3-41C3-8256-4EC1A969E359}" dt="2024-04-19T11:03:15.914" v="3509" actId="20577"/>
+          <ac:spMkLst>
+            <pc:docMk/>
+            <pc:sldMk cId="4026079951" sldId="310"/>
+            <ac:spMk id="9" creationId="{53A07681-A1E1-2E20-06A1-7D9C8965BE78}"/>
+          </ac:spMkLst>
+        </pc:spChg>
         <pc:spChg chg="del">
           <ac:chgData name="GAMBOA ALVARADO IGNACIO G" userId="d3d0d4b5-30dd-46e6-93bb-837ddea6ad49" providerId="ADAL" clId="{5B4D70C6-83A3-41C3-8256-4EC1A969E359}" dt="2024-04-19T02:02:23.203" v="3206"/>
           <ac:spMkLst>
@@ -3686,6 +4236,14 @@
             <ac:spMk id="10" creationId="{3B958F62-B544-8606-70D7-9FC08BE7DEF8}"/>
           </ac:spMkLst>
         </pc:spChg>
+        <pc:spChg chg="add mod">
+          <ac:chgData name="GAMBOA ALVARADO IGNACIO G" userId="d3d0d4b5-30dd-46e6-93bb-837ddea6ad49" providerId="ADAL" clId="{5B4D70C6-83A3-41C3-8256-4EC1A969E359}" dt="2024-04-19T11:03:19.509" v="3515" actId="20577"/>
+          <ac:spMkLst>
+            <pc:docMk/>
+            <pc:sldMk cId="4026079951" sldId="310"/>
+            <ac:spMk id="10" creationId="{B420626F-7183-5B69-CC17-50E83C0AF8B0}"/>
+          </ac:spMkLst>
+        </pc:spChg>
         <pc:spChg chg="add del mod">
           <ac:chgData name="GAMBOA ALVARADO IGNACIO G" userId="d3d0d4b5-30dd-46e6-93bb-837ddea6ad49" providerId="ADAL" clId="{5B4D70C6-83A3-41C3-8256-4EC1A969E359}" dt="2024-04-19T02:02:23.206" v="3208"/>
           <ac:spMkLst>
@@ -3694,6 +4252,38 @@
             <ac:spMk id="11" creationId="{5A30E48D-ED63-0F98-76D9-5AEF476C753E}"/>
           </ac:spMkLst>
         </pc:spChg>
+        <pc:spChg chg="add mod">
+          <ac:chgData name="GAMBOA ALVARADO IGNACIO G" userId="d3d0d4b5-30dd-46e6-93bb-837ddea6ad49" providerId="ADAL" clId="{5B4D70C6-83A3-41C3-8256-4EC1A969E359}" dt="2024-04-19T11:03:23.181" v="3516" actId="20577"/>
+          <ac:spMkLst>
+            <pc:docMk/>
+            <pc:sldMk cId="4026079951" sldId="310"/>
+            <ac:spMk id="11" creationId="{AFFEA349-59DA-112C-3E6F-80A06484C65C}"/>
+          </ac:spMkLst>
+        </pc:spChg>
+        <pc:spChg chg="add mod">
+          <ac:chgData name="GAMBOA ALVARADO IGNACIO G" userId="d3d0d4b5-30dd-46e6-93bb-837ddea6ad49" providerId="ADAL" clId="{5B4D70C6-83A3-41C3-8256-4EC1A969E359}" dt="2024-04-19T11:03:25.087" v="3517" actId="20577"/>
+          <ac:spMkLst>
+            <pc:docMk/>
+            <pc:sldMk cId="4026079951" sldId="310"/>
+            <ac:spMk id="12" creationId="{58C34E86-807D-A536-4841-E34D9BE399E2}"/>
+          </ac:spMkLst>
+        </pc:spChg>
+        <pc:spChg chg="add mod">
+          <ac:chgData name="GAMBOA ALVARADO IGNACIO G" userId="d3d0d4b5-30dd-46e6-93bb-837ddea6ad49" providerId="ADAL" clId="{5B4D70C6-83A3-41C3-8256-4EC1A969E359}" dt="2024-04-19T11:03:01.302" v="3493" actId="20577"/>
+          <ac:spMkLst>
+            <pc:docMk/>
+            <pc:sldMk cId="4026079951" sldId="310"/>
+            <ac:spMk id="13" creationId="{B558E4C3-58FD-2962-9E56-66C0A77F77A5}"/>
+          </ac:spMkLst>
+        </pc:spChg>
+        <pc:spChg chg="add mod">
+          <ac:chgData name="GAMBOA ALVARADO IGNACIO G" userId="d3d0d4b5-30dd-46e6-93bb-837ddea6ad49" providerId="ADAL" clId="{5B4D70C6-83A3-41C3-8256-4EC1A969E359}" dt="2024-04-19T11:03:27.231" v="3518" actId="20577"/>
+          <ac:spMkLst>
+            <pc:docMk/>
+            <pc:sldMk cId="4026079951" sldId="310"/>
+            <ac:spMk id="14" creationId="{A8B32074-C045-5934-176F-E42A90AFDD47}"/>
+          </ac:spMkLst>
+        </pc:spChg>
         <pc:spChg chg="mod">
           <ac:chgData name="GAMBOA ALVARADO IGNACIO G" userId="d3d0d4b5-30dd-46e6-93bb-837ddea6ad49" providerId="ADAL" clId="{5B4D70C6-83A3-41C3-8256-4EC1A969E359}" dt="2024-04-19T02:04:40.525" v="3223" actId="164"/>
           <ac:spMkLst>
@@ -3742,6 +4332,38 @@
             <ac:spMk id="20" creationId="{58A80695-BC02-A6E2-35B6-7E82ABDBD1B7}"/>
           </ac:spMkLst>
         </pc:spChg>
+        <pc:spChg chg="add del mod">
+          <ac:chgData name="GAMBOA ALVARADO IGNACIO G" userId="d3d0d4b5-30dd-46e6-93bb-837ddea6ad49" providerId="ADAL" clId="{5B4D70C6-83A3-41C3-8256-4EC1A969E359}" dt="2024-04-19T11:05:18.283" v="3527" actId="478"/>
+          <ac:spMkLst>
+            <pc:docMk/>
+            <pc:sldMk cId="4026079951" sldId="310"/>
+            <ac:spMk id="21" creationId="{9BD7C7DD-C460-ACB6-5235-F9E4ABE6C509}"/>
+          </ac:spMkLst>
+        </pc:spChg>
+        <pc:spChg chg="add mod">
+          <ac:chgData name="GAMBOA ALVARADO IGNACIO G" userId="d3d0d4b5-30dd-46e6-93bb-837ddea6ad49" providerId="ADAL" clId="{5B4D70C6-83A3-41C3-8256-4EC1A969E359}" dt="2024-04-19T11:06:54.319" v="3660" actId="20577"/>
+          <ac:spMkLst>
+            <pc:docMk/>
+            <pc:sldMk cId="4026079951" sldId="310"/>
+            <ac:spMk id="22" creationId="{8B80C094-A8BB-0623-D92E-51970775BAD2}"/>
+          </ac:spMkLst>
+        </pc:spChg>
+        <pc:spChg chg="add mod">
+          <ac:chgData name="GAMBOA ALVARADO IGNACIO G" userId="d3d0d4b5-30dd-46e6-93bb-837ddea6ad49" providerId="ADAL" clId="{5B4D70C6-83A3-41C3-8256-4EC1A969E359}" dt="2024-04-19T11:07:31.177" v="3749" actId="20577"/>
+          <ac:spMkLst>
+            <pc:docMk/>
+            <pc:sldMk cId="4026079951" sldId="310"/>
+            <ac:spMk id="23" creationId="{04F8DD8B-3854-8853-3982-034DF50C996F}"/>
+          </ac:spMkLst>
+        </pc:spChg>
+        <pc:spChg chg="add mod">
+          <ac:chgData name="GAMBOA ALVARADO IGNACIO G" userId="d3d0d4b5-30dd-46e6-93bb-837ddea6ad49" providerId="ADAL" clId="{5B4D70C6-83A3-41C3-8256-4EC1A969E359}" dt="2024-04-19T11:11:23.651" v="3800" actId="1076"/>
+          <ac:spMkLst>
+            <pc:docMk/>
+            <pc:sldMk cId="4026079951" sldId="310"/>
+            <ac:spMk id="26" creationId="{D6ED4B68-C035-1F74-5A98-0BD5BF177B39}"/>
+          </ac:spMkLst>
+        </pc:spChg>
         <pc:spChg chg="mod">
           <ac:chgData name="GAMBOA ALVARADO IGNACIO G" userId="d3d0d4b5-30dd-46e6-93bb-837ddea6ad49" providerId="ADAL" clId="{5B4D70C6-83A3-41C3-8256-4EC1A969E359}" dt="2024-04-19T02:05:14.557" v="3239" actId="20577"/>
           <ac:spMkLst>
@@ -3806,6 +4428,22 @@
             <ac:spMk id="46" creationId="{2A090067-0B0A-6045-43F2-8B5BE84234BF}"/>
           </ac:spMkLst>
         </pc:spChg>
+        <pc:grpChg chg="del">
+          <ac:chgData name="GAMBOA ALVARADO IGNACIO G" userId="d3d0d4b5-30dd-46e6-93bb-837ddea6ad49" providerId="ADAL" clId="{5B4D70C6-83A3-41C3-8256-4EC1A969E359}" dt="2024-04-19T11:00:38.210" v="3461" actId="478"/>
+          <ac:grpSpMkLst>
+            <pc:docMk/>
+            <pc:sldMk cId="4026079951" sldId="310"/>
+            <ac:grpSpMk id="5" creationId="{17D8EA0E-8C38-AC06-AB8E-9A9079087245}"/>
+          </ac:grpSpMkLst>
+        </pc:grpChg>
+        <pc:grpChg chg="del">
+          <ac:chgData name="GAMBOA ALVARADO IGNACIO G" userId="d3d0d4b5-30dd-46e6-93bb-837ddea6ad49" providerId="ADAL" clId="{5B4D70C6-83A3-41C3-8256-4EC1A969E359}" dt="2024-04-19T11:00:38.210" v="3461" actId="478"/>
+          <ac:grpSpMkLst>
+            <pc:docMk/>
+            <pc:sldMk cId="4026079951" sldId="310"/>
+            <ac:grpSpMk id="6" creationId="{618536BF-4E51-2E18-BAB2-099DF9A8C94E}"/>
+          </ac:grpSpMkLst>
+        </pc:grpChg>
         <pc:grpChg chg="add del mod">
           <ac:chgData name="GAMBOA ALVARADO IGNACIO G" userId="d3d0d4b5-30dd-46e6-93bb-837ddea6ad49" providerId="ADAL" clId="{5B4D70C6-83A3-41C3-8256-4EC1A969E359}" dt="2024-04-19T02:02:51.443" v="3210" actId="165"/>
           <ac:grpSpMkLst>
@@ -3814,24 +4452,24 @@
             <ac:grpSpMk id="12" creationId="{C1924760-07FE-76C6-FBA0-1BA2F2E95381}"/>
           </ac:grpSpMkLst>
         </pc:grpChg>
-        <pc:grpChg chg="add mod">
-          <ac:chgData name="GAMBOA ALVARADO IGNACIO G" userId="d3d0d4b5-30dd-46e6-93bb-837ddea6ad49" providerId="ADAL" clId="{5B4D70C6-83A3-41C3-8256-4EC1A969E359}" dt="2024-04-19T02:04:35.397" v="3222" actId="164"/>
+        <pc:grpChg chg="add del mod">
+          <ac:chgData name="GAMBOA ALVARADO IGNACIO G" userId="d3d0d4b5-30dd-46e6-93bb-837ddea6ad49" providerId="ADAL" clId="{5B4D70C6-83A3-41C3-8256-4EC1A969E359}" dt="2024-04-19T11:00:38.210" v="3461" actId="478"/>
           <ac:grpSpMkLst>
             <pc:docMk/>
             <pc:sldMk cId="4026079951" sldId="310"/>
             <ac:grpSpMk id="29" creationId="{06F6DB3C-0030-016C-D276-7DC33ECB1382}"/>
           </ac:grpSpMkLst>
         </pc:grpChg>
-        <pc:grpChg chg="add mod">
-          <ac:chgData name="GAMBOA ALVARADO IGNACIO G" userId="d3d0d4b5-30dd-46e6-93bb-837ddea6ad49" providerId="ADAL" clId="{5B4D70C6-83A3-41C3-8256-4EC1A969E359}" dt="2024-04-19T02:04:40.525" v="3223" actId="164"/>
+        <pc:grpChg chg="add del mod">
+          <ac:chgData name="GAMBOA ALVARADO IGNACIO G" userId="d3d0d4b5-30dd-46e6-93bb-837ddea6ad49" providerId="ADAL" clId="{5B4D70C6-83A3-41C3-8256-4EC1A969E359}" dt="2024-04-19T11:00:38.210" v="3461" actId="478"/>
           <ac:grpSpMkLst>
             <pc:docMk/>
             <pc:sldMk cId="4026079951" sldId="310"/>
             <ac:grpSpMk id="30" creationId="{F904F3FA-55A8-357F-D91D-0E20DA056807}"/>
           </ac:grpSpMkLst>
         </pc:grpChg>
-        <pc:grpChg chg="add mod">
-          <ac:chgData name="GAMBOA ALVARADO IGNACIO G" userId="d3d0d4b5-30dd-46e6-93bb-837ddea6ad49" providerId="ADAL" clId="{5B4D70C6-83A3-41C3-8256-4EC1A969E359}" dt="2024-04-19T02:04:46.819" v="3224" actId="164"/>
+        <pc:grpChg chg="add del mod">
+          <ac:chgData name="GAMBOA ALVARADO IGNACIO G" userId="d3d0d4b5-30dd-46e6-93bb-837ddea6ad49" providerId="ADAL" clId="{5B4D70C6-83A3-41C3-8256-4EC1A969E359}" dt="2024-04-19T11:00:38.210" v="3461" actId="478"/>
           <ac:grpSpMkLst>
             <pc:docMk/>
             <pc:sldMk cId="4026079951" sldId="310"/>
@@ -3846,6 +4484,38 @@
             <ac:grpSpMk id="32" creationId="{17D8EA0E-8C38-AC06-AB8E-9A9079087245}"/>
           </ac:grpSpMkLst>
         </pc:grpChg>
+        <pc:grpChg chg="del">
+          <ac:chgData name="GAMBOA ALVARADO IGNACIO G" userId="d3d0d4b5-30dd-46e6-93bb-837ddea6ad49" providerId="ADAL" clId="{5B4D70C6-83A3-41C3-8256-4EC1A969E359}" dt="2024-04-19T11:00:38.210" v="3461" actId="478"/>
+          <ac:grpSpMkLst>
+            <pc:docMk/>
+            <pc:sldMk cId="4026079951" sldId="310"/>
+            <ac:grpSpMk id="34" creationId="{4C606DCA-568B-919F-E36E-E93C67C4396A}"/>
+          </ac:grpSpMkLst>
+        </pc:grpChg>
+        <pc:grpChg chg="del">
+          <ac:chgData name="GAMBOA ALVARADO IGNACIO G" userId="d3d0d4b5-30dd-46e6-93bb-837ddea6ad49" providerId="ADAL" clId="{5B4D70C6-83A3-41C3-8256-4EC1A969E359}" dt="2024-04-19T11:00:38.210" v="3461" actId="478"/>
+          <ac:grpSpMkLst>
+            <pc:docMk/>
+            <pc:sldMk cId="4026079951" sldId="310"/>
+            <ac:grpSpMk id="39" creationId="{9BAE4014-9F5E-C0C0-EB91-433737D3B68E}"/>
+          </ac:grpSpMkLst>
+        </pc:grpChg>
+        <pc:picChg chg="add mod">
+          <ac:chgData name="GAMBOA ALVARADO IGNACIO G" userId="d3d0d4b5-30dd-46e6-93bb-837ddea6ad49" providerId="ADAL" clId="{5B4D70C6-83A3-41C3-8256-4EC1A969E359}" dt="2024-04-19T11:09:52.094" v="3791" actId="1076"/>
+          <ac:picMkLst>
+            <pc:docMk/>
+            <pc:sldMk cId="4026079951" sldId="310"/>
+            <ac:picMk id="25" creationId="{75555792-5280-6508-E3FF-41F9F9E75A97}"/>
+          </ac:picMkLst>
+        </pc:picChg>
+        <pc:cxnChg chg="mod">
+          <ac:chgData name="GAMBOA ALVARADO IGNACIO G" userId="d3d0d4b5-30dd-46e6-93bb-837ddea6ad49" providerId="ADAL" clId="{5B4D70C6-83A3-41C3-8256-4EC1A969E359}" dt="2024-04-19T11:00:29.854" v="3459" actId="1076"/>
+          <ac:cxnSpMkLst>
+            <pc:docMk/>
+            <pc:sldMk cId="4026079951" sldId="310"/>
+            <ac:cxnSpMk id="48" creationId="{47A71E6E-CEFB-4409-BE5A-DAA75229C265}"/>
+          </ac:cxnSpMkLst>
+        </pc:cxnChg>
       </pc:sldChg>
       <pc:sldChg chg="addSp modSp add mod modAnim">
         <pc:chgData name="GAMBOA ALVARADO IGNACIO G" userId="d3d0d4b5-30dd-46e6-93bb-837ddea6ad49" providerId="ADAL" clId="{5B4D70C6-83A3-41C3-8256-4EC1A969E359}" dt="2024-04-19T01:02:10.805" v="3189"/>
@@ -3938,6 +4608,218 @@
             <pc:docMk/>
             <pc:sldMk cId="319540435" sldId="313"/>
             <ac:spMk id="24" creationId="{BA18F6DF-CBB0-C049-F795-5FBA7BFF080B}"/>
+          </ac:spMkLst>
+        </pc:spChg>
+      </pc:sldChg>
+      <pc:sldChg chg="delSp modSp add mod delAnim">
+        <pc:chgData name="GAMBOA ALVARADO IGNACIO G" userId="d3d0d4b5-30dd-46e6-93bb-837ddea6ad49" providerId="ADAL" clId="{5B4D70C6-83A3-41C3-8256-4EC1A969E359}" dt="2024-04-20T03:44:42.766" v="3945" actId="1076"/>
+        <pc:sldMkLst>
+          <pc:docMk/>
+          <pc:sldMk cId="418297950" sldId="313"/>
+        </pc:sldMkLst>
+        <pc:spChg chg="del">
+          <ac:chgData name="GAMBOA ALVARADO IGNACIO G" userId="d3d0d4b5-30dd-46e6-93bb-837ddea6ad49" providerId="ADAL" clId="{5B4D70C6-83A3-41C3-8256-4EC1A969E359}" dt="2024-04-20T01:52:35.616" v="3812" actId="478"/>
+          <ac:spMkLst>
+            <pc:docMk/>
+            <pc:sldMk cId="418297950" sldId="313"/>
+            <ac:spMk id="8" creationId="{BCB3922B-C2DC-EB08-0E39-D79B2646FD4D}"/>
+          </ac:spMkLst>
+        </pc:spChg>
+        <pc:spChg chg="del">
+          <ac:chgData name="GAMBOA ALVARADO IGNACIO G" userId="d3d0d4b5-30dd-46e6-93bb-837ddea6ad49" providerId="ADAL" clId="{5B4D70C6-83A3-41C3-8256-4EC1A969E359}" dt="2024-04-20T01:52:35.616" v="3812" actId="478"/>
+          <ac:spMkLst>
+            <pc:docMk/>
+            <pc:sldMk cId="418297950" sldId="313"/>
+            <ac:spMk id="9" creationId="{53A07681-A1E1-2E20-06A1-7D9C8965BE78}"/>
+          </ac:spMkLst>
+        </pc:spChg>
+        <pc:spChg chg="del">
+          <ac:chgData name="GAMBOA ALVARADO IGNACIO G" userId="d3d0d4b5-30dd-46e6-93bb-837ddea6ad49" providerId="ADAL" clId="{5B4D70C6-83A3-41C3-8256-4EC1A969E359}" dt="2024-04-20T01:52:35.616" v="3812" actId="478"/>
+          <ac:spMkLst>
+            <pc:docMk/>
+            <pc:sldMk cId="418297950" sldId="313"/>
+            <ac:spMk id="10" creationId="{B420626F-7183-5B69-CC17-50E83C0AF8B0}"/>
+          </ac:spMkLst>
+        </pc:spChg>
+        <pc:spChg chg="del">
+          <ac:chgData name="GAMBOA ALVARADO IGNACIO G" userId="d3d0d4b5-30dd-46e6-93bb-837ddea6ad49" providerId="ADAL" clId="{5B4D70C6-83A3-41C3-8256-4EC1A969E359}" dt="2024-04-20T01:52:35.616" v="3812" actId="478"/>
+          <ac:spMkLst>
+            <pc:docMk/>
+            <pc:sldMk cId="418297950" sldId="313"/>
+            <ac:spMk id="11" creationId="{AFFEA349-59DA-112C-3E6F-80A06484C65C}"/>
+          </ac:spMkLst>
+        </pc:spChg>
+        <pc:spChg chg="del">
+          <ac:chgData name="GAMBOA ALVARADO IGNACIO G" userId="d3d0d4b5-30dd-46e6-93bb-837ddea6ad49" providerId="ADAL" clId="{5B4D70C6-83A3-41C3-8256-4EC1A969E359}" dt="2024-04-20T01:52:35.616" v="3812" actId="478"/>
+          <ac:spMkLst>
+            <pc:docMk/>
+            <pc:sldMk cId="418297950" sldId="313"/>
+            <ac:spMk id="12" creationId="{58C34E86-807D-A536-4841-E34D9BE399E2}"/>
+          </ac:spMkLst>
+        </pc:spChg>
+        <pc:spChg chg="del">
+          <ac:chgData name="GAMBOA ALVARADO IGNACIO G" userId="d3d0d4b5-30dd-46e6-93bb-837ddea6ad49" providerId="ADAL" clId="{5B4D70C6-83A3-41C3-8256-4EC1A969E359}" dt="2024-04-20T01:52:35.616" v="3812" actId="478"/>
+          <ac:spMkLst>
+            <pc:docMk/>
+            <pc:sldMk cId="418297950" sldId="313"/>
+            <ac:spMk id="13" creationId="{B558E4C3-58FD-2962-9E56-66C0A77F77A5}"/>
+          </ac:spMkLst>
+        </pc:spChg>
+        <pc:spChg chg="del">
+          <ac:chgData name="GAMBOA ALVARADO IGNACIO G" userId="d3d0d4b5-30dd-46e6-93bb-837ddea6ad49" providerId="ADAL" clId="{5B4D70C6-83A3-41C3-8256-4EC1A969E359}" dt="2024-04-20T01:52:35.616" v="3812" actId="478"/>
+          <ac:spMkLst>
+            <pc:docMk/>
+            <pc:sldMk cId="418297950" sldId="313"/>
+            <ac:spMk id="14" creationId="{A8B32074-C045-5934-176F-E42A90AFDD47}"/>
+          </ac:spMkLst>
+        </pc:spChg>
+        <pc:spChg chg="del mod">
+          <ac:chgData name="GAMBOA ALVARADO IGNACIO G" userId="d3d0d4b5-30dd-46e6-93bb-837ddea6ad49" providerId="ADAL" clId="{5B4D70C6-83A3-41C3-8256-4EC1A969E359}" dt="2024-04-20T01:52:35.616" v="3812" actId="478"/>
+          <ac:spMkLst>
+            <pc:docMk/>
+            <pc:sldMk cId="418297950" sldId="313"/>
+            <ac:spMk id="22" creationId="{8B80C094-A8BB-0623-D92E-51970775BAD2}"/>
+          </ac:spMkLst>
+        </pc:spChg>
+        <pc:spChg chg="del">
+          <ac:chgData name="GAMBOA ALVARADO IGNACIO G" userId="d3d0d4b5-30dd-46e6-93bb-837ddea6ad49" providerId="ADAL" clId="{5B4D70C6-83A3-41C3-8256-4EC1A969E359}" dt="2024-04-20T01:52:35.616" v="3812" actId="478"/>
+          <ac:spMkLst>
+            <pc:docMk/>
+            <pc:sldMk cId="418297950" sldId="313"/>
+            <ac:spMk id="23" creationId="{04F8DD8B-3854-8853-3982-034DF50C996F}"/>
+          </ac:spMkLst>
+        </pc:spChg>
+        <pc:spChg chg="del">
+          <ac:chgData name="GAMBOA ALVARADO IGNACIO G" userId="d3d0d4b5-30dd-46e6-93bb-837ddea6ad49" providerId="ADAL" clId="{5B4D70C6-83A3-41C3-8256-4EC1A969E359}" dt="2024-04-20T01:52:35.616" v="3812" actId="478"/>
+          <ac:spMkLst>
+            <pc:docMk/>
+            <pc:sldMk cId="418297950" sldId="313"/>
+            <ac:spMk id="26" creationId="{D6ED4B68-C035-1F74-5A98-0BD5BF177B39}"/>
+          </ac:spMkLst>
+        </pc:spChg>
+        <pc:spChg chg="mod">
+          <ac:chgData name="GAMBOA ALVARADO IGNACIO G" userId="d3d0d4b5-30dd-46e6-93bb-837ddea6ad49" providerId="ADAL" clId="{5B4D70C6-83A3-41C3-8256-4EC1A969E359}" dt="2024-04-20T02:55:30.268" v="3854" actId="20577"/>
+          <ac:spMkLst>
+            <pc:docMk/>
+            <pc:sldMk cId="418297950" sldId="313"/>
+            <ac:spMk id="43" creationId="{227163E9-5661-4AAF-9078-F7CFD4D862FB}"/>
+          </ac:spMkLst>
+        </pc:spChg>
+        <pc:picChg chg="mod">
+          <ac:chgData name="GAMBOA ALVARADO IGNACIO G" userId="d3d0d4b5-30dd-46e6-93bb-837ddea6ad49" providerId="ADAL" clId="{5B4D70C6-83A3-41C3-8256-4EC1A969E359}" dt="2024-04-20T03:44:42.766" v="3945" actId="1076"/>
+          <ac:picMkLst>
+            <pc:docMk/>
+            <pc:sldMk cId="418297950" sldId="313"/>
+            <ac:picMk id="25" creationId="{2D0D134D-DF9E-1191-967D-81144D6C8489}"/>
+          </ac:picMkLst>
+        </pc:picChg>
+        <pc:picChg chg="del">
+          <ac:chgData name="GAMBOA ALVARADO IGNACIO G" userId="d3d0d4b5-30dd-46e6-93bb-837ddea6ad49" providerId="ADAL" clId="{5B4D70C6-83A3-41C3-8256-4EC1A969E359}" dt="2024-04-20T01:52:35.616" v="3812" actId="478"/>
+          <ac:picMkLst>
+            <pc:docMk/>
+            <pc:sldMk cId="418297950" sldId="313"/>
+            <ac:picMk id="25" creationId="{75555792-5280-6508-E3FF-41F9F9E75A97}"/>
+          </ac:picMkLst>
+        </pc:picChg>
+      </pc:sldChg>
+      <pc:sldChg chg="modSp add mod">
+        <pc:chgData name="GAMBOA ALVARADO IGNACIO G" userId="d3d0d4b5-30dd-46e6-93bb-837ddea6ad49" providerId="ADAL" clId="{5B4D70C6-83A3-41C3-8256-4EC1A969E359}" dt="2024-04-20T02:55:42.795" v="3881" actId="20577"/>
+        <pc:sldMkLst>
+          <pc:docMk/>
+          <pc:sldMk cId="1678571474" sldId="314"/>
+        </pc:sldMkLst>
+        <pc:spChg chg="mod">
+          <ac:chgData name="GAMBOA ALVARADO IGNACIO G" userId="d3d0d4b5-30dd-46e6-93bb-837ddea6ad49" providerId="ADAL" clId="{5B4D70C6-83A3-41C3-8256-4EC1A969E359}" dt="2024-04-20T02:55:42.795" v="3881" actId="20577"/>
+          <ac:spMkLst>
+            <pc:docMk/>
+            <pc:sldMk cId="1678571474" sldId="314"/>
+            <ac:spMk id="43" creationId="{227163E9-5661-4AAF-9078-F7CFD4D862FB}"/>
+          </ac:spMkLst>
+        </pc:spChg>
+      </pc:sldChg>
+      <pc:sldChg chg="addSp modSp add mod modAnim">
+        <pc:chgData name="GAMBOA ALVARADO IGNACIO G" userId="d3d0d4b5-30dd-46e6-93bb-837ddea6ad49" providerId="ADAL" clId="{5B4D70C6-83A3-41C3-8256-4EC1A969E359}" dt="2024-04-20T03:54:21.941" v="3987"/>
+        <pc:sldMkLst>
+          <pc:docMk/>
+          <pc:sldMk cId="2293004095" sldId="315"/>
+        </pc:sldMkLst>
+        <pc:spChg chg="mod">
+          <ac:chgData name="GAMBOA ALVARADO IGNACIO G" userId="d3d0d4b5-30dd-46e6-93bb-837ddea6ad49" providerId="ADAL" clId="{5B4D70C6-83A3-41C3-8256-4EC1A969E359}" dt="2024-04-20T02:56:01.297" v="3910" actId="20577"/>
+          <ac:spMkLst>
+            <pc:docMk/>
+            <pc:sldMk cId="2293004095" sldId="315"/>
+            <ac:spMk id="43" creationId="{227163E9-5661-4AAF-9078-F7CFD4D862FB}"/>
+          </ac:spMkLst>
+        </pc:spChg>
+        <pc:picChg chg="add mod">
+          <ac:chgData name="GAMBOA ALVARADO IGNACIO G" userId="d3d0d4b5-30dd-46e6-93bb-837ddea6ad49" providerId="ADAL" clId="{5B4D70C6-83A3-41C3-8256-4EC1A969E359}" dt="2024-04-20T03:46:31.419" v="3950" actId="1076"/>
+          <ac:picMkLst>
+            <pc:docMk/>
+            <pc:sldMk cId="2293004095" sldId="315"/>
+            <ac:picMk id="4" creationId="{BD122308-585A-0D1A-9A96-A6806B53C904}"/>
+          </ac:picMkLst>
+        </pc:picChg>
+        <pc:picChg chg="add mod">
+          <ac:chgData name="GAMBOA ALVARADO IGNACIO G" userId="d3d0d4b5-30dd-46e6-93bb-837ddea6ad49" providerId="ADAL" clId="{5B4D70C6-83A3-41C3-8256-4EC1A969E359}" dt="2024-04-20T03:48:57.490" v="3958" actId="1076"/>
+          <ac:picMkLst>
+            <pc:docMk/>
+            <pc:sldMk cId="2293004095" sldId="315"/>
+            <ac:picMk id="6" creationId="{D8946978-7B11-32E9-D307-C0E0115A01D9}"/>
+          </ac:picMkLst>
+        </pc:picChg>
+        <pc:picChg chg="add mod">
+          <ac:chgData name="GAMBOA ALVARADO IGNACIO G" userId="d3d0d4b5-30dd-46e6-93bb-837ddea6ad49" providerId="ADAL" clId="{5B4D70C6-83A3-41C3-8256-4EC1A969E359}" dt="2024-04-20T03:50:25.649" v="3963" actId="1076"/>
+          <ac:picMkLst>
+            <pc:docMk/>
+            <pc:sldMk cId="2293004095" sldId="315"/>
+            <ac:picMk id="9" creationId="{53453ABA-3516-6404-411C-98BE2043B02B}"/>
+          </ac:picMkLst>
+        </pc:picChg>
+        <pc:picChg chg="add mod">
+          <ac:chgData name="GAMBOA ALVARADO IGNACIO G" userId="d3d0d4b5-30dd-46e6-93bb-837ddea6ad49" providerId="ADAL" clId="{5B4D70C6-83A3-41C3-8256-4EC1A969E359}" dt="2024-04-20T03:51:02.648" v="3969" actId="1076"/>
+          <ac:picMkLst>
+            <pc:docMk/>
+            <pc:sldMk cId="2293004095" sldId="315"/>
+            <ac:picMk id="11" creationId="{C8FDA581-7DC7-C90A-C10F-3AB2BBB240F4}"/>
+          </ac:picMkLst>
+        </pc:picChg>
+        <pc:picChg chg="add mod">
+          <ac:chgData name="GAMBOA ALVARADO IGNACIO G" userId="d3d0d4b5-30dd-46e6-93bb-837ddea6ad49" providerId="ADAL" clId="{5B4D70C6-83A3-41C3-8256-4EC1A969E359}" dt="2024-04-20T03:52:21.402" v="3974" actId="14100"/>
+          <ac:picMkLst>
+            <pc:docMk/>
+            <pc:sldMk cId="2293004095" sldId="315"/>
+            <ac:picMk id="13" creationId="{B1FD93C3-504D-55E5-C90D-647D6C143523}"/>
+          </ac:picMkLst>
+        </pc:picChg>
+        <pc:picChg chg="add mod">
+          <ac:chgData name="GAMBOA ALVARADO IGNACIO G" userId="d3d0d4b5-30dd-46e6-93bb-837ddea6ad49" providerId="ADAL" clId="{5B4D70C6-83A3-41C3-8256-4EC1A969E359}" dt="2024-04-20T03:53:51.312" v="3981" actId="1076"/>
+          <ac:picMkLst>
+            <pc:docMk/>
+            <pc:sldMk cId="2293004095" sldId="315"/>
+            <ac:picMk id="15" creationId="{E03A4453-445C-03B7-FA2A-372988C52008}"/>
+          </ac:picMkLst>
+        </pc:picChg>
+        <pc:picChg chg="add mod">
+          <ac:chgData name="GAMBOA ALVARADO IGNACIO G" userId="d3d0d4b5-30dd-46e6-93bb-837ddea6ad49" providerId="ADAL" clId="{5B4D70C6-83A3-41C3-8256-4EC1A969E359}" dt="2024-04-20T03:54:16.518" v="3986" actId="1076"/>
+          <ac:picMkLst>
+            <pc:docMk/>
+            <pc:sldMk cId="2293004095" sldId="315"/>
+            <ac:picMk id="17" creationId="{7D210A8E-DFE3-F3B1-0CB5-BA520877F700}"/>
+          </ac:picMkLst>
+        </pc:picChg>
+      </pc:sldChg>
+      <pc:sldChg chg="modSp add mod">
+        <pc:chgData name="GAMBOA ALVARADO IGNACIO G" userId="d3d0d4b5-30dd-46e6-93bb-837ddea6ad49" providerId="ADAL" clId="{5B4D70C6-83A3-41C3-8256-4EC1A969E359}" dt="2024-04-20T03:44:35.656" v="3943" actId="14100"/>
+        <pc:sldMkLst>
+          <pc:docMk/>
+          <pc:sldMk cId="2726580496" sldId="316"/>
+        </pc:sldMkLst>
+        <pc:spChg chg="mod">
+          <ac:chgData name="GAMBOA ALVARADO IGNACIO G" userId="d3d0d4b5-30dd-46e6-93bb-837ddea6ad49" providerId="ADAL" clId="{5B4D70C6-83A3-41C3-8256-4EC1A969E359}" dt="2024-04-20T03:44:35.656" v="3943" actId="14100"/>
+          <ac:spMkLst>
+            <pc:docMk/>
+            <pc:sldMk cId="2726580496" sldId="316"/>
+            <ac:spMk id="43" creationId="{227163E9-5661-4AAF-9078-F7CFD4D862FB}"/>
           </ac:spMkLst>
         </pc:spChg>
       </pc:sldChg>
@@ -4926,6 +5808,30 @@
             <ac:graphicFrameMk id="13" creationId="{17B822AF-5979-4C16-F89A-3EB7BEC21F7C}"/>
           </ac:graphicFrameMkLst>
         </pc:graphicFrameChg>
+      </pc:sldChg>
+    </pc:docChg>
+  </pc:docChgLst>
+  <pc:docChgLst>
+    <pc:chgData name="Usuario invitado" userId="S::urn:spo:anon#fef3da18d72f4a87ce58e71588b9bb1ff7d2ec7742c50ac697a3af906f8464f2::" providerId="AD" clId="Web-{7445F970-8BA9-EE1E-3E0A-E0D8FB319514}"/>
+    <pc:docChg chg="modSld">
+      <pc:chgData name="Usuario invitado" userId="S::urn:spo:anon#fef3da18d72f4a87ce58e71588b9bb1ff7d2ec7742c50ac697a3af906f8464f2::" providerId="AD" clId="Web-{7445F970-8BA9-EE1E-3E0A-E0D8FB319514}" dt="2024-04-20T01:56:12.091" v="4" actId="1076"/>
+      <pc:docMkLst>
+        <pc:docMk/>
+      </pc:docMkLst>
+      <pc:sldChg chg="addSp modSp">
+        <pc:chgData name="Usuario invitado" userId="S::urn:spo:anon#fef3da18d72f4a87ce58e71588b9bb1ff7d2ec7742c50ac697a3af906f8464f2::" providerId="AD" clId="Web-{7445F970-8BA9-EE1E-3E0A-E0D8FB319514}" dt="2024-04-20T01:56:12.091" v="4" actId="1076"/>
+        <pc:sldMkLst>
+          <pc:docMk/>
+          <pc:sldMk cId="2779685119" sldId="306"/>
+        </pc:sldMkLst>
+        <pc:picChg chg="add mod">
+          <ac:chgData name="Usuario invitado" userId="S::urn:spo:anon#fef3da18d72f4a87ce58e71588b9bb1ff7d2ec7742c50ac697a3af906f8464f2::" providerId="AD" clId="Web-{7445F970-8BA9-EE1E-3E0A-E0D8FB319514}" dt="2024-04-20T01:56:12.091" v="4" actId="1076"/>
+          <ac:picMkLst>
+            <pc:docMk/>
+            <pc:sldMk cId="2779685119" sldId="306"/>
+            <ac:picMk id="31" creationId="{FB79B334-1684-865C-A78E-B8E6441643FA}"/>
+          </ac:picMkLst>
+        </pc:picChg>
       </pc:sldChg>
     </pc:docChg>
   </pc:docChgLst>
@@ -7780,7 +8686,7 @@
           <a:p>
             <a:fld id="{89347D60-E39B-E041-B6CE-3FDC1A8BB989}" type="datetimeFigureOut">
               <a:rPr lang="es-ES_tradnl" smtClean="0"/>
-              <a:t>18/04/2024</a:t>
+              <a:t>19/04/2024</a:t>
             </a:fld>
             <a:endParaRPr lang="es-ES_tradnl"/>
           </a:p>
@@ -8131,6 +9037,342 @@
 </p:notes>
 </file>
 
+<file path=ppt/notesSlides/notesSlide10.xml><?xml version="1.0" encoding="utf-8"?>
+<p:notes xmlns:a="http://schemas.openxmlformats.org/drawingml/2006/main" xmlns:r="http://schemas.openxmlformats.org/officeDocument/2006/relationships" xmlns:p="http://schemas.openxmlformats.org/presentationml/2006/main">
+  <p:cSld>
+    <p:spTree>
+      <p:nvGrpSpPr>
+        <p:cNvPr id="1" name=""/>
+        <p:cNvGrpSpPr/>
+        <p:nvPr/>
+      </p:nvGrpSpPr>
+      <p:grpSpPr>
+        <a:xfrm>
+          <a:off x="0" y="0"/>
+          <a:ext cx="0" cy="0"/>
+          <a:chOff x="0" y="0"/>
+          <a:chExt cx="0" cy="0"/>
+        </a:xfrm>
+      </p:grpSpPr>
+      <p:sp>
+        <p:nvSpPr>
+          <p:cNvPr id="2" name="Marcador de imagen de diapositiva 1"/>
+          <p:cNvSpPr>
+            <a:spLocks noGrp="1" noRot="1" noChangeAspect="1"/>
+          </p:cNvSpPr>
+          <p:nvPr>
+            <p:ph type="sldImg"/>
+          </p:nvPr>
+        </p:nvSpPr>
+        <p:spPr/>
+      </p:sp>
+      <p:sp>
+        <p:nvSpPr>
+          <p:cNvPr id="3" name="Marcador de notas 2"/>
+          <p:cNvSpPr>
+            <a:spLocks noGrp="1"/>
+          </p:cNvSpPr>
+          <p:nvPr>
+            <p:ph type="body" idx="1"/>
+          </p:nvPr>
+        </p:nvSpPr>
+        <p:spPr/>
+        <p:txBody>
+          <a:bodyPr/>
+          <a:lstStyle/>
+          <a:p>
+            <a:endParaRPr lang="es-ES_tradnl"/>
+          </a:p>
+        </p:txBody>
+      </p:sp>
+      <p:sp>
+        <p:nvSpPr>
+          <p:cNvPr id="4" name="Marcador de número de diapositiva 3"/>
+          <p:cNvSpPr>
+            <a:spLocks noGrp="1"/>
+          </p:cNvSpPr>
+          <p:nvPr>
+            <p:ph type="sldNum" sz="quarter" idx="10"/>
+          </p:nvPr>
+        </p:nvSpPr>
+        <p:spPr/>
+        <p:txBody>
+          <a:bodyPr/>
+          <a:lstStyle/>
+          <a:p>
+            <a:fld id="{80AD1966-643A-ED45-BFF9-B0FE18A32E2B}" type="slidenum">
+              <a:rPr lang="es-ES_tradnl" smtClean="0"/>
+              <a:t>11</a:t>
+            </a:fld>
+            <a:endParaRPr lang="es-ES_tradnl"/>
+          </a:p>
+        </p:txBody>
+      </p:sp>
+    </p:spTree>
+    <p:extLst>
+      <p:ext uri="{BB962C8B-B14F-4D97-AF65-F5344CB8AC3E}">
+        <p14:creationId xmlns:p14="http://schemas.microsoft.com/office/powerpoint/2010/main" val="3671103115"/>
+      </p:ext>
+    </p:extLst>
+  </p:cSld>
+  <p:clrMapOvr>
+    <a:masterClrMapping/>
+  </p:clrMapOvr>
+</p:notes>
+</file>
+
+<file path=ppt/notesSlides/notesSlide11.xml><?xml version="1.0" encoding="utf-8"?>
+<p:notes xmlns:a="http://schemas.openxmlformats.org/drawingml/2006/main" xmlns:r="http://schemas.openxmlformats.org/officeDocument/2006/relationships" xmlns:p="http://schemas.openxmlformats.org/presentationml/2006/main">
+  <p:cSld>
+    <p:spTree>
+      <p:nvGrpSpPr>
+        <p:cNvPr id="1" name=""/>
+        <p:cNvGrpSpPr/>
+        <p:nvPr/>
+      </p:nvGrpSpPr>
+      <p:grpSpPr>
+        <a:xfrm>
+          <a:off x="0" y="0"/>
+          <a:ext cx="0" cy="0"/>
+          <a:chOff x="0" y="0"/>
+          <a:chExt cx="0" cy="0"/>
+        </a:xfrm>
+      </p:grpSpPr>
+      <p:sp>
+        <p:nvSpPr>
+          <p:cNvPr id="2" name="Marcador de imagen de diapositiva 1"/>
+          <p:cNvSpPr>
+            <a:spLocks noGrp="1" noRot="1" noChangeAspect="1"/>
+          </p:cNvSpPr>
+          <p:nvPr>
+            <p:ph type="sldImg"/>
+          </p:nvPr>
+        </p:nvSpPr>
+        <p:spPr/>
+      </p:sp>
+      <p:sp>
+        <p:nvSpPr>
+          <p:cNvPr id="3" name="Marcador de notas 2"/>
+          <p:cNvSpPr>
+            <a:spLocks noGrp="1"/>
+          </p:cNvSpPr>
+          <p:nvPr>
+            <p:ph type="body" idx="1"/>
+          </p:nvPr>
+        </p:nvSpPr>
+        <p:spPr/>
+        <p:txBody>
+          <a:bodyPr/>
+          <a:lstStyle/>
+          <a:p>
+            <a:endParaRPr lang="es-ES_tradnl"/>
+          </a:p>
+        </p:txBody>
+      </p:sp>
+      <p:sp>
+        <p:nvSpPr>
+          <p:cNvPr id="4" name="Marcador de número de diapositiva 3"/>
+          <p:cNvSpPr>
+            <a:spLocks noGrp="1"/>
+          </p:cNvSpPr>
+          <p:nvPr>
+            <p:ph type="sldNum" sz="quarter" idx="10"/>
+          </p:nvPr>
+        </p:nvSpPr>
+        <p:spPr/>
+        <p:txBody>
+          <a:bodyPr/>
+          <a:lstStyle/>
+          <a:p>
+            <a:fld id="{80AD1966-643A-ED45-BFF9-B0FE18A32E2B}" type="slidenum">
+              <a:rPr lang="es-ES_tradnl" smtClean="0"/>
+              <a:t>12</a:t>
+            </a:fld>
+            <a:endParaRPr lang="es-ES_tradnl"/>
+          </a:p>
+        </p:txBody>
+      </p:sp>
+    </p:spTree>
+    <p:extLst>
+      <p:ext uri="{BB962C8B-B14F-4D97-AF65-F5344CB8AC3E}">
+        <p14:creationId xmlns:p14="http://schemas.microsoft.com/office/powerpoint/2010/main" val="3022060346"/>
+      </p:ext>
+    </p:extLst>
+  </p:cSld>
+  <p:clrMapOvr>
+    <a:masterClrMapping/>
+  </p:clrMapOvr>
+</p:notes>
+</file>
+
+<file path=ppt/notesSlides/notesSlide12.xml><?xml version="1.0" encoding="utf-8"?>
+<p:notes xmlns:a="http://schemas.openxmlformats.org/drawingml/2006/main" xmlns:r="http://schemas.openxmlformats.org/officeDocument/2006/relationships" xmlns:p="http://schemas.openxmlformats.org/presentationml/2006/main">
+  <p:cSld>
+    <p:spTree>
+      <p:nvGrpSpPr>
+        <p:cNvPr id="1" name=""/>
+        <p:cNvGrpSpPr/>
+        <p:nvPr/>
+      </p:nvGrpSpPr>
+      <p:grpSpPr>
+        <a:xfrm>
+          <a:off x="0" y="0"/>
+          <a:ext cx="0" cy="0"/>
+          <a:chOff x="0" y="0"/>
+          <a:chExt cx="0" cy="0"/>
+        </a:xfrm>
+      </p:grpSpPr>
+      <p:sp>
+        <p:nvSpPr>
+          <p:cNvPr id="2" name="Marcador de imagen de diapositiva 1"/>
+          <p:cNvSpPr>
+            <a:spLocks noGrp="1" noRot="1" noChangeAspect="1"/>
+          </p:cNvSpPr>
+          <p:nvPr>
+            <p:ph type="sldImg"/>
+          </p:nvPr>
+        </p:nvSpPr>
+        <p:spPr/>
+      </p:sp>
+      <p:sp>
+        <p:nvSpPr>
+          <p:cNvPr id="3" name="Marcador de notas 2"/>
+          <p:cNvSpPr>
+            <a:spLocks noGrp="1"/>
+          </p:cNvSpPr>
+          <p:nvPr>
+            <p:ph type="body" idx="1"/>
+          </p:nvPr>
+        </p:nvSpPr>
+        <p:spPr/>
+        <p:txBody>
+          <a:bodyPr/>
+          <a:lstStyle/>
+          <a:p>
+            <a:endParaRPr lang="es-ES_tradnl"/>
+          </a:p>
+        </p:txBody>
+      </p:sp>
+      <p:sp>
+        <p:nvSpPr>
+          <p:cNvPr id="4" name="Marcador de número de diapositiva 3"/>
+          <p:cNvSpPr>
+            <a:spLocks noGrp="1"/>
+          </p:cNvSpPr>
+          <p:nvPr>
+            <p:ph type="sldNum" sz="quarter" idx="10"/>
+          </p:nvPr>
+        </p:nvSpPr>
+        <p:spPr/>
+        <p:txBody>
+          <a:bodyPr/>
+          <a:lstStyle/>
+          <a:p>
+            <a:fld id="{80AD1966-643A-ED45-BFF9-B0FE18A32E2B}" type="slidenum">
+              <a:rPr lang="es-ES_tradnl" smtClean="0"/>
+              <a:t>13</a:t>
+            </a:fld>
+            <a:endParaRPr lang="es-ES_tradnl"/>
+          </a:p>
+        </p:txBody>
+      </p:sp>
+    </p:spTree>
+    <p:extLst>
+      <p:ext uri="{BB962C8B-B14F-4D97-AF65-F5344CB8AC3E}">
+        <p14:creationId xmlns:p14="http://schemas.microsoft.com/office/powerpoint/2010/main" val="3210993733"/>
+      </p:ext>
+    </p:extLst>
+  </p:cSld>
+  <p:clrMapOvr>
+    <a:masterClrMapping/>
+  </p:clrMapOvr>
+</p:notes>
+</file>
+
+<file path=ppt/notesSlides/notesSlide13.xml><?xml version="1.0" encoding="utf-8"?>
+<p:notes xmlns:a="http://schemas.openxmlformats.org/drawingml/2006/main" xmlns:r="http://schemas.openxmlformats.org/officeDocument/2006/relationships" xmlns:p="http://schemas.openxmlformats.org/presentationml/2006/main">
+  <p:cSld>
+    <p:spTree>
+      <p:nvGrpSpPr>
+        <p:cNvPr id="1" name=""/>
+        <p:cNvGrpSpPr/>
+        <p:nvPr/>
+      </p:nvGrpSpPr>
+      <p:grpSpPr>
+        <a:xfrm>
+          <a:off x="0" y="0"/>
+          <a:ext cx="0" cy="0"/>
+          <a:chOff x="0" y="0"/>
+          <a:chExt cx="0" cy="0"/>
+        </a:xfrm>
+      </p:grpSpPr>
+      <p:sp>
+        <p:nvSpPr>
+          <p:cNvPr id="2" name="Marcador de imagen de diapositiva 1"/>
+          <p:cNvSpPr>
+            <a:spLocks noGrp="1" noRot="1" noChangeAspect="1"/>
+          </p:cNvSpPr>
+          <p:nvPr>
+            <p:ph type="sldImg"/>
+          </p:nvPr>
+        </p:nvSpPr>
+        <p:spPr/>
+      </p:sp>
+      <p:sp>
+        <p:nvSpPr>
+          <p:cNvPr id="3" name="Marcador de notas 2"/>
+          <p:cNvSpPr>
+            <a:spLocks noGrp="1"/>
+          </p:cNvSpPr>
+          <p:nvPr>
+            <p:ph type="body" idx="1"/>
+          </p:nvPr>
+        </p:nvSpPr>
+        <p:spPr/>
+        <p:txBody>
+          <a:bodyPr/>
+          <a:lstStyle/>
+          <a:p>
+            <a:endParaRPr lang="es-ES_tradnl"/>
+          </a:p>
+        </p:txBody>
+      </p:sp>
+      <p:sp>
+        <p:nvSpPr>
+          <p:cNvPr id="4" name="Marcador de número de diapositiva 3"/>
+          <p:cNvSpPr>
+            <a:spLocks noGrp="1"/>
+          </p:cNvSpPr>
+          <p:nvPr>
+            <p:ph type="sldNum" sz="quarter" idx="10"/>
+          </p:nvPr>
+        </p:nvSpPr>
+        <p:spPr/>
+        <p:txBody>
+          <a:bodyPr/>
+          <a:lstStyle/>
+          <a:p>
+            <a:fld id="{80AD1966-643A-ED45-BFF9-B0FE18A32E2B}" type="slidenum">
+              <a:rPr lang="es-ES_tradnl" smtClean="0"/>
+              <a:t>14</a:t>
+            </a:fld>
+            <a:endParaRPr lang="es-ES_tradnl"/>
+          </a:p>
+        </p:txBody>
+      </p:sp>
+    </p:spTree>
+    <p:extLst>
+      <p:ext uri="{BB962C8B-B14F-4D97-AF65-F5344CB8AC3E}">
+        <p14:creationId xmlns:p14="http://schemas.microsoft.com/office/powerpoint/2010/main" val="3265889029"/>
+      </p:ext>
+    </p:extLst>
+  </p:cSld>
+  <p:clrMapOvr>
+    <a:masterClrMapping/>
+  </p:clrMapOvr>
+</p:notes>
+</file>
+
 <file path=ppt/notesSlides/notesSlide2.xml><?xml version="1.0" encoding="utf-8"?>
 <p:notes xmlns:a="http://schemas.openxmlformats.org/drawingml/2006/main" xmlns:r="http://schemas.openxmlformats.org/officeDocument/2006/relationships" xmlns:p="http://schemas.openxmlformats.org/presentationml/2006/main">
   <p:cSld>
@@ -8430,7 +9672,10 @@
           <a:bodyPr/>
           <a:lstStyle/>
           <a:p>
-            <a:endParaRPr lang="es-ES_tradnl"/>
+            <a:r>
+              <a:rPr lang="es-ES_tradnl"/>
+              <a:t>Lo valores marcados en rojo corresponden a valores atípicos que se puede encontrar </a:t>
+            </a:r>
           </a:p>
         </p:txBody>
       </p:sp>
@@ -8937,7 +10182,7 @@
           <a:p>
             <a:fld id="{6FD36221-589F-2846-B89B-D09559D774BF}" type="datetimeFigureOut">
               <a:rPr lang="es-ES_tradnl" smtClean="0"/>
-              <a:t>18/04/2024</a:t>
+              <a:t>19/04/2024</a:t>
             </a:fld>
             <a:endParaRPr lang="es-ES_tradnl"/>
           </a:p>
@@ -9102,7 +10347,7 @@
           <a:p>
             <a:fld id="{6FD36221-589F-2846-B89B-D09559D774BF}" type="datetimeFigureOut">
               <a:rPr lang="es-ES_tradnl" smtClean="0"/>
-              <a:t>18/04/2024</a:t>
+              <a:t>19/04/2024</a:t>
             </a:fld>
             <a:endParaRPr lang="es-ES_tradnl"/>
           </a:p>
@@ -9277,7 +10522,7 @@
           <a:p>
             <a:fld id="{6FD36221-589F-2846-B89B-D09559D774BF}" type="datetimeFigureOut">
               <a:rPr lang="es-ES_tradnl" smtClean="0"/>
-              <a:t>18/04/2024</a:t>
+              <a:t>19/04/2024</a:t>
             </a:fld>
             <a:endParaRPr lang="es-ES_tradnl"/>
           </a:p>
@@ -9442,7 +10687,7 @@
           <a:p>
             <a:fld id="{6FD36221-589F-2846-B89B-D09559D774BF}" type="datetimeFigureOut">
               <a:rPr lang="es-ES_tradnl" smtClean="0"/>
-              <a:t>18/04/2024</a:t>
+              <a:t>19/04/2024</a:t>
             </a:fld>
             <a:endParaRPr lang="es-ES_tradnl"/>
           </a:p>
@@ -9681,7 +10926,7 @@
           <a:p>
             <a:fld id="{6FD36221-589F-2846-B89B-D09559D774BF}" type="datetimeFigureOut">
               <a:rPr lang="es-ES_tradnl" smtClean="0"/>
-              <a:t>18/04/2024</a:t>
+              <a:t>19/04/2024</a:t>
             </a:fld>
             <a:endParaRPr lang="es-ES_tradnl"/>
           </a:p>
@@ -9908,7 +11153,7 @@
           <a:p>
             <a:fld id="{6FD36221-589F-2846-B89B-D09559D774BF}" type="datetimeFigureOut">
               <a:rPr lang="es-ES_tradnl" smtClean="0"/>
-              <a:t>18/04/2024</a:t>
+              <a:t>19/04/2024</a:t>
             </a:fld>
             <a:endParaRPr lang="es-ES_tradnl"/>
           </a:p>
@@ -10270,7 +11515,7 @@
           <a:p>
             <a:fld id="{6FD36221-589F-2846-B89B-D09559D774BF}" type="datetimeFigureOut">
               <a:rPr lang="es-ES_tradnl" smtClean="0"/>
-              <a:t>18/04/2024</a:t>
+              <a:t>19/04/2024</a:t>
             </a:fld>
             <a:endParaRPr lang="es-ES_tradnl"/>
           </a:p>
@@ -10383,7 +11628,7 @@
           <a:p>
             <a:fld id="{6FD36221-589F-2846-B89B-D09559D774BF}" type="datetimeFigureOut">
               <a:rPr lang="es-ES_tradnl" smtClean="0"/>
-              <a:t>18/04/2024</a:t>
+              <a:t>19/04/2024</a:t>
             </a:fld>
             <a:endParaRPr lang="es-ES_tradnl"/>
           </a:p>
@@ -10473,7 +11718,7 @@
           <a:p>
             <a:fld id="{6FD36221-589F-2846-B89B-D09559D774BF}" type="datetimeFigureOut">
               <a:rPr lang="es-ES_tradnl" smtClean="0"/>
-              <a:t>18/04/2024</a:t>
+              <a:t>19/04/2024</a:t>
             </a:fld>
             <a:endParaRPr lang="es-ES_tradnl"/>
           </a:p>
@@ -10745,7 +11990,7 @@
           <a:p>
             <a:fld id="{6FD36221-589F-2846-B89B-D09559D774BF}" type="datetimeFigureOut">
               <a:rPr lang="es-ES_tradnl" smtClean="0"/>
-              <a:t>18/04/2024</a:t>
+              <a:t>19/04/2024</a:t>
             </a:fld>
             <a:endParaRPr lang="es-ES_tradnl"/>
           </a:p>
@@ -10997,7 +12242,7 @@
           <a:p>
             <a:fld id="{6FD36221-589F-2846-B89B-D09559D774BF}" type="datetimeFigureOut">
               <a:rPr lang="es-ES_tradnl" smtClean="0"/>
-              <a:t>18/04/2024</a:t>
+              <a:t>19/04/2024</a:t>
             </a:fld>
             <a:endParaRPr lang="es-ES_tradnl"/>
           </a:p>
@@ -11205,7 +12450,7 @@
           <a:p>
             <a:fld id="{6FD36221-589F-2846-B89B-D09559D774BF}" type="datetimeFigureOut">
               <a:rPr lang="es-ES_tradnl" smtClean="0"/>
-              <a:t>18/04/2024</a:t>
+              <a:t>19/04/2024</a:t>
             </a:fld>
             <a:endParaRPr lang="es-ES_tradnl"/>
           </a:p>
@@ -12357,1244 +13602,573 @@
           </a:p>
         </p:txBody>
       </p:sp>
-      <p:grpSp>
-        <p:nvGrpSpPr>
-          <p:cNvPr id="29" name="Grupo 28">
+      <p:sp>
+        <p:nvSpPr>
+          <p:cNvPr id="8" name="Flecha: pentágono 7">
             <a:extLst>
               <a:ext uri="{FF2B5EF4-FFF2-40B4-BE49-F238E27FC236}">
-                <a16:creationId xmlns:a16="http://schemas.microsoft.com/office/drawing/2014/main" id="{06F6DB3C-0030-016C-D276-7DC33ECB1382}"/>
+                <a16:creationId xmlns:a16="http://schemas.microsoft.com/office/drawing/2014/main" id="{BCB3922B-C2DC-EB08-0E39-D79B2646FD4D}"/>
               </a:ext>
             </a:extLst>
           </p:cNvPr>
-          <p:cNvGrpSpPr/>
+          <p:cNvSpPr/>
           <p:nvPr/>
-        </p:nvGrpSpPr>
-        <p:grpSpPr>
+        </p:nvSpPr>
+        <p:spPr>
           <a:xfrm>
-            <a:off x="300016" y="1619290"/>
-            <a:ext cx="1885971" cy="1771643"/>
-            <a:chOff x="300016" y="1619290"/>
-            <a:chExt cx="1885971" cy="1771643"/>
+            <a:off x="328592" y="2276475"/>
+            <a:ext cx="1633558" cy="628632"/>
           </a:xfrm>
-        </p:grpSpPr>
-        <p:sp>
-          <p:nvSpPr>
-            <p:cNvPr id="3" name="Rectángulo: esquinas redondeadas 2">
-              <a:extLst>
-                <a:ext uri="{FF2B5EF4-FFF2-40B4-BE49-F238E27FC236}">
-                  <a16:creationId xmlns:a16="http://schemas.microsoft.com/office/drawing/2014/main" id="{8FFB18C6-E252-AEA7-7546-D8E3ACC10833}"/>
-                </a:ext>
-              </a:extLst>
-            </p:cNvPr>
-            <p:cNvSpPr/>
-            <p:nvPr/>
-          </p:nvSpPr>
-          <p:spPr>
-            <a:xfrm>
-              <a:off x="300016" y="1619290"/>
-              <a:ext cx="1871683" cy="885821"/>
-            </a:xfrm>
-            <a:prstGeom prst="roundRect">
-              <a:avLst/>
-            </a:prstGeom>
+          <a:prstGeom prst="homePlate">
+            <a:avLst/>
+          </a:prstGeom>
+          <a:solidFill>
+            <a:srgbClr val="E35F65"/>
+          </a:solidFill>
+          <a:ln>
             <a:solidFill>
-              <a:srgbClr val="E35F65"/>
+              <a:srgbClr val="E30000"/>
             </a:solidFill>
-            <a:ln>
-              <a:solidFill>
-                <a:srgbClr val="E30000"/>
-              </a:solidFill>
-            </a:ln>
-          </p:spPr>
-          <p:style>
-            <a:lnRef idx="2">
-              <a:schemeClr val="accent1">
-                <a:shade val="15000"/>
-              </a:schemeClr>
-            </a:lnRef>
-            <a:fillRef idx="1">
-              <a:schemeClr val="accent1"/>
-            </a:fillRef>
-            <a:effectRef idx="0">
-              <a:schemeClr val="accent1"/>
-            </a:effectRef>
-            <a:fontRef idx="minor">
-              <a:schemeClr val="lt1"/>
-            </a:fontRef>
-          </p:style>
-          <p:txBody>
-            <a:bodyPr rtlCol="0" anchor="ctr"/>
-            <a:lstStyle/>
-            <a:p>
-              <a:pPr algn="ctr"/>
-              <a:r>
-                <a:rPr lang="es-CL"/>
-                <a:t>Peso</a:t>
-              </a:r>
-            </a:p>
-          </p:txBody>
-        </p:sp>
-        <p:sp>
-          <p:nvSpPr>
-            <p:cNvPr id="4" name="Rectángulo: esquinas redondeadas 3">
-              <a:extLst>
-                <a:ext uri="{FF2B5EF4-FFF2-40B4-BE49-F238E27FC236}">
-                  <a16:creationId xmlns:a16="http://schemas.microsoft.com/office/drawing/2014/main" id="{DFC250D8-D0C3-D279-0ED9-892373FEFC12}"/>
-                </a:ext>
-              </a:extLst>
-            </p:cNvPr>
-            <p:cNvSpPr/>
-            <p:nvPr/>
-          </p:nvSpPr>
-          <p:spPr>
-            <a:xfrm>
-              <a:off x="314304" y="2505111"/>
-              <a:ext cx="1871683" cy="885822"/>
-            </a:xfrm>
-            <a:prstGeom prst="roundRect">
-              <a:avLst/>
-            </a:prstGeom>
-            <a:solidFill>
-              <a:schemeClr val="bg1">
-                <a:lumMod val="95000"/>
-              </a:schemeClr>
-            </a:solidFill>
-          </p:spPr>
-          <p:style>
-            <a:lnRef idx="2">
-              <a:schemeClr val="accent1">
-                <a:shade val="15000"/>
-              </a:schemeClr>
-            </a:lnRef>
-            <a:fillRef idx="1">
-              <a:schemeClr val="accent1"/>
-            </a:fillRef>
-            <a:effectRef idx="0">
-              <a:schemeClr val="accent1"/>
-            </a:effectRef>
-            <a:fontRef idx="minor">
-              <a:schemeClr val="lt1"/>
-            </a:fontRef>
-          </p:style>
-          <p:txBody>
-            <a:bodyPr rtlCol="0" anchor="ctr"/>
-            <a:lstStyle/>
-            <a:p>
-              <a:pPr algn="ctr"/>
-              <a:endParaRPr lang="es-CL"/>
-            </a:p>
-          </p:txBody>
-        </p:sp>
-      </p:grpSp>
-      <p:grpSp>
-        <p:nvGrpSpPr>
-          <p:cNvPr id="31" name="Grupo 30">
+          </a:ln>
+        </p:spPr>
+        <p:style>
+          <a:lnRef idx="2">
+            <a:schemeClr val="accent1">
+              <a:shade val="15000"/>
+            </a:schemeClr>
+          </a:lnRef>
+          <a:fillRef idx="1">
+            <a:schemeClr val="accent1"/>
+          </a:fillRef>
+          <a:effectRef idx="0">
+            <a:schemeClr val="accent1"/>
+          </a:effectRef>
+          <a:fontRef idx="minor">
+            <a:schemeClr val="lt1"/>
+          </a:fontRef>
+        </p:style>
+        <p:txBody>
+          <a:bodyPr rtlCol="0" anchor="ctr"/>
+          <a:lstStyle/>
+          <a:p>
+            <a:pPr algn="ctr"/>
+            <a:r>
+              <a:rPr lang="es-CL"/>
+              <a:t>Profundidad</a:t>
+            </a:r>
+          </a:p>
+        </p:txBody>
+      </p:sp>
+      <p:sp>
+        <p:nvSpPr>
+          <p:cNvPr id="9" name="Flecha: pentágono 8">
             <a:extLst>
               <a:ext uri="{FF2B5EF4-FFF2-40B4-BE49-F238E27FC236}">
-                <a16:creationId xmlns:a16="http://schemas.microsoft.com/office/drawing/2014/main" id="{5462D678-0C32-84D3-A914-A87E4AC3F7F9}"/>
+                <a16:creationId xmlns:a16="http://schemas.microsoft.com/office/drawing/2014/main" id="{53A07681-A1E1-2E20-06A1-7D9C8965BE78}"/>
               </a:ext>
             </a:extLst>
           </p:cNvPr>
-          <p:cNvGrpSpPr/>
+          <p:cNvSpPr/>
           <p:nvPr/>
-        </p:nvGrpSpPr>
-        <p:grpSpPr>
+        </p:nvSpPr>
+        <p:spPr>
           <a:xfrm>
-            <a:off x="4470094" y="1619290"/>
-            <a:ext cx="1885971" cy="1771643"/>
-            <a:chOff x="4470094" y="1619290"/>
-            <a:chExt cx="1885971" cy="1771643"/>
+            <a:off x="2126436" y="2276475"/>
+            <a:ext cx="1633558" cy="628632"/>
           </a:xfrm>
-        </p:grpSpPr>
-        <p:sp>
-          <p:nvSpPr>
-            <p:cNvPr id="17" name="Rectángulo: esquinas redondeadas 16">
-              <a:extLst>
-                <a:ext uri="{FF2B5EF4-FFF2-40B4-BE49-F238E27FC236}">
-                  <a16:creationId xmlns:a16="http://schemas.microsoft.com/office/drawing/2014/main" id="{B4FB0981-55CB-5B53-D161-1B449F87837A}"/>
-                </a:ext>
-              </a:extLst>
-            </p:cNvPr>
-            <p:cNvSpPr/>
-            <p:nvPr/>
-          </p:nvSpPr>
-          <p:spPr>
-            <a:xfrm>
-              <a:off x="4470094" y="1619290"/>
-              <a:ext cx="1871683" cy="885821"/>
-            </a:xfrm>
-            <a:prstGeom prst="roundRect">
-              <a:avLst/>
-            </a:prstGeom>
+          <a:prstGeom prst="homePlate">
+            <a:avLst/>
+          </a:prstGeom>
+          <a:solidFill>
+            <a:srgbClr val="E35F65"/>
+          </a:solidFill>
+          <a:ln>
             <a:solidFill>
-              <a:srgbClr val="E35F65"/>
+              <a:srgbClr val="E30000"/>
             </a:solidFill>
-            <a:ln>
-              <a:solidFill>
-                <a:srgbClr val="E30000"/>
-              </a:solidFill>
-            </a:ln>
-          </p:spPr>
-          <p:style>
-            <a:lnRef idx="2">
-              <a:schemeClr val="accent1">
-                <a:shade val="15000"/>
-              </a:schemeClr>
-            </a:lnRef>
-            <a:fillRef idx="1">
-              <a:schemeClr val="accent1"/>
-            </a:fillRef>
-            <a:effectRef idx="0">
-              <a:schemeClr val="accent1"/>
-            </a:effectRef>
-            <a:fontRef idx="minor">
-              <a:schemeClr val="lt1"/>
-            </a:fontRef>
-          </p:style>
-          <p:txBody>
-            <a:bodyPr rtlCol="0" anchor="ctr"/>
-            <a:lstStyle/>
-            <a:p>
-              <a:pPr algn="ctr"/>
-              <a:r>
-                <a:rPr lang="es-CL"/>
-                <a:t>Ancho</a:t>
-              </a:r>
-            </a:p>
-          </p:txBody>
-        </p:sp>
-        <p:sp>
-          <p:nvSpPr>
-            <p:cNvPr id="18" name="Rectángulo: esquinas redondeadas 17">
-              <a:extLst>
-                <a:ext uri="{FF2B5EF4-FFF2-40B4-BE49-F238E27FC236}">
-                  <a16:creationId xmlns:a16="http://schemas.microsoft.com/office/drawing/2014/main" id="{1F43C420-F744-BC01-29AC-F17FD212F537}"/>
-                </a:ext>
-              </a:extLst>
-            </p:cNvPr>
-            <p:cNvSpPr/>
-            <p:nvPr/>
-          </p:nvSpPr>
-          <p:spPr>
-            <a:xfrm>
-              <a:off x="4484382" y="2505111"/>
-              <a:ext cx="1871683" cy="885822"/>
-            </a:xfrm>
-            <a:prstGeom prst="roundRect">
-              <a:avLst/>
-            </a:prstGeom>
-            <a:solidFill>
-              <a:schemeClr val="bg1">
-                <a:lumMod val="95000"/>
-              </a:schemeClr>
-            </a:solidFill>
-          </p:spPr>
-          <p:style>
-            <a:lnRef idx="2">
-              <a:schemeClr val="accent1">
-                <a:shade val="15000"/>
-              </a:schemeClr>
-            </a:lnRef>
-            <a:fillRef idx="1">
-              <a:schemeClr val="accent1"/>
-            </a:fillRef>
-            <a:effectRef idx="0">
-              <a:schemeClr val="accent1"/>
-            </a:effectRef>
-            <a:fontRef idx="minor">
-              <a:schemeClr val="lt1"/>
-            </a:fontRef>
-          </p:style>
-          <p:txBody>
-            <a:bodyPr rtlCol="0" anchor="ctr"/>
-            <a:lstStyle/>
-            <a:p>
-              <a:pPr algn="ctr"/>
-              <a:endParaRPr lang="es-CL"/>
-            </a:p>
-          </p:txBody>
-        </p:sp>
-      </p:grpSp>
-      <p:grpSp>
-        <p:nvGrpSpPr>
-          <p:cNvPr id="5" name="Grupo 4">
+          </a:ln>
+        </p:spPr>
+        <p:style>
+          <a:lnRef idx="2">
+            <a:schemeClr val="accent1">
+              <a:shade val="15000"/>
+            </a:schemeClr>
+          </a:lnRef>
+          <a:fillRef idx="1">
+            <a:schemeClr val="accent1"/>
+          </a:fillRef>
+          <a:effectRef idx="0">
+            <a:schemeClr val="accent1"/>
+          </a:effectRef>
+          <a:fontRef idx="minor">
+            <a:schemeClr val="lt1"/>
+          </a:fontRef>
+        </p:style>
+        <p:txBody>
+          <a:bodyPr rtlCol="0" anchor="ctr"/>
+          <a:lstStyle/>
+          <a:p>
+            <a:pPr algn="ctr"/>
+            <a:r>
+              <a:rPr lang="es-CL"/>
+              <a:t>Ancho</a:t>
+            </a:r>
+          </a:p>
+        </p:txBody>
+      </p:sp>
+      <p:sp>
+        <p:nvSpPr>
+          <p:cNvPr id="10" name="Flecha: pentágono 9">
             <a:extLst>
               <a:ext uri="{FF2B5EF4-FFF2-40B4-BE49-F238E27FC236}">
-                <a16:creationId xmlns:a16="http://schemas.microsoft.com/office/drawing/2014/main" id="{17D8EA0E-8C38-AC06-AB8E-9A9079087245}"/>
+                <a16:creationId xmlns:a16="http://schemas.microsoft.com/office/drawing/2014/main" id="{B420626F-7183-5B69-CC17-50E83C0AF8B0}"/>
               </a:ext>
             </a:extLst>
           </p:cNvPr>
-          <p:cNvGrpSpPr/>
+          <p:cNvSpPr/>
           <p:nvPr/>
-        </p:nvGrpSpPr>
-        <p:grpSpPr>
+        </p:nvSpPr>
+        <p:spPr>
           <a:xfrm>
-            <a:off x="6569421" y="1615977"/>
-            <a:ext cx="1885971" cy="1771643"/>
-            <a:chOff x="6569421" y="1615977"/>
-            <a:chExt cx="1885971" cy="1771643"/>
+            <a:off x="1145371" y="3186886"/>
+            <a:ext cx="1633558" cy="628632"/>
           </a:xfrm>
-        </p:grpSpPr>
-        <p:sp>
-          <p:nvSpPr>
-            <p:cNvPr id="19" name="Rectángulo: esquinas redondeadas 18">
-              <a:extLst>
-                <a:ext uri="{FF2B5EF4-FFF2-40B4-BE49-F238E27FC236}">
-                  <a16:creationId xmlns:a16="http://schemas.microsoft.com/office/drawing/2014/main" id="{BDB4DF92-2798-EECA-F1DC-727D236E16D6}"/>
-                </a:ext>
-              </a:extLst>
-            </p:cNvPr>
-            <p:cNvSpPr/>
-            <p:nvPr/>
-          </p:nvSpPr>
-          <p:spPr>
-            <a:xfrm>
-              <a:off x="6569421" y="1615977"/>
-              <a:ext cx="1871683" cy="885821"/>
-            </a:xfrm>
-            <a:prstGeom prst="roundRect">
-              <a:avLst/>
-            </a:prstGeom>
+          <a:prstGeom prst="homePlate">
+            <a:avLst/>
+          </a:prstGeom>
+          <a:solidFill>
+            <a:srgbClr val="E35F65"/>
+          </a:solidFill>
+          <a:ln>
             <a:solidFill>
-              <a:srgbClr val="E35F65"/>
+              <a:srgbClr val="E30000"/>
             </a:solidFill>
-            <a:ln>
-              <a:solidFill>
-                <a:srgbClr val="E30000"/>
-              </a:solidFill>
-            </a:ln>
-          </p:spPr>
-          <p:style>
-            <a:lnRef idx="2">
-              <a:schemeClr val="accent1">
-                <a:shade val="15000"/>
-              </a:schemeClr>
-            </a:lnRef>
-            <a:fillRef idx="1">
-              <a:schemeClr val="accent1"/>
-            </a:fillRef>
-            <a:effectRef idx="0">
-              <a:schemeClr val="accent1"/>
-            </a:effectRef>
-            <a:fontRef idx="minor">
-              <a:schemeClr val="lt1"/>
-            </a:fontRef>
-          </p:style>
-          <p:txBody>
-            <a:bodyPr rtlCol="0" anchor="ctr"/>
-            <a:lstStyle/>
-            <a:p>
-              <a:pPr algn="ctr"/>
-              <a:r>
-                <a:rPr lang="es-CL"/>
-                <a:t>Precio</a:t>
-              </a:r>
-            </a:p>
-          </p:txBody>
-        </p:sp>
-        <p:sp>
-          <p:nvSpPr>
-            <p:cNvPr id="20" name="Rectángulo: esquinas redondeadas 19">
-              <a:extLst>
-                <a:ext uri="{FF2B5EF4-FFF2-40B4-BE49-F238E27FC236}">
-                  <a16:creationId xmlns:a16="http://schemas.microsoft.com/office/drawing/2014/main" id="{58A80695-BC02-A6E2-35B6-7E82ABDBD1B7}"/>
-                </a:ext>
-              </a:extLst>
-            </p:cNvPr>
-            <p:cNvSpPr/>
-            <p:nvPr/>
-          </p:nvSpPr>
-          <p:spPr>
-            <a:xfrm>
-              <a:off x="6583709" y="2501798"/>
-              <a:ext cx="1871683" cy="885822"/>
-            </a:xfrm>
-            <a:prstGeom prst="roundRect">
-              <a:avLst/>
-            </a:prstGeom>
-            <a:solidFill>
-              <a:schemeClr val="bg1">
-                <a:lumMod val="95000"/>
-              </a:schemeClr>
-            </a:solidFill>
-          </p:spPr>
-          <p:style>
-            <a:lnRef idx="2">
-              <a:schemeClr val="accent1">
-                <a:shade val="15000"/>
-              </a:schemeClr>
-            </a:lnRef>
-            <a:fillRef idx="1">
-              <a:schemeClr val="accent1"/>
-            </a:fillRef>
-            <a:effectRef idx="0">
-              <a:schemeClr val="accent1"/>
-            </a:effectRef>
-            <a:fontRef idx="minor">
-              <a:schemeClr val="lt1"/>
-            </a:fontRef>
-          </p:style>
-          <p:txBody>
-            <a:bodyPr rtlCol="0" anchor="ctr"/>
-            <a:lstStyle/>
-            <a:p>
-              <a:pPr algn="ctr"/>
-              <a:r>
-                <a:rPr lang="es-CL">
-                  <a:solidFill>
-                    <a:schemeClr val="tx1">
-                      <a:lumMod val="75000"/>
-                      <a:lumOff val="25000"/>
-                    </a:schemeClr>
-                  </a:solidFill>
-                </a:rPr>
-                <a:t>&lt;2,2*10^-16</a:t>
-              </a:r>
-            </a:p>
-          </p:txBody>
-        </p:sp>
-      </p:grpSp>
-      <p:grpSp>
-        <p:nvGrpSpPr>
-          <p:cNvPr id="30" name="Grupo 29">
+          </a:ln>
+        </p:spPr>
+        <p:style>
+          <a:lnRef idx="2">
+            <a:schemeClr val="accent1">
+              <a:shade val="15000"/>
+            </a:schemeClr>
+          </a:lnRef>
+          <a:fillRef idx="1">
+            <a:schemeClr val="accent1"/>
+          </a:fillRef>
+          <a:effectRef idx="0">
+            <a:schemeClr val="accent1"/>
+          </a:effectRef>
+          <a:fontRef idx="minor">
+            <a:schemeClr val="lt1"/>
+          </a:fontRef>
+        </p:style>
+        <p:txBody>
+          <a:bodyPr rtlCol="0" anchor="ctr"/>
+          <a:lstStyle/>
+          <a:p>
+            <a:pPr algn="ctr"/>
+            <a:r>
+              <a:rPr lang="es-CL"/>
+              <a:t>Precio</a:t>
+            </a:r>
+          </a:p>
+        </p:txBody>
+      </p:sp>
+      <p:sp>
+        <p:nvSpPr>
+          <p:cNvPr id="11" name="Flecha: pentágono 10">
             <a:extLst>
               <a:ext uri="{FF2B5EF4-FFF2-40B4-BE49-F238E27FC236}">
-                <a16:creationId xmlns:a16="http://schemas.microsoft.com/office/drawing/2014/main" id="{F904F3FA-55A8-357F-D91D-0E20DA056807}"/>
+                <a16:creationId xmlns:a16="http://schemas.microsoft.com/office/drawing/2014/main" id="{AFFEA349-59DA-112C-3E6F-80A06484C65C}"/>
               </a:ext>
             </a:extLst>
           </p:cNvPr>
-          <p:cNvGrpSpPr/>
+          <p:cNvSpPr/>
           <p:nvPr/>
-        </p:nvGrpSpPr>
-        <p:grpSpPr>
+        </p:nvSpPr>
+        <p:spPr>
           <a:xfrm>
-            <a:off x="2392199" y="1615977"/>
-            <a:ext cx="1880821" cy="1778268"/>
-            <a:chOff x="2392199" y="1615977"/>
-            <a:chExt cx="1880821" cy="1778268"/>
+            <a:off x="328592" y="4097297"/>
+            <a:ext cx="1633558" cy="628632"/>
           </a:xfrm>
-        </p:grpSpPr>
-        <p:sp>
-          <p:nvSpPr>
-            <p:cNvPr id="15" name="Rectángulo: esquinas redondeadas 14">
-              <a:extLst>
-                <a:ext uri="{FF2B5EF4-FFF2-40B4-BE49-F238E27FC236}">
-                  <a16:creationId xmlns:a16="http://schemas.microsoft.com/office/drawing/2014/main" id="{687C2E96-FE35-FEF7-BA0A-5ACF023FA5BD}"/>
-                </a:ext>
-              </a:extLst>
-            </p:cNvPr>
-            <p:cNvSpPr/>
-            <p:nvPr/>
-          </p:nvSpPr>
-          <p:spPr>
-            <a:xfrm>
-              <a:off x="2394193" y="1615977"/>
-              <a:ext cx="1871683" cy="885821"/>
-            </a:xfrm>
-            <a:prstGeom prst="roundRect">
-              <a:avLst/>
-            </a:prstGeom>
+          <a:prstGeom prst="homePlate">
+            <a:avLst/>
+          </a:prstGeom>
+          <a:solidFill>
+            <a:srgbClr val="E35F65"/>
+          </a:solidFill>
+          <a:ln>
             <a:solidFill>
-              <a:srgbClr val="E35F65"/>
+              <a:srgbClr val="E30000"/>
             </a:solidFill>
-            <a:ln>
-              <a:solidFill>
-                <a:srgbClr val="E30000"/>
-              </a:solidFill>
-            </a:ln>
-          </p:spPr>
-          <p:style>
-            <a:lnRef idx="2">
-              <a:schemeClr val="accent1">
-                <a:shade val="15000"/>
-              </a:schemeClr>
-            </a:lnRef>
-            <a:fillRef idx="1">
-              <a:schemeClr val="accent1"/>
-            </a:fillRef>
-            <a:effectRef idx="0">
-              <a:schemeClr val="accent1"/>
-            </a:effectRef>
-            <a:fontRef idx="minor">
-              <a:schemeClr val="lt1"/>
-            </a:fontRef>
-          </p:style>
-          <p:txBody>
-            <a:bodyPr rtlCol="0" anchor="ctr"/>
-            <a:lstStyle/>
-            <a:p>
-              <a:pPr algn="ctr"/>
-              <a:endParaRPr lang="es-CL"/>
-            </a:p>
-          </p:txBody>
-        </p:sp>
-        <p:sp>
-          <p:nvSpPr>
-            <p:cNvPr id="16" name="Rectángulo: esquinas redondeadas 15">
-              <a:extLst>
-                <a:ext uri="{FF2B5EF4-FFF2-40B4-BE49-F238E27FC236}">
-                  <a16:creationId xmlns:a16="http://schemas.microsoft.com/office/drawing/2014/main" id="{ED0C73D5-D867-8AA5-5CDD-36930A4486E8}"/>
-                </a:ext>
-              </a:extLst>
-            </p:cNvPr>
-            <p:cNvSpPr/>
-            <p:nvPr/>
-          </p:nvSpPr>
-          <p:spPr>
-            <a:xfrm>
-              <a:off x="2401337" y="2505111"/>
-              <a:ext cx="1871683" cy="885822"/>
-            </a:xfrm>
-            <a:prstGeom prst="roundRect">
-              <a:avLst/>
-            </a:prstGeom>
-            <a:solidFill>
-              <a:schemeClr val="bg1">
-                <a:lumMod val="95000"/>
-              </a:schemeClr>
-            </a:solidFill>
-          </p:spPr>
-          <p:style>
-            <a:lnRef idx="2">
-              <a:schemeClr val="accent1">
-                <a:shade val="15000"/>
-              </a:schemeClr>
-            </a:lnRef>
-            <a:fillRef idx="1">
-              <a:schemeClr val="accent1"/>
-            </a:fillRef>
-            <a:effectRef idx="0">
-              <a:schemeClr val="accent1"/>
-            </a:effectRef>
-            <a:fontRef idx="minor">
-              <a:schemeClr val="lt1"/>
-            </a:fontRef>
-          </p:style>
-          <p:txBody>
-            <a:bodyPr rtlCol="0" anchor="ctr"/>
-            <a:lstStyle/>
-            <a:p>
-              <a:pPr algn="ctr"/>
-              <a:endParaRPr lang="es-CL"/>
-            </a:p>
-          </p:txBody>
-        </p:sp>
-        <p:sp>
-          <p:nvSpPr>
-            <p:cNvPr id="27" name="Rectángulo: esquinas redondeadas 26">
-              <a:extLst>
-                <a:ext uri="{FF2B5EF4-FFF2-40B4-BE49-F238E27FC236}">
-                  <a16:creationId xmlns:a16="http://schemas.microsoft.com/office/drawing/2014/main" id="{7D902329-67E8-92E9-92F7-0C3B39A25C9A}"/>
-                </a:ext>
-              </a:extLst>
-            </p:cNvPr>
-            <p:cNvSpPr/>
-            <p:nvPr/>
-          </p:nvSpPr>
-          <p:spPr>
-            <a:xfrm>
-              <a:off x="2392199" y="1619289"/>
-              <a:ext cx="1871683" cy="885821"/>
-            </a:xfrm>
-            <a:prstGeom prst="roundRect">
-              <a:avLst/>
-            </a:prstGeom>
-            <a:solidFill>
-              <a:srgbClr val="E35F65"/>
-            </a:solidFill>
-            <a:ln>
-              <a:solidFill>
-                <a:srgbClr val="E30000"/>
-              </a:solidFill>
-            </a:ln>
-          </p:spPr>
-          <p:style>
-            <a:lnRef idx="2">
-              <a:schemeClr val="accent1">
-                <a:shade val="15000"/>
-              </a:schemeClr>
-            </a:lnRef>
-            <a:fillRef idx="1">
-              <a:schemeClr val="accent1"/>
-            </a:fillRef>
-            <a:effectRef idx="0">
-              <a:schemeClr val="accent1"/>
-            </a:effectRef>
-            <a:fontRef idx="minor">
-              <a:schemeClr val="lt1"/>
-            </a:fontRef>
-          </p:style>
-          <p:txBody>
-            <a:bodyPr rtlCol="0" anchor="ctr"/>
-            <a:lstStyle/>
-            <a:p>
-              <a:pPr algn="ctr"/>
-              <a:r>
-                <a:rPr lang="es-CL"/>
-                <a:t>Profundidad</a:t>
-              </a:r>
-            </a:p>
-          </p:txBody>
-        </p:sp>
-        <p:sp>
-          <p:nvSpPr>
-            <p:cNvPr id="28" name="Rectángulo: esquinas redondeadas 27">
-              <a:extLst>
-                <a:ext uri="{FF2B5EF4-FFF2-40B4-BE49-F238E27FC236}">
-                  <a16:creationId xmlns:a16="http://schemas.microsoft.com/office/drawing/2014/main" id="{C2D2FADB-C13F-5DC1-9B86-CFB9FD33C2F3}"/>
-                </a:ext>
-              </a:extLst>
-            </p:cNvPr>
-            <p:cNvSpPr/>
-            <p:nvPr/>
-          </p:nvSpPr>
-          <p:spPr>
-            <a:xfrm>
-              <a:off x="2399343" y="2508423"/>
-              <a:ext cx="1871683" cy="885822"/>
-            </a:xfrm>
-            <a:prstGeom prst="roundRect">
-              <a:avLst/>
-            </a:prstGeom>
-            <a:solidFill>
-              <a:schemeClr val="bg1">
-                <a:lumMod val="95000"/>
-              </a:schemeClr>
-            </a:solidFill>
-          </p:spPr>
-          <p:style>
-            <a:lnRef idx="2">
-              <a:schemeClr val="accent1">
-                <a:shade val="15000"/>
-              </a:schemeClr>
-            </a:lnRef>
-            <a:fillRef idx="1">
-              <a:schemeClr val="accent1"/>
-            </a:fillRef>
-            <a:effectRef idx="0">
-              <a:schemeClr val="accent1"/>
-            </a:effectRef>
-            <a:fontRef idx="minor">
-              <a:schemeClr val="lt1"/>
-            </a:fontRef>
-          </p:style>
-          <p:txBody>
-            <a:bodyPr rtlCol="0" anchor="ctr"/>
-            <a:lstStyle/>
-            <a:p>
-              <a:pPr algn="ctr"/>
-              <a:endParaRPr lang="es-CL"/>
-            </a:p>
-          </p:txBody>
-        </p:sp>
-      </p:grpSp>
-      <p:grpSp>
-        <p:nvGrpSpPr>
-          <p:cNvPr id="6" name="Grupo 5">
+          </a:ln>
+        </p:spPr>
+        <p:style>
+          <a:lnRef idx="2">
+            <a:schemeClr val="accent1">
+              <a:shade val="15000"/>
+            </a:schemeClr>
+          </a:lnRef>
+          <a:fillRef idx="1">
+            <a:schemeClr val="accent1"/>
+          </a:fillRef>
+          <a:effectRef idx="0">
+            <a:schemeClr val="accent1"/>
+          </a:effectRef>
+          <a:fontRef idx="minor">
+            <a:schemeClr val="lt1"/>
+          </a:fontRef>
+        </p:style>
+        <p:txBody>
+          <a:bodyPr rtlCol="0" anchor="ctr"/>
+          <a:lstStyle/>
+          <a:p>
+            <a:pPr algn="ctr"/>
+            <a:r>
+              <a:rPr lang="es-CL"/>
+              <a:t>X</a:t>
+            </a:r>
+          </a:p>
+        </p:txBody>
+      </p:sp>
+      <p:sp>
+        <p:nvSpPr>
+          <p:cNvPr id="12" name="Flecha: pentágono 11">
             <a:extLst>
               <a:ext uri="{FF2B5EF4-FFF2-40B4-BE49-F238E27FC236}">
-                <a16:creationId xmlns:a16="http://schemas.microsoft.com/office/drawing/2014/main" id="{618536BF-4E51-2E18-BAB2-099DF9A8C94E}"/>
+                <a16:creationId xmlns:a16="http://schemas.microsoft.com/office/drawing/2014/main" id="{58C34E86-807D-A536-4841-E34D9BE399E2}"/>
               </a:ext>
             </a:extLst>
           </p:cNvPr>
-          <p:cNvGrpSpPr/>
+          <p:cNvSpPr/>
           <p:nvPr/>
-        </p:nvGrpSpPr>
-        <p:grpSpPr>
+        </p:nvSpPr>
+        <p:spPr>
           <a:xfrm>
-            <a:off x="1312851" y="3773306"/>
-            <a:ext cx="1885971" cy="1771643"/>
-            <a:chOff x="300016" y="1619290"/>
-            <a:chExt cx="1885971" cy="1771643"/>
+            <a:off x="2126436" y="4097297"/>
+            <a:ext cx="1633558" cy="628632"/>
           </a:xfrm>
-        </p:grpSpPr>
-        <p:sp>
-          <p:nvSpPr>
-            <p:cNvPr id="32" name="Rectángulo: esquinas redondeadas 31">
-              <a:extLst>
-                <a:ext uri="{FF2B5EF4-FFF2-40B4-BE49-F238E27FC236}">
-                  <a16:creationId xmlns:a16="http://schemas.microsoft.com/office/drawing/2014/main" id="{37F5CE8D-A7FA-AC42-C131-B7B45584B63C}"/>
-                </a:ext>
-              </a:extLst>
-            </p:cNvPr>
-            <p:cNvSpPr/>
-            <p:nvPr/>
-          </p:nvSpPr>
-          <p:spPr>
-            <a:xfrm>
-              <a:off x="300016" y="1619290"/>
-              <a:ext cx="1871683" cy="885821"/>
-            </a:xfrm>
-            <a:prstGeom prst="roundRect">
-              <a:avLst/>
-            </a:prstGeom>
+          <a:prstGeom prst="homePlate">
+            <a:avLst/>
+          </a:prstGeom>
+          <a:solidFill>
+            <a:srgbClr val="E35F65"/>
+          </a:solidFill>
+          <a:ln>
             <a:solidFill>
-              <a:srgbClr val="E35F65"/>
+              <a:srgbClr val="E30000"/>
             </a:solidFill>
-            <a:ln>
-              <a:solidFill>
-                <a:srgbClr val="E30000"/>
-              </a:solidFill>
-            </a:ln>
-          </p:spPr>
-          <p:style>
-            <a:lnRef idx="2">
-              <a:schemeClr val="accent1">
-                <a:shade val="15000"/>
-              </a:schemeClr>
-            </a:lnRef>
-            <a:fillRef idx="1">
-              <a:schemeClr val="accent1"/>
-            </a:fillRef>
-            <a:effectRef idx="0">
-              <a:schemeClr val="accent1"/>
-            </a:effectRef>
-            <a:fontRef idx="minor">
-              <a:schemeClr val="lt1"/>
-            </a:fontRef>
-          </p:style>
-          <p:txBody>
-            <a:bodyPr rtlCol="0" anchor="ctr"/>
-            <a:lstStyle/>
-            <a:p>
-              <a:pPr algn="ctr"/>
-              <a:r>
-                <a:rPr lang="es-CL"/>
-                <a:t>X</a:t>
-              </a:r>
-            </a:p>
-          </p:txBody>
-        </p:sp>
-        <p:sp>
-          <p:nvSpPr>
-            <p:cNvPr id="33" name="Rectángulo: esquinas redondeadas 32">
-              <a:extLst>
-                <a:ext uri="{FF2B5EF4-FFF2-40B4-BE49-F238E27FC236}">
-                  <a16:creationId xmlns:a16="http://schemas.microsoft.com/office/drawing/2014/main" id="{248DACA0-1707-83A2-DFD7-E4B8CF27ECE5}"/>
-                </a:ext>
-              </a:extLst>
-            </p:cNvPr>
-            <p:cNvSpPr/>
-            <p:nvPr/>
-          </p:nvSpPr>
-          <p:spPr>
-            <a:xfrm>
-              <a:off x="314304" y="2505111"/>
-              <a:ext cx="1871683" cy="885822"/>
-            </a:xfrm>
-            <a:prstGeom prst="roundRect">
-              <a:avLst/>
-            </a:prstGeom>
-            <a:solidFill>
-              <a:schemeClr val="bg1">
-                <a:lumMod val="95000"/>
-              </a:schemeClr>
-            </a:solidFill>
-          </p:spPr>
-          <p:style>
-            <a:lnRef idx="2">
-              <a:schemeClr val="accent1">
-                <a:shade val="15000"/>
-              </a:schemeClr>
-            </a:lnRef>
-            <a:fillRef idx="1">
-              <a:schemeClr val="accent1"/>
-            </a:fillRef>
-            <a:effectRef idx="0">
-              <a:schemeClr val="accent1"/>
-            </a:effectRef>
-            <a:fontRef idx="minor">
-              <a:schemeClr val="lt1"/>
-            </a:fontRef>
-          </p:style>
-          <p:txBody>
-            <a:bodyPr rtlCol="0" anchor="ctr"/>
-            <a:lstStyle/>
-            <a:p>
-              <a:pPr algn="ctr"/>
-              <a:r>
-                <a:rPr lang="es-CL">
-                  <a:solidFill>
-                    <a:schemeClr val="tx1">
-                      <a:lumMod val="75000"/>
-                      <a:lumOff val="25000"/>
-                    </a:schemeClr>
-                  </a:solidFill>
-                </a:rPr>
-                <a:t>&lt;2,2*10^-16</a:t>
-              </a:r>
-            </a:p>
-          </p:txBody>
-        </p:sp>
-      </p:grpSp>
-      <p:grpSp>
-        <p:nvGrpSpPr>
-          <p:cNvPr id="34" name="Grupo 33">
+          </a:ln>
+        </p:spPr>
+        <p:style>
+          <a:lnRef idx="2">
+            <a:schemeClr val="accent1">
+              <a:shade val="15000"/>
+            </a:schemeClr>
+          </a:lnRef>
+          <a:fillRef idx="1">
+            <a:schemeClr val="accent1"/>
+          </a:fillRef>
+          <a:effectRef idx="0">
+            <a:schemeClr val="accent1"/>
+          </a:effectRef>
+          <a:fontRef idx="minor">
+            <a:schemeClr val="lt1"/>
+          </a:fontRef>
+        </p:style>
+        <p:txBody>
+          <a:bodyPr rtlCol="0" anchor="ctr"/>
+          <a:lstStyle/>
+          <a:p>
+            <a:pPr algn="ctr"/>
+            <a:r>
+              <a:rPr lang="es-CL"/>
+              <a:t>Y</a:t>
+            </a:r>
+          </a:p>
+        </p:txBody>
+      </p:sp>
+      <p:sp>
+        <p:nvSpPr>
+          <p:cNvPr id="13" name="Flecha: pentágono 12">
             <a:extLst>
               <a:ext uri="{FF2B5EF4-FFF2-40B4-BE49-F238E27FC236}">
-                <a16:creationId xmlns:a16="http://schemas.microsoft.com/office/drawing/2014/main" id="{4C606DCA-568B-919F-E36E-E93C67C4396A}"/>
+                <a16:creationId xmlns:a16="http://schemas.microsoft.com/office/drawing/2014/main" id="{B558E4C3-58FD-2962-9E56-66C0A77F77A5}"/>
               </a:ext>
             </a:extLst>
           </p:cNvPr>
-          <p:cNvGrpSpPr/>
+          <p:cNvSpPr/>
           <p:nvPr/>
-        </p:nvGrpSpPr>
-        <p:grpSpPr>
+        </p:nvSpPr>
+        <p:spPr>
           <a:xfrm>
-            <a:off x="3405034" y="3769993"/>
-            <a:ext cx="1880821" cy="1778268"/>
-            <a:chOff x="2392199" y="1615977"/>
-            <a:chExt cx="1880821" cy="1778268"/>
+            <a:off x="1145371" y="1366064"/>
+            <a:ext cx="1633558" cy="628632"/>
           </a:xfrm>
-        </p:grpSpPr>
-        <p:sp>
-          <p:nvSpPr>
-            <p:cNvPr id="35" name="Rectángulo: esquinas redondeadas 34">
-              <a:extLst>
-                <a:ext uri="{FF2B5EF4-FFF2-40B4-BE49-F238E27FC236}">
-                  <a16:creationId xmlns:a16="http://schemas.microsoft.com/office/drawing/2014/main" id="{A7F2FD6A-68BD-9588-0D59-11428C0B9B23}"/>
-                </a:ext>
-              </a:extLst>
-            </p:cNvPr>
-            <p:cNvSpPr/>
-            <p:nvPr/>
-          </p:nvSpPr>
-          <p:spPr>
-            <a:xfrm>
-              <a:off x="2394193" y="1615977"/>
-              <a:ext cx="1871683" cy="885821"/>
-            </a:xfrm>
-            <a:prstGeom prst="roundRect">
-              <a:avLst/>
-            </a:prstGeom>
+          <a:prstGeom prst="homePlate">
+            <a:avLst/>
+          </a:prstGeom>
+          <a:solidFill>
+            <a:srgbClr val="E35F65"/>
+          </a:solidFill>
+          <a:ln>
             <a:solidFill>
-              <a:srgbClr val="E35F65"/>
+              <a:srgbClr val="E30000"/>
             </a:solidFill>
-            <a:ln>
-              <a:solidFill>
-                <a:srgbClr val="E30000"/>
-              </a:solidFill>
-            </a:ln>
-          </p:spPr>
-          <p:style>
-            <a:lnRef idx="2">
-              <a:schemeClr val="accent1">
-                <a:shade val="15000"/>
-              </a:schemeClr>
-            </a:lnRef>
-            <a:fillRef idx="1">
-              <a:schemeClr val="accent1"/>
-            </a:fillRef>
-            <a:effectRef idx="0">
-              <a:schemeClr val="accent1"/>
-            </a:effectRef>
-            <a:fontRef idx="minor">
-              <a:schemeClr val="lt1"/>
-            </a:fontRef>
-          </p:style>
-          <p:txBody>
-            <a:bodyPr rtlCol="0" anchor="ctr"/>
-            <a:lstStyle/>
-            <a:p>
-              <a:pPr algn="ctr"/>
-              <a:endParaRPr lang="es-CL"/>
-            </a:p>
-          </p:txBody>
-        </p:sp>
-        <p:sp>
-          <p:nvSpPr>
-            <p:cNvPr id="36" name="Rectángulo: esquinas redondeadas 35">
-              <a:extLst>
-                <a:ext uri="{FF2B5EF4-FFF2-40B4-BE49-F238E27FC236}">
-                  <a16:creationId xmlns:a16="http://schemas.microsoft.com/office/drawing/2014/main" id="{D3A5C724-712B-C104-3929-EF0299E92EF9}"/>
-                </a:ext>
-              </a:extLst>
-            </p:cNvPr>
-            <p:cNvSpPr/>
-            <p:nvPr/>
-          </p:nvSpPr>
-          <p:spPr>
-            <a:xfrm>
-              <a:off x="2401337" y="2505111"/>
-              <a:ext cx="1871683" cy="885822"/>
-            </a:xfrm>
-            <a:prstGeom prst="roundRect">
-              <a:avLst/>
-            </a:prstGeom>
-            <a:solidFill>
-              <a:schemeClr val="bg1">
-                <a:lumMod val="95000"/>
-              </a:schemeClr>
-            </a:solidFill>
-          </p:spPr>
-          <p:style>
-            <a:lnRef idx="2">
-              <a:schemeClr val="accent1">
-                <a:shade val="15000"/>
-              </a:schemeClr>
-            </a:lnRef>
-            <a:fillRef idx="1">
-              <a:schemeClr val="accent1"/>
-            </a:fillRef>
-            <a:effectRef idx="0">
-              <a:schemeClr val="accent1"/>
-            </a:effectRef>
-            <a:fontRef idx="minor">
-              <a:schemeClr val="lt1"/>
-            </a:fontRef>
-          </p:style>
-          <p:txBody>
-            <a:bodyPr rtlCol="0" anchor="ctr"/>
-            <a:lstStyle/>
-            <a:p>
-              <a:pPr algn="ctr"/>
-              <a:endParaRPr lang="es-CL"/>
-            </a:p>
-          </p:txBody>
-        </p:sp>
-        <p:sp>
-          <p:nvSpPr>
-            <p:cNvPr id="37" name="Rectángulo: esquinas redondeadas 36">
-              <a:extLst>
-                <a:ext uri="{FF2B5EF4-FFF2-40B4-BE49-F238E27FC236}">
-                  <a16:creationId xmlns:a16="http://schemas.microsoft.com/office/drawing/2014/main" id="{144C30AA-FB92-C49A-C7D9-13DC80832B66}"/>
-                </a:ext>
-              </a:extLst>
-            </p:cNvPr>
-            <p:cNvSpPr/>
-            <p:nvPr/>
-          </p:nvSpPr>
-          <p:spPr>
-            <a:xfrm>
-              <a:off x="2392199" y="1619289"/>
-              <a:ext cx="1871683" cy="885821"/>
-            </a:xfrm>
-            <a:prstGeom prst="roundRect">
-              <a:avLst/>
-            </a:prstGeom>
-            <a:solidFill>
-              <a:srgbClr val="E35F65"/>
-            </a:solidFill>
-            <a:ln>
-              <a:solidFill>
-                <a:srgbClr val="E30000"/>
-              </a:solidFill>
-            </a:ln>
-          </p:spPr>
-          <p:style>
-            <a:lnRef idx="2">
-              <a:schemeClr val="accent1">
-                <a:shade val="15000"/>
-              </a:schemeClr>
-            </a:lnRef>
-            <a:fillRef idx="1">
-              <a:schemeClr val="accent1"/>
-            </a:fillRef>
-            <a:effectRef idx="0">
-              <a:schemeClr val="accent1"/>
-            </a:effectRef>
-            <a:fontRef idx="minor">
-              <a:schemeClr val="lt1"/>
-            </a:fontRef>
-          </p:style>
-          <p:txBody>
-            <a:bodyPr rtlCol="0" anchor="ctr"/>
-            <a:lstStyle/>
-            <a:p>
-              <a:pPr algn="ctr"/>
-              <a:r>
-                <a:rPr lang="es-CL"/>
-                <a:t>Y</a:t>
-              </a:r>
-            </a:p>
-          </p:txBody>
-        </p:sp>
-        <p:sp>
-          <p:nvSpPr>
-            <p:cNvPr id="38" name="Rectángulo: esquinas redondeadas 37">
-              <a:extLst>
-                <a:ext uri="{FF2B5EF4-FFF2-40B4-BE49-F238E27FC236}">
-                  <a16:creationId xmlns:a16="http://schemas.microsoft.com/office/drawing/2014/main" id="{9A2E86C6-79FE-3ABE-7598-952A4F4E35AD}"/>
-                </a:ext>
-              </a:extLst>
-            </p:cNvPr>
-            <p:cNvSpPr/>
-            <p:nvPr/>
-          </p:nvSpPr>
-          <p:spPr>
-            <a:xfrm>
-              <a:off x="2399343" y="2508423"/>
-              <a:ext cx="1871683" cy="885822"/>
-            </a:xfrm>
-            <a:prstGeom prst="roundRect">
-              <a:avLst/>
-            </a:prstGeom>
-            <a:solidFill>
-              <a:schemeClr val="bg1">
-                <a:lumMod val="95000"/>
-              </a:schemeClr>
-            </a:solidFill>
-          </p:spPr>
-          <p:style>
-            <a:lnRef idx="2">
-              <a:schemeClr val="accent1">
-                <a:shade val="15000"/>
-              </a:schemeClr>
-            </a:lnRef>
-            <a:fillRef idx="1">
-              <a:schemeClr val="accent1"/>
-            </a:fillRef>
-            <a:effectRef idx="0">
-              <a:schemeClr val="accent1"/>
-            </a:effectRef>
-            <a:fontRef idx="minor">
-              <a:schemeClr val="lt1"/>
-            </a:fontRef>
-          </p:style>
-          <p:txBody>
-            <a:bodyPr rtlCol="0" anchor="ctr"/>
-            <a:lstStyle/>
-            <a:p>
-              <a:pPr algn="ctr"/>
-              <a:endParaRPr lang="es-CL"/>
-            </a:p>
-          </p:txBody>
-        </p:sp>
-      </p:grpSp>
-      <p:grpSp>
-        <p:nvGrpSpPr>
-          <p:cNvPr id="39" name="Grupo 38">
+          </a:ln>
+        </p:spPr>
+        <p:style>
+          <a:lnRef idx="2">
+            <a:schemeClr val="accent1">
+              <a:shade val="15000"/>
+            </a:schemeClr>
+          </a:lnRef>
+          <a:fillRef idx="1">
+            <a:schemeClr val="accent1"/>
+          </a:fillRef>
+          <a:effectRef idx="0">
+            <a:schemeClr val="accent1"/>
+          </a:effectRef>
+          <a:fontRef idx="minor">
+            <a:schemeClr val="lt1"/>
+          </a:fontRef>
+        </p:style>
+        <p:txBody>
+          <a:bodyPr rtlCol="0" anchor="ctr"/>
+          <a:lstStyle/>
+          <a:p>
+            <a:pPr algn="ctr"/>
+            <a:r>
+              <a:rPr lang="es-CL"/>
+              <a:t>Peso</a:t>
+            </a:r>
+          </a:p>
+        </p:txBody>
+      </p:sp>
+      <p:sp>
+        <p:nvSpPr>
+          <p:cNvPr id="14" name="Flecha: pentágono 13">
             <a:extLst>
               <a:ext uri="{FF2B5EF4-FFF2-40B4-BE49-F238E27FC236}">
-                <a16:creationId xmlns:a16="http://schemas.microsoft.com/office/drawing/2014/main" id="{9BAE4014-9F5E-C0C0-EB91-433737D3B68E}"/>
+                <a16:creationId xmlns:a16="http://schemas.microsoft.com/office/drawing/2014/main" id="{A8B32074-C045-5934-176F-E42A90AFDD47}"/>
               </a:ext>
             </a:extLst>
           </p:cNvPr>
-          <p:cNvGrpSpPr/>
+          <p:cNvSpPr/>
           <p:nvPr/>
-        </p:nvGrpSpPr>
-        <p:grpSpPr>
+        </p:nvSpPr>
+        <p:spPr>
           <a:xfrm>
-            <a:off x="5490073" y="3766680"/>
-            <a:ext cx="1880821" cy="1778268"/>
-            <a:chOff x="2392199" y="1615977"/>
-            <a:chExt cx="1880821" cy="1778268"/>
+            <a:off x="1145371" y="5007708"/>
+            <a:ext cx="1633558" cy="628632"/>
           </a:xfrm>
-        </p:grpSpPr>
-        <p:sp>
-          <p:nvSpPr>
-            <p:cNvPr id="40" name="Rectángulo: esquinas redondeadas 39">
-              <a:extLst>
-                <a:ext uri="{FF2B5EF4-FFF2-40B4-BE49-F238E27FC236}">
-                  <a16:creationId xmlns:a16="http://schemas.microsoft.com/office/drawing/2014/main" id="{8D747AE0-A708-D0CF-C0EA-4E8DC7ADE1A1}"/>
-                </a:ext>
-              </a:extLst>
-            </p:cNvPr>
-            <p:cNvSpPr/>
-            <p:nvPr/>
-          </p:nvSpPr>
-          <p:spPr>
-            <a:xfrm>
-              <a:off x="2394193" y="1615977"/>
-              <a:ext cx="1871683" cy="885821"/>
-            </a:xfrm>
-            <a:prstGeom prst="roundRect">
-              <a:avLst/>
-            </a:prstGeom>
+          <a:prstGeom prst="homePlate">
+            <a:avLst/>
+          </a:prstGeom>
+          <a:solidFill>
+            <a:srgbClr val="E35F65"/>
+          </a:solidFill>
+          <a:ln>
             <a:solidFill>
-              <a:srgbClr val="E35F65"/>
+              <a:srgbClr val="E30000"/>
             </a:solidFill>
-            <a:ln>
-              <a:solidFill>
-                <a:srgbClr val="E30000"/>
-              </a:solidFill>
-            </a:ln>
-          </p:spPr>
-          <p:style>
-            <a:lnRef idx="2">
-              <a:schemeClr val="accent1">
-                <a:shade val="15000"/>
-              </a:schemeClr>
-            </a:lnRef>
-            <a:fillRef idx="1">
-              <a:schemeClr val="accent1"/>
-            </a:fillRef>
-            <a:effectRef idx="0">
-              <a:schemeClr val="accent1"/>
-            </a:effectRef>
-            <a:fontRef idx="minor">
-              <a:schemeClr val="lt1"/>
-            </a:fontRef>
-          </p:style>
-          <p:txBody>
-            <a:bodyPr rtlCol="0" anchor="ctr"/>
-            <a:lstStyle/>
-            <a:p>
-              <a:pPr algn="ctr"/>
-              <a:endParaRPr lang="es-CL"/>
-            </a:p>
-          </p:txBody>
-        </p:sp>
-        <p:sp>
-          <p:nvSpPr>
-            <p:cNvPr id="41" name="Rectángulo: esquinas redondeadas 40">
-              <a:extLst>
-                <a:ext uri="{FF2B5EF4-FFF2-40B4-BE49-F238E27FC236}">
-                  <a16:creationId xmlns:a16="http://schemas.microsoft.com/office/drawing/2014/main" id="{AF9FB61E-A193-EFEC-42DB-3DDA989881A4}"/>
-                </a:ext>
-              </a:extLst>
-            </p:cNvPr>
-            <p:cNvSpPr/>
-            <p:nvPr/>
-          </p:nvSpPr>
-          <p:spPr>
-            <a:xfrm>
-              <a:off x="2401337" y="2505111"/>
-              <a:ext cx="1871683" cy="885822"/>
-            </a:xfrm>
-            <a:prstGeom prst="roundRect">
-              <a:avLst/>
-            </a:prstGeom>
+          </a:ln>
+        </p:spPr>
+        <p:style>
+          <a:lnRef idx="2">
+            <a:schemeClr val="accent1">
+              <a:shade val="15000"/>
+            </a:schemeClr>
+          </a:lnRef>
+          <a:fillRef idx="1">
+            <a:schemeClr val="accent1"/>
+          </a:fillRef>
+          <a:effectRef idx="0">
+            <a:schemeClr val="accent1"/>
+          </a:effectRef>
+          <a:fontRef idx="minor">
+            <a:schemeClr val="lt1"/>
+          </a:fontRef>
+        </p:style>
+        <p:txBody>
+          <a:bodyPr rtlCol="0" anchor="ctr"/>
+          <a:lstStyle/>
+          <a:p>
+            <a:pPr algn="ctr"/>
+            <a:r>
+              <a:rPr lang="es-CL"/>
+              <a:t>Z</a:t>
+            </a:r>
+          </a:p>
+        </p:txBody>
+      </p:sp>
+      <p:sp>
+        <p:nvSpPr>
+          <p:cNvPr id="22" name="CuadroTexto 21">
+            <a:extLst>
+              <a:ext uri="{FF2B5EF4-FFF2-40B4-BE49-F238E27FC236}">
+                <a16:creationId xmlns:a16="http://schemas.microsoft.com/office/drawing/2014/main" id="{8B80C094-A8BB-0623-D92E-51970775BAD2}"/>
+              </a:ext>
+            </a:extLst>
+          </p:cNvPr>
+          <p:cNvSpPr txBox="1"/>
+          <p:nvPr/>
+        </p:nvSpPr>
+        <p:spPr>
+          <a:xfrm>
+            <a:off x="4838700" y="1733550"/>
+            <a:ext cx="3695700" cy="923330"/>
+          </a:xfrm>
+          <a:prstGeom prst="rect">
+            <a:avLst/>
+          </a:prstGeom>
+          <a:noFill/>
+        </p:spPr>
+        <p:txBody>
+          <a:bodyPr wrap="square" rtlCol="0">
+            <a:spAutoFit/>
+          </a:bodyPr>
+          <a:lstStyle/>
+          <a:p>
+            <a:r>
+              <a:rPr lang="es-CL"/>
+              <a:t>A aplicar el KS Test a las variables, obteneos que en general todas tienen un valor menor a </a:t>
+            </a:r>
+            <a:r>
+              <a:rPr lang="es-CL" i="1"/>
+              <a:t>2,2*10^-16</a:t>
+            </a:r>
+            <a:r>
+              <a:rPr lang="es-CL"/>
+              <a:t>.</a:t>
+            </a:r>
+          </a:p>
+        </p:txBody>
+      </p:sp>
+      <p:sp>
+        <p:nvSpPr>
+          <p:cNvPr id="23" name="CuadroTexto 22">
+            <a:extLst>
+              <a:ext uri="{FF2B5EF4-FFF2-40B4-BE49-F238E27FC236}">
+                <a16:creationId xmlns:a16="http://schemas.microsoft.com/office/drawing/2014/main" id="{04F8DD8B-3854-8853-3982-034DF50C996F}"/>
+              </a:ext>
+            </a:extLst>
+          </p:cNvPr>
+          <p:cNvSpPr txBox="1"/>
+          <p:nvPr/>
+        </p:nvSpPr>
+        <p:spPr>
+          <a:xfrm>
+            <a:off x="4953000" y="3186886"/>
+            <a:ext cx="3363024" cy="923330"/>
+          </a:xfrm>
+          <a:prstGeom prst="rect">
+            <a:avLst/>
+          </a:prstGeom>
+          <a:noFill/>
+        </p:spPr>
+        <p:txBody>
+          <a:bodyPr wrap="square" rtlCol="0">
+            <a:spAutoFit/>
+          </a:bodyPr>
+          <a:lstStyle/>
+          <a:p>
+            <a:r>
+              <a:rPr lang="es-CL"/>
+              <a:t>Esto nos indica que no existe un comportamiento hacia una distribución normal.</a:t>
+            </a:r>
+          </a:p>
+        </p:txBody>
+      </p:sp>
+      <p:pic>
+        <p:nvPicPr>
+          <p:cNvPr id="25" name="Imagen 24" descr="Gráfico, Histograma&#10;&#10;Descripción generada automáticamente">
+            <a:extLst>
+              <a:ext uri="{FF2B5EF4-FFF2-40B4-BE49-F238E27FC236}">
+                <a16:creationId xmlns:a16="http://schemas.microsoft.com/office/drawing/2014/main" id="{75555792-5280-6508-E3FF-41F9F9E75A97}"/>
+              </a:ext>
+            </a:extLst>
+          </p:cNvPr>
+          <p:cNvPicPr>
+            <a:picLocks noChangeAspect="1"/>
+          </p:cNvPicPr>
+          <p:nvPr/>
+        </p:nvPicPr>
+        <p:blipFill>
+          <a:blip r:embed="rId5">
+            <a:extLst>
+              <a:ext uri="{837473B0-CC2E-450A-ABE3-18F120FF3D39}">
+                <a1611:picAttrSrcUrl xmlns:a1611="http://schemas.microsoft.com/office/drawing/2016/11/main" r:id="rId6"/>
+              </a:ext>
+            </a:extLst>
+          </a:blip>
+          <a:stretch>
+            <a:fillRect/>
+          </a:stretch>
+        </p:blipFill>
+        <p:spPr>
+          <a:xfrm>
+            <a:off x="5492911" y="4237268"/>
+            <a:ext cx="2387277" cy="1540879"/>
+          </a:xfrm>
+          <a:prstGeom prst="rect">
+            <a:avLst/>
+          </a:prstGeom>
+        </p:spPr>
+      </p:pic>
+      <p:sp>
+        <p:nvSpPr>
+          <p:cNvPr id="26" name="Signo de multiplicación 25">
+            <a:extLst>
+              <a:ext uri="{FF2B5EF4-FFF2-40B4-BE49-F238E27FC236}">
+                <a16:creationId xmlns:a16="http://schemas.microsoft.com/office/drawing/2014/main" id="{D6ED4B68-C035-1F74-5A98-0BD5BF177B39}"/>
+              </a:ext>
+            </a:extLst>
+          </p:cNvPr>
+          <p:cNvSpPr/>
+          <p:nvPr/>
+        </p:nvSpPr>
+        <p:spPr>
+          <a:xfrm>
+            <a:off x="6023308" y="4688798"/>
+            <a:ext cx="1233487" cy="1189766"/>
+          </a:xfrm>
+          <a:prstGeom prst="mathMultiply">
+            <a:avLst/>
+          </a:prstGeom>
+          <a:solidFill>
+            <a:srgbClr val="FF0000"/>
+          </a:solidFill>
+          <a:ln w="88900">
             <a:solidFill>
-              <a:schemeClr val="bg1">
-                <a:lumMod val="95000"/>
-              </a:schemeClr>
+              <a:srgbClr val="C00000"/>
             </a:solidFill>
-          </p:spPr>
-          <p:style>
-            <a:lnRef idx="2">
-              <a:schemeClr val="accent1">
-                <a:shade val="15000"/>
-              </a:schemeClr>
-            </a:lnRef>
-            <a:fillRef idx="1">
-              <a:schemeClr val="accent1"/>
-            </a:fillRef>
-            <a:effectRef idx="0">
-              <a:schemeClr val="accent1"/>
-            </a:effectRef>
-            <a:fontRef idx="minor">
-              <a:schemeClr val="lt1"/>
-            </a:fontRef>
-          </p:style>
-          <p:txBody>
-            <a:bodyPr rtlCol="0" anchor="ctr"/>
-            <a:lstStyle/>
-            <a:p>
-              <a:pPr algn="ctr"/>
-              <a:endParaRPr lang="es-CL"/>
-            </a:p>
-          </p:txBody>
-        </p:sp>
-        <p:sp>
-          <p:nvSpPr>
-            <p:cNvPr id="42" name="Rectángulo: esquinas redondeadas 41">
-              <a:extLst>
-                <a:ext uri="{FF2B5EF4-FFF2-40B4-BE49-F238E27FC236}">
-                  <a16:creationId xmlns:a16="http://schemas.microsoft.com/office/drawing/2014/main" id="{F6DF212A-48B7-25CE-344C-7E90469314F7}"/>
-                </a:ext>
-              </a:extLst>
-            </p:cNvPr>
-            <p:cNvSpPr/>
-            <p:nvPr/>
-          </p:nvSpPr>
-          <p:spPr>
-            <a:xfrm>
-              <a:off x="2392199" y="1619289"/>
-              <a:ext cx="1871683" cy="885821"/>
-            </a:xfrm>
-            <a:prstGeom prst="roundRect">
-              <a:avLst/>
-            </a:prstGeom>
-            <a:solidFill>
-              <a:srgbClr val="E35F65"/>
-            </a:solidFill>
-            <a:ln>
-              <a:solidFill>
-                <a:srgbClr val="E30000"/>
-              </a:solidFill>
-            </a:ln>
-          </p:spPr>
-          <p:style>
-            <a:lnRef idx="2">
-              <a:schemeClr val="accent1">
-                <a:shade val="15000"/>
-              </a:schemeClr>
-            </a:lnRef>
-            <a:fillRef idx="1">
-              <a:schemeClr val="accent1"/>
-            </a:fillRef>
-            <a:effectRef idx="0">
-              <a:schemeClr val="accent1"/>
-            </a:effectRef>
-            <a:fontRef idx="minor">
-              <a:schemeClr val="lt1"/>
-            </a:fontRef>
-          </p:style>
-          <p:txBody>
-            <a:bodyPr rtlCol="0" anchor="ctr"/>
-            <a:lstStyle/>
-            <a:p>
-              <a:pPr algn="ctr"/>
-              <a:r>
-                <a:rPr lang="es-CL"/>
-                <a:t>Z</a:t>
-              </a:r>
-            </a:p>
-          </p:txBody>
-        </p:sp>
-        <p:sp>
-          <p:nvSpPr>
-            <p:cNvPr id="44" name="Rectángulo: esquinas redondeadas 43">
-              <a:extLst>
-                <a:ext uri="{FF2B5EF4-FFF2-40B4-BE49-F238E27FC236}">
-                  <a16:creationId xmlns:a16="http://schemas.microsoft.com/office/drawing/2014/main" id="{647C86DD-6EEB-7DC1-428A-00DB5CCF69CF}"/>
-                </a:ext>
-              </a:extLst>
-            </p:cNvPr>
-            <p:cNvSpPr/>
-            <p:nvPr/>
-          </p:nvSpPr>
-          <p:spPr>
-            <a:xfrm>
-              <a:off x="2399343" y="2508423"/>
-              <a:ext cx="1871683" cy="885822"/>
-            </a:xfrm>
-            <a:prstGeom prst="roundRect">
-              <a:avLst/>
-            </a:prstGeom>
-            <a:solidFill>
-              <a:schemeClr val="bg1">
-                <a:lumMod val="95000"/>
-              </a:schemeClr>
-            </a:solidFill>
-          </p:spPr>
-          <p:style>
-            <a:lnRef idx="2">
-              <a:schemeClr val="accent1">
-                <a:shade val="15000"/>
-              </a:schemeClr>
-            </a:lnRef>
-            <a:fillRef idx="1">
-              <a:schemeClr val="accent1"/>
-            </a:fillRef>
-            <a:effectRef idx="0">
-              <a:schemeClr val="accent1"/>
-            </a:effectRef>
-            <a:fontRef idx="minor">
-              <a:schemeClr val="lt1"/>
-            </a:fontRef>
-          </p:style>
-          <p:txBody>
-            <a:bodyPr rtlCol="0" anchor="ctr"/>
-            <a:lstStyle/>
-            <a:p>
-              <a:pPr algn="ctr"/>
-              <a:endParaRPr lang="es-CL"/>
-            </a:p>
-          </p:txBody>
-        </p:sp>
-      </p:grpSp>
+          </a:ln>
+        </p:spPr>
+        <p:style>
+          <a:lnRef idx="2">
+            <a:schemeClr val="accent1">
+              <a:shade val="15000"/>
+            </a:schemeClr>
+          </a:lnRef>
+          <a:fillRef idx="1">
+            <a:schemeClr val="accent1"/>
+          </a:fillRef>
+          <a:effectRef idx="0">
+            <a:schemeClr val="accent1"/>
+          </a:effectRef>
+          <a:fontRef idx="minor">
+            <a:schemeClr val="lt1"/>
+          </a:fontRef>
+        </p:style>
+        <p:txBody>
+          <a:bodyPr rtlCol="0" anchor="ctr"/>
+          <a:lstStyle/>
+          <a:p>
+            <a:pPr algn="ctr"/>
+            <a:endParaRPr lang="es-CL"/>
+          </a:p>
+        </p:txBody>
+      </p:sp>
     </p:spTree>
     <p:extLst>
       <p:ext uri="{BB962C8B-B14F-4D97-AF65-F5344CB8AC3E}">
@@ -13605,6 +14179,4973 @@
   <p:clrMapOvr>
     <a:masterClrMapping/>
   </p:clrMapOvr>
+  <p:timing>
+    <p:tnLst>
+      <p:par>
+        <p:cTn id="1" dur="indefinite" restart="never" nodeType="tmRoot">
+          <p:childTnLst>
+            <p:seq concurrent="1" nextAc="seek">
+              <p:cTn id="2" dur="indefinite" nodeType="mainSeq">
+                <p:childTnLst>
+                  <p:par>
+                    <p:cTn id="3" fill="hold">
+                      <p:stCondLst>
+                        <p:cond delay="indefinite"/>
+                      </p:stCondLst>
+                      <p:childTnLst>
+                        <p:par>
+                          <p:cTn id="4" fill="hold">
+                            <p:stCondLst>
+                              <p:cond delay="0"/>
+                            </p:stCondLst>
+                            <p:childTnLst>
+                              <p:par>
+                                <p:cTn id="5" presetID="53" presetClass="entr" presetSubtype="16" fill="hold" nodeType="clickEffect">
+                                  <p:stCondLst>
+                                    <p:cond delay="0"/>
+                                  </p:stCondLst>
+                                  <p:childTnLst>
+                                    <p:set>
+                                      <p:cBhvr>
+                                        <p:cTn id="6" dur="1" fill="hold">
+                                          <p:stCondLst>
+                                            <p:cond delay="0"/>
+                                          </p:stCondLst>
+                                        </p:cTn>
+                                        <p:tgtEl>
+                                          <p:spTgt spid="25"/>
+                                        </p:tgtEl>
+                                        <p:attrNameLst>
+                                          <p:attrName>style.visibility</p:attrName>
+                                        </p:attrNameLst>
+                                      </p:cBhvr>
+                                      <p:to>
+                                        <p:strVal val="visible"/>
+                                      </p:to>
+                                    </p:set>
+                                    <p:anim calcmode="lin" valueType="num">
+                                      <p:cBhvr>
+                                        <p:cTn id="7" dur="500" fill="hold"/>
+                                        <p:tgtEl>
+                                          <p:spTgt spid="25"/>
+                                        </p:tgtEl>
+                                        <p:attrNameLst>
+                                          <p:attrName>ppt_w</p:attrName>
+                                        </p:attrNameLst>
+                                      </p:cBhvr>
+                                      <p:tavLst>
+                                        <p:tav tm="0">
+                                          <p:val>
+                                            <p:fltVal val="0"/>
+                                          </p:val>
+                                        </p:tav>
+                                        <p:tav tm="100000">
+                                          <p:val>
+                                            <p:strVal val="#ppt_w"/>
+                                          </p:val>
+                                        </p:tav>
+                                      </p:tavLst>
+                                    </p:anim>
+                                    <p:anim calcmode="lin" valueType="num">
+                                      <p:cBhvr>
+                                        <p:cTn id="8" dur="500" fill="hold"/>
+                                        <p:tgtEl>
+                                          <p:spTgt spid="25"/>
+                                        </p:tgtEl>
+                                        <p:attrNameLst>
+                                          <p:attrName>ppt_h</p:attrName>
+                                        </p:attrNameLst>
+                                      </p:cBhvr>
+                                      <p:tavLst>
+                                        <p:tav tm="0">
+                                          <p:val>
+                                            <p:fltVal val="0"/>
+                                          </p:val>
+                                        </p:tav>
+                                        <p:tav tm="100000">
+                                          <p:val>
+                                            <p:strVal val="#ppt_h"/>
+                                          </p:val>
+                                        </p:tav>
+                                      </p:tavLst>
+                                    </p:anim>
+                                    <p:animEffect transition="in" filter="fade">
+                                      <p:cBhvr>
+                                        <p:cTn id="9" dur="500"/>
+                                        <p:tgtEl>
+                                          <p:spTgt spid="25"/>
+                                        </p:tgtEl>
+                                      </p:cBhvr>
+                                    </p:animEffect>
+                                  </p:childTnLst>
+                                </p:cTn>
+                              </p:par>
+                            </p:childTnLst>
+                          </p:cTn>
+                        </p:par>
+                      </p:childTnLst>
+                    </p:cTn>
+                  </p:par>
+                  <p:par>
+                    <p:cTn id="10" fill="hold">
+                      <p:stCondLst>
+                        <p:cond delay="indefinite"/>
+                      </p:stCondLst>
+                      <p:childTnLst>
+                        <p:par>
+                          <p:cTn id="11" fill="hold">
+                            <p:stCondLst>
+                              <p:cond delay="0"/>
+                            </p:stCondLst>
+                            <p:childTnLst>
+                              <p:par>
+                                <p:cTn id="12" presetID="26" presetClass="entr" presetSubtype="0" fill="hold" grpId="1" nodeType="clickEffect">
+                                  <p:stCondLst>
+                                    <p:cond delay="0"/>
+                                  </p:stCondLst>
+                                  <p:childTnLst>
+                                    <p:set>
+                                      <p:cBhvr>
+                                        <p:cTn id="13" dur="1" fill="hold">
+                                          <p:stCondLst>
+                                            <p:cond delay="0"/>
+                                          </p:stCondLst>
+                                        </p:cTn>
+                                        <p:tgtEl>
+                                          <p:spTgt spid="26"/>
+                                        </p:tgtEl>
+                                        <p:attrNameLst>
+                                          <p:attrName>style.visibility</p:attrName>
+                                        </p:attrNameLst>
+                                      </p:cBhvr>
+                                      <p:to>
+                                        <p:strVal val="visible"/>
+                                      </p:to>
+                                    </p:set>
+                                    <p:animEffect transition="in" filter="wipe(down)">
+                                      <p:cBhvr>
+                                        <p:cTn id="14" dur="580">
+                                          <p:stCondLst>
+                                            <p:cond delay="0"/>
+                                          </p:stCondLst>
+                                        </p:cTn>
+                                        <p:tgtEl>
+                                          <p:spTgt spid="26"/>
+                                        </p:tgtEl>
+                                      </p:cBhvr>
+                                    </p:animEffect>
+                                    <p:anim calcmode="lin" valueType="num">
+                                      <p:cBhvr>
+                                        <p:cTn id="15" dur="1822" tmFilter="0,0; 0.14,0.36; 0.43,0.73; 0.71,0.91; 1.0,1.0">
+                                          <p:stCondLst>
+                                            <p:cond delay="0"/>
+                                          </p:stCondLst>
+                                        </p:cTn>
+                                        <p:tgtEl>
+                                          <p:spTgt spid="26"/>
+                                        </p:tgtEl>
+                                        <p:attrNameLst>
+                                          <p:attrName>ppt_x</p:attrName>
+                                        </p:attrNameLst>
+                                      </p:cBhvr>
+                                      <p:tavLst>
+                                        <p:tav tm="0">
+                                          <p:val>
+                                            <p:strVal val="#ppt_x-0.25"/>
+                                          </p:val>
+                                        </p:tav>
+                                        <p:tav tm="100000">
+                                          <p:val>
+                                            <p:strVal val="#ppt_x"/>
+                                          </p:val>
+                                        </p:tav>
+                                      </p:tavLst>
+                                    </p:anim>
+                                    <p:anim calcmode="lin" valueType="num">
+                                      <p:cBhvr>
+                                        <p:cTn id="16" dur="664" tmFilter="0.0,0.0; 0.25,0.07; 0.50,0.2; 0.75,0.467; 1.0,1.0">
+                                          <p:stCondLst>
+                                            <p:cond delay="0"/>
+                                          </p:stCondLst>
+                                        </p:cTn>
+                                        <p:tgtEl>
+                                          <p:spTgt spid="26"/>
+                                        </p:tgtEl>
+                                        <p:attrNameLst>
+                                          <p:attrName>ppt_y</p:attrName>
+                                        </p:attrNameLst>
+                                      </p:cBhvr>
+                                      <p:tavLst>
+                                        <p:tav tm="0" fmla="#ppt_y-sin(pi*$)/3">
+                                          <p:val>
+                                            <p:fltVal val="0.5"/>
+                                          </p:val>
+                                        </p:tav>
+                                        <p:tav tm="100000">
+                                          <p:val>
+                                            <p:fltVal val="1"/>
+                                          </p:val>
+                                        </p:tav>
+                                      </p:tavLst>
+                                    </p:anim>
+                                    <p:anim calcmode="lin" valueType="num">
+                                      <p:cBhvr>
+                                        <p:cTn id="17" dur="664" tmFilter="0, 0; 0.125,0.2665; 0.25,0.4; 0.375,0.465; 0.5,0.5;  0.625,0.535; 0.75,0.6; 0.875,0.7335; 1,1">
+                                          <p:stCondLst>
+                                            <p:cond delay="664"/>
+                                          </p:stCondLst>
+                                        </p:cTn>
+                                        <p:tgtEl>
+                                          <p:spTgt spid="26"/>
+                                        </p:tgtEl>
+                                        <p:attrNameLst>
+                                          <p:attrName>ppt_y</p:attrName>
+                                        </p:attrNameLst>
+                                      </p:cBhvr>
+                                      <p:tavLst>
+                                        <p:tav tm="0" fmla="#ppt_y-sin(pi*$)/9">
+                                          <p:val>
+                                            <p:fltVal val="0"/>
+                                          </p:val>
+                                        </p:tav>
+                                        <p:tav tm="100000">
+                                          <p:val>
+                                            <p:fltVal val="1"/>
+                                          </p:val>
+                                        </p:tav>
+                                      </p:tavLst>
+                                    </p:anim>
+                                    <p:anim calcmode="lin" valueType="num">
+                                      <p:cBhvr>
+                                        <p:cTn id="18" dur="332" tmFilter="0, 0; 0.125,0.2665; 0.25,0.4; 0.375,0.465; 0.5,0.5;  0.625,0.535; 0.75,0.6; 0.875,0.7335; 1,1">
+                                          <p:stCondLst>
+                                            <p:cond delay="1324"/>
+                                          </p:stCondLst>
+                                        </p:cTn>
+                                        <p:tgtEl>
+                                          <p:spTgt spid="26"/>
+                                        </p:tgtEl>
+                                        <p:attrNameLst>
+                                          <p:attrName>ppt_y</p:attrName>
+                                        </p:attrNameLst>
+                                      </p:cBhvr>
+                                      <p:tavLst>
+                                        <p:tav tm="0" fmla="#ppt_y-sin(pi*$)/27">
+                                          <p:val>
+                                            <p:fltVal val="0"/>
+                                          </p:val>
+                                        </p:tav>
+                                        <p:tav tm="100000">
+                                          <p:val>
+                                            <p:fltVal val="1"/>
+                                          </p:val>
+                                        </p:tav>
+                                      </p:tavLst>
+                                    </p:anim>
+                                    <p:anim calcmode="lin" valueType="num">
+                                      <p:cBhvr>
+                                        <p:cTn id="19" dur="164" tmFilter="0, 0; 0.125,0.2665; 0.25,0.4; 0.375,0.465; 0.5,0.5;  0.625,0.535; 0.75,0.6; 0.875,0.7335; 1,1">
+                                          <p:stCondLst>
+                                            <p:cond delay="1656"/>
+                                          </p:stCondLst>
+                                        </p:cTn>
+                                        <p:tgtEl>
+                                          <p:spTgt spid="26"/>
+                                        </p:tgtEl>
+                                        <p:attrNameLst>
+                                          <p:attrName>ppt_y</p:attrName>
+                                        </p:attrNameLst>
+                                      </p:cBhvr>
+                                      <p:tavLst>
+                                        <p:tav tm="0" fmla="#ppt_y-sin(pi*$)/81">
+                                          <p:val>
+                                            <p:fltVal val="0"/>
+                                          </p:val>
+                                        </p:tav>
+                                        <p:tav tm="100000">
+                                          <p:val>
+                                            <p:fltVal val="1"/>
+                                          </p:val>
+                                        </p:tav>
+                                      </p:tavLst>
+                                    </p:anim>
+                                    <p:animScale>
+                                      <p:cBhvr>
+                                        <p:cTn id="20" dur="26">
+                                          <p:stCondLst>
+                                            <p:cond delay="650"/>
+                                          </p:stCondLst>
+                                        </p:cTn>
+                                        <p:tgtEl>
+                                          <p:spTgt spid="26"/>
+                                        </p:tgtEl>
+                                      </p:cBhvr>
+                                      <p:to x="100000" y="60000"/>
+                                    </p:animScale>
+                                    <p:animScale>
+                                      <p:cBhvr>
+                                        <p:cTn id="21" dur="166" decel="50000">
+                                          <p:stCondLst>
+                                            <p:cond delay="676"/>
+                                          </p:stCondLst>
+                                        </p:cTn>
+                                        <p:tgtEl>
+                                          <p:spTgt spid="26"/>
+                                        </p:tgtEl>
+                                      </p:cBhvr>
+                                      <p:to x="100000" y="100000"/>
+                                    </p:animScale>
+                                    <p:animScale>
+                                      <p:cBhvr>
+                                        <p:cTn id="22" dur="26">
+                                          <p:stCondLst>
+                                            <p:cond delay="1312"/>
+                                          </p:stCondLst>
+                                        </p:cTn>
+                                        <p:tgtEl>
+                                          <p:spTgt spid="26"/>
+                                        </p:tgtEl>
+                                      </p:cBhvr>
+                                      <p:to x="100000" y="80000"/>
+                                    </p:animScale>
+                                    <p:animScale>
+                                      <p:cBhvr>
+                                        <p:cTn id="23" dur="166" decel="50000">
+                                          <p:stCondLst>
+                                            <p:cond delay="1338"/>
+                                          </p:stCondLst>
+                                        </p:cTn>
+                                        <p:tgtEl>
+                                          <p:spTgt spid="26"/>
+                                        </p:tgtEl>
+                                      </p:cBhvr>
+                                      <p:to x="100000" y="100000"/>
+                                    </p:animScale>
+                                    <p:animScale>
+                                      <p:cBhvr>
+                                        <p:cTn id="24" dur="26">
+                                          <p:stCondLst>
+                                            <p:cond delay="1642"/>
+                                          </p:stCondLst>
+                                        </p:cTn>
+                                        <p:tgtEl>
+                                          <p:spTgt spid="26"/>
+                                        </p:tgtEl>
+                                      </p:cBhvr>
+                                      <p:to x="100000" y="90000"/>
+                                    </p:animScale>
+                                    <p:animScale>
+                                      <p:cBhvr>
+                                        <p:cTn id="25" dur="166" decel="50000">
+                                          <p:stCondLst>
+                                            <p:cond delay="1668"/>
+                                          </p:stCondLst>
+                                        </p:cTn>
+                                        <p:tgtEl>
+                                          <p:spTgt spid="26"/>
+                                        </p:tgtEl>
+                                      </p:cBhvr>
+                                      <p:to x="100000" y="100000"/>
+                                    </p:animScale>
+                                    <p:animScale>
+                                      <p:cBhvr>
+                                        <p:cTn id="26" dur="26">
+                                          <p:stCondLst>
+                                            <p:cond delay="1808"/>
+                                          </p:stCondLst>
+                                        </p:cTn>
+                                        <p:tgtEl>
+                                          <p:spTgt spid="26"/>
+                                        </p:tgtEl>
+                                      </p:cBhvr>
+                                      <p:to x="100000" y="95000"/>
+                                    </p:animScale>
+                                    <p:animScale>
+                                      <p:cBhvr>
+                                        <p:cTn id="27" dur="166" decel="50000">
+                                          <p:stCondLst>
+                                            <p:cond delay="1834"/>
+                                          </p:stCondLst>
+                                        </p:cTn>
+                                        <p:tgtEl>
+                                          <p:spTgt spid="26"/>
+                                        </p:tgtEl>
+                                      </p:cBhvr>
+                                      <p:to x="100000" y="100000"/>
+                                    </p:animScale>
+                                  </p:childTnLst>
+                                </p:cTn>
+                              </p:par>
+                            </p:childTnLst>
+                          </p:cTn>
+                        </p:par>
+                      </p:childTnLst>
+                    </p:cTn>
+                  </p:par>
+                  <p:par>
+                    <p:cTn id="28" fill="hold">
+                      <p:stCondLst>
+                        <p:cond delay="indefinite"/>
+                      </p:stCondLst>
+                      <p:childTnLst>
+                        <p:par>
+                          <p:cTn id="29" fill="hold">
+                            <p:stCondLst>
+                              <p:cond delay="0"/>
+                            </p:stCondLst>
+                            <p:childTnLst>
+                              <p:par>
+                                <p:cTn id="30" presetID="6" presetClass="emph" presetSubtype="0" fill="hold" grpId="0" nodeType="clickEffect">
+                                  <p:stCondLst>
+                                    <p:cond delay="0"/>
+                                  </p:stCondLst>
+                                  <p:childTnLst>
+                                    <p:animScale>
+                                      <p:cBhvr>
+                                        <p:cTn id="31" dur="2000" fill="hold"/>
+                                        <p:tgtEl>
+                                          <p:spTgt spid="26"/>
+                                        </p:tgtEl>
+                                      </p:cBhvr>
+                                      <p:by x="150000" y="150000"/>
+                                    </p:animScale>
+                                  </p:childTnLst>
+                                </p:cTn>
+                              </p:par>
+                            </p:childTnLst>
+                          </p:cTn>
+                        </p:par>
+                      </p:childTnLst>
+                    </p:cTn>
+                  </p:par>
+                  <p:par>
+                    <p:cTn id="32" fill="hold">
+                      <p:stCondLst>
+                        <p:cond delay="indefinite"/>
+                      </p:stCondLst>
+                      <p:childTnLst>
+                        <p:par>
+                          <p:cTn id="33" fill="hold">
+                            <p:stCondLst>
+                              <p:cond delay="0"/>
+                            </p:stCondLst>
+                            <p:childTnLst>
+                              <p:par>
+                                <p:cTn id="34" presetID="1" presetClass="emph" presetSubtype="2" fill="hold" grpId="0" nodeType="clickEffect">
+                                  <p:stCondLst>
+                                    <p:cond delay="0"/>
+                                  </p:stCondLst>
+                                  <p:childTnLst>
+                                    <p:animClr clrSpc="rgb" dir="cw">
+                                      <p:cBhvr>
+                                        <p:cTn id="35" dur="2000" fill="hold"/>
+                                        <p:tgtEl>
+                                          <p:spTgt spid="10"/>
+                                        </p:tgtEl>
+                                        <p:attrNameLst>
+                                          <p:attrName>fillcolor</p:attrName>
+                                        </p:attrNameLst>
+                                      </p:cBhvr>
+                                      <p:to>
+                                        <a:schemeClr val="accent2"/>
+                                      </p:to>
+                                    </p:animClr>
+                                    <p:set>
+                                      <p:cBhvr>
+                                        <p:cTn id="36" dur="2000" fill="hold"/>
+                                        <p:tgtEl>
+                                          <p:spTgt spid="10"/>
+                                        </p:tgtEl>
+                                        <p:attrNameLst>
+                                          <p:attrName>fill.type</p:attrName>
+                                        </p:attrNameLst>
+                                      </p:cBhvr>
+                                      <p:to>
+                                        <p:strVal val="solid"/>
+                                      </p:to>
+                                    </p:set>
+                                    <p:set>
+                                      <p:cBhvr>
+                                        <p:cTn id="37" dur="2000" fill="hold"/>
+                                        <p:tgtEl>
+                                          <p:spTgt spid="10"/>
+                                        </p:tgtEl>
+                                        <p:attrNameLst>
+                                          <p:attrName>fill.on</p:attrName>
+                                        </p:attrNameLst>
+                                      </p:cBhvr>
+                                      <p:to>
+                                        <p:strVal val="true"/>
+                                      </p:to>
+                                    </p:set>
+                                  </p:childTnLst>
+                                </p:cTn>
+                              </p:par>
+                            </p:childTnLst>
+                          </p:cTn>
+                        </p:par>
+                      </p:childTnLst>
+                    </p:cTn>
+                  </p:par>
+                  <p:par>
+                    <p:cTn id="38" fill="hold">
+                      <p:stCondLst>
+                        <p:cond delay="indefinite"/>
+                      </p:stCondLst>
+                      <p:childTnLst>
+                        <p:par>
+                          <p:cTn id="39" fill="hold">
+                            <p:stCondLst>
+                              <p:cond delay="0"/>
+                            </p:stCondLst>
+                            <p:childTnLst>
+                              <p:par>
+                                <p:cTn id="40" presetID="1" presetClass="emph" presetSubtype="2" fill="hold" nodeType="clickEffect">
+                                  <p:stCondLst>
+                                    <p:cond delay="0"/>
+                                  </p:stCondLst>
+                                  <p:childTnLst>
+                                    <p:animClr clrSpc="rgb" dir="cw">
+                                      <p:cBhvr>
+                                        <p:cTn id="41" dur="2000" fill="hold"/>
+                                        <p:tgtEl>
+                                          <p:spTgt spid="11"/>
+                                        </p:tgtEl>
+                                        <p:attrNameLst>
+                                          <p:attrName>fillcolor</p:attrName>
+                                        </p:attrNameLst>
+                                      </p:cBhvr>
+                                      <p:to>
+                                        <a:schemeClr val="accent2"/>
+                                      </p:to>
+                                    </p:animClr>
+                                    <p:set>
+                                      <p:cBhvr>
+                                        <p:cTn id="42" dur="2000" fill="hold"/>
+                                        <p:tgtEl>
+                                          <p:spTgt spid="11"/>
+                                        </p:tgtEl>
+                                        <p:attrNameLst>
+                                          <p:attrName>fill.type</p:attrName>
+                                        </p:attrNameLst>
+                                      </p:cBhvr>
+                                      <p:to>
+                                        <p:strVal val="solid"/>
+                                      </p:to>
+                                    </p:set>
+                                    <p:set>
+                                      <p:cBhvr>
+                                        <p:cTn id="43" dur="2000" fill="hold"/>
+                                        <p:tgtEl>
+                                          <p:spTgt spid="11"/>
+                                        </p:tgtEl>
+                                        <p:attrNameLst>
+                                          <p:attrName>fill.on</p:attrName>
+                                        </p:attrNameLst>
+                                      </p:cBhvr>
+                                      <p:to>
+                                        <p:strVal val="true"/>
+                                      </p:to>
+                                    </p:set>
+                                  </p:childTnLst>
+                                </p:cTn>
+                              </p:par>
+                            </p:childTnLst>
+                          </p:cTn>
+                        </p:par>
+                      </p:childTnLst>
+                    </p:cTn>
+                  </p:par>
+                  <p:par>
+                    <p:cTn id="44" fill="hold">
+                      <p:stCondLst>
+                        <p:cond delay="indefinite"/>
+                      </p:stCondLst>
+                      <p:childTnLst>
+                        <p:par>
+                          <p:cTn id="45" fill="hold">
+                            <p:stCondLst>
+                              <p:cond delay="0"/>
+                            </p:stCondLst>
+                            <p:childTnLst>
+                              <p:par>
+                                <p:cTn id="46" presetID="1" presetClass="emph" presetSubtype="2" fill="hold" nodeType="clickEffect">
+                                  <p:stCondLst>
+                                    <p:cond delay="0"/>
+                                  </p:stCondLst>
+                                  <p:childTnLst>
+                                    <p:animClr clrSpc="rgb" dir="cw">
+                                      <p:cBhvr>
+                                        <p:cTn id="47" dur="2000" fill="hold"/>
+                                        <p:tgtEl>
+                                          <p:spTgt spid="12"/>
+                                        </p:tgtEl>
+                                        <p:attrNameLst>
+                                          <p:attrName>fillcolor</p:attrName>
+                                        </p:attrNameLst>
+                                      </p:cBhvr>
+                                      <p:to>
+                                        <a:schemeClr val="accent2"/>
+                                      </p:to>
+                                    </p:animClr>
+                                    <p:set>
+                                      <p:cBhvr>
+                                        <p:cTn id="48" dur="2000" fill="hold"/>
+                                        <p:tgtEl>
+                                          <p:spTgt spid="12"/>
+                                        </p:tgtEl>
+                                        <p:attrNameLst>
+                                          <p:attrName>fill.type</p:attrName>
+                                        </p:attrNameLst>
+                                      </p:cBhvr>
+                                      <p:to>
+                                        <p:strVal val="solid"/>
+                                      </p:to>
+                                    </p:set>
+                                    <p:set>
+                                      <p:cBhvr>
+                                        <p:cTn id="49" dur="2000" fill="hold"/>
+                                        <p:tgtEl>
+                                          <p:spTgt spid="12"/>
+                                        </p:tgtEl>
+                                        <p:attrNameLst>
+                                          <p:attrName>fill.on</p:attrName>
+                                        </p:attrNameLst>
+                                      </p:cBhvr>
+                                      <p:to>
+                                        <p:strVal val="true"/>
+                                      </p:to>
+                                    </p:set>
+                                  </p:childTnLst>
+                                </p:cTn>
+                              </p:par>
+                            </p:childTnLst>
+                          </p:cTn>
+                        </p:par>
+                      </p:childTnLst>
+                    </p:cTn>
+                  </p:par>
+                  <p:par>
+                    <p:cTn id="50" fill="hold">
+                      <p:stCondLst>
+                        <p:cond delay="indefinite"/>
+                      </p:stCondLst>
+                      <p:childTnLst>
+                        <p:par>
+                          <p:cTn id="51" fill="hold">
+                            <p:stCondLst>
+                              <p:cond delay="0"/>
+                            </p:stCondLst>
+                            <p:childTnLst>
+                              <p:par>
+                                <p:cTn id="52" presetID="1" presetClass="emph" presetSubtype="2" fill="hold" nodeType="clickEffect">
+                                  <p:stCondLst>
+                                    <p:cond delay="0"/>
+                                  </p:stCondLst>
+                                  <p:childTnLst>
+                                    <p:animClr clrSpc="rgb" dir="cw">
+                                      <p:cBhvr>
+                                        <p:cTn id="53" dur="2000" fill="hold"/>
+                                        <p:tgtEl>
+                                          <p:spTgt spid="14"/>
+                                        </p:tgtEl>
+                                        <p:attrNameLst>
+                                          <p:attrName>fillcolor</p:attrName>
+                                        </p:attrNameLst>
+                                      </p:cBhvr>
+                                      <p:to>
+                                        <a:schemeClr val="accent2"/>
+                                      </p:to>
+                                    </p:animClr>
+                                    <p:set>
+                                      <p:cBhvr>
+                                        <p:cTn id="54" dur="2000" fill="hold"/>
+                                        <p:tgtEl>
+                                          <p:spTgt spid="14"/>
+                                        </p:tgtEl>
+                                        <p:attrNameLst>
+                                          <p:attrName>fill.type</p:attrName>
+                                        </p:attrNameLst>
+                                      </p:cBhvr>
+                                      <p:to>
+                                        <p:strVal val="solid"/>
+                                      </p:to>
+                                    </p:set>
+                                    <p:set>
+                                      <p:cBhvr>
+                                        <p:cTn id="55" dur="2000" fill="hold"/>
+                                        <p:tgtEl>
+                                          <p:spTgt spid="14"/>
+                                        </p:tgtEl>
+                                        <p:attrNameLst>
+                                          <p:attrName>fill.on</p:attrName>
+                                        </p:attrNameLst>
+                                      </p:cBhvr>
+                                      <p:to>
+                                        <p:strVal val="true"/>
+                                      </p:to>
+                                    </p:set>
+                                  </p:childTnLst>
+                                </p:cTn>
+                              </p:par>
+                            </p:childTnLst>
+                          </p:cTn>
+                        </p:par>
+                      </p:childTnLst>
+                    </p:cTn>
+                  </p:par>
+                </p:childTnLst>
+              </p:cTn>
+              <p:prevCondLst>
+                <p:cond evt="onPrev" delay="0">
+                  <p:tgtEl>
+                    <p:sldTgt/>
+                  </p:tgtEl>
+                </p:cond>
+              </p:prevCondLst>
+              <p:nextCondLst>
+                <p:cond evt="onNext" delay="0">
+                  <p:tgtEl>
+                    <p:sldTgt/>
+                  </p:tgtEl>
+                </p:cond>
+              </p:nextCondLst>
+            </p:seq>
+          </p:childTnLst>
+        </p:cTn>
+      </p:par>
+    </p:tnLst>
+    <p:bldLst>
+      <p:bldP spid="10" grpId="0" animBg="1"/>
+      <p:bldP spid="26" grpId="0" animBg="1"/>
+      <p:bldP spid="26" grpId="1" animBg="1"/>
+    </p:bldLst>
+  </p:timing>
+</p:sld>
+</file>
+
+<file path=ppt/slides/slide11.xml><?xml version="1.0" encoding="utf-8"?>
+<p:sld xmlns:a="http://schemas.openxmlformats.org/drawingml/2006/main" xmlns:r="http://schemas.openxmlformats.org/officeDocument/2006/relationships" xmlns:p="http://schemas.openxmlformats.org/presentationml/2006/main">
+  <p:cSld>
+    <p:spTree>
+      <p:nvGrpSpPr>
+        <p:cNvPr id="1" name=""/>
+        <p:cNvGrpSpPr/>
+        <p:nvPr/>
+      </p:nvGrpSpPr>
+      <p:grpSpPr>
+        <a:xfrm>
+          <a:off x="0" y="0"/>
+          <a:ext cx="0" cy="0"/>
+          <a:chOff x="0" y="0"/>
+          <a:chExt cx="0" cy="0"/>
+        </a:xfrm>
+      </p:grpSpPr>
+      <p:pic>
+        <p:nvPicPr>
+          <p:cNvPr id="7" name="Imagen 6"/>
+          <p:cNvPicPr>
+            <a:picLocks noChangeAspect="1"/>
+          </p:cNvPicPr>
+          <p:nvPr/>
+        </p:nvPicPr>
+        <p:blipFill rotWithShape="1">
+          <a:blip r:embed="rId3">
+            <a:extLst>
+              <a:ext uri="{28A0092B-C50C-407E-A947-70E740481C1C}">
+                <a14:useLocalDpi xmlns:a14="http://schemas.microsoft.com/office/drawing/2010/main" val="0"/>
+              </a:ext>
+            </a:extLst>
+          </a:blip>
+          <a:srcRect l="-153" t="20538" r="153" b="51651"/>
+          <a:stretch/>
+        </p:blipFill>
+        <p:spPr>
+          <a:xfrm>
+            <a:off x="-14013" y="1"/>
+            <a:ext cx="9172026" cy="802886"/>
+          </a:xfrm>
+          <a:prstGeom prst="rect">
+            <a:avLst/>
+          </a:prstGeom>
+        </p:spPr>
+      </p:pic>
+      <p:pic>
+        <p:nvPicPr>
+          <p:cNvPr id="2" name="Imagen 1"/>
+          <p:cNvPicPr>
+            <a:picLocks noChangeAspect="1"/>
+          </p:cNvPicPr>
+          <p:nvPr/>
+        </p:nvPicPr>
+        <p:blipFill>
+          <a:blip r:embed="rId4">
+            <a:extLst>
+              <a:ext uri="{28A0092B-C50C-407E-A947-70E740481C1C}">
+                <a14:useLocalDpi xmlns:a14="http://schemas.microsoft.com/office/drawing/2010/main" val="0"/>
+              </a:ext>
+            </a:extLst>
+          </a:blip>
+          <a:stretch>
+            <a:fillRect/>
+          </a:stretch>
+        </p:blipFill>
+        <p:spPr>
+          <a:xfrm>
+            <a:off x="8316024" y="89553"/>
+            <a:ext cx="719254" cy="600029"/>
+          </a:xfrm>
+          <a:prstGeom prst="rect">
+            <a:avLst/>
+          </a:prstGeom>
+        </p:spPr>
+      </p:pic>
+      <p:cxnSp>
+        <p:nvCxnSpPr>
+          <p:cNvPr id="48" name="Conector recto 47">
+            <a:extLst>
+              <a:ext uri="{FF2B5EF4-FFF2-40B4-BE49-F238E27FC236}">
+                <a16:creationId xmlns:a16="http://schemas.microsoft.com/office/drawing/2014/main" id="{47A71E6E-CEFB-4409-BE5A-DAA75229C265}"/>
+              </a:ext>
+            </a:extLst>
+          </p:cNvPr>
+          <p:cNvCxnSpPr>
+            <a:cxnSpLocks/>
+            <a:stCxn id="77" idx="6"/>
+          </p:cNvCxnSpPr>
+          <p:nvPr/>
+        </p:nvCxnSpPr>
+        <p:spPr>
+          <a:xfrm>
+            <a:off x="144000" y="1470820"/>
+            <a:ext cx="7914150" cy="0"/>
+          </a:xfrm>
+          <a:prstGeom prst="line">
+            <a:avLst/>
+          </a:prstGeom>
+          <a:noFill/>
+          <a:ln w="6350" cap="flat" cmpd="sng" algn="ctr">
+            <a:solidFill>
+              <a:sysClr val="window" lastClr="FFFFFF">
+                <a:lumMod val="65000"/>
+              </a:sysClr>
+            </a:solidFill>
+            <a:prstDash val="solid"/>
+            <a:miter lim="800000"/>
+          </a:ln>
+          <a:effectLst/>
+        </p:spPr>
+      </p:cxnSp>
+      <p:sp>
+        <p:nvSpPr>
+          <p:cNvPr id="77" name="Elipse 76">
+            <a:extLst>
+              <a:ext uri="{FF2B5EF4-FFF2-40B4-BE49-F238E27FC236}">
+                <a16:creationId xmlns:a16="http://schemas.microsoft.com/office/drawing/2014/main" id="{2971289C-465B-442E-ACCB-3ADFA813459D}"/>
+              </a:ext>
+            </a:extLst>
+          </p:cNvPr>
+          <p:cNvSpPr/>
+          <p:nvPr/>
+        </p:nvSpPr>
+        <p:spPr>
+          <a:xfrm>
+            <a:off x="0" y="1397000"/>
+            <a:ext cx="144000" cy="147640"/>
+          </a:xfrm>
+          <a:prstGeom prst="ellipse">
+            <a:avLst/>
+          </a:prstGeom>
+          <a:solidFill>
+            <a:sysClr val="window" lastClr="FFFFFF"/>
+          </a:solidFill>
+          <a:ln w="12700" cap="flat" cmpd="sng" algn="ctr">
+            <a:solidFill>
+              <a:sysClr val="window" lastClr="FFFFFF">
+                <a:lumMod val="65000"/>
+              </a:sysClr>
+            </a:solidFill>
+            <a:prstDash val="solid"/>
+            <a:miter lim="800000"/>
+          </a:ln>
+          <a:effectLst/>
+        </p:spPr>
+        <p:txBody>
+          <a:bodyPr rtlCol="0" anchor="ctr"/>
+          <a:lstStyle/>
+          <a:p>
+            <a:pPr marL="0" marR="0" lvl="0" indent="0" algn="ctr" defTabSz="914400" eaLnBrk="1" fontAlgn="auto" latinLnBrk="0" hangingPunct="1">
+              <a:lnSpc>
+                <a:spcPct val="100000"/>
+              </a:lnSpc>
+              <a:spcBef>
+                <a:spcPts val="0"/>
+              </a:spcBef>
+              <a:spcAft>
+                <a:spcPts val="0"/>
+              </a:spcAft>
+              <a:buClrTx/>
+              <a:buSzTx/>
+              <a:buFontTx/>
+              <a:buNone/>
+              <a:tabLst/>
+              <a:defRPr/>
+            </a:pPr>
+            <a:endParaRPr kumimoji="0" lang="es-CL" sz="1800" b="0" i="0" u="none" strike="noStrike" kern="0" cap="none" spc="0" normalizeH="0" baseline="0" noProof="0">
+              <a:ln>
+                <a:noFill/>
+              </a:ln>
+              <a:solidFill>
+                <a:prstClr val="white"/>
+              </a:solidFill>
+              <a:effectLst/>
+              <a:uLnTx/>
+              <a:uFillTx/>
+              <a:latin typeface="Calibri" panose="020F0502020204030204"/>
+              <a:ea typeface="+mn-ea"/>
+              <a:cs typeface="+mn-cs"/>
+            </a:endParaRPr>
+          </a:p>
+        </p:txBody>
+      </p:sp>
+      <p:sp>
+        <p:nvSpPr>
+          <p:cNvPr id="80" name="2 CuadroTexto">
+            <a:extLst>
+              <a:ext uri="{FF2B5EF4-FFF2-40B4-BE49-F238E27FC236}">
+                <a16:creationId xmlns:a16="http://schemas.microsoft.com/office/drawing/2014/main" id="{BEC35C67-D9A9-40B5-8795-B1AD983B674D}"/>
+              </a:ext>
+            </a:extLst>
+          </p:cNvPr>
+          <p:cNvSpPr txBox="1"/>
+          <p:nvPr/>
+        </p:nvSpPr>
+        <p:spPr>
+          <a:xfrm>
+            <a:off x="7188862" y="6403211"/>
+            <a:ext cx="1542847" cy="307777"/>
+          </a:xfrm>
+          <a:prstGeom prst="rect">
+            <a:avLst/>
+          </a:prstGeom>
+          <a:noFill/>
+        </p:spPr>
+        <p:txBody>
+          <a:bodyPr wrap="square" rtlCol="0">
+            <a:spAutoFit/>
+          </a:bodyPr>
+          <a:lstStyle/>
+          <a:p>
+            <a:pPr algn="r" defTabSz="914332">
+              <a:defRPr/>
+            </a:pPr>
+            <a:r>
+              <a:rPr lang="es-ES" sz="1400" i="1">
+                <a:solidFill>
+                  <a:prstClr val="black"/>
+                </a:solidFill>
+                <a:latin typeface="Arial" panose="020B0604020202020204" pitchFamily="34" charset="0"/>
+                <a:cs typeface="Arial" panose="020B0604020202020204" pitchFamily="34" charset="0"/>
+              </a:rPr>
+              <a:t>Abril </a:t>
+            </a:r>
+            <a:r>
+              <a:rPr lang="es-CL" sz="1400" i="1">
+                <a:solidFill>
+                  <a:prstClr val="black"/>
+                </a:solidFill>
+                <a:latin typeface="Arial" panose="020B0604020202020204" pitchFamily="34" charset="0"/>
+                <a:cs typeface="Arial" panose="020B0604020202020204" pitchFamily="34" charset="0"/>
+              </a:rPr>
+              <a:t>2024</a:t>
+            </a:r>
+          </a:p>
+        </p:txBody>
+      </p:sp>
+      <p:sp>
+        <p:nvSpPr>
+          <p:cNvPr id="43" name="CuadroTexto 42">
+            <a:extLst>
+              <a:ext uri="{FF2B5EF4-FFF2-40B4-BE49-F238E27FC236}">
+                <a16:creationId xmlns:a16="http://schemas.microsoft.com/office/drawing/2014/main" id="{227163E9-5661-4AAF-9078-F7CFD4D862FB}"/>
+              </a:ext>
+            </a:extLst>
+          </p:cNvPr>
+          <p:cNvSpPr txBox="1"/>
+          <p:nvPr/>
+        </p:nvSpPr>
+        <p:spPr>
+          <a:xfrm>
+            <a:off x="328592" y="177986"/>
+            <a:ext cx="5229246" cy="461665"/>
+          </a:xfrm>
+          <a:prstGeom prst="rect">
+            <a:avLst/>
+          </a:prstGeom>
+          <a:noFill/>
+        </p:spPr>
+        <p:txBody>
+          <a:bodyPr wrap="square" rtlCol="0">
+            <a:spAutoFit/>
+          </a:bodyPr>
+          <a:lstStyle/>
+          <a:p>
+            <a:r>
+              <a:rPr lang="es-ES_tradnl" sz="2400" b="1">
+                <a:solidFill>
+                  <a:schemeClr val="bg1"/>
+                </a:solidFill>
+                <a:ea typeface="Gungsuh" charset="-127"/>
+                <a:cs typeface="Gungsuh" charset="-127"/>
+              </a:rPr>
+              <a:t>Diamantes: </a:t>
+            </a:r>
+            <a:r>
+              <a:rPr lang="es-ES_tradnl" sz="2400" b="1" err="1">
+                <a:solidFill>
+                  <a:schemeClr val="bg1"/>
+                </a:solidFill>
+                <a:ea typeface="Gungsuh" charset="-127"/>
+                <a:cs typeface="Gungsuh" charset="-127"/>
+              </a:rPr>
+              <a:t>Boxplot</a:t>
+            </a:r>
+            <a:r>
+              <a:rPr lang="es-ES_tradnl" sz="2400" b="1">
+                <a:solidFill>
+                  <a:schemeClr val="bg1"/>
+                </a:solidFill>
+                <a:ea typeface="Gungsuh" charset="-127"/>
+                <a:cs typeface="Gungsuh" charset="-127"/>
+              </a:rPr>
+              <a:t> Variables</a:t>
+            </a:r>
+          </a:p>
+        </p:txBody>
+      </p:sp>
+      <p:pic>
+        <p:nvPicPr>
+          <p:cNvPr id="13" name="Imagen 12" descr="Gráfico, Gráfico de dispersión&#10;&#10;Descripción generada automáticamente">
+            <a:extLst>
+              <a:ext uri="{FF2B5EF4-FFF2-40B4-BE49-F238E27FC236}">
+                <a16:creationId xmlns:a16="http://schemas.microsoft.com/office/drawing/2014/main" id="{C685C7A1-8B66-C5C3-468B-0DBE529B18F1}"/>
+              </a:ext>
+            </a:extLst>
+          </p:cNvPr>
+          <p:cNvPicPr>
+            <a:picLocks noChangeAspect="1"/>
+          </p:cNvPicPr>
+          <p:nvPr/>
+        </p:nvPicPr>
+        <p:blipFill>
+          <a:blip r:embed="rId5">
+            <a:extLst>
+              <a:ext uri="{28A0092B-C50C-407E-A947-70E740481C1C}">
+                <a14:useLocalDpi xmlns:a14="http://schemas.microsoft.com/office/drawing/2010/main" val="0"/>
+              </a:ext>
+            </a:extLst>
+          </a:blip>
+          <a:stretch>
+            <a:fillRect/>
+          </a:stretch>
+        </p:blipFill>
+        <p:spPr>
+          <a:xfrm>
+            <a:off x="1328021" y="1904197"/>
+            <a:ext cx="6487957" cy="4680000"/>
+          </a:xfrm>
+          <a:prstGeom prst="rect">
+            <a:avLst/>
+          </a:prstGeom>
+        </p:spPr>
+      </p:pic>
+      <p:sp>
+        <p:nvSpPr>
+          <p:cNvPr id="14" name="Rectángulo 13">
+            <a:extLst>
+              <a:ext uri="{FF2B5EF4-FFF2-40B4-BE49-F238E27FC236}">
+                <a16:creationId xmlns:a16="http://schemas.microsoft.com/office/drawing/2014/main" id="{677E6D0B-43E2-A3CD-CF04-C9698F0E3E96}"/>
+              </a:ext>
+            </a:extLst>
+          </p:cNvPr>
+          <p:cNvSpPr/>
+          <p:nvPr/>
+        </p:nvSpPr>
+        <p:spPr>
+          <a:xfrm>
+            <a:off x="2537949" y="1774490"/>
+            <a:ext cx="4068100" cy="461665"/>
+          </a:xfrm>
+          <a:prstGeom prst="rect">
+            <a:avLst/>
+          </a:prstGeom>
+          <a:noFill/>
+        </p:spPr>
+        <p:txBody>
+          <a:bodyPr wrap="none" lIns="91440" tIns="45720" rIns="91440" bIns="45720">
+            <a:spAutoFit/>
+          </a:bodyPr>
+          <a:lstStyle/>
+          <a:p>
+            <a:pPr algn="ctr"/>
+            <a:r>
+              <a:rPr lang="es-ES" sz="2400" b="1">
+                <a:ln w="6600">
+                  <a:solidFill>
+                    <a:schemeClr val="accent2"/>
+                  </a:solidFill>
+                  <a:prstDash val="solid"/>
+                </a:ln>
+                <a:solidFill>
+                  <a:srgbClr val="FFFFFF"/>
+                </a:solidFill>
+                <a:effectLst>
+                  <a:outerShdw dist="38100" dir="2700000" algn="tl" rotWithShape="0">
+                    <a:schemeClr val="accent2"/>
+                  </a:outerShdw>
+                </a:effectLst>
+              </a:rPr>
+              <a:t>BOXPLOT VARIABLE ANCHO</a:t>
+            </a:r>
+          </a:p>
+        </p:txBody>
+      </p:sp>
+      <p:pic>
+        <p:nvPicPr>
+          <p:cNvPr id="15" name="Imagen 14" descr="Gráfico, Gráfico de cajas y bigotes&#10;&#10;Descripción generada automáticamente">
+            <a:extLst>
+              <a:ext uri="{FF2B5EF4-FFF2-40B4-BE49-F238E27FC236}">
+                <a16:creationId xmlns:a16="http://schemas.microsoft.com/office/drawing/2014/main" id="{B5FB0709-CA6B-796C-F207-E2E3E5254193}"/>
+              </a:ext>
+            </a:extLst>
+          </p:cNvPr>
+          <p:cNvPicPr>
+            <a:picLocks noChangeAspect="1"/>
+          </p:cNvPicPr>
+          <p:nvPr/>
+        </p:nvPicPr>
+        <p:blipFill>
+          <a:blip r:embed="rId6">
+            <a:extLst>
+              <a:ext uri="{28A0092B-C50C-407E-A947-70E740481C1C}">
+                <a14:useLocalDpi xmlns:a14="http://schemas.microsoft.com/office/drawing/2010/main" val="0"/>
+              </a:ext>
+            </a:extLst>
+          </a:blip>
+          <a:stretch>
+            <a:fillRect/>
+          </a:stretch>
+        </p:blipFill>
+        <p:spPr>
+          <a:xfrm>
+            <a:off x="1328021" y="1896579"/>
+            <a:ext cx="6487957" cy="4680000"/>
+          </a:xfrm>
+          <a:prstGeom prst="rect">
+            <a:avLst/>
+          </a:prstGeom>
+        </p:spPr>
+      </p:pic>
+      <p:sp>
+        <p:nvSpPr>
+          <p:cNvPr id="16" name="Rectángulo 15">
+            <a:extLst>
+              <a:ext uri="{FF2B5EF4-FFF2-40B4-BE49-F238E27FC236}">
+                <a16:creationId xmlns:a16="http://schemas.microsoft.com/office/drawing/2014/main" id="{34488E94-14C7-8C2F-CFF4-E46CD954E185}"/>
+              </a:ext>
+            </a:extLst>
+          </p:cNvPr>
+          <p:cNvSpPr/>
+          <p:nvPr/>
+        </p:nvSpPr>
+        <p:spPr>
+          <a:xfrm>
+            <a:off x="2886612" y="1766069"/>
+            <a:ext cx="3758722" cy="461665"/>
+          </a:xfrm>
+          <a:prstGeom prst="rect">
+            <a:avLst/>
+          </a:prstGeom>
+          <a:noFill/>
+        </p:spPr>
+        <p:txBody>
+          <a:bodyPr wrap="none" lIns="91440" tIns="45720" rIns="91440" bIns="45720">
+            <a:spAutoFit/>
+          </a:bodyPr>
+          <a:lstStyle/>
+          <a:p>
+            <a:pPr algn="ctr"/>
+            <a:r>
+              <a:rPr lang="es-ES" sz="2400" b="1">
+                <a:ln w="6600">
+                  <a:solidFill>
+                    <a:schemeClr val="accent2"/>
+                  </a:solidFill>
+                  <a:prstDash val="solid"/>
+                </a:ln>
+                <a:solidFill>
+                  <a:srgbClr val="FFFFFF"/>
+                </a:solidFill>
+                <a:effectLst>
+                  <a:outerShdw dist="38100" dir="2700000" algn="tl" rotWithShape="0">
+                    <a:schemeClr val="accent2"/>
+                  </a:outerShdw>
+                </a:effectLst>
+              </a:rPr>
+              <a:t>BOXPLOT VARIABLE PESO</a:t>
+            </a:r>
+          </a:p>
+        </p:txBody>
+      </p:sp>
+      <p:pic>
+        <p:nvPicPr>
+          <p:cNvPr id="17" name="Imagen 16" descr="Gráfico, Gráfico de cajas y bigotes&#10;&#10;Descripción generada automáticamente">
+            <a:extLst>
+              <a:ext uri="{FF2B5EF4-FFF2-40B4-BE49-F238E27FC236}">
+                <a16:creationId xmlns:a16="http://schemas.microsoft.com/office/drawing/2014/main" id="{57884A4A-6B3B-716A-8333-5B15206471D4}"/>
+              </a:ext>
+            </a:extLst>
+          </p:cNvPr>
+          <p:cNvPicPr>
+            <a:picLocks noChangeAspect="1"/>
+          </p:cNvPicPr>
+          <p:nvPr/>
+        </p:nvPicPr>
+        <p:blipFill>
+          <a:blip r:embed="rId7">
+            <a:extLst>
+              <a:ext uri="{28A0092B-C50C-407E-A947-70E740481C1C}">
+                <a14:useLocalDpi xmlns:a14="http://schemas.microsoft.com/office/drawing/2010/main" val="0"/>
+              </a:ext>
+            </a:extLst>
+          </a:blip>
+          <a:stretch>
+            <a:fillRect/>
+          </a:stretch>
+        </p:blipFill>
+        <p:spPr>
+          <a:xfrm>
+            <a:off x="1328021" y="1818000"/>
+            <a:ext cx="6987031" cy="5040000"/>
+          </a:xfrm>
+          <a:prstGeom prst="rect">
+            <a:avLst/>
+          </a:prstGeom>
+        </p:spPr>
+      </p:pic>
+      <p:sp>
+        <p:nvSpPr>
+          <p:cNvPr id="18" name="Rectángulo 17">
+            <a:extLst>
+              <a:ext uri="{FF2B5EF4-FFF2-40B4-BE49-F238E27FC236}">
+                <a16:creationId xmlns:a16="http://schemas.microsoft.com/office/drawing/2014/main" id="{70B55675-5972-D105-E5A3-7BF9612E5671}"/>
+              </a:ext>
+            </a:extLst>
+          </p:cNvPr>
+          <p:cNvSpPr/>
+          <p:nvPr/>
+        </p:nvSpPr>
+        <p:spPr>
+          <a:xfrm>
+            <a:off x="2455772" y="1725590"/>
+            <a:ext cx="5119479" cy="461665"/>
+          </a:xfrm>
+          <a:prstGeom prst="rect">
+            <a:avLst/>
+          </a:prstGeom>
+          <a:noFill/>
+        </p:spPr>
+        <p:txBody>
+          <a:bodyPr wrap="none" lIns="91440" tIns="45720" rIns="91440" bIns="45720">
+            <a:spAutoFit/>
+          </a:bodyPr>
+          <a:lstStyle/>
+          <a:p>
+            <a:pPr algn="ctr"/>
+            <a:r>
+              <a:rPr lang="es-ES" sz="2400" b="1">
+                <a:ln w="6600">
+                  <a:solidFill>
+                    <a:schemeClr val="accent2"/>
+                  </a:solidFill>
+                  <a:prstDash val="solid"/>
+                </a:ln>
+                <a:solidFill>
+                  <a:srgbClr val="FFFFFF"/>
+                </a:solidFill>
+                <a:effectLst>
+                  <a:outerShdw dist="38100" dir="2700000" algn="tl" rotWithShape="0">
+                    <a:schemeClr val="accent2"/>
+                  </a:outerShdw>
+                </a:effectLst>
+              </a:rPr>
+              <a:t>BOXPLOT VARIABLE PROFUNDIDAD</a:t>
+            </a:r>
+          </a:p>
+        </p:txBody>
+      </p:sp>
+      <p:pic>
+        <p:nvPicPr>
+          <p:cNvPr id="19" name="Imagen 18" descr="Gráfico, Gráfico de cajas y bigotes&#10;&#10;Descripción generada automáticamente">
+            <a:extLst>
+              <a:ext uri="{FF2B5EF4-FFF2-40B4-BE49-F238E27FC236}">
+                <a16:creationId xmlns:a16="http://schemas.microsoft.com/office/drawing/2014/main" id="{896199EC-4C71-1BCA-40C8-9EE3C5AD358B}"/>
+              </a:ext>
+            </a:extLst>
+          </p:cNvPr>
+          <p:cNvPicPr>
+            <a:picLocks noChangeAspect="1"/>
+          </p:cNvPicPr>
+          <p:nvPr/>
+        </p:nvPicPr>
+        <p:blipFill>
+          <a:blip r:embed="rId8">
+            <a:extLst>
+              <a:ext uri="{28A0092B-C50C-407E-A947-70E740481C1C}">
+                <a14:useLocalDpi xmlns:a14="http://schemas.microsoft.com/office/drawing/2010/main" val="0"/>
+              </a:ext>
+            </a:extLst>
+          </a:blip>
+          <a:stretch>
+            <a:fillRect/>
+          </a:stretch>
+        </p:blipFill>
+        <p:spPr>
+          <a:xfrm>
+            <a:off x="1236475" y="1783077"/>
+            <a:ext cx="6987031" cy="5040000"/>
+          </a:xfrm>
+          <a:prstGeom prst="rect">
+            <a:avLst/>
+          </a:prstGeom>
+        </p:spPr>
+      </p:pic>
+      <p:sp>
+        <p:nvSpPr>
+          <p:cNvPr id="20" name="Rectángulo 19">
+            <a:extLst>
+              <a:ext uri="{FF2B5EF4-FFF2-40B4-BE49-F238E27FC236}">
+                <a16:creationId xmlns:a16="http://schemas.microsoft.com/office/drawing/2014/main" id="{3E28FD58-74B4-65B7-FD06-FC05CF5094CB}"/>
+              </a:ext>
+            </a:extLst>
+          </p:cNvPr>
+          <p:cNvSpPr/>
+          <p:nvPr/>
+        </p:nvSpPr>
+        <p:spPr>
+          <a:xfrm>
+            <a:off x="2886612" y="1587167"/>
+            <a:ext cx="4074705" cy="461665"/>
+          </a:xfrm>
+          <a:prstGeom prst="rect">
+            <a:avLst/>
+          </a:prstGeom>
+          <a:noFill/>
+        </p:spPr>
+        <p:txBody>
+          <a:bodyPr wrap="none" lIns="91440" tIns="45720" rIns="91440" bIns="45720">
+            <a:spAutoFit/>
+          </a:bodyPr>
+          <a:lstStyle/>
+          <a:p>
+            <a:pPr algn="ctr"/>
+            <a:r>
+              <a:rPr lang="es-ES" sz="2400" b="1">
+                <a:ln w="6600">
+                  <a:solidFill>
+                    <a:schemeClr val="accent2"/>
+                  </a:solidFill>
+                  <a:prstDash val="solid"/>
+                </a:ln>
+                <a:solidFill>
+                  <a:srgbClr val="FFFFFF"/>
+                </a:solidFill>
+                <a:effectLst>
+                  <a:outerShdw dist="38100" dir="2700000" algn="tl" rotWithShape="0">
+                    <a:schemeClr val="accent2"/>
+                  </a:outerShdw>
+                </a:effectLst>
+              </a:rPr>
+              <a:t>BOXPLOT VARIABLE PRECIO</a:t>
+            </a:r>
+          </a:p>
+        </p:txBody>
+      </p:sp>
+      <p:pic>
+        <p:nvPicPr>
+          <p:cNvPr id="21" name="Imagen 20" descr="Gráfico, Gráfico de cajas y bigotes&#10;&#10;Descripción generada automáticamente">
+            <a:extLst>
+              <a:ext uri="{FF2B5EF4-FFF2-40B4-BE49-F238E27FC236}">
+                <a16:creationId xmlns:a16="http://schemas.microsoft.com/office/drawing/2014/main" id="{9B2822C0-BD63-A8F1-0B24-058492501142}"/>
+              </a:ext>
+            </a:extLst>
+          </p:cNvPr>
+          <p:cNvPicPr>
+            <a:picLocks noChangeAspect="1"/>
+          </p:cNvPicPr>
+          <p:nvPr/>
+        </p:nvPicPr>
+        <p:blipFill>
+          <a:blip r:embed="rId9">
+            <a:extLst>
+              <a:ext uri="{28A0092B-C50C-407E-A947-70E740481C1C}">
+                <a14:useLocalDpi xmlns:a14="http://schemas.microsoft.com/office/drawing/2010/main" val="0"/>
+              </a:ext>
+            </a:extLst>
+          </a:blip>
+          <a:stretch>
+            <a:fillRect/>
+          </a:stretch>
+        </p:blipFill>
+        <p:spPr>
+          <a:xfrm>
+            <a:off x="1342375" y="1648769"/>
+            <a:ext cx="6987031" cy="5040000"/>
+          </a:xfrm>
+          <a:prstGeom prst="rect">
+            <a:avLst/>
+          </a:prstGeom>
+        </p:spPr>
+      </p:pic>
+      <p:sp>
+        <p:nvSpPr>
+          <p:cNvPr id="22" name="Rectángulo 21">
+            <a:extLst>
+              <a:ext uri="{FF2B5EF4-FFF2-40B4-BE49-F238E27FC236}">
+                <a16:creationId xmlns:a16="http://schemas.microsoft.com/office/drawing/2014/main" id="{51891CF5-1F68-1099-5138-734252BA4E71}"/>
+              </a:ext>
+            </a:extLst>
+          </p:cNvPr>
+          <p:cNvSpPr/>
+          <p:nvPr/>
+        </p:nvSpPr>
+        <p:spPr>
+          <a:xfrm>
+            <a:off x="3308816" y="1581759"/>
+            <a:ext cx="3442097" cy="461665"/>
+          </a:xfrm>
+          <a:prstGeom prst="rect">
+            <a:avLst/>
+          </a:prstGeom>
+          <a:noFill/>
+        </p:spPr>
+        <p:txBody>
+          <a:bodyPr wrap="none" lIns="91440" tIns="45720" rIns="91440" bIns="45720">
+            <a:spAutoFit/>
+          </a:bodyPr>
+          <a:lstStyle/>
+          <a:p>
+            <a:pPr algn="ctr"/>
+            <a:r>
+              <a:rPr lang="es-ES" sz="2400" b="1">
+                <a:ln w="6600">
+                  <a:solidFill>
+                    <a:schemeClr val="accent2"/>
+                  </a:solidFill>
+                  <a:prstDash val="solid"/>
+                </a:ln>
+                <a:solidFill>
+                  <a:srgbClr val="FFFFFF"/>
+                </a:solidFill>
+                <a:effectLst>
+                  <a:outerShdw dist="38100" dir="2700000" algn="tl" rotWithShape="0">
+                    <a:schemeClr val="accent2"/>
+                  </a:outerShdw>
+                </a:effectLst>
+              </a:rPr>
+              <a:t>BOXPLOT VARIABLE “X”</a:t>
+            </a:r>
+          </a:p>
+        </p:txBody>
+      </p:sp>
+      <p:pic>
+        <p:nvPicPr>
+          <p:cNvPr id="23" name="Imagen 22" descr="Gráfico, Gráfico de dispersión&#10;&#10;Descripción generada automáticamente">
+            <a:extLst>
+              <a:ext uri="{FF2B5EF4-FFF2-40B4-BE49-F238E27FC236}">
+                <a16:creationId xmlns:a16="http://schemas.microsoft.com/office/drawing/2014/main" id="{58769AE6-5B10-8657-BD4F-53F83392C9DF}"/>
+              </a:ext>
+            </a:extLst>
+          </p:cNvPr>
+          <p:cNvPicPr>
+            <a:picLocks noChangeAspect="1"/>
+          </p:cNvPicPr>
+          <p:nvPr/>
+        </p:nvPicPr>
+        <p:blipFill>
+          <a:blip r:embed="rId10">
+            <a:extLst>
+              <a:ext uri="{28A0092B-C50C-407E-A947-70E740481C1C}">
+                <a14:useLocalDpi xmlns:a14="http://schemas.microsoft.com/office/drawing/2010/main" val="0"/>
+              </a:ext>
+            </a:extLst>
+          </a:blip>
+          <a:stretch>
+            <a:fillRect/>
+          </a:stretch>
+        </p:blipFill>
+        <p:spPr>
+          <a:xfrm>
+            <a:off x="1282248" y="1539279"/>
+            <a:ext cx="6987031" cy="5040000"/>
+          </a:xfrm>
+          <a:prstGeom prst="rect">
+            <a:avLst/>
+          </a:prstGeom>
+        </p:spPr>
+      </p:pic>
+      <p:sp>
+        <p:nvSpPr>
+          <p:cNvPr id="24" name="Rectángulo 23">
+            <a:extLst>
+              <a:ext uri="{FF2B5EF4-FFF2-40B4-BE49-F238E27FC236}">
+                <a16:creationId xmlns:a16="http://schemas.microsoft.com/office/drawing/2014/main" id="{12844151-6DFB-4ECD-3FE0-DFD551FD81A2}"/>
+              </a:ext>
+            </a:extLst>
+          </p:cNvPr>
+          <p:cNvSpPr/>
+          <p:nvPr/>
+        </p:nvSpPr>
+        <p:spPr>
+          <a:xfrm>
+            <a:off x="3250292" y="1523069"/>
+            <a:ext cx="3438891" cy="461665"/>
+          </a:xfrm>
+          <a:prstGeom prst="rect">
+            <a:avLst/>
+          </a:prstGeom>
+          <a:noFill/>
+        </p:spPr>
+        <p:txBody>
+          <a:bodyPr wrap="none" lIns="91440" tIns="45720" rIns="91440" bIns="45720">
+            <a:spAutoFit/>
+          </a:bodyPr>
+          <a:lstStyle/>
+          <a:p>
+            <a:pPr algn="ctr"/>
+            <a:r>
+              <a:rPr lang="es-ES" sz="2400" b="1">
+                <a:ln w="6600">
+                  <a:solidFill>
+                    <a:schemeClr val="accent2"/>
+                  </a:solidFill>
+                  <a:prstDash val="solid"/>
+                </a:ln>
+                <a:solidFill>
+                  <a:srgbClr val="FFFFFF"/>
+                </a:solidFill>
+                <a:effectLst>
+                  <a:outerShdw dist="38100" dir="2700000" algn="tl" rotWithShape="0">
+                    <a:schemeClr val="accent2"/>
+                  </a:outerShdw>
+                </a:effectLst>
+              </a:rPr>
+              <a:t>BOXPLOT VARIABLE “Y”</a:t>
+            </a:r>
+          </a:p>
+        </p:txBody>
+      </p:sp>
+      <p:pic>
+        <p:nvPicPr>
+          <p:cNvPr id="25" name="Imagen 24" descr="Gráfico&#10;&#10;Descripción generada automáticamente">
+            <a:extLst>
+              <a:ext uri="{FF2B5EF4-FFF2-40B4-BE49-F238E27FC236}">
+                <a16:creationId xmlns:a16="http://schemas.microsoft.com/office/drawing/2014/main" id="{2D0D134D-DF9E-1191-967D-81144D6C8489}"/>
+              </a:ext>
+            </a:extLst>
+          </p:cNvPr>
+          <p:cNvPicPr>
+            <a:picLocks noChangeAspect="1"/>
+          </p:cNvPicPr>
+          <p:nvPr/>
+        </p:nvPicPr>
+        <p:blipFill>
+          <a:blip r:embed="rId11">
+            <a:extLst>
+              <a:ext uri="{28A0092B-C50C-407E-A947-70E740481C1C}">
+                <a14:useLocalDpi xmlns:a14="http://schemas.microsoft.com/office/drawing/2010/main" val="0"/>
+              </a:ext>
+            </a:extLst>
+          </a:blip>
+          <a:stretch>
+            <a:fillRect/>
+          </a:stretch>
+        </p:blipFill>
+        <p:spPr>
+          <a:xfrm>
+            <a:off x="1152754" y="1544197"/>
+            <a:ext cx="6987031" cy="5040000"/>
+          </a:xfrm>
+          <a:prstGeom prst="rect">
+            <a:avLst/>
+          </a:prstGeom>
+        </p:spPr>
+      </p:pic>
+      <p:sp>
+        <p:nvSpPr>
+          <p:cNvPr id="26" name="Rectángulo 25">
+            <a:extLst>
+              <a:ext uri="{FF2B5EF4-FFF2-40B4-BE49-F238E27FC236}">
+                <a16:creationId xmlns:a16="http://schemas.microsoft.com/office/drawing/2014/main" id="{4156F238-0315-7BF1-D77B-C4117DDB145F}"/>
+              </a:ext>
+            </a:extLst>
+          </p:cNvPr>
+          <p:cNvSpPr/>
+          <p:nvPr/>
+        </p:nvSpPr>
+        <p:spPr>
+          <a:xfrm>
+            <a:off x="3127210" y="1515287"/>
+            <a:ext cx="3426067" cy="461665"/>
+          </a:xfrm>
+          <a:prstGeom prst="rect">
+            <a:avLst/>
+          </a:prstGeom>
+          <a:noFill/>
+        </p:spPr>
+        <p:txBody>
+          <a:bodyPr wrap="none" lIns="91440" tIns="45720" rIns="91440" bIns="45720">
+            <a:spAutoFit/>
+          </a:bodyPr>
+          <a:lstStyle/>
+          <a:p>
+            <a:pPr algn="ctr"/>
+            <a:r>
+              <a:rPr lang="es-ES" sz="2400" b="1">
+                <a:ln w="6600">
+                  <a:solidFill>
+                    <a:schemeClr val="accent2"/>
+                  </a:solidFill>
+                  <a:prstDash val="solid"/>
+                </a:ln>
+                <a:solidFill>
+                  <a:srgbClr val="FFFFFF"/>
+                </a:solidFill>
+                <a:effectLst>
+                  <a:outerShdw dist="38100" dir="2700000" algn="tl" rotWithShape="0">
+                    <a:schemeClr val="accent2"/>
+                  </a:outerShdw>
+                </a:effectLst>
+              </a:rPr>
+              <a:t>BOXPLOT VARIABLE “Z”</a:t>
+            </a:r>
+          </a:p>
+        </p:txBody>
+      </p:sp>
+    </p:spTree>
+    <p:extLst>
+      <p:ext uri="{BB962C8B-B14F-4D97-AF65-F5344CB8AC3E}">
+        <p14:creationId xmlns:p14="http://schemas.microsoft.com/office/powerpoint/2010/main" val="418297950"/>
+      </p:ext>
+    </p:extLst>
+  </p:cSld>
+  <p:clrMapOvr>
+    <a:masterClrMapping/>
+  </p:clrMapOvr>
+  <p:timing>
+    <p:tnLst>
+      <p:par>
+        <p:cTn id="1" dur="indefinite" restart="never" nodeType="tmRoot">
+          <p:childTnLst>
+            <p:seq concurrent="1" nextAc="seek">
+              <p:cTn id="2" dur="indefinite" nodeType="mainSeq">
+                <p:childTnLst>
+                  <p:par>
+                    <p:cTn id="3" fill="hold">
+                      <p:stCondLst>
+                        <p:cond delay="indefinite"/>
+                      </p:stCondLst>
+                      <p:childTnLst>
+                        <p:par>
+                          <p:cTn id="4" fill="hold">
+                            <p:stCondLst>
+                              <p:cond delay="0"/>
+                            </p:stCondLst>
+                            <p:childTnLst>
+                              <p:par>
+                                <p:cTn id="5" presetID="22" presetClass="entr" presetSubtype="4" fill="hold" grpId="0" nodeType="clickEffect">
+                                  <p:stCondLst>
+                                    <p:cond delay="0"/>
+                                  </p:stCondLst>
+                                  <p:childTnLst>
+                                    <p:set>
+                                      <p:cBhvr>
+                                        <p:cTn id="6" dur="1" fill="hold">
+                                          <p:stCondLst>
+                                            <p:cond delay="0"/>
+                                          </p:stCondLst>
+                                        </p:cTn>
+                                        <p:tgtEl>
+                                          <p:spTgt spid="14"/>
+                                        </p:tgtEl>
+                                        <p:attrNameLst>
+                                          <p:attrName>style.visibility</p:attrName>
+                                        </p:attrNameLst>
+                                      </p:cBhvr>
+                                      <p:to>
+                                        <p:strVal val="visible"/>
+                                      </p:to>
+                                    </p:set>
+                                    <p:animEffect transition="in" filter="wipe(down)">
+                                      <p:cBhvr>
+                                        <p:cTn id="7" dur="500"/>
+                                        <p:tgtEl>
+                                          <p:spTgt spid="14"/>
+                                        </p:tgtEl>
+                                      </p:cBhvr>
+                                    </p:animEffect>
+                                  </p:childTnLst>
+                                </p:cTn>
+                              </p:par>
+                              <p:par>
+                                <p:cTn id="8" presetID="22" presetClass="entr" presetSubtype="4" fill="hold" nodeType="withEffect">
+                                  <p:stCondLst>
+                                    <p:cond delay="0"/>
+                                  </p:stCondLst>
+                                  <p:childTnLst>
+                                    <p:set>
+                                      <p:cBhvr>
+                                        <p:cTn id="9" dur="1" fill="hold">
+                                          <p:stCondLst>
+                                            <p:cond delay="0"/>
+                                          </p:stCondLst>
+                                        </p:cTn>
+                                        <p:tgtEl>
+                                          <p:spTgt spid="13"/>
+                                        </p:tgtEl>
+                                        <p:attrNameLst>
+                                          <p:attrName>style.visibility</p:attrName>
+                                        </p:attrNameLst>
+                                      </p:cBhvr>
+                                      <p:to>
+                                        <p:strVal val="visible"/>
+                                      </p:to>
+                                    </p:set>
+                                    <p:animEffect transition="in" filter="wipe(down)">
+                                      <p:cBhvr>
+                                        <p:cTn id="10" dur="500"/>
+                                        <p:tgtEl>
+                                          <p:spTgt spid="13"/>
+                                        </p:tgtEl>
+                                      </p:cBhvr>
+                                    </p:animEffect>
+                                  </p:childTnLst>
+                                </p:cTn>
+                              </p:par>
+                            </p:childTnLst>
+                          </p:cTn>
+                        </p:par>
+                      </p:childTnLst>
+                    </p:cTn>
+                  </p:par>
+                  <p:par>
+                    <p:cTn id="11" fill="hold">
+                      <p:stCondLst>
+                        <p:cond delay="indefinite"/>
+                      </p:stCondLst>
+                      <p:childTnLst>
+                        <p:par>
+                          <p:cTn id="12" fill="hold">
+                            <p:stCondLst>
+                              <p:cond delay="0"/>
+                            </p:stCondLst>
+                            <p:childTnLst>
+                              <p:par>
+                                <p:cTn id="13" presetID="22" presetClass="entr" presetSubtype="4" fill="hold" nodeType="clickEffect">
+                                  <p:stCondLst>
+                                    <p:cond delay="0"/>
+                                  </p:stCondLst>
+                                  <p:childTnLst>
+                                    <p:set>
+                                      <p:cBhvr>
+                                        <p:cTn id="14" dur="1" fill="hold">
+                                          <p:stCondLst>
+                                            <p:cond delay="0"/>
+                                          </p:stCondLst>
+                                        </p:cTn>
+                                        <p:tgtEl>
+                                          <p:spTgt spid="15"/>
+                                        </p:tgtEl>
+                                        <p:attrNameLst>
+                                          <p:attrName>style.visibility</p:attrName>
+                                        </p:attrNameLst>
+                                      </p:cBhvr>
+                                      <p:to>
+                                        <p:strVal val="visible"/>
+                                      </p:to>
+                                    </p:set>
+                                    <p:animEffect transition="in" filter="wipe(down)">
+                                      <p:cBhvr>
+                                        <p:cTn id="15" dur="500"/>
+                                        <p:tgtEl>
+                                          <p:spTgt spid="15"/>
+                                        </p:tgtEl>
+                                      </p:cBhvr>
+                                    </p:animEffect>
+                                  </p:childTnLst>
+                                </p:cTn>
+                              </p:par>
+                              <p:par>
+                                <p:cTn id="16" presetID="22" presetClass="entr" presetSubtype="4" fill="hold" grpId="0" nodeType="withEffect">
+                                  <p:stCondLst>
+                                    <p:cond delay="0"/>
+                                  </p:stCondLst>
+                                  <p:childTnLst>
+                                    <p:set>
+                                      <p:cBhvr>
+                                        <p:cTn id="17" dur="1" fill="hold">
+                                          <p:stCondLst>
+                                            <p:cond delay="0"/>
+                                          </p:stCondLst>
+                                        </p:cTn>
+                                        <p:tgtEl>
+                                          <p:spTgt spid="16"/>
+                                        </p:tgtEl>
+                                        <p:attrNameLst>
+                                          <p:attrName>style.visibility</p:attrName>
+                                        </p:attrNameLst>
+                                      </p:cBhvr>
+                                      <p:to>
+                                        <p:strVal val="visible"/>
+                                      </p:to>
+                                    </p:set>
+                                    <p:animEffect transition="in" filter="wipe(down)">
+                                      <p:cBhvr>
+                                        <p:cTn id="18" dur="500"/>
+                                        <p:tgtEl>
+                                          <p:spTgt spid="16"/>
+                                        </p:tgtEl>
+                                      </p:cBhvr>
+                                    </p:animEffect>
+                                  </p:childTnLst>
+                                </p:cTn>
+                              </p:par>
+                            </p:childTnLst>
+                          </p:cTn>
+                        </p:par>
+                      </p:childTnLst>
+                    </p:cTn>
+                  </p:par>
+                  <p:par>
+                    <p:cTn id="19" fill="hold">
+                      <p:stCondLst>
+                        <p:cond delay="indefinite"/>
+                      </p:stCondLst>
+                      <p:childTnLst>
+                        <p:par>
+                          <p:cTn id="20" fill="hold">
+                            <p:stCondLst>
+                              <p:cond delay="0"/>
+                            </p:stCondLst>
+                            <p:childTnLst>
+                              <p:par>
+                                <p:cTn id="21" presetID="22" presetClass="entr" presetSubtype="4" fill="hold" nodeType="clickEffect">
+                                  <p:stCondLst>
+                                    <p:cond delay="0"/>
+                                  </p:stCondLst>
+                                  <p:childTnLst>
+                                    <p:set>
+                                      <p:cBhvr>
+                                        <p:cTn id="22" dur="1" fill="hold">
+                                          <p:stCondLst>
+                                            <p:cond delay="0"/>
+                                          </p:stCondLst>
+                                        </p:cTn>
+                                        <p:tgtEl>
+                                          <p:spTgt spid="17"/>
+                                        </p:tgtEl>
+                                        <p:attrNameLst>
+                                          <p:attrName>style.visibility</p:attrName>
+                                        </p:attrNameLst>
+                                      </p:cBhvr>
+                                      <p:to>
+                                        <p:strVal val="visible"/>
+                                      </p:to>
+                                    </p:set>
+                                    <p:animEffect transition="in" filter="wipe(down)">
+                                      <p:cBhvr>
+                                        <p:cTn id="23" dur="500"/>
+                                        <p:tgtEl>
+                                          <p:spTgt spid="17"/>
+                                        </p:tgtEl>
+                                      </p:cBhvr>
+                                    </p:animEffect>
+                                  </p:childTnLst>
+                                </p:cTn>
+                              </p:par>
+                              <p:par>
+                                <p:cTn id="24" presetID="22" presetClass="entr" presetSubtype="4" fill="hold" grpId="0" nodeType="withEffect">
+                                  <p:stCondLst>
+                                    <p:cond delay="0"/>
+                                  </p:stCondLst>
+                                  <p:childTnLst>
+                                    <p:set>
+                                      <p:cBhvr>
+                                        <p:cTn id="25" dur="1" fill="hold">
+                                          <p:stCondLst>
+                                            <p:cond delay="0"/>
+                                          </p:stCondLst>
+                                        </p:cTn>
+                                        <p:tgtEl>
+                                          <p:spTgt spid="18"/>
+                                        </p:tgtEl>
+                                        <p:attrNameLst>
+                                          <p:attrName>style.visibility</p:attrName>
+                                        </p:attrNameLst>
+                                      </p:cBhvr>
+                                      <p:to>
+                                        <p:strVal val="visible"/>
+                                      </p:to>
+                                    </p:set>
+                                    <p:animEffect transition="in" filter="wipe(down)">
+                                      <p:cBhvr>
+                                        <p:cTn id="26" dur="500"/>
+                                        <p:tgtEl>
+                                          <p:spTgt spid="18"/>
+                                        </p:tgtEl>
+                                      </p:cBhvr>
+                                    </p:animEffect>
+                                  </p:childTnLst>
+                                </p:cTn>
+                              </p:par>
+                            </p:childTnLst>
+                          </p:cTn>
+                        </p:par>
+                      </p:childTnLst>
+                    </p:cTn>
+                  </p:par>
+                  <p:par>
+                    <p:cTn id="27" fill="hold">
+                      <p:stCondLst>
+                        <p:cond delay="indefinite"/>
+                      </p:stCondLst>
+                      <p:childTnLst>
+                        <p:par>
+                          <p:cTn id="28" fill="hold">
+                            <p:stCondLst>
+                              <p:cond delay="0"/>
+                            </p:stCondLst>
+                            <p:childTnLst>
+                              <p:par>
+                                <p:cTn id="29" presetID="22" presetClass="entr" presetSubtype="4" fill="hold" nodeType="clickEffect">
+                                  <p:stCondLst>
+                                    <p:cond delay="0"/>
+                                  </p:stCondLst>
+                                  <p:childTnLst>
+                                    <p:set>
+                                      <p:cBhvr>
+                                        <p:cTn id="30" dur="1" fill="hold">
+                                          <p:stCondLst>
+                                            <p:cond delay="0"/>
+                                          </p:stCondLst>
+                                        </p:cTn>
+                                        <p:tgtEl>
+                                          <p:spTgt spid="19"/>
+                                        </p:tgtEl>
+                                        <p:attrNameLst>
+                                          <p:attrName>style.visibility</p:attrName>
+                                        </p:attrNameLst>
+                                      </p:cBhvr>
+                                      <p:to>
+                                        <p:strVal val="visible"/>
+                                      </p:to>
+                                    </p:set>
+                                    <p:animEffect transition="in" filter="wipe(down)">
+                                      <p:cBhvr>
+                                        <p:cTn id="31" dur="500"/>
+                                        <p:tgtEl>
+                                          <p:spTgt spid="19"/>
+                                        </p:tgtEl>
+                                      </p:cBhvr>
+                                    </p:animEffect>
+                                  </p:childTnLst>
+                                </p:cTn>
+                              </p:par>
+                              <p:par>
+                                <p:cTn id="32" presetID="22" presetClass="entr" presetSubtype="4" fill="hold" grpId="0" nodeType="withEffect">
+                                  <p:stCondLst>
+                                    <p:cond delay="0"/>
+                                  </p:stCondLst>
+                                  <p:childTnLst>
+                                    <p:set>
+                                      <p:cBhvr>
+                                        <p:cTn id="33" dur="1" fill="hold">
+                                          <p:stCondLst>
+                                            <p:cond delay="0"/>
+                                          </p:stCondLst>
+                                        </p:cTn>
+                                        <p:tgtEl>
+                                          <p:spTgt spid="20"/>
+                                        </p:tgtEl>
+                                        <p:attrNameLst>
+                                          <p:attrName>style.visibility</p:attrName>
+                                        </p:attrNameLst>
+                                      </p:cBhvr>
+                                      <p:to>
+                                        <p:strVal val="visible"/>
+                                      </p:to>
+                                    </p:set>
+                                    <p:animEffect transition="in" filter="wipe(down)">
+                                      <p:cBhvr>
+                                        <p:cTn id="34" dur="500"/>
+                                        <p:tgtEl>
+                                          <p:spTgt spid="20"/>
+                                        </p:tgtEl>
+                                      </p:cBhvr>
+                                    </p:animEffect>
+                                  </p:childTnLst>
+                                </p:cTn>
+                              </p:par>
+                            </p:childTnLst>
+                          </p:cTn>
+                        </p:par>
+                      </p:childTnLst>
+                    </p:cTn>
+                  </p:par>
+                  <p:par>
+                    <p:cTn id="35" fill="hold">
+                      <p:stCondLst>
+                        <p:cond delay="indefinite"/>
+                      </p:stCondLst>
+                      <p:childTnLst>
+                        <p:par>
+                          <p:cTn id="36" fill="hold">
+                            <p:stCondLst>
+                              <p:cond delay="0"/>
+                            </p:stCondLst>
+                            <p:childTnLst>
+                              <p:par>
+                                <p:cTn id="37" presetID="22" presetClass="entr" presetSubtype="4" fill="hold" nodeType="clickEffect">
+                                  <p:stCondLst>
+                                    <p:cond delay="0"/>
+                                  </p:stCondLst>
+                                  <p:childTnLst>
+                                    <p:set>
+                                      <p:cBhvr>
+                                        <p:cTn id="38" dur="1" fill="hold">
+                                          <p:stCondLst>
+                                            <p:cond delay="0"/>
+                                          </p:stCondLst>
+                                        </p:cTn>
+                                        <p:tgtEl>
+                                          <p:spTgt spid="21"/>
+                                        </p:tgtEl>
+                                        <p:attrNameLst>
+                                          <p:attrName>style.visibility</p:attrName>
+                                        </p:attrNameLst>
+                                      </p:cBhvr>
+                                      <p:to>
+                                        <p:strVal val="visible"/>
+                                      </p:to>
+                                    </p:set>
+                                    <p:animEffect transition="in" filter="wipe(down)">
+                                      <p:cBhvr>
+                                        <p:cTn id="39" dur="500"/>
+                                        <p:tgtEl>
+                                          <p:spTgt spid="21"/>
+                                        </p:tgtEl>
+                                      </p:cBhvr>
+                                    </p:animEffect>
+                                  </p:childTnLst>
+                                </p:cTn>
+                              </p:par>
+                              <p:par>
+                                <p:cTn id="40" presetID="22" presetClass="entr" presetSubtype="4" fill="hold" grpId="0" nodeType="withEffect">
+                                  <p:stCondLst>
+                                    <p:cond delay="0"/>
+                                  </p:stCondLst>
+                                  <p:childTnLst>
+                                    <p:set>
+                                      <p:cBhvr>
+                                        <p:cTn id="41" dur="1" fill="hold">
+                                          <p:stCondLst>
+                                            <p:cond delay="0"/>
+                                          </p:stCondLst>
+                                        </p:cTn>
+                                        <p:tgtEl>
+                                          <p:spTgt spid="22"/>
+                                        </p:tgtEl>
+                                        <p:attrNameLst>
+                                          <p:attrName>style.visibility</p:attrName>
+                                        </p:attrNameLst>
+                                      </p:cBhvr>
+                                      <p:to>
+                                        <p:strVal val="visible"/>
+                                      </p:to>
+                                    </p:set>
+                                    <p:animEffect transition="in" filter="wipe(down)">
+                                      <p:cBhvr>
+                                        <p:cTn id="42" dur="500"/>
+                                        <p:tgtEl>
+                                          <p:spTgt spid="22"/>
+                                        </p:tgtEl>
+                                      </p:cBhvr>
+                                    </p:animEffect>
+                                  </p:childTnLst>
+                                </p:cTn>
+                              </p:par>
+                            </p:childTnLst>
+                          </p:cTn>
+                        </p:par>
+                      </p:childTnLst>
+                    </p:cTn>
+                  </p:par>
+                  <p:par>
+                    <p:cTn id="43" fill="hold">
+                      <p:stCondLst>
+                        <p:cond delay="indefinite"/>
+                      </p:stCondLst>
+                      <p:childTnLst>
+                        <p:par>
+                          <p:cTn id="44" fill="hold">
+                            <p:stCondLst>
+                              <p:cond delay="0"/>
+                            </p:stCondLst>
+                            <p:childTnLst>
+                              <p:par>
+                                <p:cTn id="45" presetID="22" presetClass="entr" presetSubtype="4" fill="hold" nodeType="clickEffect">
+                                  <p:stCondLst>
+                                    <p:cond delay="0"/>
+                                  </p:stCondLst>
+                                  <p:childTnLst>
+                                    <p:set>
+                                      <p:cBhvr>
+                                        <p:cTn id="46" dur="1" fill="hold">
+                                          <p:stCondLst>
+                                            <p:cond delay="0"/>
+                                          </p:stCondLst>
+                                        </p:cTn>
+                                        <p:tgtEl>
+                                          <p:spTgt spid="23"/>
+                                        </p:tgtEl>
+                                        <p:attrNameLst>
+                                          <p:attrName>style.visibility</p:attrName>
+                                        </p:attrNameLst>
+                                      </p:cBhvr>
+                                      <p:to>
+                                        <p:strVal val="visible"/>
+                                      </p:to>
+                                    </p:set>
+                                    <p:animEffect transition="in" filter="wipe(down)">
+                                      <p:cBhvr>
+                                        <p:cTn id="47" dur="500"/>
+                                        <p:tgtEl>
+                                          <p:spTgt spid="23"/>
+                                        </p:tgtEl>
+                                      </p:cBhvr>
+                                    </p:animEffect>
+                                  </p:childTnLst>
+                                </p:cTn>
+                              </p:par>
+                              <p:par>
+                                <p:cTn id="48" presetID="22" presetClass="entr" presetSubtype="4" fill="hold" grpId="0" nodeType="withEffect">
+                                  <p:stCondLst>
+                                    <p:cond delay="0"/>
+                                  </p:stCondLst>
+                                  <p:childTnLst>
+                                    <p:set>
+                                      <p:cBhvr>
+                                        <p:cTn id="49" dur="1" fill="hold">
+                                          <p:stCondLst>
+                                            <p:cond delay="0"/>
+                                          </p:stCondLst>
+                                        </p:cTn>
+                                        <p:tgtEl>
+                                          <p:spTgt spid="24"/>
+                                        </p:tgtEl>
+                                        <p:attrNameLst>
+                                          <p:attrName>style.visibility</p:attrName>
+                                        </p:attrNameLst>
+                                      </p:cBhvr>
+                                      <p:to>
+                                        <p:strVal val="visible"/>
+                                      </p:to>
+                                    </p:set>
+                                    <p:animEffect transition="in" filter="wipe(down)">
+                                      <p:cBhvr>
+                                        <p:cTn id="50" dur="500"/>
+                                        <p:tgtEl>
+                                          <p:spTgt spid="24"/>
+                                        </p:tgtEl>
+                                      </p:cBhvr>
+                                    </p:animEffect>
+                                  </p:childTnLst>
+                                </p:cTn>
+                              </p:par>
+                            </p:childTnLst>
+                          </p:cTn>
+                        </p:par>
+                      </p:childTnLst>
+                    </p:cTn>
+                  </p:par>
+                  <p:par>
+                    <p:cTn id="51" fill="hold">
+                      <p:stCondLst>
+                        <p:cond delay="indefinite"/>
+                      </p:stCondLst>
+                      <p:childTnLst>
+                        <p:par>
+                          <p:cTn id="52" fill="hold">
+                            <p:stCondLst>
+                              <p:cond delay="0"/>
+                            </p:stCondLst>
+                            <p:childTnLst>
+                              <p:par>
+                                <p:cTn id="53" presetID="22" presetClass="entr" presetSubtype="4" fill="hold" nodeType="clickEffect">
+                                  <p:stCondLst>
+                                    <p:cond delay="0"/>
+                                  </p:stCondLst>
+                                  <p:childTnLst>
+                                    <p:set>
+                                      <p:cBhvr>
+                                        <p:cTn id="54" dur="1" fill="hold">
+                                          <p:stCondLst>
+                                            <p:cond delay="0"/>
+                                          </p:stCondLst>
+                                        </p:cTn>
+                                        <p:tgtEl>
+                                          <p:spTgt spid="25"/>
+                                        </p:tgtEl>
+                                        <p:attrNameLst>
+                                          <p:attrName>style.visibility</p:attrName>
+                                        </p:attrNameLst>
+                                      </p:cBhvr>
+                                      <p:to>
+                                        <p:strVal val="visible"/>
+                                      </p:to>
+                                    </p:set>
+                                    <p:animEffect transition="in" filter="wipe(down)">
+                                      <p:cBhvr>
+                                        <p:cTn id="55" dur="500"/>
+                                        <p:tgtEl>
+                                          <p:spTgt spid="25"/>
+                                        </p:tgtEl>
+                                      </p:cBhvr>
+                                    </p:animEffect>
+                                  </p:childTnLst>
+                                </p:cTn>
+                              </p:par>
+                              <p:par>
+                                <p:cTn id="56" presetID="22" presetClass="entr" presetSubtype="4" fill="hold" grpId="0" nodeType="withEffect">
+                                  <p:stCondLst>
+                                    <p:cond delay="0"/>
+                                  </p:stCondLst>
+                                  <p:childTnLst>
+                                    <p:set>
+                                      <p:cBhvr>
+                                        <p:cTn id="57" dur="1" fill="hold">
+                                          <p:stCondLst>
+                                            <p:cond delay="0"/>
+                                          </p:stCondLst>
+                                        </p:cTn>
+                                        <p:tgtEl>
+                                          <p:spTgt spid="26"/>
+                                        </p:tgtEl>
+                                        <p:attrNameLst>
+                                          <p:attrName>style.visibility</p:attrName>
+                                        </p:attrNameLst>
+                                      </p:cBhvr>
+                                      <p:to>
+                                        <p:strVal val="visible"/>
+                                      </p:to>
+                                    </p:set>
+                                    <p:animEffect transition="in" filter="wipe(down)">
+                                      <p:cBhvr>
+                                        <p:cTn id="58" dur="500"/>
+                                        <p:tgtEl>
+                                          <p:spTgt spid="26"/>
+                                        </p:tgtEl>
+                                      </p:cBhvr>
+                                    </p:animEffect>
+                                  </p:childTnLst>
+                                </p:cTn>
+                              </p:par>
+                            </p:childTnLst>
+                          </p:cTn>
+                        </p:par>
+                      </p:childTnLst>
+                    </p:cTn>
+                  </p:par>
+                </p:childTnLst>
+              </p:cTn>
+              <p:prevCondLst>
+                <p:cond evt="onPrev" delay="0">
+                  <p:tgtEl>
+                    <p:sldTgt/>
+                  </p:tgtEl>
+                </p:cond>
+              </p:prevCondLst>
+              <p:nextCondLst>
+                <p:cond evt="onNext" delay="0">
+                  <p:tgtEl>
+                    <p:sldTgt/>
+                  </p:tgtEl>
+                </p:cond>
+              </p:nextCondLst>
+            </p:seq>
+          </p:childTnLst>
+        </p:cTn>
+      </p:par>
+    </p:tnLst>
+    <p:bldLst>
+      <p:bldP spid="14" grpId="0"/>
+      <p:bldP spid="16" grpId="0"/>
+      <p:bldP spid="18" grpId="0"/>
+      <p:bldP spid="20" grpId="0"/>
+      <p:bldP spid="22" grpId="0"/>
+      <p:bldP spid="24" grpId="0"/>
+      <p:bldP spid="26" grpId="0"/>
+    </p:bldLst>
+  </p:timing>
+</p:sld>
+</file>
+
+<file path=ppt/slides/slide12.xml><?xml version="1.0" encoding="utf-8"?>
+<p:sld xmlns:a="http://schemas.openxmlformats.org/drawingml/2006/main" xmlns:r="http://schemas.openxmlformats.org/officeDocument/2006/relationships" xmlns:p="http://schemas.openxmlformats.org/presentationml/2006/main">
+  <p:cSld>
+    <p:spTree>
+      <p:nvGrpSpPr>
+        <p:cNvPr id="1" name=""/>
+        <p:cNvGrpSpPr/>
+        <p:nvPr/>
+      </p:nvGrpSpPr>
+      <p:grpSpPr>
+        <a:xfrm>
+          <a:off x="0" y="0"/>
+          <a:ext cx="0" cy="0"/>
+          <a:chOff x="0" y="0"/>
+          <a:chExt cx="0" cy="0"/>
+        </a:xfrm>
+      </p:grpSpPr>
+      <p:pic>
+        <p:nvPicPr>
+          <p:cNvPr id="7" name="Imagen 6"/>
+          <p:cNvPicPr>
+            <a:picLocks noChangeAspect="1"/>
+          </p:cNvPicPr>
+          <p:nvPr/>
+        </p:nvPicPr>
+        <p:blipFill rotWithShape="1">
+          <a:blip r:embed="rId3">
+            <a:extLst>
+              <a:ext uri="{28A0092B-C50C-407E-A947-70E740481C1C}">
+                <a14:useLocalDpi xmlns:a14="http://schemas.microsoft.com/office/drawing/2010/main" val="0"/>
+              </a:ext>
+            </a:extLst>
+          </a:blip>
+          <a:srcRect l="-153" t="20538" r="153" b="51651"/>
+          <a:stretch/>
+        </p:blipFill>
+        <p:spPr>
+          <a:xfrm>
+            <a:off x="-14013" y="1"/>
+            <a:ext cx="9172026" cy="802886"/>
+          </a:xfrm>
+          <a:prstGeom prst="rect">
+            <a:avLst/>
+          </a:prstGeom>
+        </p:spPr>
+      </p:pic>
+      <p:pic>
+        <p:nvPicPr>
+          <p:cNvPr id="2" name="Imagen 1"/>
+          <p:cNvPicPr>
+            <a:picLocks noChangeAspect="1"/>
+          </p:cNvPicPr>
+          <p:nvPr/>
+        </p:nvPicPr>
+        <p:blipFill>
+          <a:blip r:embed="rId4">
+            <a:extLst>
+              <a:ext uri="{28A0092B-C50C-407E-A947-70E740481C1C}">
+                <a14:useLocalDpi xmlns:a14="http://schemas.microsoft.com/office/drawing/2010/main" val="0"/>
+              </a:ext>
+            </a:extLst>
+          </a:blip>
+          <a:stretch>
+            <a:fillRect/>
+          </a:stretch>
+        </p:blipFill>
+        <p:spPr>
+          <a:xfrm>
+            <a:off x="8316024" y="89553"/>
+            <a:ext cx="719254" cy="600029"/>
+          </a:xfrm>
+          <a:prstGeom prst="rect">
+            <a:avLst/>
+          </a:prstGeom>
+        </p:spPr>
+      </p:pic>
+      <p:cxnSp>
+        <p:nvCxnSpPr>
+          <p:cNvPr id="47" name="Conector recto 46">
+            <a:extLst>
+              <a:ext uri="{FF2B5EF4-FFF2-40B4-BE49-F238E27FC236}">
+                <a16:creationId xmlns:a16="http://schemas.microsoft.com/office/drawing/2014/main" id="{4181175F-F92E-4346-BEF2-F4DEB204DBB1}"/>
+              </a:ext>
+            </a:extLst>
+          </p:cNvPr>
+          <p:cNvCxnSpPr>
+            <a:cxnSpLocks/>
+          </p:cNvCxnSpPr>
+          <p:nvPr/>
+        </p:nvCxnSpPr>
+        <p:spPr>
+          <a:xfrm flipV="1">
+            <a:off x="1190625" y="5978980"/>
+            <a:ext cx="7844653" cy="26290"/>
+          </a:xfrm>
+          <a:prstGeom prst="line">
+            <a:avLst/>
+          </a:prstGeom>
+          <a:noFill/>
+          <a:ln w="6350" cap="flat" cmpd="sng" algn="ctr">
+            <a:solidFill>
+              <a:sysClr val="window" lastClr="FFFFFF">
+                <a:lumMod val="65000"/>
+              </a:sysClr>
+            </a:solidFill>
+            <a:prstDash val="solid"/>
+            <a:miter lim="800000"/>
+          </a:ln>
+          <a:effectLst/>
+        </p:spPr>
+      </p:cxnSp>
+      <p:cxnSp>
+        <p:nvCxnSpPr>
+          <p:cNvPr id="48" name="Conector recto 47">
+            <a:extLst>
+              <a:ext uri="{FF2B5EF4-FFF2-40B4-BE49-F238E27FC236}">
+                <a16:creationId xmlns:a16="http://schemas.microsoft.com/office/drawing/2014/main" id="{47A71E6E-CEFB-4409-BE5A-DAA75229C265}"/>
+              </a:ext>
+            </a:extLst>
+          </p:cNvPr>
+          <p:cNvCxnSpPr>
+            <a:cxnSpLocks/>
+            <a:stCxn id="77" idx="6"/>
+          </p:cNvCxnSpPr>
+          <p:nvPr/>
+        </p:nvCxnSpPr>
+        <p:spPr>
+          <a:xfrm>
+            <a:off x="144000" y="1470820"/>
+            <a:ext cx="7914150" cy="0"/>
+          </a:xfrm>
+          <a:prstGeom prst="line">
+            <a:avLst/>
+          </a:prstGeom>
+          <a:noFill/>
+          <a:ln w="6350" cap="flat" cmpd="sng" algn="ctr">
+            <a:solidFill>
+              <a:sysClr val="window" lastClr="FFFFFF">
+                <a:lumMod val="65000"/>
+              </a:sysClr>
+            </a:solidFill>
+            <a:prstDash val="solid"/>
+            <a:miter lim="800000"/>
+          </a:ln>
+          <a:effectLst/>
+        </p:spPr>
+      </p:cxnSp>
+      <p:sp>
+        <p:nvSpPr>
+          <p:cNvPr id="77" name="Elipse 76">
+            <a:extLst>
+              <a:ext uri="{FF2B5EF4-FFF2-40B4-BE49-F238E27FC236}">
+                <a16:creationId xmlns:a16="http://schemas.microsoft.com/office/drawing/2014/main" id="{2971289C-465B-442E-ACCB-3ADFA813459D}"/>
+              </a:ext>
+            </a:extLst>
+          </p:cNvPr>
+          <p:cNvSpPr/>
+          <p:nvPr/>
+        </p:nvSpPr>
+        <p:spPr>
+          <a:xfrm>
+            <a:off x="0" y="1397000"/>
+            <a:ext cx="144000" cy="147640"/>
+          </a:xfrm>
+          <a:prstGeom prst="ellipse">
+            <a:avLst/>
+          </a:prstGeom>
+          <a:solidFill>
+            <a:sysClr val="window" lastClr="FFFFFF"/>
+          </a:solidFill>
+          <a:ln w="12700" cap="flat" cmpd="sng" algn="ctr">
+            <a:solidFill>
+              <a:sysClr val="window" lastClr="FFFFFF">
+                <a:lumMod val="65000"/>
+              </a:sysClr>
+            </a:solidFill>
+            <a:prstDash val="solid"/>
+            <a:miter lim="800000"/>
+          </a:ln>
+          <a:effectLst/>
+        </p:spPr>
+        <p:txBody>
+          <a:bodyPr rtlCol="0" anchor="ctr"/>
+          <a:lstStyle/>
+          <a:p>
+            <a:pPr marL="0" marR="0" lvl="0" indent="0" algn="ctr" defTabSz="914400" eaLnBrk="1" fontAlgn="auto" latinLnBrk="0" hangingPunct="1">
+              <a:lnSpc>
+                <a:spcPct val="100000"/>
+              </a:lnSpc>
+              <a:spcBef>
+                <a:spcPts val="0"/>
+              </a:spcBef>
+              <a:spcAft>
+                <a:spcPts val="0"/>
+              </a:spcAft>
+              <a:buClrTx/>
+              <a:buSzTx/>
+              <a:buFontTx/>
+              <a:buNone/>
+              <a:tabLst/>
+              <a:defRPr/>
+            </a:pPr>
+            <a:endParaRPr kumimoji="0" lang="es-CL" sz="1800" b="0" i="0" u="none" strike="noStrike" kern="0" cap="none" spc="0" normalizeH="0" baseline="0" noProof="0">
+              <a:ln>
+                <a:noFill/>
+              </a:ln>
+              <a:solidFill>
+                <a:prstClr val="white"/>
+              </a:solidFill>
+              <a:effectLst/>
+              <a:uLnTx/>
+              <a:uFillTx/>
+              <a:latin typeface="Calibri" panose="020F0502020204030204"/>
+              <a:ea typeface="+mn-ea"/>
+              <a:cs typeface="+mn-cs"/>
+            </a:endParaRPr>
+          </a:p>
+        </p:txBody>
+      </p:sp>
+      <p:sp>
+        <p:nvSpPr>
+          <p:cNvPr id="80" name="2 CuadroTexto">
+            <a:extLst>
+              <a:ext uri="{FF2B5EF4-FFF2-40B4-BE49-F238E27FC236}">
+                <a16:creationId xmlns:a16="http://schemas.microsoft.com/office/drawing/2014/main" id="{BEC35C67-D9A9-40B5-8795-B1AD983B674D}"/>
+              </a:ext>
+            </a:extLst>
+          </p:cNvPr>
+          <p:cNvSpPr txBox="1"/>
+          <p:nvPr/>
+        </p:nvSpPr>
+        <p:spPr>
+          <a:xfrm>
+            <a:off x="7188862" y="6403211"/>
+            <a:ext cx="1542847" cy="307777"/>
+          </a:xfrm>
+          <a:prstGeom prst="rect">
+            <a:avLst/>
+          </a:prstGeom>
+          <a:noFill/>
+        </p:spPr>
+        <p:txBody>
+          <a:bodyPr wrap="square" rtlCol="0">
+            <a:spAutoFit/>
+          </a:bodyPr>
+          <a:lstStyle/>
+          <a:p>
+            <a:pPr algn="r" defTabSz="914332">
+              <a:defRPr/>
+            </a:pPr>
+            <a:r>
+              <a:rPr lang="es-ES" sz="1400" i="1">
+                <a:solidFill>
+                  <a:prstClr val="black"/>
+                </a:solidFill>
+                <a:latin typeface="Arial" panose="020B0604020202020204" pitchFamily="34" charset="0"/>
+                <a:cs typeface="Arial" panose="020B0604020202020204" pitchFamily="34" charset="0"/>
+              </a:rPr>
+              <a:t>Abril </a:t>
+            </a:r>
+            <a:r>
+              <a:rPr lang="es-CL" sz="1400" i="1">
+                <a:solidFill>
+                  <a:prstClr val="black"/>
+                </a:solidFill>
+                <a:latin typeface="Arial" panose="020B0604020202020204" pitchFamily="34" charset="0"/>
+                <a:cs typeface="Arial" panose="020B0604020202020204" pitchFamily="34" charset="0"/>
+              </a:rPr>
+              <a:t>2024</a:t>
+            </a:r>
+          </a:p>
+        </p:txBody>
+      </p:sp>
+      <p:sp>
+        <p:nvSpPr>
+          <p:cNvPr id="43" name="CuadroTexto 42">
+            <a:extLst>
+              <a:ext uri="{FF2B5EF4-FFF2-40B4-BE49-F238E27FC236}">
+                <a16:creationId xmlns:a16="http://schemas.microsoft.com/office/drawing/2014/main" id="{227163E9-5661-4AAF-9078-F7CFD4D862FB}"/>
+              </a:ext>
+            </a:extLst>
+          </p:cNvPr>
+          <p:cNvSpPr txBox="1"/>
+          <p:nvPr/>
+        </p:nvSpPr>
+        <p:spPr>
+          <a:xfrm>
+            <a:off x="328592" y="177986"/>
+            <a:ext cx="5229246" cy="461665"/>
+          </a:xfrm>
+          <a:prstGeom prst="rect">
+            <a:avLst/>
+          </a:prstGeom>
+          <a:noFill/>
+        </p:spPr>
+        <p:txBody>
+          <a:bodyPr wrap="square" rtlCol="0">
+            <a:spAutoFit/>
+          </a:bodyPr>
+          <a:lstStyle/>
+          <a:p>
+            <a:r>
+              <a:rPr lang="es-ES_tradnl" sz="2400" b="1">
+                <a:solidFill>
+                  <a:schemeClr val="bg1"/>
+                </a:solidFill>
+                <a:ea typeface="Gungsuh" charset="-127"/>
+                <a:cs typeface="Gungsuh" charset="-127"/>
+              </a:rPr>
+              <a:t>Diamantes: </a:t>
+            </a:r>
+            <a:r>
+              <a:rPr lang="es-ES_tradnl" sz="2400" b="1" err="1">
+                <a:solidFill>
+                  <a:schemeClr val="bg1"/>
+                </a:solidFill>
+                <a:ea typeface="Gungsuh" charset="-127"/>
+                <a:cs typeface="Gungsuh" charset="-127"/>
+              </a:rPr>
+              <a:t>Boxplot</a:t>
+            </a:r>
+            <a:r>
+              <a:rPr lang="es-ES_tradnl" sz="2400" b="1">
+                <a:solidFill>
+                  <a:schemeClr val="bg1"/>
+                </a:solidFill>
+                <a:ea typeface="Gungsuh" charset="-127"/>
+                <a:cs typeface="Gungsuh" charset="-127"/>
+              </a:rPr>
+              <a:t> respecto a la talla</a:t>
+            </a:r>
+          </a:p>
+        </p:txBody>
+      </p:sp>
+      <p:pic>
+        <p:nvPicPr>
+          <p:cNvPr id="24" name="Imagen 23" descr="Gráfico, Gráfico de cajas y bigotes&#10;&#10;Descripción generada automáticamente">
+            <a:extLst>
+              <a:ext uri="{FF2B5EF4-FFF2-40B4-BE49-F238E27FC236}">
+                <a16:creationId xmlns:a16="http://schemas.microsoft.com/office/drawing/2014/main" id="{34B146AE-6E8E-D40A-958E-4B672FB87E07}"/>
+              </a:ext>
+            </a:extLst>
+          </p:cNvPr>
+          <p:cNvPicPr>
+            <a:picLocks noChangeAspect="1"/>
+          </p:cNvPicPr>
+          <p:nvPr/>
+        </p:nvPicPr>
+        <p:blipFill>
+          <a:blip r:embed="rId5">
+            <a:extLst>
+              <a:ext uri="{28A0092B-C50C-407E-A947-70E740481C1C}">
+                <a14:useLocalDpi xmlns:a14="http://schemas.microsoft.com/office/drawing/2010/main" val="0"/>
+              </a:ext>
+            </a:extLst>
+          </a:blip>
+          <a:stretch>
+            <a:fillRect/>
+          </a:stretch>
+        </p:blipFill>
+        <p:spPr>
+          <a:xfrm>
+            <a:off x="412291" y="1363211"/>
+            <a:ext cx="6987031" cy="5040000"/>
+          </a:xfrm>
+          <a:prstGeom prst="rect">
+            <a:avLst/>
+          </a:prstGeom>
+        </p:spPr>
+      </p:pic>
+      <p:pic>
+        <p:nvPicPr>
+          <p:cNvPr id="25" name="Imagen 24" descr="Gráfico, Gráfico de cajas y bigotes&#10;&#10;Descripción generada automáticamente">
+            <a:extLst>
+              <a:ext uri="{FF2B5EF4-FFF2-40B4-BE49-F238E27FC236}">
+                <a16:creationId xmlns:a16="http://schemas.microsoft.com/office/drawing/2014/main" id="{08C5DA6B-0043-1E54-A85D-EB9B98871DDA}"/>
+              </a:ext>
+            </a:extLst>
+          </p:cNvPr>
+          <p:cNvPicPr>
+            <a:picLocks noChangeAspect="1"/>
+          </p:cNvPicPr>
+          <p:nvPr/>
+        </p:nvPicPr>
+        <p:blipFill>
+          <a:blip r:embed="rId6">
+            <a:extLst>
+              <a:ext uri="{28A0092B-C50C-407E-A947-70E740481C1C}">
+                <a14:useLocalDpi xmlns:a14="http://schemas.microsoft.com/office/drawing/2010/main" val="0"/>
+              </a:ext>
+            </a:extLst>
+          </a:blip>
+          <a:stretch>
+            <a:fillRect/>
+          </a:stretch>
+        </p:blipFill>
+        <p:spPr>
+          <a:xfrm>
+            <a:off x="412290" y="1363211"/>
+            <a:ext cx="6987031" cy="5040000"/>
+          </a:xfrm>
+          <a:prstGeom prst="rect">
+            <a:avLst/>
+          </a:prstGeom>
+        </p:spPr>
+      </p:pic>
+      <p:pic>
+        <p:nvPicPr>
+          <p:cNvPr id="26" name="Imagen 25" descr="Gráfico, Gráfico de cajas y bigotes&#10;&#10;Descripción generada automáticamente">
+            <a:extLst>
+              <a:ext uri="{FF2B5EF4-FFF2-40B4-BE49-F238E27FC236}">
+                <a16:creationId xmlns:a16="http://schemas.microsoft.com/office/drawing/2014/main" id="{24BD4017-7FAC-66E7-6F2B-FF4E2C795AA8}"/>
+              </a:ext>
+            </a:extLst>
+          </p:cNvPr>
+          <p:cNvPicPr>
+            <a:picLocks noChangeAspect="1"/>
+          </p:cNvPicPr>
+          <p:nvPr/>
+        </p:nvPicPr>
+        <p:blipFill>
+          <a:blip r:embed="rId7">
+            <a:extLst>
+              <a:ext uri="{28A0092B-C50C-407E-A947-70E740481C1C}">
+                <a14:useLocalDpi xmlns:a14="http://schemas.microsoft.com/office/drawing/2010/main" val="0"/>
+              </a:ext>
+            </a:extLst>
+          </a:blip>
+          <a:stretch>
+            <a:fillRect/>
+          </a:stretch>
+        </p:blipFill>
+        <p:spPr>
+          <a:xfrm>
+            <a:off x="412289" y="1397000"/>
+            <a:ext cx="6987031" cy="5040000"/>
+          </a:xfrm>
+          <a:prstGeom prst="rect">
+            <a:avLst/>
+          </a:prstGeom>
+        </p:spPr>
+      </p:pic>
+      <p:pic>
+        <p:nvPicPr>
+          <p:cNvPr id="27" name="Imagen 26" descr="Gráfico&#10;&#10;Descripción generada automáticamente">
+            <a:extLst>
+              <a:ext uri="{FF2B5EF4-FFF2-40B4-BE49-F238E27FC236}">
+                <a16:creationId xmlns:a16="http://schemas.microsoft.com/office/drawing/2014/main" id="{5B1CFA0E-3B5E-1A36-2FE0-7C0642193AA6}"/>
+              </a:ext>
+            </a:extLst>
+          </p:cNvPr>
+          <p:cNvPicPr>
+            <a:picLocks noChangeAspect="1"/>
+          </p:cNvPicPr>
+          <p:nvPr/>
+        </p:nvPicPr>
+        <p:blipFill>
+          <a:blip r:embed="rId8">
+            <a:extLst>
+              <a:ext uri="{28A0092B-C50C-407E-A947-70E740481C1C}">
+                <a14:useLocalDpi xmlns:a14="http://schemas.microsoft.com/office/drawing/2010/main" val="0"/>
+              </a:ext>
+            </a:extLst>
+          </a:blip>
+          <a:stretch>
+            <a:fillRect/>
+          </a:stretch>
+        </p:blipFill>
+        <p:spPr>
+          <a:xfrm>
+            <a:off x="365907" y="1425536"/>
+            <a:ext cx="6987031" cy="5040000"/>
+          </a:xfrm>
+          <a:prstGeom prst="rect">
+            <a:avLst/>
+          </a:prstGeom>
+        </p:spPr>
+      </p:pic>
+    </p:spTree>
+    <p:extLst>
+      <p:ext uri="{BB962C8B-B14F-4D97-AF65-F5344CB8AC3E}">
+        <p14:creationId xmlns:p14="http://schemas.microsoft.com/office/powerpoint/2010/main" val="1678571474"/>
+      </p:ext>
+    </p:extLst>
+  </p:cSld>
+  <p:clrMapOvr>
+    <a:masterClrMapping/>
+  </p:clrMapOvr>
+  <p:timing>
+    <p:tnLst>
+      <p:par>
+        <p:cTn id="1" dur="indefinite" restart="never" nodeType="tmRoot">
+          <p:childTnLst>
+            <p:seq concurrent="1" nextAc="seek">
+              <p:cTn id="2" dur="indefinite" nodeType="mainSeq">
+                <p:childTnLst>
+                  <p:par>
+                    <p:cTn id="3" fill="hold">
+                      <p:stCondLst>
+                        <p:cond delay="indefinite"/>
+                      </p:stCondLst>
+                      <p:childTnLst>
+                        <p:par>
+                          <p:cTn id="4" fill="hold">
+                            <p:stCondLst>
+                              <p:cond delay="0"/>
+                            </p:stCondLst>
+                            <p:childTnLst>
+                              <p:par>
+                                <p:cTn id="5" presetID="10" presetClass="entr" presetSubtype="0" fill="hold" nodeType="clickEffect">
+                                  <p:stCondLst>
+                                    <p:cond delay="0"/>
+                                  </p:stCondLst>
+                                  <p:childTnLst>
+                                    <p:set>
+                                      <p:cBhvr>
+                                        <p:cTn id="6" dur="1" fill="hold">
+                                          <p:stCondLst>
+                                            <p:cond delay="0"/>
+                                          </p:stCondLst>
+                                        </p:cTn>
+                                        <p:tgtEl>
+                                          <p:spTgt spid="24"/>
+                                        </p:tgtEl>
+                                        <p:attrNameLst>
+                                          <p:attrName>style.visibility</p:attrName>
+                                        </p:attrNameLst>
+                                      </p:cBhvr>
+                                      <p:to>
+                                        <p:strVal val="visible"/>
+                                      </p:to>
+                                    </p:set>
+                                    <p:animEffect transition="in" filter="fade">
+                                      <p:cBhvr>
+                                        <p:cTn id="7" dur="500"/>
+                                        <p:tgtEl>
+                                          <p:spTgt spid="24"/>
+                                        </p:tgtEl>
+                                      </p:cBhvr>
+                                    </p:animEffect>
+                                  </p:childTnLst>
+                                </p:cTn>
+                              </p:par>
+                            </p:childTnLst>
+                          </p:cTn>
+                        </p:par>
+                      </p:childTnLst>
+                    </p:cTn>
+                  </p:par>
+                  <p:par>
+                    <p:cTn id="8" fill="hold">
+                      <p:stCondLst>
+                        <p:cond delay="indefinite"/>
+                      </p:stCondLst>
+                      <p:childTnLst>
+                        <p:par>
+                          <p:cTn id="9" fill="hold">
+                            <p:stCondLst>
+                              <p:cond delay="0"/>
+                            </p:stCondLst>
+                            <p:childTnLst>
+                              <p:par>
+                                <p:cTn id="10" presetID="10" presetClass="entr" presetSubtype="0" fill="hold" nodeType="clickEffect">
+                                  <p:stCondLst>
+                                    <p:cond delay="0"/>
+                                  </p:stCondLst>
+                                  <p:childTnLst>
+                                    <p:set>
+                                      <p:cBhvr>
+                                        <p:cTn id="11" dur="1" fill="hold">
+                                          <p:stCondLst>
+                                            <p:cond delay="0"/>
+                                          </p:stCondLst>
+                                        </p:cTn>
+                                        <p:tgtEl>
+                                          <p:spTgt spid="25"/>
+                                        </p:tgtEl>
+                                        <p:attrNameLst>
+                                          <p:attrName>style.visibility</p:attrName>
+                                        </p:attrNameLst>
+                                      </p:cBhvr>
+                                      <p:to>
+                                        <p:strVal val="visible"/>
+                                      </p:to>
+                                    </p:set>
+                                    <p:animEffect transition="in" filter="fade">
+                                      <p:cBhvr>
+                                        <p:cTn id="12" dur="500"/>
+                                        <p:tgtEl>
+                                          <p:spTgt spid="25"/>
+                                        </p:tgtEl>
+                                      </p:cBhvr>
+                                    </p:animEffect>
+                                  </p:childTnLst>
+                                </p:cTn>
+                              </p:par>
+                            </p:childTnLst>
+                          </p:cTn>
+                        </p:par>
+                      </p:childTnLst>
+                    </p:cTn>
+                  </p:par>
+                  <p:par>
+                    <p:cTn id="13" fill="hold">
+                      <p:stCondLst>
+                        <p:cond delay="indefinite"/>
+                      </p:stCondLst>
+                      <p:childTnLst>
+                        <p:par>
+                          <p:cTn id="14" fill="hold">
+                            <p:stCondLst>
+                              <p:cond delay="0"/>
+                            </p:stCondLst>
+                            <p:childTnLst>
+                              <p:par>
+                                <p:cTn id="15" presetID="10" presetClass="entr" presetSubtype="0" fill="hold" nodeType="clickEffect">
+                                  <p:stCondLst>
+                                    <p:cond delay="0"/>
+                                  </p:stCondLst>
+                                  <p:childTnLst>
+                                    <p:set>
+                                      <p:cBhvr>
+                                        <p:cTn id="16" dur="1" fill="hold">
+                                          <p:stCondLst>
+                                            <p:cond delay="0"/>
+                                          </p:stCondLst>
+                                        </p:cTn>
+                                        <p:tgtEl>
+                                          <p:spTgt spid="26"/>
+                                        </p:tgtEl>
+                                        <p:attrNameLst>
+                                          <p:attrName>style.visibility</p:attrName>
+                                        </p:attrNameLst>
+                                      </p:cBhvr>
+                                      <p:to>
+                                        <p:strVal val="visible"/>
+                                      </p:to>
+                                    </p:set>
+                                    <p:animEffect transition="in" filter="fade">
+                                      <p:cBhvr>
+                                        <p:cTn id="17" dur="500"/>
+                                        <p:tgtEl>
+                                          <p:spTgt spid="26"/>
+                                        </p:tgtEl>
+                                      </p:cBhvr>
+                                    </p:animEffect>
+                                  </p:childTnLst>
+                                </p:cTn>
+                              </p:par>
+                            </p:childTnLst>
+                          </p:cTn>
+                        </p:par>
+                      </p:childTnLst>
+                    </p:cTn>
+                  </p:par>
+                  <p:par>
+                    <p:cTn id="18" fill="hold">
+                      <p:stCondLst>
+                        <p:cond delay="indefinite"/>
+                      </p:stCondLst>
+                      <p:childTnLst>
+                        <p:par>
+                          <p:cTn id="19" fill="hold">
+                            <p:stCondLst>
+                              <p:cond delay="0"/>
+                            </p:stCondLst>
+                            <p:childTnLst>
+                              <p:par>
+                                <p:cTn id="20" presetID="10" presetClass="entr" presetSubtype="0" fill="hold" nodeType="clickEffect">
+                                  <p:stCondLst>
+                                    <p:cond delay="0"/>
+                                  </p:stCondLst>
+                                  <p:childTnLst>
+                                    <p:set>
+                                      <p:cBhvr>
+                                        <p:cTn id="21" dur="1" fill="hold">
+                                          <p:stCondLst>
+                                            <p:cond delay="0"/>
+                                          </p:stCondLst>
+                                        </p:cTn>
+                                        <p:tgtEl>
+                                          <p:spTgt spid="27"/>
+                                        </p:tgtEl>
+                                        <p:attrNameLst>
+                                          <p:attrName>style.visibility</p:attrName>
+                                        </p:attrNameLst>
+                                      </p:cBhvr>
+                                      <p:to>
+                                        <p:strVal val="visible"/>
+                                      </p:to>
+                                    </p:set>
+                                    <p:animEffect transition="in" filter="fade">
+                                      <p:cBhvr>
+                                        <p:cTn id="22" dur="500"/>
+                                        <p:tgtEl>
+                                          <p:spTgt spid="27"/>
+                                        </p:tgtEl>
+                                      </p:cBhvr>
+                                    </p:animEffect>
+                                  </p:childTnLst>
+                                </p:cTn>
+                              </p:par>
+                            </p:childTnLst>
+                          </p:cTn>
+                        </p:par>
+                      </p:childTnLst>
+                    </p:cTn>
+                  </p:par>
+                </p:childTnLst>
+              </p:cTn>
+              <p:prevCondLst>
+                <p:cond evt="onPrev" delay="0">
+                  <p:tgtEl>
+                    <p:sldTgt/>
+                  </p:tgtEl>
+                </p:cond>
+              </p:prevCondLst>
+              <p:nextCondLst>
+                <p:cond evt="onNext" delay="0">
+                  <p:tgtEl>
+                    <p:sldTgt/>
+                  </p:tgtEl>
+                </p:cond>
+              </p:nextCondLst>
+            </p:seq>
+          </p:childTnLst>
+        </p:cTn>
+      </p:par>
+    </p:tnLst>
+  </p:timing>
+</p:sld>
+</file>
+
+<file path=ppt/slides/slide13.xml><?xml version="1.0" encoding="utf-8"?>
+<p:sld xmlns:a="http://schemas.openxmlformats.org/drawingml/2006/main" xmlns:r="http://schemas.openxmlformats.org/officeDocument/2006/relationships" xmlns:p="http://schemas.openxmlformats.org/presentationml/2006/main">
+  <p:cSld>
+    <p:spTree>
+      <p:nvGrpSpPr>
+        <p:cNvPr id="1" name=""/>
+        <p:cNvGrpSpPr/>
+        <p:nvPr/>
+      </p:nvGrpSpPr>
+      <p:grpSpPr>
+        <a:xfrm>
+          <a:off x="0" y="0"/>
+          <a:ext cx="0" cy="0"/>
+          <a:chOff x="0" y="0"/>
+          <a:chExt cx="0" cy="0"/>
+        </a:xfrm>
+      </p:grpSpPr>
+      <p:pic>
+        <p:nvPicPr>
+          <p:cNvPr id="7" name="Imagen 6"/>
+          <p:cNvPicPr>
+            <a:picLocks noChangeAspect="1"/>
+          </p:cNvPicPr>
+          <p:nvPr/>
+        </p:nvPicPr>
+        <p:blipFill rotWithShape="1">
+          <a:blip r:embed="rId3">
+            <a:extLst>
+              <a:ext uri="{28A0092B-C50C-407E-A947-70E740481C1C}">
+                <a14:useLocalDpi xmlns:a14="http://schemas.microsoft.com/office/drawing/2010/main" val="0"/>
+              </a:ext>
+            </a:extLst>
+          </a:blip>
+          <a:srcRect l="-153" t="20538" r="153" b="51651"/>
+          <a:stretch/>
+        </p:blipFill>
+        <p:spPr>
+          <a:xfrm>
+            <a:off x="-14013" y="1"/>
+            <a:ext cx="9172026" cy="802886"/>
+          </a:xfrm>
+          <a:prstGeom prst="rect">
+            <a:avLst/>
+          </a:prstGeom>
+        </p:spPr>
+      </p:pic>
+      <p:pic>
+        <p:nvPicPr>
+          <p:cNvPr id="2" name="Imagen 1"/>
+          <p:cNvPicPr>
+            <a:picLocks noChangeAspect="1"/>
+          </p:cNvPicPr>
+          <p:nvPr/>
+        </p:nvPicPr>
+        <p:blipFill>
+          <a:blip r:embed="rId4">
+            <a:extLst>
+              <a:ext uri="{28A0092B-C50C-407E-A947-70E740481C1C}">
+                <a14:useLocalDpi xmlns:a14="http://schemas.microsoft.com/office/drawing/2010/main" val="0"/>
+              </a:ext>
+            </a:extLst>
+          </a:blip>
+          <a:stretch>
+            <a:fillRect/>
+          </a:stretch>
+        </p:blipFill>
+        <p:spPr>
+          <a:xfrm>
+            <a:off x="8316024" y="89553"/>
+            <a:ext cx="719254" cy="600029"/>
+          </a:xfrm>
+          <a:prstGeom prst="rect">
+            <a:avLst/>
+          </a:prstGeom>
+        </p:spPr>
+      </p:pic>
+      <p:cxnSp>
+        <p:nvCxnSpPr>
+          <p:cNvPr id="47" name="Conector recto 46">
+            <a:extLst>
+              <a:ext uri="{FF2B5EF4-FFF2-40B4-BE49-F238E27FC236}">
+                <a16:creationId xmlns:a16="http://schemas.microsoft.com/office/drawing/2014/main" id="{4181175F-F92E-4346-BEF2-F4DEB204DBB1}"/>
+              </a:ext>
+            </a:extLst>
+          </p:cNvPr>
+          <p:cNvCxnSpPr>
+            <a:cxnSpLocks/>
+          </p:cNvCxnSpPr>
+          <p:nvPr/>
+        </p:nvCxnSpPr>
+        <p:spPr>
+          <a:xfrm flipV="1">
+            <a:off x="1190625" y="5978980"/>
+            <a:ext cx="7844653" cy="26290"/>
+          </a:xfrm>
+          <a:prstGeom prst="line">
+            <a:avLst/>
+          </a:prstGeom>
+          <a:noFill/>
+          <a:ln w="6350" cap="flat" cmpd="sng" algn="ctr">
+            <a:solidFill>
+              <a:sysClr val="window" lastClr="FFFFFF">
+                <a:lumMod val="65000"/>
+              </a:sysClr>
+            </a:solidFill>
+            <a:prstDash val="solid"/>
+            <a:miter lim="800000"/>
+          </a:ln>
+          <a:effectLst/>
+        </p:spPr>
+      </p:cxnSp>
+      <p:cxnSp>
+        <p:nvCxnSpPr>
+          <p:cNvPr id="48" name="Conector recto 47">
+            <a:extLst>
+              <a:ext uri="{FF2B5EF4-FFF2-40B4-BE49-F238E27FC236}">
+                <a16:creationId xmlns:a16="http://schemas.microsoft.com/office/drawing/2014/main" id="{47A71E6E-CEFB-4409-BE5A-DAA75229C265}"/>
+              </a:ext>
+            </a:extLst>
+          </p:cNvPr>
+          <p:cNvCxnSpPr>
+            <a:cxnSpLocks/>
+            <a:stCxn id="77" idx="6"/>
+          </p:cNvCxnSpPr>
+          <p:nvPr/>
+        </p:nvCxnSpPr>
+        <p:spPr>
+          <a:xfrm>
+            <a:off x="144000" y="1470820"/>
+            <a:ext cx="7914150" cy="0"/>
+          </a:xfrm>
+          <a:prstGeom prst="line">
+            <a:avLst/>
+          </a:prstGeom>
+          <a:noFill/>
+          <a:ln w="6350" cap="flat" cmpd="sng" algn="ctr">
+            <a:solidFill>
+              <a:sysClr val="window" lastClr="FFFFFF">
+                <a:lumMod val="65000"/>
+              </a:sysClr>
+            </a:solidFill>
+            <a:prstDash val="solid"/>
+            <a:miter lim="800000"/>
+          </a:ln>
+          <a:effectLst/>
+        </p:spPr>
+      </p:cxnSp>
+      <p:sp>
+        <p:nvSpPr>
+          <p:cNvPr id="77" name="Elipse 76">
+            <a:extLst>
+              <a:ext uri="{FF2B5EF4-FFF2-40B4-BE49-F238E27FC236}">
+                <a16:creationId xmlns:a16="http://schemas.microsoft.com/office/drawing/2014/main" id="{2971289C-465B-442E-ACCB-3ADFA813459D}"/>
+              </a:ext>
+            </a:extLst>
+          </p:cNvPr>
+          <p:cNvSpPr/>
+          <p:nvPr/>
+        </p:nvSpPr>
+        <p:spPr>
+          <a:xfrm>
+            <a:off x="0" y="1397000"/>
+            <a:ext cx="144000" cy="147640"/>
+          </a:xfrm>
+          <a:prstGeom prst="ellipse">
+            <a:avLst/>
+          </a:prstGeom>
+          <a:solidFill>
+            <a:sysClr val="window" lastClr="FFFFFF"/>
+          </a:solidFill>
+          <a:ln w="12700" cap="flat" cmpd="sng" algn="ctr">
+            <a:solidFill>
+              <a:sysClr val="window" lastClr="FFFFFF">
+                <a:lumMod val="65000"/>
+              </a:sysClr>
+            </a:solidFill>
+            <a:prstDash val="solid"/>
+            <a:miter lim="800000"/>
+          </a:ln>
+          <a:effectLst/>
+        </p:spPr>
+        <p:txBody>
+          <a:bodyPr rtlCol="0" anchor="ctr"/>
+          <a:lstStyle/>
+          <a:p>
+            <a:pPr marL="0" marR="0" lvl="0" indent="0" algn="ctr" defTabSz="914400" eaLnBrk="1" fontAlgn="auto" latinLnBrk="0" hangingPunct="1">
+              <a:lnSpc>
+                <a:spcPct val="100000"/>
+              </a:lnSpc>
+              <a:spcBef>
+                <a:spcPts val="0"/>
+              </a:spcBef>
+              <a:spcAft>
+                <a:spcPts val="0"/>
+              </a:spcAft>
+              <a:buClrTx/>
+              <a:buSzTx/>
+              <a:buFontTx/>
+              <a:buNone/>
+              <a:tabLst/>
+              <a:defRPr/>
+            </a:pPr>
+            <a:endParaRPr kumimoji="0" lang="es-CL" sz="1800" b="0" i="0" u="none" strike="noStrike" kern="0" cap="none" spc="0" normalizeH="0" baseline="0" noProof="0">
+              <a:ln>
+                <a:noFill/>
+              </a:ln>
+              <a:solidFill>
+                <a:prstClr val="white"/>
+              </a:solidFill>
+              <a:effectLst/>
+              <a:uLnTx/>
+              <a:uFillTx/>
+              <a:latin typeface="Calibri" panose="020F0502020204030204"/>
+              <a:ea typeface="+mn-ea"/>
+              <a:cs typeface="+mn-cs"/>
+            </a:endParaRPr>
+          </a:p>
+        </p:txBody>
+      </p:sp>
+      <p:sp>
+        <p:nvSpPr>
+          <p:cNvPr id="80" name="2 CuadroTexto">
+            <a:extLst>
+              <a:ext uri="{FF2B5EF4-FFF2-40B4-BE49-F238E27FC236}">
+                <a16:creationId xmlns:a16="http://schemas.microsoft.com/office/drawing/2014/main" id="{BEC35C67-D9A9-40B5-8795-B1AD983B674D}"/>
+              </a:ext>
+            </a:extLst>
+          </p:cNvPr>
+          <p:cNvSpPr txBox="1"/>
+          <p:nvPr/>
+        </p:nvSpPr>
+        <p:spPr>
+          <a:xfrm>
+            <a:off x="7188862" y="6403211"/>
+            <a:ext cx="1542847" cy="307777"/>
+          </a:xfrm>
+          <a:prstGeom prst="rect">
+            <a:avLst/>
+          </a:prstGeom>
+          <a:noFill/>
+        </p:spPr>
+        <p:txBody>
+          <a:bodyPr wrap="square" rtlCol="0">
+            <a:spAutoFit/>
+          </a:bodyPr>
+          <a:lstStyle/>
+          <a:p>
+            <a:pPr algn="r" defTabSz="914332">
+              <a:defRPr/>
+            </a:pPr>
+            <a:r>
+              <a:rPr lang="es-ES" sz="1400" i="1">
+                <a:solidFill>
+                  <a:prstClr val="black"/>
+                </a:solidFill>
+                <a:latin typeface="Arial" panose="020B0604020202020204" pitchFamily="34" charset="0"/>
+                <a:cs typeface="Arial" panose="020B0604020202020204" pitchFamily="34" charset="0"/>
+              </a:rPr>
+              <a:t>Abril </a:t>
+            </a:r>
+            <a:r>
+              <a:rPr lang="es-CL" sz="1400" i="1">
+                <a:solidFill>
+                  <a:prstClr val="black"/>
+                </a:solidFill>
+                <a:latin typeface="Arial" panose="020B0604020202020204" pitchFamily="34" charset="0"/>
+                <a:cs typeface="Arial" panose="020B0604020202020204" pitchFamily="34" charset="0"/>
+              </a:rPr>
+              <a:t>2024</a:t>
+            </a:r>
+          </a:p>
+        </p:txBody>
+      </p:sp>
+      <p:sp>
+        <p:nvSpPr>
+          <p:cNvPr id="43" name="CuadroTexto 42">
+            <a:extLst>
+              <a:ext uri="{FF2B5EF4-FFF2-40B4-BE49-F238E27FC236}">
+                <a16:creationId xmlns:a16="http://schemas.microsoft.com/office/drawing/2014/main" id="{227163E9-5661-4AAF-9078-F7CFD4D862FB}"/>
+              </a:ext>
+            </a:extLst>
+          </p:cNvPr>
+          <p:cNvSpPr txBox="1"/>
+          <p:nvPr/>
+        </p:nvSpPr>
+        <p:spPr>
+          <a:xfrm>
+            <a:off x="328592" y="177986"/>
+            <a:ext cx="5229246" cy="461665"/>
+          </a:xfrm>
+          <a:prstGeom prst="rect">
+            <a:avLst/>
+          </a:prstGeom>
+          <a:noFill/>
+        </p:spPr>
+        <p:txBody>
+          <a:bodyPr wrap="square" rtlCol="0">
+            <a:spAutoFit/>
+          </a:bodyPr>
+          <a:lstStyle/>
+          <a:p>
+            <a:r>
+              <a:rPr lang="es-ES_tradnl" sz="2400" b="1">
+                <a:solidFill>
+                  <a:schemeClr val="bg1"/>
+                </a:solidFill>
+                <a:ea typeface="Gungsuh" charset="-127"/>
+                <a:cs typeface="Gungsuh" charset="-127"/>
+              </a:rPr>
+              <a:t>Diamantes: </a:t>
+            </a:r>
+            <a:r>
+              <a:rPr lang="es-ES_tradnl" sz="2400" b="1" err="1">
+                <a:solidFill>
+                  <a:schemeClr val="bg1"/>
+                </a:solidFill>
+                <a:ea typeface="Gungsuh" charset="-127"/>
+                <a:cs typeface="Gungsuh" charset="-127"/>
+              </a:rPr>
+              <a:t>Boxplot</a:t>
+            </a:r>
+            <a:r>
+              <a:rPr lang="es-ES_tradnl" sz="2400" b="1">
+                <a:solidFill>
+                  <a:schemeClr val="bg1"/>
+                </a:solidFill>
+                <a:ea typeface="Gungsuh" charset="-127"/>
+                <a:cs typeface="Gungsuh" charset="-127"/>
+              </a:rPr>
+              <a:t> respecto al color</a:t>
+            </a:r>
+          </a:p>
+        </p:txBody>
+      </p:sp>
+      <p:pic>
+        <p:nvPicPr>
+          <p:cNvPr id="4" name="Imagen 3" descr="Gráfico&#10;&#10;Descripción generada automáticamente">
+            <a:extLst>
+              <a:ext uri="{FF2B5EF4-FFF2-40B4-BE49-F238E27FC236}">
+                <a16:creationId xmlns:a16="http://schemas.microsoft.com/office/drawing/2014/main" id="{BD122308-585A-0D1A-9A96-A6806B53C904}"/>
+              </a:ext>
+            </a:extLst>
+          </p:cNvPr>
+          <p:cNvPicPr>
+            <a:picLocks noChangeAspect="1"/>
+          </p:cNvPicPr>
+          <p:nvPr/>
+        </p:nvPicPr>
+        <p:blipFill>
+          <a:blip r:embed="rId5"/>
+          <a:stretch>
+            <a:fillRect/>
+          </a:stretch>
+        </p:blipFill>
+        <p:spPr>
+          <a:xfrm>
+            <a:off x="1085850" y="1200828"/>
+            <a:ext cx="6987031" cy="5040000"/>
+          </a:xfrm>
+          <a:prstGeom prst="rect">
+            <a:avLst/>
+          </a:prstGeom>
+        </p:spPr>
+      </p:pic>
+      <p:pic>
+        <p:nvPicPr>
+          <p:cNvPr id="6" name="Imagen 5" descr="Gráfico, Gráfico de cajas y bigotes&#10;&#10;Descripción generada automáticamente">
+            <a:extLst>
+              <a:ext uri="{FF2B5EF4-FFF2-40B4-BE49-F238E27FC236}">
+                <a16:creationId xmlns:a16="http://schemas.microsoft.com/office/drawing/2014/main" id="{D8946978-7B11-32E9-D307-C0E0115A01D9}"/>
+              </a:ext>
+            </a:extLst>
+          </p:cNvPr>
+          <p:cNvPicPr>
+            <a:picLocks noChangeAspect="1"/>
+          </p:cNvPicPr>
+          <p:nvPr/>
+        </p:nvPicPr>
+        <p:blipFill>
+          <a:blip r:embed="rId6"/>
+          <a:stretch>
+            <a:fillRect/>
+          </a:stretch>
+        </p:blipFill>
+        <p:spPr>
+          <a:xfrm>
+            <a:off x="1086412" y="1200828"/>
+            <a:ext cx="6987031" cy="5040000"/>
+          </a:xfrm>
+          <a:prstGeom prst="rect">
+            <a:avLst/>
+          </a:prstGeom>
+        </p:spPr>
+      </p:pic>
+      <p:pic>
+        <p:nvPicPr>
+          <p:cNvPr id="9" name="Imagen 8" descr="Gráfico, Gráfico de cajas y bigotes&#10;&#10;Descripción generada automáticamente">
+            <a:extLst>
+              <a:ext uri="{FF2B5EF4-FFF2-40B4-BE49-F238E27FC236}">
+                <a16:creationId xmlns:a16="http://schemas.microsoft.com/office/drawing/2014/main" id="{53453ABA-3516-6404-411C-98BE2043B02B}"/>
+              </a:ext>
+            </a:extLst>
+          </p:cNvPr>
+          <p:cNvPicPr>
+            <a:picLocks noChangeAspect="1"/>
+          </p:cNvPicPr>
+          <p:nvPr/>
+        </p:nvPicPr>
+        <p:blipFill>
+          <a:blip r:embed="rId7"/>
+          <a:stretch>
+            <a:fillRect/>
+          </a:stretch>
+        </p:blipFill>
+        <p:spPr>
+          <a:xfrm>
+            <a:off x="1085850" y="1200828"/>
+            <a:ext cx="6987031" cy="5040000"/>
+          </a:xfrm>
+          <a:prstGeom prst="rect">
+            <a:avLst/>
+          </a:prstGeom>
+        </p:spPr>
+      </p:pic>
+      <p:pic>
+        <p:nvPicPr>
+          <p:cNvPr id="11" name="Imagen 10" descr="Gráfico&#10;&#10;Descripción generada automáticamente">
+            <a:extLst>
+              <a:ext uri="{FF2B5EF4-FFF2-40B4-BE49-F238E27FC236}">
+                <a16:creationId xmlns:a16="http://schemas.microsoft.com/office/drawing/2014/main" id="{C8FDA581-7DC7-C90A-C10F-3AB2BBB240F4}"/>
+              </a:ext>
+            </a:extLst>
+          </p:cNvPr>
+          <p:cNvPicPr>
+            <a:picLocks noChangeAspect="1"/>
+          </p:cNvPicPr>
+          <p:nvPr/>
+        </p:nvPicPr>
+        <p:blipFill>
+          <a:blip r:embed="rId8"/>
+          <a:stretch>
+            <a:fillRect/>
+          </a:stretch>
+        </p:blipFill>
+        <p:spPr>
+          <a:xfrm>
+            <a:off x="1085850" y="1200828"/>
+            <a:ext cx="6987031" cy="5040000"/>
+          </a:xfrm>
+          <a:prstGeom prst="rect">
+            <a:avLst/>
+          </a:prstGeom>
+        </p:spPr>
+      </p:pic>
+      <p:pic>
+        <p:nvPicPr>
+          <p:cNvPr id="13" name="Imagen 12" descr="Gráfico&#10;&#10;Descripción generada automáticamente con confianza media">
+            <a:extLst>
+              <a:ext uri="{FF2B5EF4-FFF2-40B4-BE49-F238E27FC236}">
+                <a16:creationId xmlns:a16="http://schemas.microsoft.com/office/drawing/2014/main" id="{B1FD93C3-504D-55E5-C90D-647D6C143523}"/>
+              </a:ext>
+            </a:extLst>
+          </p:cNvPr>
+          <p:cNvPicPr>
+            <a:picLocks noChangeAspect="1"/>
+          </p:cNvPicPr>
+          <p:nvPr/>
+        </p:nvPicPr>
+        <p:blipFill>
+          <a:blip r:embed="rId9"/>
+          <a:stretch>
+            <a:fillRect/>
+          </a:stretch>
+        </p:blipFill>
+        <p:spPr>
+          <a:xfrm>
+            <a:off x="1085850" y="1200828"/>
+            <a:ext cx="6987031" cy="5040000"/>
+          </a:xfrm>
+          <a:prstGeom prst="rect">
+            <a:avLst/>
+          </a:prstGeom>
+        </p:spPr>
+      </p:pic>
+      <p:pic>
+        <p:nvPicPr>
+          <p:cNvPr id="15" name="Imagen 14" descr="Gráfico, Gráfico de cajas y bigotes&#10;&#10;Descripción generada automáticamente">
+            <a:extLst>
+              <a:ext uri="{FF2B5EF4-FFF2-40B4-BE49-F238E27FC236}">
+                <a16:creationId xmlns:a16="http://schemas.microsoft.com/office/drawing/2014/main" id="{E03A4453-445C-03B7-FA2A-372988C52008}"/>
+              </a:ext>
+            </a:extLst>
+          </p:cNvPr>
+          <p:cNvPicPr>
+            <a:picLocks noChangeAspect="1"/>
+          </p:cNvPicPr>
+          <p:nvPr/>
+        </p:nvPicPr>
+        <p:blipFill>
+          <a:blip r:embed="rId10"/>
+          <a:stretch>
+            <a:fillRect/>
+          </a:stretch>
+        </p:blipFill>
+        <p:spPr>
+          <a:xfrm>
+            <a:off x="1085850" y="1200828"/>
+            <a:ext cx="6987031" cy="5040000"/>
+          </a:xfrm>
+          <a:prstGeom prst="rect">
+            <a:avLst/>
+          </a:prstGeom>
+        </p:spPr>
+      </p:pic>
+      <p:pic>
+        <p:nvPicPr>
+          <p:cNvPr id="17" name="Imagen 16" descr="Gráfico, Gráfico de cajas y bigotes&#10;&#10;Descripción generada automáticamente">
+            <a:extLst>
+              <a:ext uri="{FF2B5EF4-FFF2-40B4-BE49-F238E27FC236}">
+                <a16:creationId xmlns:a16="http://schemas.microsoft.com/office/drawing/2014/main" id="{7D210A8E-DFE3-F3B1-0CB5-BA520877F700}"/>
+              </a:ext>
+            </a:extLst>
+          </p:cNvPr>
+          <p:cNvPicPr>
+            <a:picLocks noChangeAspect="1"/>
+          </p:cNvPicPr>
+          <p:nvPr/>
+        </p:nvPicPr>
+        <p:blipFill>
+          <a:blip r:embed="rId11"/>
+          <a:stretch>
+            <a:fillRect/>
+          </a:stretch>
+        </p:blipFill>
+        <p:spPr>
+          <a:xfrm>
+            <a:off x="1085850" y="1200828"/>
+            <a:ext cx="6987031" cy="5040000"/>
+          </a:xfrm>
+          <a:prstGeom prst="rect">
+            <a:avLst/>
+          </a:prstGeom>
+        </p:spPr>
+      </p:pic>
+    </p:spTree>
+    <p:extLst>
+      <p:ext uri="{BB962C8B-B14F-4D97-AF65-F5344CB8AC3E}">
+        <p14:creationId xmlns:p14="http://schemas.microsoft.com/office/powerpoint/2010/main" val="2293004095"/>
+      </p:ext>
+    </p:extLst>
+  </p:cSld>
+  <p:clrMapOvr>
+    <a:masterClrMapping/>
+  </p:clrMapOvr>
+  <p:timing>
+    <p:tnLst>
+      <p:par>
+        <p:cTn id="1" dur="indefinite" restart="never" nodeType="tmRoot">
+          <p:childTnLst>
+            <p:seq concurrent="1" nextAc="seek">
+              <p:cTn id="2" dur="indefinite" nodeType="mainSeq">
+                <p:childTnLst>
+                  <p:par>
+                    <p:cTn id="3" fill="hold">
+                      <p:stCondLst>
+                        <p:cond delay="indefinite"/>
+                      </p:stCondLst>
+                      <p:childTnLst>
+                        <p:par>
+                          <p:cTn id="4" fill="hold">
+                            <p:stCondLst>
+                              <p:cond delay="0"/>
+                            </p:stCondLst>
+                            <p:childTnLst>
+                              <p:par>
+                                <p:cTn id="5" presetID="14" presetClass="entr" presetSubtype="10" fill="hold" nodeType="clickEffect">
+                                  <p:stCondLst>
+                                    <p:cond delay="0"/>
+                                  </p:stCondLst>
+                                  <p:childTnLst>
+                                    <p:set>
+                                      <p:cBhvr>
+                                        <p:cTn id="6" dur="1" fill="hold">
+                                          <p:stCondLst>
+                                            <p:cond delay="0"/>
+                                          </p:stCondLst>
+                                        </p:cTn>
+                                        <p:tgtEl>
+                                          <p:spTgt spid="4"/>
+                                        </p:tgtEl>
+                                        <p:attrNameLst>
+                                          <p:attrName>style.visibility</p:attrName>
+                                        </p:attrNameLst>
+                                      </p:cBhvr>
+                                      <p:to>
+                                        <p:strVal val="visible"/>
+                                      </p:to>
+                                    </p:set>
+                                    <p:animEffect transition="in" filter="randombar(horizontal)">
+                                      <p:cBhvr>
+                                        <p:cTn id="7" dur="500"/>
+                                        <p:tgtEl>
+                                          <p:spTgt spid="4"/>
+                                        </p:tgtEl>
+                                      </p:cBhvr>
+                                    </p:animEffect>
+                                  </p:childTnLst>
+                                </p:cTn>
+                              </p:par>
+                            </p:childTnLst>
+                          </p:cTn>
+                        </p:par>
+                      </p:childTnLst>
+                    </p:cTn>
+                  </p:par>
+                  <p:par>
+                    <p:cTn id="8" fill="hold">
+                      <p:stCondLst>
+                        <p:cond delay="indefinite"/>
+                      </p:stCondLst>
+                      <p:childTnLst>
+                        <p:par>
+                          <p:cTn id="9" fill="hold">
+                            <p:stCondLst>
+                              <p:cond delay="0"/>
+                            </p:stCondLst>
+                            <p:childTnLst>
+                              <p:par>
+                                <p:cTn id="10" presetID="14" presetClass="entr" presetSubtype="10" fill="hold" nodeType="clickEffect">
+                                  <p:stCondLst>
+                                    <p:cond delay="0"/>
+                                  </p:stCondLst>
+                                  <p:childTnLst>
+                                    <p:set>
+                                      <p:cBhvr>
+                                        <p:cTn id="11" dur="1" fill="hold">
+                                          <p:stCondLst>
+                                            <p:cond delay="0"/>
+                                          </p:stCondLst>
+                                        </p:cTn>
+                                        <p:tgtEl>
+                                          <p:spTgt spid="6"/>
+                                        </p:tgtEl>
+                                        <p:attrNameLst>
+                                          <p:attrName>style.visibility</p:attrName>
+                                        </p:attrNameLst>
+                                      </p:cBhvr>
+                                      <p:to>
+                                        <p:strVal val="visible"/>
+                                      </p:to>
+                                    </p:set>
+                                    <p:animEffect transition="in" filter="randombar(horizontal)">
+                                      <p:cBhvr>
+                                        <p:cTn id="12" dur="500"/>
+                                        <p:tgtEl>
+                                          <p:spTgt spid="6"/>
+                                        </p:tgtEl>
+                                      </p:cBhvr>
+                                    </p:animEffect>
+                                  </p:childTnLst>
+                                </p:cTn>
+                              </p:par>
+                            </p:childTnLst>
+                          </p:cTn>
+                        </p:par>
+                      </p:childTnLst>
+                    </p:cTn>
+                  </p:par>
+                  <p:par>
+                    <p:cTn id="13" fill="hold">
+                      <p:stCondLst>
+                        <p:cond delay="indefinite"/>
+                      </p:stCondLst>
+                      <p:childTnLst>
+                        <p:par>
+                          <p:cTn id="14" fill="hold">
+                            <p:stCondLst>
+                              <p:cond delay="0"/>
+                            </p:stCondLst>
+                            <p:childTnLst>
+                              <p:par>
+                                <p:cTn id="15" presetID="14" presetClass="entr" presetSubtype="10" fill="hold" nodeType="clickEffect">
+                                  <p:stCondLst>
+                                    <p:cond delay="0"/>
+                                  </p:stCondLst>
+                                  <p:childTnLst>
+                                    <p:set>
+                                      <p:cBhvr>
+                                        <p:cTn id="16" dur="1" fill="hold">
+                                          <p:stCondLst>
+                                            <p:cond delay="0"/>
+                                          </p:stCondLst>
+                                        </p:cTn>
+                                        <p:tgtEl>
+                                          <p:spTgt spid="9"/>
+                                        </p:tgtEl>
+                                        <p:attrNameLst>
+                                          <p:attrName>style.visibility</p:attrName>
+                                        </p:attrNameLst>
+                                      </p:cBhvr>
+                                      <p:to>
+                                        <p:strVal val="visible"/>
+                                      </p:to>
+                                    </p:set>
+                                    <p:animEffect transition="in" filter="randombar(horizontal)">
+                                      <p:cBhvr>
+                                        <p:cTn id="17" dur="500"/>
+                                        <p:tgtEl>
+                                          <p:spTgt spid="9"/>
+                                        </p:tgtEl>
+                                      </p:cBhvr>
+                                    </p:animEffect>
+                                  </p:childTnLst>
+                                </p:cTn>
+                              </p:par>
+                            </p:childTnLst>
+                          </p:cTn>
+                        </p:par>
+                      </p:childTnLst>
+                    </p:cTn>
+                  </p:par>
+                  <p:par>
+                    <p:cTn id="18" fill="hold">
+                      <p:stCondLst>
+                        <p:cond delay="indefinite"/>
+                      </p:stCondLst>
+                      <p:childTnLst>
+                        <p:par>
+                          <p:cTn id="19" fill="hold">
+                            <p:stCondLst>
+                              <p:cond delay="0"/>
+                            </p:stCondLst>
+                            <p:childTnLst>
+                              <p:par>
+                                <p:cTn id="20" presetID="14" presetClass="entr" presetSubtype="10" fill="hold" nodeType="clickEffect">
+                                  <p:stCondLst>
+                                    <p:cond delay="0"/>
+                                  </p:stCondLst>
+                                  <p:childTnLst>
+                                    <p:set>
+                                      <p:cBhvr>
+                                        <p:cTn id="21" dur="1" fill="hold">
+                                          <p:stCondLst>
+                                            <p:cond delay="0"/>
+                                          </p:stCondLst>
+                                        </p:cTn>
+                                        <p:tgtEl>
+                                          <p:spTgt spid="11"/>
+                                        </p:tgtEl>
+                                        <p:attrNameLst>
+                                          <p:attrName>style.visibility</p:attrName>
+                                        </p:attrNameLst>
+                                      </p:cBhvr>
+                                      <p:to>
+                                        <p:strVal val="visible"/>
+                                      </p:to>
+                                    </p:set>
+                                    <p:animEffect transition="in" filter="randombar(horizontal)">
+                                      <p:cBhvr>
+                                        <p:cTn id="22" dur="500"/>
+                                        <p:tgtEl>
+                                          <p:spTgt spid="11"/>
+                                        </p:tgtEl>
+                                      </p:cBhvr>
+                                    </p:animEffect>
+                                  </p:childTnLst>
+                                </p:cTn>
+                              </p:par>
+                            </p:childTnLst>
+                          </p:cTn>
+                        </p:par>
+                      </p:childTnLst>
+                    </p:cTn>
+                  </p:par>
+                  <p:par>
+                    <p:cTn id="23" fill="hold">
+                      <p:stCondLst>
+                        <p:cond delay="indefinite"/>
+                      </p:stCondLst>
+                      <p:childTnLst>
+                        <p:par>
+                          <p:cTn id="24" fill="hold">
+                            <p:stCondLst>
+                              <p:cond delay="0"/>
+                            </p:stCondLst>
+                            <p:childTnLst>
+                              <p:par>
+                                <p:cTn id="25" presetID="14" presetClass="entr" presetSubtype="10" fill="hold" nodeType="clickEffect">
+                                  <p:stCondLst>
+                                    <p:cond delay="0"/>
+                                  </p:stCondLst>
+                                  <p:childTnLst>
+                                    <p:set>
+                                      <p:cBhvr>
+                                        <p:cTn id="26" dur="1" fill="hold">
+                                          <p:stCondLst>
+                                            <p:cond delay="0"/>
+                                          </p:stCondLst>
+                                        </p:cTn>
+                                        <p:tgtEl>
+                                          <p:spTgt spid="13"/>
+                                        </p:tgtEl>
+                                        <p:attrNameLst>
+                                          <p:attrName>style.visibility</p:attrName>
+                                        </p:attrNameLst>
+                                      </p:cBhvr>
+                                      <p:to>
+                                        <p:strVal val="visible"/>
+                                      </p:to>
+                                    </p:set>
+                                    <p:animEffect transition="in" filter="randombar(horizontal)">
+                                      <p:cBhvr>
+                                        <p:cTn id="27" dur="500"/>
+                                        <p:tgtEl>
+                                          <p:spTgt spid="13"/>
+                                        </p:tgtEl>
+                                      </p:cBhvr>
+                                    </p:animEffect>
+                                  </p:childTnLst>
+                                </p:cTn>
+                              </p:par>
+                            </p:childTnLst>
+                          </p:cTn>
+                        </p:par>
+                      </p:childTnLst>
+                    </p:cTn>
+                  </p:par>
+                  <p:par>
+                    <p:cTn id="28" fill="hold">
+                      <p:stCondLst>
+                        <p:cond delay="indefinite"/>
+                      </p:stCondLst>
+                      <p:childTnLst>
+                        <p:par>
+                          <p:cTn id="29" fill="hold">
+                            <p:stCondLst>
+                              <p:cond delay="0"/>
+                            </p:stCondLst>
+                            <p:childTnLst>
+                              <p:par>
+                                <p:cTn id="30" presetID="14" presetClass="entr" presetSubtype="10" fill="hold" nodeType="clickEffect">
+                                  <p:stCondLst>
+                                    <p:cond delay="0"/>
+                                  </p:stCondLst>
+                                  <p:childTnLst>
+                                    <p:set>
+                                      <p:cBhvr>
+                                        <p:cTn id="31" dur="1" fill="hold">
+                                          <p:stCondLst>
+                                            <p:cond delay="0"/>
+                                          </p:stCondLst>
+                                        </p:cTn>
+                                        <p:tgtEl>
+                                          <p:spTgt spid="15"/>
+                                        </p:tgtEl>
+                                        <p:attrNameLst>
+                                          <p:attrName>style.visibility</p:attrName>
+                                        </p:attrNameLst>
+                                      </p:cBhvr>
+                                      <p:to>
+                                        <p:strVal val="visible"/>
+                                      </p:to>
+                                    </p:set>
+                                    <p:animEffect transition="in" filter="randombar(horizontal)">
+                                      <p:cBhvr>
+                                        <p:cTn id="32" dur="500"/>
+                                        <p:tgtEl>
+                                          <p:spTgt spid="15"/>
+                                        </p:tgtEl>
+                                      </p:cBhvr>
+                                    </p:animEffect>
+                                  </p:childTnLst>
+                                </p:cTn>
+                              </p:par>
+                            </p:childTnLst>
+                          </p:cTn>
+                        </p:par>
+                      </p:childTnLst>
+                    </p:cTn>
+                  </p:par>
+                  <p:par>
+                    <p:cTn id="33" fill="hold">
+                      <p:stCondLst>
+                        <p:cond delay="indefinite"/>
+                      </p:stCondLst>
+                      <p:childTnLst>
+                        <p:par>
+                          <p:cTn id="34" fill="hold">
+                            <p:stCondLst>
+                              <p:cond delay="0"/>
+                            </p:stCondLst>
+                            <p:childTnLst>
+                              <p:par>
+                                <p:cTn id="35" presetID="14" presetClass="entr" presetSubtype="10" fill="hold" nodeType="clickEffect">
+                                  <p:stCondLst>
+                                    <p:cond delay="0"/>
+                                  </p:stCondLst>
+                                  <p:childTnLst>
+                                    <p:set>
+                                      <p:cBhvr>
+                                        <p:cTn id="36" dur="1" fill="hold">
+                                          <p:stCondLst>
+                                            <p:cond delay="0"/>
+                                          </p:stCondLst>
+                                        </p:cTn>
+                                        <p:tgtEl>
+                                          <p:spTgt spid="17"/>
+                                        </p:tgtEl>
+                                        <p:attrNameLst>
+                                          <p:attrName>style.visibility</p:attrName>
+                                        </p:attrNameLst>
+                                      </p:cBhvr>
+                                      <p:to>
+                                        <p:strVal val="visible"/>
+                                      </p:to>
+                                    </p:set>
+                                    <p:animEffect transition="in" filter="randombar(horizontal)">
+                                      <p:cBhvr>
+                                        <p:cTn id="37" dur="500"/>
+                                        <p:tgtEl>
+                                          <p:spTgt spid="17"/>
+                                        </p:tgtEl>
+                                      </p:cBhvr>
+                                    </p:animEffect>
+                                  </p:childTnLst>
+                                </p:cTn>
+                              </p:par>
+                            </p:childTnLst>
+                          </p:cTn>
+                        </p:par>
+                      </p:childTnLst>
+                    </p:cTn>
+                  </p:par>
+                </p:childTnLst>
+              </p:cTn>
+              <p:prevCondLst>
+                <p:cond evt="onPrev" delay="0">
+                  <p:tgtEl>
+                    <p:sldTgt/>
+                  </p:tgtEl>
+                </p:cond>
+              </p:prevCondLst>
+              <p:nextCondLst>
+                <p:cond evt="onNext" delay="0">
+                  <p:tgtEl>
+                    <p:sldTgt/>
+                  </p:tgtEl>
+                </p:cond>
+              </p:nextCondLst>
+            </p:seq>
+          </p:childTnLst>
+        </p:cTn>
+      </p:par>
+    </p:tnLst>
+  </p:timing>
+</p:sld>
+</file>
+
+<file path=ppt/slides/slide14.xml><?xml version="1.0" encoding="utf-8"?>
+<p:sld xmlns:a="http://schemas.openxmlformats.org/drawingml/2006/main" xmlns:r="http://schemas.openxmlformats.org/officeDocument/2006/relationships" xmlns:p="http://schemas.openxmlformats.org/presentationml/2006/main">
+  <p:cSld>
+    <p:spTree>
+      <p:nvGrpSpPr>
+        <p:cNvPr id="1" name=""/>
+        <p:cNvGrpSpPr/>
+        <p:nvPr/>
+      </p:nvGrpSpPr>
+      <p:grpSpPr>
+        <a:xfrm>
+          <a:off x="0" y="0"/>
+          <a:ext cx="0" cy="0"/>
+          <a:chOff x="0" y="0"/>
+          <a:chExt cx="0" cy="0"/>
+        </a:xfrm>
+      </p:grpSpPr>
+      <p:pic>
+        <p:nvPicPr>
+          <p:cNvPr id="7" name="Imagen 6"/>
+          <p:cNvPicPr>
+            <a:picLocks noChangeAspect="1"/>
+          </p:cNvPicPr>
+          <p:nvPr/>
+        </p:nvPicPr>
+        <p:blipFill rotWithShape="1">
+          <a:blip r:embed="rId3">
+            <a:extLst>
+              <a:ext uri="{28A0092B-C50C-407E-A947-70E740481C1C}">
+                <a14:useLocalDpi xmlns:a14="http://schemas.microsoft.com/office/drawing/2010/main" val="0"/>
+              </a:ext>
+            </a:extLst>
+          </a:blip>
+          <a:srcRect l="-153" t="20538" r="153" b="51651"/>
+          <a:stretch/>
+        </p:blipFill>
+        <p:spPr>
+          <a:xfrm>
+            <a:off x="-14013" y="1"/>
+            <a:ext cx="9172026" cy="802886"/>
+          </a:xfrm>
+          <a:prstGeom prst="rect">
+            <a:avLst/>
+          </a:prstGeom>
+        </p:spPr>
+      </p:pic>
+      <p:pic>
+        <p:nvPicPr>
+          <p:cNvPr id="2" name="Imagen 1"/>
+          <p:cNvPicPr>
+            <a:picLocks noChangeAspect="1"/>
+          </p:cNvPicPr>
+          <p:nvPr/>
+        </p:nvPicPr>
+        <p:blipFill>
+          <a:blip r:embed="rId4">
+            <a:extLst>
+              <a:ext uri="{28A0092B-C50C-407E-A947-70E740481C1C}">
+                <a14:useLocalDpi xmlns:a14="http://schemas.microsoft.com/office/drawing/2010/main" val="0"/>
+              </a:ext>
+            </a:extLst>
+          </a:blip>
+          <a:stretch>
+            <a:fillRect/>
+          </a:stretch>
+        </p:blipFill>
+        <p:spPr>
+          <a:xfrm>
+            <a:off x="8316024" y="89553"/>
+            <a:ext cx="719254" cy="600029"/>
+          </a:xfrm>
+          <a:prstGeom prst="rect">
+            <a:avLst/>
+          </a:prstGeom>
+        </p:spPr>
+      </p:pic>
+      <p:cxnSp>
+        <p:nvCxnSpPr>
+          <p:cNvPr id="47" name="Conector recto 46">
+            <a:extLst>
+              <a:ext uri="{FF2B5EF4-FFF2-40B4-BE49-F238E27FC236}">
+                <a16:creationId xmlns:a16="http://schemas.microsoft.com/office/drawing/2014/main" id="{4181175F-F92E-4346-BEF2-F4DEB204DBB1}"/>
+              </a:ext>
+            </a:extLst>
+          </p:cNvPr>
+          <p:cNvCxnSpPr>
+            <a:cxnSpLocks/>
+          </p:cNvCxnSpPr>
+          <p:nvPr/>
+        </p:nvCxnSpPr>
+        <p:spPr>
+          <a:xfrm flipV="1">
+            <a:off x="1190625" y="5978980"/>
+            <a:ext cx="7844653" cy="26290"/>
+          </a:xfrm>
+          <a:prstGeom prst="line">
+            <a:avLst/>
+          </a:prstGeom>
+          <a:noFill/>
+          <a:ln w="6350" cap="flat" cmpd="sng" algn="ctr">
+            <a:solidFill>
+              <a:sysClr val="window" lastClr="FFFFFF">
+                <a:lumMod val="65000"/>
+              </a:sysClr>
+            </a:solidFill>
+            <a:prstDash val="solid"/>
+            <a:miter lim="800000"/>
+          </a:ln>
+          <a:effectLst/>
+        </p:spPr>
+      </p:cxnSp>
+      <p:cxnSp>
+        <p:nvCxnSpPr>
+          <p:cNvPr id="48" name="Conector recto 47">
+            <a:extLst>
+              <a:ext uri="{FF2B5EF4-FFF2-40B4-BE49-F238E27FC236}">
+                <a16:creationId xmlns:a16="http://schemas.microsoft.com/office/drawing/2014/main" id="{47A71E6E-CEFB-4409-BE5A-DAA75229C265}"/>
+              </a:ext>
+            </a:extLst>
+          </p:cNvPr>
+          <p:cNvCxnSpPr>
+            <a:cxnSpLocks/>
+            <a:stCxn id="77" idx="6"/>
+          </p:cNvCxnSpPr>
+          <p:nvPr/>
+        </p:nvCxnSpPr>
+        <p:spPr>
+          <a:xfrm>
+            <a:off x="144000" y="1470820"/>
+            <a:ext cx="7914150" cy="0"/>
+          </a:xfrm>
+          <a:prstGeom prst="line">
+            <a:avLst/>
+          </a:prstGeom>
+          <a:noFill/>
+          <a:ln w="6350" cap="flat" cmpd="sng" algn="ctr">
+            <a:solidFill>
+              <a:sysClr val="window" lastClr="FFFFFF">
+                <a:lumMod val="65000"/>
+              </a:sysClr>
+            </a:solidFill>
+            <a:prstDash val="solid"/>
+            <a:miter lim="800000"/>
+          </a:ln>
+          <a:effectLst/>
+        </p:spPr>
+      </p:cxnSp>
+      <p:sp>
+        <p:nvSpPr>
+          <p:cNvPr id="77" name="Elipse 76">
+            <a:extLst>
+              <a:ext uri="{FF2B5EF4-FFF2-40B4-BE49-F238E27FC236}">
+                <a16:creationId xmlns:a16="http://schemas.microsoft.com/office/drawing/2014/main" id="{2971289C-465B-442E-ACCB-3ADFA813459D}"/>
+              </a:ext>
+            </a:extLst>
+          </p:cNvPr>
+          <p:cNvSpPr/>
+          <p:nvPr/>
+        </p:nvSpPr>
+        <p:spPr>
+          <a:xfrm>
+            <a:off x="0" y="1397000"/>
+            <a:ext cx="144000" cy="147640"/>
+          </a:xfrm>
+          <a:prstGeom prst="ellipse">
+            <a:avLst/>
+          </a:prstGeom>
+          <a:solidFill>
+            <a:sysClr val="window" lastClr="FFFFFF"/>
+          </a:solidFill>
+          <a:ln w="12700" cap="flat" cmpd="sng" algn="ctr">
+            <a:solidFill>
+              <a:sysClr val="window" lastClr="FFFFFF">
+                <a:lumMod val="65000"/>
+              </a:sysClr>
+            </a:solidFill>
+            <a:prstDash val="solid"/>
+            <a:miter lim="800000"/>
+          </a:ln>
+          <a:effectLst/>
+        </p:spPr>
+        <p:txBody>
+          <a:bodyPr rtlCol="0" anchor="ctr"/>
+          <a:lstStyle/>
+          <a:p>
+            <a:pPr marL="0" marR="0" lvl="0" indent="0" algn="ctr" defTabSz="914400" eaLnBrk="1" fontAlgn="auto" latinLnBrk="0" hangingPunct="1">
+              <a:lnSpc>
+                <a:spcPct val="100000"/>
+              </a:lnSpc>
+              <a:spcBef>
+                <a:spcPts val="0"/>
+              </a:spcBef>
+              <a:spcAft>
+                <a:spcPts val="0"/>
+              </a:spcAft>
+              <a:buClrTx/>
+              <a:buSzTx/>
+              <a:buFontTx/>
+              <a:buNone/>
+              <a:tabLst/>
+              <a:defRPr/>
+            </a:pPr>
+            <a:endParaRPr kumimoji="0" lang="es-CL" sz="1800" b="0" i="0" u="none" strike="noStrike" kern="0" cap="none" spc="0" normalizeH="0" baseline="0" noProof="0">
+              <a:ln>
+                <a:noFill/>
+              </a:ln>
+              <a:solidFill>
+                <a:prstClr val="white"/>
+              </a:solidFill>
+              <a:effectLst/>
+              <a:uLnTx/>
+              <a:uFillTx/>
+              <a:latin typeface="Calibri" panose="020F0502020204030204"/>
+              <a:ea typeface="+mn-ea"/>
+              <a:cs typeface="+mn-cs"/>
+            </a:endParaRPr>
+          </a:p>
+        </p:txBody>
+      </p:sp>
+      <p:sp>
+        <p:nvSpPr>
+          <p:cNvPr id="80" name="2 CuadroTexto">
+            <a:extLst>
+              <a:ext uri="{FF2B5EF4-FFF2-40B4-BE49-F238E27FC236}">
+                <a16:creationId xmlns:a16="http://schemas.microsoft.com/office/drawing/2014/main" id="{BEC35C67-D9A9-40B5-8795-B1AD983B674D}"/>
+              </a:ext>
+            </a:extLst>
+          </p:cNvPr>
+          <p:cNvSpPr txBox="1"/>
+          <p:nvPr/>
+        </p:nvSpPr>
+        <p:spPr>
+          <a:xfrm>
+            <a:off x="7188862" y="6403211"/>
+            <a:ext cx="1542847" cy="307777"/>
+          </a:xfrm>
+          <a:prstGeom prst="rect">
+            <a:avLst/>
+          </a:prstGeom>
+          <a:noFill/>
+        </p:spPr>
+        <p:txBody>
+          <a:bodyPr wrap="square" rtlCol="0">
+            <a:spAutoFit/>
+          </a:bodyPr>
+          <a:lstStyle/>
+          <a:p>
+            <a:pPr algn="r" defTabSz="914332">
+              <a:defRPr/>
+            </a:pPr>
+            <a:r>
+              <a:rPr lang="es-ES" sz="1400" i="1">
+                <a:solidFill>
+                  <a:prstClr val="black"/>
+                </a:solidFill>
+                <a:latin typeface="Arial" panose="020B0604020202020204" pitchFamily="34" charset="0"/>
+                <a:cs typeface="Arial" panose="020B0604020202020204" pitchFamily="34" charset="0"/>
+              </a:rPr>
+              <a:t>Abril </a:t>
+            </a:r>
+            <a:r>
+              <a:rPr lang="es-CL" sz="1400" i="1">
+                <a:solidFill>
+                  <a:prstClr val="black"/>
+                </a:solidFill>
+                <a:latin typeface="Arial" panose="020B0604020202020204" pitchFamily="34" charset="0"/>
+                <a:cs typeface="Arial" panose="020B0604020202020204" pitchFamily="34" charset="0"/>
+              </a:rPr>
+              <a:t>2024</a:t>
+            </a:r>
+          </a:p>
+        </p:txBody>
+      </p:sp>
+      <p:sp>
+        <p:nvSpPr>
+          <p:cNvPr id="43" name="CuadroTexto 42">
+            <a:extLst>
+              <a:ext uri="{FF2B5EF4-FFF2-40B4-BE49-F238E27FC236}">
+                <a16:creationId xmlns:a16="http://schemas.microsoft.com/office/drawing/2014/main" id="{227163E9-5661-4AAF-9078-F7CFD4D862FB}"/>
+              </a:ext>
+            </a:extLst>
+          </p:cNvPr>
+          <p:cNvSpPr txBox="1"/>
+          <p:nvPr/>
+        </p:nvSpPr>
+        <p:spPr>
+          <a:xfrm>
+            <a:off x="328592" y="177986"/>
+            <a:ext cx="5400696" cy="461665"/>
+          </a:xfrm>
+          <a:prstGeom prst="rect">
+            <a:avLst/>
+          </a:prstGeom>
+          <a:noFill/>
+        </p:spPr>
+        <p:txBody>
+          <a:bodyPr wrap="square" rtlCol="0">
+            <a:spAutoFit/>
+          </a:bodyPr>
+          <a:lstStyle/>
+          <a:p>
+            <a:r>
+              <a:rPr lang="es-ES_tradnl" sz="2400" b="1">
+                <a:solidFill>
+                  <a:schemeClr val="bg1"/>
+                </a:solidFill>
+                <a:ea typeface="Gungsuh" charset="-127"/>
+                <a:cs typeface="Gungsuh" charset="-127"/>
+              </a:rPr>
+              <a:t>Diamantes: </a:t>
+            </a:r>
+            <a:r>
+              <a:rPr lang="es-ES_tradnl" sz="2400" b="1" err="1">
+                <a:solidFill>
+                  <a:schemeClr val="bg1"/>
+                </a:solidFill>
+                <a:ea typeface="Gungsuh" charset="-127"/>
+                <a:cs typeface="Gungsuh" charset="-127"/>
+              </a:rPr>
+              <a:t>Boxplot</a:t>
+            </a:r>
+            <a:r>
+              <a:rPr lang="es-ES_tradnl" sz="2400" b="1">
+                <a:solidFill>
+                  <a:schemeClr val="bg1"/>
+                </a:solidFill>
+                <a:ea typeface="Gungsuh" charset="-127"/>
+                <a:cs typeface="Gungsuh" charset="-127"/>
+              </a:rPr>
+              <a:t> respecto a la pureza</a:t>
+            </a:r>
+          </a:p>
+        </p:txBody>
+      </p:sp>
+      <p:pic>
+        <p:nvPicPr>
+          <p:cNvPr id="4" name="Imagen 3" descr="Gráfico, Gráfico de cajas y bigotes&#10;&#10;Descripción generada automáticamente">
+            <a:extLst>
+              <a:ext uri="{FF2B5EF4-FFF2-40B4-BE49-F238E27FC236}">
+                <a16:creationId xmlns:a16="http://schemas.microsoft.com/office/drawing/2014/main" id="{1F96907E-C09A-47CE-9DA6-4799D865586C}"/>
+              </a:ext>
+            </a:extLst>
+          </p:cNvPr>
+          <p:cNvPicPr>
+            <a:picLocks noChangeAspect="1"/>
+          </p:cNvPicPr>
+          <p:nvPr/>
+        </p:nvPicPr>
+        <p:blipFill>
+          <a:blip r:embed="rId5"/>
+          <a:stretch>
+            <a:fillRect/>
+          </a:stretch>
+        </p:blipFill>
+        <p:spPr>
+          <a:xfrm>
+            <a:off x="791531" y="1200828"/>
+            <a:ext cx="6987031" cy="5040000"/>
+          </a:xfrm>
+          <a:prstGeom prst="rect">
+            <a:avLst/>
+          </a:prstGeom>
+        </p:spPr>
+      </p:pic>
+      <p:pic>
+        <p:nvPicPr>
+          <p:cNvPr id="6" name="Imagen 5" descr="Gráfico, Gráfico de cajas y bigotes&#10;&#10;Descripción generada automáticamente">
+            <a:extLst>
+              <a:ext uri="{FF2B5EF4-FFF2-40B4-BE49-F238E27FC236}">
+                <a16:creationId xmlns:a16="http://schemas.microsoft.com/office/drawing/2014/main" id="{EFA5760B-CA5F-7210-CDAF-D567CBF84623}"/>
+              </a:ext>
+            </a:extLst>
+          </p:cNvPr>
+          <p:cNvPicPr>
+            <a:picLocks noChangeAspect="1"/>
+          </p:cNvPicPr>
+          <p:nvPr/>
+        </p:nvPicPr>
+        <p:blipFill>
+          <a:blip r:embed="rId6"/>
+          <a:stretch>
+            <a:fillRect/>
+          </a:stretch>
+        </p:blipFill>
+        <p:spPr>
+          <a:xfrm>
+            <a:off x="791530" y="1200828"/>
+            <a:ext cx="6987031" cy="5040000"/>
+          </a:xfrm>
+          <a:prstGeom prst="rect">
+            <a:avLst/>
+          </a:prstGeom>
+        </p:spPr>
+      </p:pic>
+      <p:pic>
+        <p:nvPicPr>
+          <p:cNvPr id="9" name="Imagen 8" descr="Gráfico, Gráfico de cajas y bigotes&#10;&#10;Descripción generada automáticamente">
+            <a:extLst>
+              <a:ext uri="{FF2B5EF4-FFF2-40B4-BE49-F238E27FC236}">
+                <a16:creationId xmlns:a16="http://schemas.microsoft.com/office/drawing/2014/main" id="{F374528B-1F26-C01F-792F-88CAF6A9B622}"/>
+              </a:ext>
+            </a:extLst>
+          </p:cNvPr>
+          <p:cNvPicPr>
+            <a:picLocks noChangeAspect="1"/>
+          </p:cNvPicPr>
+          <p:nvPr/>
+        </p:nvPicPr>
+        <p:blipFill>
+          <a:blip r:embed="rId7"/>
+          <a:stretch>
+            <a:fillRect/>
+          </a:stretch>
+        </p:blipFill>
+        <p:spPr>
+          <a:xfrm>
+            <a:off x="791529" y="1164241"/>
+            <a:ext cx="6987031" cy="5040000"/>
+          </a:xfrm>
+          <a:prstGeom prst="rect">
+            <a:avLst/>
+          </a:prstGeom>
+        </p:spPr>
+      </p:pic>
+      <p:pic>
+        <p:nvPicPr>
+          <p:cNvPr id="11" name="Imagen 10" descr="Gráfico, Gráfico de cajas y bigotes&#10;&#10;Descripción generada automáticamente">
+            <a:extLst>
+              <a:ext uri="{FF2B5EF4-FFF2-40B4-BE49-F238E27FC236}">
+                <a16:creationId xmlns:a16="http://schemas.microsoft.com/office/drawing/2014/main" id="{6B73CAE3-CBBB-C8A4-F521-24A33899EDC4}"/>
+              </a:ext>
+            </a:extLst>
+          </p:cNvPr>
+          <p:cNvPicPr>
+            <a:picLocks noChangeAspect="1"/>
+          </p:cNvPicPr>
+          <p:nvPr/>
+        </p:nvPicPr>
+        <p:blipFill>
+          <a:blip r:embed="rId8"/>
+          <a:stretch>
+            <a:fillRect/>
+          </a:stretch>
+        </p:blipFill>
+        <p:spPr>
+          <a:xfrm>
+            <a:off x="791529" y="1164241"/>
+            <a:ext cx="6987031" cy="5040000"/>
+          </a:xfrm>
+          <a:prstGeom prst="rect">
+            <a:avLst/>
+          </a:prstGeom>
+        </p:spPr>
+      </p:pic>
+      <p:pic>
+        <p:nvPicPr>
+          <p:cNvPr id="13" name="Imagen 12" descr="Gráfico, Gráfico de cajas y bigotes&#10;&#10;Descripción generada automáticamente">
+            <a:extLst>
+              <a:ext uri="{FF2B5EF4-FFF2-40B4-BE49-F238E27FC236}">
+                <a16:creationId xmlns:a16="http://schemas.microsoft.com/office/drawing/2014/main" id="{DA083C8A-9618-E3DF-88BB-2C9B346AB2C5}"/>
+              </a:ext>
+            </a:extLst>
+          </p:cNvPr>
+          <p:cNvPicPr>
+            <a:picLocks noChangeAspect="1"/>
+          </p:cNvPicPr>
+          <p:nvPr/>
+        </p:nvPicPr>
+        <p:blipFill>
+          <a:blip r:embed="rId9"/>
+          <a:stretch>
+            <a:fillRect/>
+          </a:stretch>
+        </p:blipFill>
+        <p:spPr>
+          <a:xfrm>
+            <a:off x="791529" y="1263726"/>
+            <a:ext cx="6987031" cy="5040000"/>
+          </a:xfrm>
+          <a:prstGeom prst="rect">
+            <a:avLst/>
+          </a:prstGeom>
+        </p:spPr>
+      </p:pic>
+      <p:pic>
+        <p:nvPicPr>
+          <p:cNvPr id="15" name="Imagen 14" descr="Gráfico, Gráfico de cajas y bigotes&#10;&#10;Descripción generada automáticamente">
+            <a:extLst>
+              <a:ext uri="{FF2B5EF4-FFF2-40B4-BE49-F238E27FC236}">
+                <a16:creationId xmlns:a16="http://schemas.microsoft.com/office/drawing/2014/main" id="{D3C0B0ED-8F62-C89E-8FEC-42055A4E363A}"/>
+              </a:ext>
+            </a:extLst>
+          </p:cNvPr>
+          <p:cNvPicPr>
+            <a:picLocks noChangeAspect="1"/>
+          </p:cNvPicPr>
+          <p:nvPr/>
+        </p:nvPicPr>
+        <p:blipFill>
+          <a:blip r:embed="rId10"/>
+          <a:stretch>
+            <a:fillRect/>
+          </a:stretch>
+        </p:blipFill>
+        <p:spPr>
+          <a:xfrm>
+            <a:off x="791529" y="1237415"/>
+            <a:ext cx="6987031" cy="5040000"/>
+          </a:xfrm>
+          <a:prstGeom prst="rect">
+            <a:avLst/>
+          </a:prstGeom>
+        </p:spPr>
+      </p:pic>
+      <p:pic>
+        <p:nvPicPr>
+          <p:cNvPr id="17" name="Imagen 16" descr="Gráfico&#10;&#10;Descripción generada automáticamente">
+            <a:extLst>
+              <a:ext uri="{FF2B5EF4-FFF2-40B4-BE49-F238E27FC236}">
+                <a16:creationId xmlns:a16="http://schemas.microsoft.com/office/drawing/2014/main" id="{BD6B88E8-207E-08E3-F663-1CFAFDEE8CE8}"/>
+              </a:ext>
+            </a:extLst>
+          </p:cNvPr>
+          <p:cNvPicPr>
+            <a:picLocks noChangeAspect="1"/>
+          </p:cNvPicPr>
+          <p:nvPr/>
+        </p:nvPicPr>
+        <p:blipFill>
+          <a:blip r:embed="rId11"/>
+          <a:stretch>
+            <a:fillRect/>
+          </a:stretch>
+        </p:blipFill>
+        <p:spPr>
+          <a:xfrm>
+            <a:off x="807652" y="1213984"/>
+            <a:ext cx="6987031" cy="5040000"/>
+          </a:xfrm>
+          <a:prstGeom prst="rect">
+            <a:avLst/>
+          </a:prstGeom>
+        </p:spPr>
+      </p:pic>
+    </p:spTree>
+    <p:extLst>
+      <p:ext uri="{BB962C8B-B14F-4D97-AF65-F5344CB8AC3E}">
+        <p14:creationId xmlns:p14="http://schemas.microsoft.com/office/powerpoint/2010/main" val="2726580496"/>
+      </p:ext>
+    </p:extLst>
+  </p:cSld>
+  <p:clrMapOvr>
+    <a:masterClrMapping/>
+  </p:clrMapOvr>
+  <p:timing>
+    <p:tnLst>
+      <p:par>
+        <p:cTn id="1" dur="indefinite" restart="never" nodeType="tmRoot">
+          <p:childTnLst>
+            <p:seq concurrent="1" nextAc="seek">
+              <p:cTn id="2" dur="indefinite" nodeType="mainSeq">
+                <p:childTnLst>
+                  <p:par>
+                    <p:cTn id="3" fill="hold">
+                      <p:stCondLst>
+                        <p:cond delay="indefinite"/>
+                      </p:stCondLst>
+                      <p:childTnLst>
+                        <p:par>
+                          <p:cTn id="4" fill="hold">
+                            <p:stCondLst>
+                              <p:cond delay="0"/>
+                            </p:stCondLst>
+                            <p:childTnLst>
+                              <p:par>
+                                <p:cTn id="5" presetID="10" presetClass="entr" presetSubtype="0" fill="hold" nodeType="clickEffect">
+                                  <p:stCondLst>
+                                    <p:cond delay="0"/>
+                                  </p:stCondLst>
+                                  <p:childTnLst>
+                                    <p:set>
+                                      <p:cBhvr>
+                                        <p:cTn id="6" dur="1" fill="hold">
+                                          <p:stCondLst>
+                                            <p:cond delay="0"/>
+                                          </p:stCondLst>
+                                        </p:cTn>
+                                        <p:tgtEl>
+                                          <p:spTgt spid="4"/>
+                                        </p:tgtEl>
+                                        <p:attrNameLst>
+                                          <p:attrName>style.visibility</p:attrName>
+                                        </p:attrNameLst>
+                                      </p:cBhvr>
+                                      <p:to>
+                                        <p:strVal val="visible"/>
+                                      </p:to>
+                                    </p:set>
+                                    <p:animEffect transition="in" filter="fade">
+                                      <p:cBhvr>
+                                        <p:cTn id="7" dur="500"/>
+                                        <p:tgtEl>
+                                          <p:spTgt spid="4"/>
+                                        </p:tgtEl>
+                                      </p:cBhvr>
+                                    </p:animEffect>
+                                  </p:childTnLst>
+                                </p:cTn>
+                              </p:par>
+                            </p:childTnLst>
+                          </p:cTn>
+                        </p:par>
+                      </p:childTnLst>
+                    </p:cTn>
+                  </p:par>
+                  <p:par>
+                    <p:cTn id="8" fill="hold">
+                      <p:stCondLst>
+                        <p:cond delay="indefinite"/>
+                      </p:stCondLst>
+                      <p:childTnLst>
+                        <p:par>
+                          <p:cTn id="9" fill="hold">
+                            <p:stCondLst>
+                              <p:cond delay="0"/>
+                            </p:stCondLst>
+                            <p:childTnLst>
+                              <p:par>
+                                <p:cTn id="10" presetID="10" presetClass="entr" presetSubtype="0" fill="hold" nodeType="clickEffect">
+                                  <p:stCondLst>
+                                    <p:cond delay="0"/>
+                                  </p:stCondLst>
+                                  <p:childTnLst>
+                                    <p:set>
+                                      <p:cBhvr>
+                                        <p:cTn id="11" dur="1" fill="hold">
+                                          <p:stCondLst>
+                                            <p:cond delay="0"/>
+                                          </p:stCondLst>
+                                        </p:cTn>
+                                        <p:tgtEl>
+                                          <p:spTgt spid="6"/>
+                                        </p:tgtEl>
+                                        <p:attrNameLst>
+                                          <p:attrName>style.visibility</p:attrName>
+                                        </p:attrNameLst>
+                                      </p:cBhvr>
+                                      <p:to>
+                                        <p:strVal val="visible"/>
+                                      </p:to>
+                                    </p:set>
+                                    <p:animEffect transition="in" filter="fade">
+                                      <p:cBhvr>
+                                        <p:cTn id="12" dur="500"/>
+                                        <p:tgtEl>
+                                          <p:spTgt spid="6"/>
+                                        </p:tgtEl>
+                                      </p:cBhvr>
+                                    </p:animEffect>
+                                  </p:childTnLst>
+                                </p:cTn>
+                              </p:par>
+                            </p:childTnLst>
+                          </p:cTn>
+                        </p:par>
+                      </p:childTnLst>
+                    </p:cTn>
+                  </p:par>
+                  <p:par>
+                    <p:cTn id="13" fill="hold">
+                      <p:stCondLst>
+                        <p:cond delay="indefinite"/>
+                      </p:stCondLst>
+                      <p:childTnLst>
+                        <p:par>
+                          <p:cTn id="14" fill="hold">
+                            <p:stCondLst>
+                              <p:cond delay="0"/>
+                            </p:stCondLst>
+                            <p:childTnLst>
+                              <p:par>
+                                <p:cTn id="15" presetID="10" presetClass="entr" presetSubtype="0" fill="hold" nodeType="clickEffect">
+                                  <p:stCondLst>
+                                    <p:cond delay="0"/>
+                                  </p:stCondLst>
+                                  <p:childTnLst>
+                                    <p:set>
+                                      <p:cBhvr>
+                                        <p:cTn id="16" dur="1" fill="hold">
+                                          <p:stCondLst>
+                                            <p:cond delay="0"/>
+                                          </p:stCondLst>
+                                        </p:cTn>
+                                        <p:tgtEl>
+                                          <p:spTgt spid="9"/>
+                                        </p:tgtEl>
+                                        <p:attrNameLst>
+                                          <p:attrName>style.visibility</p:attrName>
+                                        </p:attrNameLst>
+                                      </p:cBhvr>
+                                      <p:to>
+                                        <p:strVal val="visible"/>
+                                      </p:to>
+                                    </p:set>
+                                    <p:animEffect transition="in" filter="fade">
+                                      <p:cBhvr>
+                                        <p:cTn id="17" dur="500"/>
+                                        <p:tgtEl>
+                                          <p:spTgt spid="9"/>
+                                        </p:tgtEl>
+                                      </p:cBhvr>
+                                    </p:animEffect>
+                                  </p:childTnLst>
+                                </p:cTn>
+                              </p:par>
+                            </p:childTnLst>
+                          </p:cTn>
+                        </p:par>
+                      </p:childTnLst>
+                    </p:cTn>
+                  </p:par>
+                  <p:par>
+                    <p:cTn id="18" fill="hold">
+                      <p:stCondLst>
+                        <p:cond delay="indefinite"/>
+                      </p:stCondLst>
+                      <p:childTnLst>
+                        <p:par>
+                          <p:cTn id="19" fill="hold">
+                            <p:stCondLst>
+                              <p:cond delay="0"/>
+                            </p:stCondLst>
+                            <p:childTnLst>
+                              <p:par>
+                                <p:cTn id="20" presetID="10" presetClass="entr" presetSubtype="0" fill="hold" nodeType="clickEffect">
+                                  <p:stCondLst>
+                                    <p:cond delay="0"/>
+                                  </p:stCondLst>
+                                  <p:childTnLst>
+                                    <p:set>
+                                      <p:cBhvr>
+                                        <p:cTn id="21" dur="1" fill="hold">
+                                          <p:stCondLst>
+                                            <p:cond delay="0"/>
+                                          </p:stCondLst>
+                                        </p:cTn>
+                                        <p:tgtEl>
+                                          <p:spTgt spid="11"/>
+                                        </p:tgtEl>
+                                        <p:attrNameLst>
+                                          <p:attrName>style.visibility</p:attrName>
+                                        </p:attrNameLst>
+                                      </p:cBhvr>
+                                      <p:to>
+                                        <p:strVal val="visible"/>
+                                      </p:to>
+                                    </p:set>
+                                    <p:animEffect transition="in" filter="fade">
+                                      <p:cBhvr>
+                                        <p:cTn id="22" dur="500"/>
+                                        <p:tgtEl>
+                                          <p:spTgt spid="11"/>
+                                        </p:tgtEl>
+                                      </p:cBhvr>
+                                    </p:animEffect>
+                                  </p:childTnLst>
+                                </p:cTn>
+                              </p:par>
+                            </p:childTnLst>
+                          </p:cTn>
+                        </p:par>
+                      </p:childTnLst>
+                    </p:cTn>
+                  </p:par>
+                  <p:par>
+                    <p:cTn id="23" fill="hold">
+                      <p:stCondLst>
+                        <p:cond delay="indefinite"/>
+                      </p:stCondLst>
+                      <p:childTnLst>
+                        <p:par>
+                          <p:cTn id="24" fill="hold">
+                            <p:stCondLst>
+                              <p:cond delay="0"/>
+                            </p:stCondLst>
+                            <p:childTnLst>
+                              <p:par>
+                                <p:cTn id="25" presetID="10" presetClass="entr" presetSubtype="0" fill="hold" nodeType="clickEffect">
+                                  <p:stCondLst>
+                                    <p:cond delay="0"/>
+                                  </p:stCondLst>
+                                  <p:childTnLst>
+                                    <p:set>
+                                      <p:cBhvr>
+                                        <p:cTn id="26" dur="1" fill="hold">
+                                          <p:stCondLst>
+                                            <p:cond delay="0"/>
+                                          </p:stCondLst>
+                                        </p:cTn>
+                                        <p:tgtEl>
+                                          <p:spTgt spid="13"/>
+                                        </p:tgtEl>
+                                        <p:attrNameLst>
+                                          <p:attrName>style.visibility</p:attrName>
+                                        </p:attrNameLst>
+                                      </p:cBhvr>
+                                      <p:to>
+                                        <p:strVal val="visible"/>
+                                      </p:to>
+                                    </p:set>
+                                    <p:animEffect transition="in" filter="fade">
+                                      <p:cBhvr>
+                                        <p:cTn id="27" dur="500"/>
+                                        <p:tgtEl>
+                                          <p:spTgt spid="13"/>
+                                        </p:tgtEl>
+                                      </p:cBhvr>
+                                    </p:animEffect>
+                                  </p:childTnLst>
+                                </p:cTn>
+                              </p:par>
+                            </p:childTnLst>
+                          </p:cTn>
+                        </p:par>
+                      </p:childTnLst>
+                    </p:cTn>
+                  </p:par>
+                  <p:par>
+                    <p:cTn id="28" fill="hold">
+                      <p:stCondLst>
+                        <p:cond delay="indefinite"/>
+                      </p:stCondLst>
+                      <p:childTnLst>
+                        <p:par>
+                          <p:cTn id="29" fill="hold">
+                            <p:stCondLst>
+                              <p:cond delay="0"/>
+                            </p:stCondLst>
+                            <p:childTnLst>
+                              <p:par>
+                                <p:cTn id="30" presetID="10" presetClass="entr" presetSubtype="0" fill="hold" nodeType="clickEffect">
+                                  <p:stCondLst>
+                                    <p:cond delay="0"/>
+                                  </p:stCondLst>
+                                  <p:childTnLst>
+                                    <p:set>
+                                      <p:cBhvr>
+                                        <p:cTn id="31" dur="1" fill="hold">
+                                          <p:stCondLst>
+                                            <p:cond delay="0"/>
+                                          </p:stCondLst>
+                                        </p:cTn>
+                                        <p:tgtEl>
+                                          <p:spTgt spid="15"/>
+                                        </p:tgtEl>
+                                        <p:attrNameLst>
+                                          <p:attrName>style.visibility</p:attrName>
+                                        </p:attrNameLst>
+                                      </p:cBhvr>
+                                      <p:to>
+                                        <p:strVal val="visible"/>
+                                      </p:to>
+                                    </p:set>
+                                    <p:animEffect transition="in" filter="fade">
+                                      <p:cBhvr>
+                                        <p:cTn id="32" dur="500"/>
+                                        <p:tgtEl>
+                                          <p:spTgt spid="15"/>
+                                        </p:tgtEl>
+                                      </p:cBhvr>
+                                    </p:animEffect>
+                                  </p:childTnLst>
+                                </p:cTn>
+                              </p:par>
+                            </p:childTnLst>
+                          </p:cTn>
+                        </p:par>
+                      </p:childTnLst>
+                    </p:cTn>
+                  </p:par>
+                  <p:par>
+                    <p:cTn id="33" fill="hold">
+                      <p:stCondLst>
+                        <p:cond delay="indefinite"/>
+                      </p:stCondLst>
+                      <p:childTnLst>
+                        <p:par>
+                          <p:cTn id="34" fill="hold">
+                            <p:stCondLst>
+                              <p:cond delay="0"/>
+                            </p:stCondLst>
+                            <p:childTnLst>
+                              <p:par>
+                                <p:cTn id="35" presetID="10" presetClass="entr" presetSubtype="0" fill="hold" nodeType="clickEffect">
+                                  <p:stCondLst>
+                                    <p:cond delay="0"/>
+                                  </p:stCondLst>
+                                  <p:childTnLst>
+                                    <p:set>
+                                      <p:cBhvr>
+                                        <p:cTn id="36" dur="1" fill="hold">
+                                          <p:stCondLst>
+                                            <p:cond delay="0"/>
+                                          </p:stCondLst>
+                                        </p:cTn>
+                                        <p:tgtEl>
+                                          <p:spTgt spid="17"/>
+                                        </p:tgtEl>
+                                        <p:attrNameLst>
+                                          <p:attrName>style.visibility</p:attrName>
+                                        </p:attrNameLst>
+                                      </p:cBhvr>
+                                      <p:to>
+                                        <p:strVal val="visible"/>
+                                      </p:to>
+                                    </p:set>
+                                    <p:animEffect transition="in" filter="fade">
+                                      <p:cBhvr>
+                                        <p:cTn id="37" dur="500"/>
+                                        <p:tgtEl>
+                                          <p:spTgt spid="17"/>
+                                        </p:tgtEl>
+                                      </p:cBhvr>
+                                    </p:animEffect>
+                                  </p:childTnLst>
+                                </p:cTn>
+                              </p:par>
+                            </p:childTnLst>
+                          </p:cTn>
+                        </p:par>
+                      </p:childTnLst>
+                    </p:cTn>
+                  </p:par>
+                </p:childTnLst>
+              </p:cTn>
+              <p:prevCondLst>
+                <p:cond evt="onPrev" delay="0">
+                  <p:tgtEl>
+                    <p:sldTgt/>
+                  </p:tgtEl>
+                </p:cond>
+              </p:prevCondLst>
+              <p:nextCondLst>
+                <p:cond evt="onNext" delay="0">
+                  <p:tgtEl>
+                    <p:sldTgt/>
+                  </p:tgtEl>
+                </p:cond>
+              </p:nextCondLst>
+            </p:seq>
+          </p:childTnLst>
+        </p:cTn>
+      </p:par>
+    </p:tnLst>
+  </p:timing>
 </p:sld>
 </file>
 
@@ -17535,208 +23076,152 @@
           </p:style>
         </p:cxnSp>
       </p:grpSp>
-      <p:grpSp>
-        <p:nvGrpSpPr>
-          <p:cNvPr id="41" name="Grupo 40">
+      <p:sp>
+        <p:nvSpPr>
+          <p:cNvPr id="27" name="object 6">
             <a:extLst>
               <a:ext uri="{FF2B5EF4-FFF2-40B4-BE49-F238E27FC236}">
-                <a16:creationId xmlns:a16="http://schemas.microsoft.com/office/drawing/2014/main" id="{96C56988-82CC-6DD4-1CFD-3EF765D05A57}"/>
+                <a16:creationId xmlns:a16="http://schemas.microsoft.com/office/drawing/2014/main" id="{90248251-55FD-4CAF-89AB-8B894160C9EA}"/>
               </a:ext>
             </a:extLst>
           </p:cNvPr>
-          <p:cNvGrpSpPr/>
+          <p:cNvSpPr txBox="1"/>
           <p:nvPr/>
-        </p:nvGrpSpPr>
-        <p:grpSpPr>
+        </p:nvSpPr>
+        <p:spPr>
           <a:xfrm>
-            <a:off x="5558415" y="1405477"/>
-            <a:ext cx="3108900" cy="1063403"/>
-            <a:chOff x="5558415" y="1405477"/>
-            <a:chExt cx="3108900" cy="1063403"/>
+            <a:off x="6111144" y="2106972"/>
+            <a:ext cx="2050000" cy="1063403"/>
           </a:xfrm>
-        </p:grpSpPr>
-        <p:sp>
-          <p:nvSpPr>
-            <p:cNvPr id="27" name="object 6">
-              <a:extLst>
-                <a:ext uri="{FF2B5EF4-FFF2-40B4-BE49-F238E27FC236}">
-                  <a16:creationId xmlns:a16="http://schemas.microsoft.com/office/drawing/2014/main" id="{90248251-55FD-4CAF-89AB-8B894160C9EA}"/>
-                </a:ext>
-              </a:extLst>
-            </p:cNvPr>
-            <p:cNvSpPr txBox="1"/>
-            <p:nvPr/>
-          </p:nvSpPr>
-          <p:spPr>
-            <a:xfrm>
-              <a:off x="6617315" y="1405477"/>
-              <a:ext cx="2050000" cy="1063403"/>
-            </a:xfrm>
-            <a:prstGeom prst="rect">
-              <a:avLst/>
-            </a:prstGeom>
-          </p:spPr>
-          <p:txBody>
-            <a:bodyPr wrap="square" lIns="0" tIns="0" rIns="0" bIns="0" rtlCol="0">
-              <a:noAutofit/>
-            </a:bodyPr>
-            <a:lstStyle>
-              <a:defPPr>
-                <a:defRPr lang="es-CL"/>
-              </a:defPPr>
-              <a:lvl1pPr marL="57784" marR="13530">
-                <a:lnSpc>
-                  <a:spcPts val="2565"/>
-                </a:lnSpc>
-                <a:spcBef>
-                  <a:spcPts val="128"/>
-                </a:spcBef>
-                <a:defRPr spc="-4">
-                  <a:latin typeface="Arial Narrow" panose="020B0606020202030204" pitchFamily="34" charset="0"/>
-                  <a:cs typeface="Arial Narrow"/>
-                </a:defRPr>
-              </a:lvl1pPr>
-            </a:lstStyle>
-            <a:p>
-              <a:pPr algn="ctr"/>
-              <a:r>
-                <a:rPr lang="es-ES" sz="1400">
-                  <a:solidFill>
-                    <a:schemeClr val="tx1">
-                      <a:lumMod val="75000"/>
-                      <a:lumOff val="25000"/>
-                    </a:schemeClr>
-                  </a:solidFill>
-                </a:rPr>
-                <a:t>Una forma de tazar diamantes implica la consideración del </a:t>
-              </a:r>
-              <a:r>
-                <a:rPr lang="es-ES" sz="1400" b="1">
-                  <a:solidFill>
-                    <a:schemeClr val="tx1">
-                      <a:lumMod val="75000"/>
-                      <a:lumOff val="25000"/>
-                    </a:schemeClr>
-                  </a:solidFill>
-                </a:rPr>
-                <a:t>peso</a:t>
-              </a:r>
-              <a:r>
-                <a:rPr lang="es-ES" sz="1400">
-                  <a:solidFill>
-                    <a:schemeClr val="tx1">
-                      <a:lumMod val="75000"/>
-                      <a:lumOff val="25000"/>
-                    </a:schemeClr>
-                  </a:solidFill>
-                </a:rPr>
-                <a:t>, </a:t>
-              </a:r>
-              <a:r>
-                <a:rPr lang="es-ES" sz="1400" b="1">
-                  <a:solidFill>
-                    <a:schemeClr val="tx1">
-                      <a:lumMod val="75000"/>
-                      <a:lumOff val="25000"/>
-                    </a:schemeClr>
-                  </a:solidFill>
-                </a:rPr>
-                <a:t>claridad</a:t>
-              </a:r>
-              <a:r>
-                <a:rPr lang="es-ES" sz="1400">
-                  <a:solidFill>
-                    <a:schemeClr val="tx1">
-                      <a:lumMod val="75000"/>
-                      <a:lumOff val="25000"/>
-                    </a:schemeClr>
-                  </a:solidFill>
-                </a:rPr>
-                <a:t>, </a:t>
-              </a:r>
-              <a:r>
-                <a:rPr lang="es-ES" sz="1400" b="1">
-                  <a:solidFill>
-                    <a:schemeClr val="tx1">
-                      <a:lumMod val="75000"/>
-                      <a:lumOff val="25000"/>
-                    </a:schemeClr>
-                  </a:solidFill>
-                </a:rPr>
-                <a:t>color</a:t>
-              </a:r>
-              <a:r>
-                <a:rPr lang="es-ES" sz="1400">
-                  <a:solidFill>
-                    <a:schemeClr val="tx1">
-                      <a:lumMod val="75000"/>
-                      <a:lumOff val="25000"/>
-                    </a:schemeClr>
-                  </a:solidFill>
-                </a:rPr>
-                <a:t> y </a:t>
-              </a:r>
-              <a:r>
-                <a:rPr lang="es-ES" sz="1400" b="1">
-                  <a:solidFill>
-                    <a:schemeClr val="tx1">
-                      <a:lumMod val="75000"/>
-                      <a:lumOff val="25000"/>
-                    </a:schemeClr>
-                  </a:solidFill>
-                </a:rPr>
-                <a:t>corte</a:t>
-              </a:r>
-              <a:r>
-                <a:rPr lang="es-ES" sz="1400">
-                  <a:solidFill>
-                    <a:schemeClr val="tx1">
-                      <a:lumMod val="75000"/>
-                      <a:lumOff val="25000"/>
-                    </a:schemeClr>
-                  </a:solidFill>
-                </a:rPr>
-                <a:t> </a:t>
-              </a:r>
-            </a:p>
-          </p:txBody>
-        </p:sp>
-        <p:pic>
-          <p:nvPicPr>
-            <p:cNvPr id="28" name="Gráfico 27">
-              <a:extLst>
-                <a:ext uri="{FF2B5EF4-FFF2-40B4-BE49-F238E27FC236}">
-                  <a16:creationId xmlns:a16="http://schemas.microsoft.com/office/drawing/2014/main" id="{77795404-A2C2-4B03-8F96-7FBA7A67E7DE}"/>
-                </a:ext>
-              </a:extLst>
-            </p:cNvPr>
-            <p:cNvPicPr>
-              <a:picLocks noChangeAspect="1"/>
-            </p:cNvPicPr>
-            <p:nvPr/>
-          </p:nvPicPr>
-          <p:blipFill rotWithShape="1">
-            <a:blip r:embed="rId7">
-              <a:extLst>
-                <a:ext uri="{837473B0-CC2E-450A-ABE3-18F120FF3D39}">
-                  <a1611:picAttrSrcUrl xmlns:a1611="http://schemas.microsoft.com/office/drawing/2016/11/main" r:id="rId8"/>
-                </a:ext>
-              </a:extLst>
-            </a:blip>
-            <a:srcRect l="14742" r="14357"/>
-            <a:stretch/>
-          </p:blipFill>
-          <p:spPr>
-            <a:xfrm>
-              <a:off x="5558415" y="1540793"/>
-              <a:ext cx="1012761" cy="802886"/>
-            </a:xfrm>
-            <a:prstGeom prst="rect">
-              <a:avLst/>
-            </a:prstGeom>
-          </p:spPr>
-        </p:pic>
-      </p:grpSp>
+          <a:prstGeom prst="rect">
+            <a:avLst/>
+          </a:prstGeom>
+        </p:spPr>
+        <p:txBody>
+          <a:bodyPr wrap="square" lIns="0" tIns="0" rIns="0" bIns="0" rtlCol="0">
+            <a:noAutofit/>
+          </a:bodyPr>
+          <a:lstStyle>
+            <a:defPPr>
+              <a:defRPr lang="es-CL"/>
+            </a:defPPr>
+            <a:lvl1pPr marL="57784" marR="13530">
+              <a:lnSpc>
+                <a:spcPts val="2565"/>
+              </a:lnSpc>
+              <a:spcBef>
+                <a:spcPts val="128"/>
+              </a:spcBef>
+              <a:defRPr spc="-4">
+                <a:latin typeface="Arial Narrow" panose="020B0606020202030204" pitchFamily="34" charset="0"/>
+                <a:cs typeface="Arial Narrow"/>
+              </a:defRPr>
+            </a:lvl1pPr>
+          </a:lstStyle>
+          <a:p>
+            <a:pPr algn="ctr"/>
+            <a:r>
+              <a:rPr lang="es-ES" sz="1400">
+                <a:solidFill>
+                  <a:schemeClr val="tx1">
+                    <a:lumMod val="75000"/>
+                    <a:lumOff val="25000"/>
+                  </a:schemeClr>
+                </a:solidFill>
+              </a:rPr>
+              <a:t>Una forma de tazar diamantes implica la consideración del </a:t>
+            </a:r>
+            <a:r>
+              <a:rPr lang="es-ES" sz="1400" b="1">
+                <a:solidFill>
+                  <a:schemeClr val="tx1">
+                    <a:lumMod val="75000"/>
+                    <a:lumOff val="25000"/>
+                  </a:schemeClr>
+                </a:solidFill>
+              </a:rPr>
+              <a:t>peso</a:t>
+            </a:r>
+            <a:r>
+              <a:rPr lang="es-ES" sz="1400">
+                <a:solidFill>
+                  <a:schemeClr val="tx1">
+                    <a:lumMod val="75000"/>
+                    <a:lumOff val="25000"/>
+                  </a:schemeClr>
+                </a:solidFill>
+              </a:rPr>
+              <a:t>, </a:t>
+            </a:r>
+            <a:r>
+              <a:rPr lang="es-ES" sz="1400" b="1">
+                <a:solidFill>
+                  <a:schemeClr val="tx1">
+                    <a:lumMod val="75000"/>
+                    <a:lumOff val="25000"/>
+                  </a:schemeClr>
+                </a:solidFill>
+              </a:rPr>
+              <a:t>claridad</a:t>
+            </a:r>
+            <a:r>
+              <a:rPr lang="es-ES" sz="1400">
+                <a:solidFill>
+                  <a:schemeClr val="tx1">
+                    <a:lumMod val="75000"/>
+                    <a:lumOff val="25000"/>
+                  </a:schemeClr>
+                </a:solidFill>
+              </a:rPr>
+              <a:t>, </a:t>
+            </a:r>
+            <a:r>
+              <a:rPr lang="es-ES" sz="1400" b="1">
+                <a:solidFill>
+                  <a:schemeClr val="tx1">
+                    <a:lumMod val="75000"/>
+                    <a:lumOff val="25000"/>
+                  </a:schemeClr>
+                </a:solidFill>
+              </a:rPr>
+              <a:t>color</a:t>
+            </a:r>
+            <a:r>
+              <a:rPr lang="es-ES" sz="1400">
+                <a:solidFill>
+                  <a:schemeClr val="tx1">
+                    <a:lumMod val="75000"/>
+                    <a:lumOff val="25000"/>
+                  </a:schemeClr>
+                </a:solidFill>
+              </a:rPr>
+              <a:t> y </a:t>
+            </a:r>
+            <a:r>
+              <a:rPr lang="es-ES" sz="1400" b="1">
+                <a:solidFill>
+                  <a:schemeClr val="tx1">
+                    <a:lumMod val="75000"/>
+                    <a:lumOff val="25000"/>
+                  </a:schemeClr>
+                </a:solidFill>
+              </a:rPr>
+              <a:t>corte</a:t>
+            </a:r>
+            <a:r>
+              <a:rPr lang="es-ES" sz="1400">
+                <a:solidFill>
+                  <a:schemeClr val="tx1">
+                    <a:lumMod val="75000"/>
+                    <a:lumOff val="25000"/>
+                  </a:schemeClr>
+                </a:solidFill>
+              </a:rPr>
+              <a:t> </a:t>
+            </a:r>
+          </a:p>
+        </p:txBody>
+      </p:sp>
       <p:grpSp>
         <p:nvGrpSpPr>
           <p:cNvPr id="4" name="Grupo 3">
@@ -18094,7 +23579,7 @@
                     <a:latin typeface="Arial" panose="020B0604020202020204" pitchFamily="34" charset="0"/>
                     <a:cs typeface="Arial" panose="020B0604020202020204" pitchFamily="34" charset="0"/>
                   </a:rPr>
-                  <a:t>corte</a:t>
+                  <a:t>talla</a:t>
                 </a:r>
                 <a:endParaRPr kumimoji="0" lang="es-CL" sz="3600" b="1" i="0" u="none" strike="noStrike" kern="1200" cap="none" spc="0" normalizeH="0" baseline="0" noProof="0">
                   <a:ln>
@@ -19741,6 +25226,36 @@
           </p:txBody>
         </p:sp>
       </p:grpSp>
+      <p:pic>
+        <p:nvPicPr>
+          <p:cNvPr id="31" name="Picture 30">
+            <a:extLst>
+              <a:ext uri="{FF2B5EF4-FFF2-40B4-BE49-F238E27FC236}">
+                <a16:creationId xmlns:a16="http://schemas.microsoft.com/office/drawing/2014/main" id="{FB79B334-1684-865C-A78E-B8E6441643FA}"/>
+              </a:ext>
+            </a:extLst>
+          </p:cNvPr>
+          <p:cNvPicPr>
+            <a:picLocks noChangeAspect="1"/>
+          </p:cNvPicPr>
+          <p:nvPr/>
+        </p:nvPicPr>
+        <p:blipFill>
+          <a:blip r:embed="rId7"/>
+          <a:stretch>
+            <a:fillRect/>
+          </a:stretch>
+        </p:blipFill>
+        <p:spPr>
+          <a:xfrm>
+            <a:off x="5579009" y="3308042"/>
+            <a:ext cx="3114271" cy="2527185"/>
+          </a:xfrm>
+          <a:prstGeom prst="rect">
+            <a:avLst/>
+          </a:prstGeom>
+        </p:spPr>
+      </p:pic>
     </p:spTree>
     <p:extLst>
       <p:ext uri="{BB962C8B-B14F-4D97-AF65-F5344CB8AC3E}">
@@ -19901,7 +25416,7 @@
               </a:spcBef>
             </a:pPr>
             <a:r>
-              <a:rPr lang="es-CL" sz="1500">
+              <a:rPr lang="es-CL" sz="1400">
                 <a:solidFill>
                   <a:schemeClr val="tx1">
                     <a:lumMod val="75000"/>
@@ -19913,7 +25428,7 @@
               </a:rPr>
               <a:t>Los datos presentados corresponden a un listado de precios y catalogación de diamantes en un mercado en particular.</a:t>
             </a:r>
-            <a:endParaRPr lang="en-US" sz="1500">
+            <a:endParaRPr lang="en-US" sz="1400">
               <a:solidFill>
                 <a:schemeClr val="tx1">
                   <a:lumMod val="75000"/>
@@ -19940,8 +25455,8 @@
         </p:nvSpPr>
         <p:spPr>
           <a:xfrm>
-            <a:off x="4811336" y="1716908"/>
-            <a:ext cx="3984938" cy="690041"/>
+            <a:off x="4838713" y="1593710"/>
+            <a:ext cx="3984938" cy="1373503"/>
           </a:xfrm>
           <a:prstGeom prst="rect">
             <a:avLst/>
@@ -19969,7 +25484,7 @@
             </a:lvl1pPr>
           </a:lstStyle>
           <a:p>
-            <a:pPr marL="57150" marR="13335"/>
+            <a:pPr marL="57150" marR="13335" algn="just"/>
             <a:r>
               <a:rPr lang="es-ES" sz="1500">
                 <a:solidFill>
@@ -19980,10 +25495,10 @@
                 </a:solidFill>
                 <a:latin typeface="Arial Narrow"/>
               </a:rPr>
-              <a:t>Objetivo general: Extraer </a:t>
+              <a:t>Objetivo general: </a:t>
             </a:r>
             <a:r>
-              <a:rPr lang="es-ES" sz="1500" err="1">
+              <a:rPr lang="es-ES" sz="1400">
                 <a:solidFill>
                   <a:schemeClr val="tx1">
                     <a:lumMod val="75000"/>
@@ -19992,67 +25507,7 @@
                 </a:solidFill>
                 <a:latin typeface="Arial Narrow"/>
               </a:rPr>
-              <a:t>informacion</a:t>
-            </a:r>
-            <a:r>
-              <a:rPr lang="es-ES" sz="1500">
-                <a:solidFill>
-                  <a:schemeClr val="tx1">
-                    <a:lumMod val="75000"/>
-                    <a:lumOff val="25000"/>
-                  </a:schemeClr>
-                </a:solidFill>
-                <a:latin typeface="Arial Narrow"/>
-              </a:rPr>
-              <a:t> sobre la </a:t>
-            </a:r>
-            <a:r>
-              <a:rPr lang="es-ES" sz="1500" err="1">
-                <a:solidFill>
-                  <a:schemeClr val="tx1">
-                    <a:lumMod val="75000"/>
-                    <a:lumOff val="25000"/>
-                  </a:schemeClr>
-                </a:solidFill>
-                <a:latin typeface="Arial Narrow"/>
-              </a:rPr>
-              <a:t>produccion</a:t>
-            </a:r>
-            <a:r>
-              <a:rPr lang="es-ES" sz="1500">
-                <a:solidFill>
-                  <a:schemeClr val="tx1">
-                    <a:lumMod val="75000"/>
-                    <a:lumOff val="25000"/>
-                  </a:schemeClr>
-                </a:solidFill>
-                <a:latin typeface="Arial Narrow"/>
-              </a:rPr>
-              <a:t> de diamantes para poder generar decisiones </a:t>
-            </a:r>
-            <a:r>
-              <a:rPr lang="es-ES" sz="1500" err="1">
-                <a:solidFill>
-                  <a:schemeClr val="tx1">
-                    <a:lumMod val="75000"/>
-                    <a:lumOff val="25000"/>
-                  </a:schemeClr>
-                </a:solidFill>
-                <a:latin typeface="Arial Narrow"/>
-              </a:rPr>
-              <a:t>estrategicas</a:t>
-            </a:r>
-            <a:r>
-              <a:rPr lang="es-ES" sz="1500">
-                <a:solidFill>
-                  <a:schemeClr val="tx1">
-                    <a:lumMod val="75000"/>
-                    <a:lumOff val="25000"/>
-                  </a:schemeClr>
-                </a:solidFill>
-                <a:latin typeface="Arial Narrow"/>
-              </a:rPr>
-              <a:t> que nos ayuden a determinar el mejor precio posible para cada diamante.</a:t>
+              <a:t>Analizar y extraer información significativa sobre los diamantes considerando sus características con el fin de tomar decisiones estratégicas para definir el mejor precio posible.</a:t>
             </a:r>
             <a:endParaRPr lang="en-US" sz="1500">
               <a:solidFill>
@@ -20080,8 +25535,8 @@
         </p:nvSpPr>
         <p:spPr>
           <a:xfrm>
-            <a:off x="4790024" y="3312689"/>
-            <a:ext cx="4077750" cy="1430661"/>
+            <a:off x="4762647" y="2970473"/>
+            <a:ext cx="4269391" cy="3797974"/>
           </a:xfrm>
           <a:prstGeom prst="rect">
             <a:avLst/>
@@ -20125,9 +25580,9 @@
             </a:endParaRPr>
           </a:p>
           <a:p>
-            <a:pPr marL="342900" marR="13335" indent="-285750">
+            <a:pPr marL="342900" marR="13335" indent="-285750" algn="just">
               <a:lnSpc>
-                <a:spcPts val="2565"/>
+                <a:spcPct val="150000"/>
               </a:lnSpc>
               <a:spcBef>
                 <a:spcPts val="128"/>
@@ -20161,9 +25616,9 @@
             </a:endParaRPr>
           </a:p>
           <a:p>
-            <a:pPr marL="342900" marR="13335" indent="-285750" defTabSz="914400">
+            <a:pPr marL="342900" marR="13335" indent="-285750" algn="just">
               <a:lnSpc>
-                <a:spcPts val="2565"/>
+                <a:spcPct val="150000"/>
               </a:lnSpc>
               <a:spcBef>
                 <a:spcPts val="128"/>
@@ -20180,15 +25635,16 @@
                   </a:schemeClr>
                 </a:solidFill>
                 <a:latin typeface="Arial Narrow"/>
-                <a:cs typeface="Arial Narrow"/>
+                <a:ea typeface="+mn-lt"/>
+                <a:cs typeface="+mn-lt"/>
               </a:rPr>
-              <a:t>Obtener correlación de variables para predecir el precio</a:t>
+              <a:t>Identificar las relaciones las variables  y su grado de correlación para definir patrones predictivos.</a:t>
             </a:r>
           </a:p>
           <a:p>
-            <a:pPr marL="342900" marR="13335" indent="-285750" defTabSz="914400">
+            <a:pPr marL="342900" marR="13335" indent="-285750" algn="just">
               <a:lnSpc>
-                <a:spcPts val="2565"/>
+                <a:spcPct val="150000"/>
               </a:lnSpc>
               <a:spcBef>
                 <a:spcPts val="128"/>
@@ -20205,9 +25661,10 @@
                   </a:schemeClr>
                 </a:solidFill>
                 <a:latin typeface="Arial Narrow"/>
-                <a:cs typeface="Arial Narrow"/>
+                <a:ea typeface="+mn-lt"/>
+                <a:cs typeface="+mn-lt"/>
               </a:rPr>
-              <a:t>Detección y tratamiento de los datos atípicos.</a:t>
+              <a:t>Representación del comportamiento de los datos mediante gráficos de modelos estadísticos</a:t>
             </a:r>
           </a:p>
         </p:txBody>
@@ -20226,8 +25683,8 @@
         </p:nvSpPr>
         <p:spPr>
           <a:xfrm>
-            <a:off x="4810680" y="5072346"/>
-            <a:ext cx="4043373" cy="1753557"/>
+            <a:off x="4782259" y="5090754"/>
+            <a:ext cx="4269391" cy="1767246"/>
           </a:xfrm>
           <a:prstGeom prst="rect">
             <a:avLst/>
@@ -20255,8 +25712,11 @@
             </a:lvl1pPr>
           </a:lstStyle>
           <a:p>
-            <a:pPr marL="342900" marR="13335" indent="-285750">
-              <a:buFont typeface="Arial,Sans-Serif" panose="020B0604020202020204" pitchFamily="34" charset="0"/>
+            <a:pPr marL="228600" marR="13335" indent="-171450">
+              <a:lnSpc>
+                <a:spcPct val="150000"/>
+              </a:lnSpc>
+              <a:buFont typeface="Arial" panose="020B0604020202020204" pitchFamily="34" charset="0"/>
               <a:buChar char="•"/>
             </a:pPr>
             <a:r>
@@ -20271,15 +25731,12 @@
               </a:rPr>
               <a:t>Encontrar combinación de aspectos que nos dé el mejor precio.</a:t>
             </a:r>
-            <a:endParaRPr lang="es-ES" sz="1200">
-              <a:solidFill>
-                <a:srgbClr val="000000"/>
-              </a:solidFill>
-              <a:latin typeface="Arial Narrow"/>
-            </a:endParaRPr>
           </a:p>
           <a:p>
             <a:pPr marL="342900" marR="13335" indent="-285750">
+              <a:lnSpc>
+                <a:spcPct val="150000"/>
+              </a:lnSpc>
               <a:buFont typeface="Arial,Sans-Serif" panose="020B0604020202020204" pitchFamily="34" charset="0"/>
               <a:buChar char="•"/>
             </a:pPr>
@@ -20297,12 +25754,18 @@
             </a:r>
             <a:endParaRPr lang="en-US" sz="1200">
               <a:solidFill>
-                <a:srgbClr val="000000"/>
+                <a:schemeClr val="tx1">
+                  <a:lumMod val="75000"/>
+                  <a:lumOff val="25000"/>
+                </a:schemeClr>
               </a:solidFill>
             </a:endParaRPr>
           </a:p>
           <a:p>
             <a:pPr marL="342900" marR="13335" indent="-285750">
+              <a:lnSpc>
+                <a:spcPct val="150000"/>
+              </a:lnSpc>
               <a:buFont typeface="Arial,Sans-Serif" panose="020B0604020202020204" pitchFamily="34" charset="0"/>
               <a:buChar char="•"/>
             </a:pPr>
@@ -20320,7 +25783,62 @@
             </a:r>
             <a:endParaRPr lang="en-US" sz="1200">
               <a:solidFill>
-                <a:srgbClr val="000000"/>
+                <a:schemeClr val="tx1">
+                  <a:lumMod val="75000"/>
+                  <a:lumOff val="25000"/>
+                </a:schemeClr>
+              </a:solidFill>
+            </a:endParaRPr>
+          </a:p>
+          <a:p>
+            <a:pPr marL="342900" marR="13335" indent="-285750">
+              <a:lnSpc>
+                <a:spcPct val="150000"/>
+              </a:lnSpc>
+              <a:buFont typeface="Arial,Sans-Serif" panose="020B0604020202020204" pitchFamily="34" charset="0"/>
+              <a:buChar char="•"/>
+            </a:pPr>
+            <a:r>
+              <a:rPr lang="es-ES" sz="1200">
+                <a:solidFill>
+                  <a:schemeClr val="tx1">
+                    <a:lumMod val="75000"/>
+                    <a:lumOff val="25000"/>
+                  </a:schemeClr>
+                </a:solidFill>
+                <a:latin typeface="Arial Narrow"/>
+              </a:rPr>
+              <a:t>Desarrollar un modelo de regresión que prediga el precio de los</a:t>
+            </a:r>
+            <a:br>
+              <a:rPr lang="es-ES" sz="1200">
+                <a:solidFill>
+                  <a:schemeClr val="tx1">
+                    <a:lumMod val="75000"/>
+                    <a:lumOff val="25000"/>
+                  </a:schemeClr>
+                </a:solidFill>
+                <a:latin typeface="Arial Narrow"/>
+              </a:rPr>
+            </a:br>
+            <a:r>
+              <a:rPr lang="es-ES" sz="1200">
+                <a:solidFill>
+                  <a:schemeClr val="tx1">
+                    <a:lumMod val="75000"/>
+                    <a:lumOff val="25000"/>
+                  </a:schemeClr>
+                </a:solidFill>
+                <a:latin typeface="Arial Narrow"/>
+              </a:rPr>
+              <a:t>diamantes.</a:t>
+            </a:r>
+            <a:endParaRPr lang="es-ES" sz="1200">
+              <a:solidFill>
+                <a:schemeClr val="tx1">
+                  <a:lumMod val="75000"/>
+                  <a:lumOff val="25000"/>
+                </a:schemeClr>
               </a:solidFill>
             </a:endParaRPr>
           </a:p>
@@ -20406,7 +25924,7 @@
         </p:nvSpPr>
         <p:spPr>
           <a:xfrm flipV="1">
-            <a:off x="4782947" y="5026626"/>
+            <a:off x="4782260" y="5029565"/>
             <a:ext cx="3988005" cy="45719"/>
           </a:xfrm>
           <a:prstGeom prst="rect">
@@ -20458,7 +25976,7 @@
         </p:nvSpPr>
         <p:spPr>
           <a:xfrm flipV="1">
-            <a:off x="4768570" y="2533740"/>
+            <a:off x="4782259" y="2967213"/>
             <a:ext cx="3988006" cy="45719"/>
           </a:xfrm>
           <a:prstGeom prst="rect">
@@ -22173,6 +27691,183 @@
           </a:graphicData>
         </a:graphic>
       </p:graphicFrame>
+      <p:sp>
+        <p:nvSpPr>
+          <p:cNvPr id="14" name="Elipse 13">
+            <a:extLst>
+              <a:ext uri="{FF2B5EF4-FFF2-40B4-BE49-F238E27FC236}">
+                <a16:creationId xmlns:a16="http://schemas.microsoft.com/office/drawing/2014/main" id="{19531029-C944-4C26-A13D-D31F15121330}"/>
+              </a:ext>
+            </a:extLst>
+          </p:cNvPr>
+          <p:cNvSpPr/>
+          <p:nvPr/>
+        </p:nvSpPr>
+        <p:spPr>
+          <a:xfrm>
+            <a:off x="5943600" y="1896444"/>
+            <a:ext cx="387350" cy="381120"/>
+          </a:xfrm>
+          <a:prstGeom prst="ellipse">
+            <a:avLst/>
+          </a:prstGeom>
+          <a:solidFill>
+            <a:srgbClr val="E71224">
+              <a:alpha val="5000"/>
+            </a:srgbClr>
+          </a:solidFill>
+          <a:ln w="18000">
+            <a:solidFill>
+              <a:srgbClr val="E71224"/>
+            </a:solidFill>
+          </a:ln>
+        </p:spPr>
+        <p:style>
+          <a:lnRef idx="2">
+            <a:schemeClr val="accent1">
+              <a:shade val="15000"/>
+            </a:schemeClr>
+          </a:lnRef>
+          <a:fillRef idx="1">
+            <a:schemeClr val="accent1"/>
+          </a:fillRef>
+          <a:effectRef idx="0">
+            <a:schemeClr val="accent1"/>
+          </a:effectRef>
+          <a:fontRef idx="minor">
+            <a:schemeClr val="lt1"/>
+          </a:fontRef>
+        </p:style>
+        <p:txBody>
+          <a:bodyPr wrap="none" rtlCol="0" anchor="ctr" anchorCtr="1"/>
+          <a:lstStyle/>
+          <a:p>
+            <a:endParaRPr lang="pt-BR">
+              <a:solidFill>
+                <a:srgbClr val="E71224"/>
+              </a:solidFill>
+            </a:endParaRPr>
+          </a:p>
+        </p:txBody>
+      </p:sp>
+      <p:sp>
+        <p:nvSpPr>
+          <p:cNvPr id="9" name="Elipse 8">
+            <a:extLst>
+              <a:ext uri="{FF2B5EF4-FFF2-40B4-BE49-F238E27FC236}">
+                <a16:creationId xmlns:a16="http://schemas.microsoft.com/office/drawing/2014/main" id="{4F873072-B6C5-5453-4110-E1EB9A1C1F15}"/>
+              </a:ext>
+            </a:extLst>
+          </p:cNvPr>
+          <p:cNvSpPr/>
+          <p:nvPr/>
+        </p:nvSpPr>
+        <p:spPr>
+          <a:xfrm>
+            <a:off x="6788812" y="1896444"/>
+            <a:ext cx="387350" cy="381120"/>
+          </a:xfrm>
+          <a:prstGeom prst="ellipse">
+            <a:avLst/>
+          </a:prstGeom>
+          <a:solidFill>
+            <a:srgbClr val="E71224">
+              <a:alpha val="5000"/>
+            </a:srgbClr>
+          </a:solidFill>
+          <a:ln w="18000">
+            <a:solidFill>
+              <a:srgbClr val="E71224"/>
+            </a:solidFill>
+          </a:ln>
+        </p:spPr>
+        <p:style>
+          <a:lnRef idx="2">
+            <a:schemeClr val="accent1">
+              <a:shade val="15000"/>
+            </a:schemeClr>
+          </a:lnRef>
+          <a:fillRef idx="1">
+            <a:schemeClr val="accent1"/>
+          </a:fillRef>
+          <a:effectRef idx="0">
+            <a:schemeClr val="accent1"/>
+          </a:effectRef>
+          <a:fontRef idx="minor">
+            <a:schemeClr val="lt1"/>
+          </a:fontRef>
+        </p:style>
+        <p:txBody>
+          <a:bodyPr wrap="none" rtlCol="0" anchor="ctr" anchorCtr="1"/>
+          <a:lstStyle/>
+          <a:p>
+            <a:endParaRPr lang="pt-BR">
+              <a:solidFill>
+                <a:srgbClr val="E71224"/>
+              </a:solidFill>
+            </a:endParaRPr>
+          </a:p>
+        </p:txBody>
+      </p:sp>
+      <p:sp>
+        <p:nvSpPr>
+          <p:cNvPr id="10" name="Elipse 9">
+            <a:extLst>
+              <a:ext uri="{FF2B5EF4-FFF2-40B4-BE49-F238E27FC236}">
+                <a16:creationId xmlns:a16="http://schemas.microsoft.com/office/drawing/2014/main" id="{EEBF8908-0BFD-35F1-AA06-AE0BC5CC87D9}"/>
+              </a:ext>
+            </a:extLst>
+          </p:cNvPr>
+          <p:cNvSpPr/>
+          <p:nvPr/>
+        </p:nvSpPr>
+        <p:spPr>
+          <a:xfrm>
+            <a:off x="7627012" y="1896444"/>
+            <a:ext cx="387350" cy="381120"/>
+          </a:xfrm>
+          <a:prstGeom prst="ellipse">
+            <a:avLst/>
+          </a:prstGeom>
+          <a:solidFill>
+            <a:srgbClr val="E71224">
+              <a:alpha val="5000"/>
+            </a:srgbClr>
+          </a:solidFill>
+          <a:ln w="18000">
+            <a:solidFill>
+              <a:srgbClr val="E71224"/>
+            </a:solidFill>
+          </a:ln>
+        </p:spPr>
+        <p:style>
+          <a:lnRef idx="2">
+            <a:schemeClr val="accent1">
+              <a:shade val="15000"/>
+            </a:schemeClr>
+          </a:lnRef>
+          <a:fillRef idx="1">
+            <a:schemeClr val="accent1"/>
+          </a:fillRef>
+          <a:effectRef idx="0">
+            <a:schemeClr val="accent1"/>
+          </a:effectRef>
+          <a:fontRef idx="minor">
+            <a:schemeClr val="lt1"/>
+          </a:fontRef>
+        </p:style>
+        <p:txBody>
+          <a:bodyPr wrap="none" rtlCol="0" anchor="ctr" anchorCtr="1"/>
+          <a:lstStyle/>
+          <a:p>
+            <a:endParaRPr lang="pt-BR">
+              <a:solidFill>
+                <a:srgbClr val="E71224"/>
+              </a:solidFill>
+            </a:endParaRPr>
+          </a:p>
+        </p:txBody>
+      </p:sp>
     </p:spTree>
     <p:extLst>
       <p:ext uri="{BB962C8B-B14F-4D97-AF65-F5344CB8AC3E}">
@@ -22183,6 +27878,164 @@
   <p:clrMapOvr>
     <a:masterClrMapping/>
   </p:clrMapOvr>
+  <p:timing>
+    <p:tnLst>
+      <p:par>
+        <p:cTn id="1" dur="indefinite" restart="never" nodeType="tmRoot">
+          <p:childTnLst>
+            <p:seq concurrent="1" nextAc="seek">
+              <p:cTn id="2" dur="indefinite" nodeType="mainSeq">
+                <p:childTnLst>
+                  <p:par>
+                    <p:cTn id="3" fill="hold">
+                      <p:stCondLst>
+                        <p:cond delay="indefinite"/>
+                      </p:stCondLst>
+                      <p:childTnLst>
+                        <p:par>
+                          <p:cTn id="4" fill="hold">
+                            <p:stCondLst>
+                              <p:cond delay="0"/>
+                            </p:stCondLst>
+                            <p:childTnLst>
+                              <p:par>
+                                <p:cTn id="5" presetID="21" presetClass="entr" presetSubtype="1" fill="hold" grpId="0" nodeType="clickEffect">
+                                  <p:stCondLst>
+                                    <p:cond delay="0"/>
+                                  </p:stCondLst>
+                                  <p:childTnLst>
+                                    <p:set>
+                                      <p:cBhvr>
+                                        <p:cTn id="6" dur="1" fill="hold">
+                                          <p:stCondLst>
+                                            <p:cond delay="0"/>
+                                          </p:stCondLst>
+                                        </p:cTn>
+                                        <p:tgtEl>
+                                          <p:spTgt spid="14"/>
+                                        </p:tgtEl>
+                                        <p:attrNameLst>
+                                          <p:attrName>style.visibility</p:attrName>
+                                        </p:attrNameLst>
+                                      </p:cBhvr>
+                                      <p:to>
+                                        <p:strVal val="visible"/>
+                                      </p:to>
+                                    </p:set>
+                                    <p:animEffect transition="in" filter="wheel(1)">
+                                      <p:cBhvr>
+                                        <p:cTn id="7" dur="2000"/>
+                                        <p:tgtEl>
+                                          <p:spTgt spid="14"/>
+                                        </p:tgtEl>
+                                      </p:cBhvr>
+                                    </p:animEffect>
+                                  </p:childTnLst>
+                                </p:cTn>
+                              </p:par>
+                              <p:par>
+                                <p:cTn id="8" presetID="21" presetClass="entr" presetSubtype="1" fill="hold" grpId="0" nodeType="withEffect">
+                                  <p:stCondLst>
+                                    <p:cond delay="0"/>
+                                  </p:stCondLst>
+                                  <p:childTnLst>
+                                    <p:set>
+                                      <p:cBhvr>
+                                        <p:cTn id="9" dur="1" fill="hold">
+                                          <p:stCondLst>
+                                            <p:cond delay="0"/>
+                                          </p:stCondLst>
+                                        </p:cTn>
+                                        <p:tgtEl>
+                                          <p:spTgt spid="9"/>
+                                        </p:tgtEl>
+                                        <p:attrNameLst>
+                                          <p:attrName>style.visibility</p:attrName>
+                                        </p:attrNameLst>
+                                      </p:cBhvr>
+                                      <p:to>
+                                        <p:strVal val="visible"/>
+                                      </p:to>
+                                    </p:set>
+                                    <p:animEffect transition="in" filter="wheel(1)">
+                                      <p:cBhvr>
+                                        <p:cTn id="10" dur="2000"/>
+                                        <p:tgtEl>
+                                          <p:spTgt spid="9"/>
+                                        </p:tgtEl>
+                                      </p:cBhvr>
+                                    </p:animEffect>
+                                  </p:childTnLst>
+                                </p:cTn>
+                              </p:par>
+                              <p:par>
+                                <p:cTn id="11" presetID="21" presetClass="entr" presetSubtype="1" fill="hold" grpId="0" nodeType="withEffect">
+                                  <p:stCondLst>
+                                    <p:cond delay="0"/>
+                                  </p:stCondLst>
+                                  <p:childTnLst>
+                                    <p:set>
+                                      <p:cBhvr>
+                                        <p:cTn id="12" dur="1" fill="hold">
+                                          <p:stCondLst>
+                                            <p:cond delay="0"/>
+                                          </p:stCondLst>
+                                        </p:cTn>
+                                        <p:tgtEl>
+                                          <p:spTgt spid="10"/>
+                                        </p:tgtEl>
+                                        <p:attrNameLst>
+                                          <p:attrName>style.visibility</p:attrName>
+                                        </p:attrNameLst>
+                                      </p:cBhvr>
+                                      <p:to>
+                                        <p:strVal val="visible"/>
+                                      </p:to>
+                                    </p:set>
+                                    <p:animEffect transition="in" filter="wheel(1)">
+                                      <p:cBhvr>
+                                        <p:cTn id="13" dur="2000"/>
+                                        <p:tgtEl>
+                                          <p:spTgt spid="10"/>
+                                        </p:tgtEl>
+                                      </p:cBhvr>
+                                    </p:animEffect>
+                                  </p:childTnLst>
+                                </p:cTn>
+                              </p:par>
+                            </p:childTnLst>
+                          </p:cTn>
+                        </p:par>
+                      </p:childTnLst>
+                    </p:cTn>
+                  </p:par>
+                </p:childTnLst>
+              </p:cTn>
+              <p:prevCondLst>
+                <p:cond evt="onPrev" delay="0">
+                  <p:tgtEl>
+                    <p:sldTgt/>
+                  </p:tgtEl>
+                </p:cond>
+              </p:prevCondLst>
+              <p:nextCondLst>
+                <p:cond evt="onNext" delay="0">
+                  <p:tgtEl>
+                    <p:sldTgt/>
+                  </p:tgtEl>
+                </p:cond>
+              </p:nextCondLst>
+            </p:seq>
+          </p:childTnLst>
+        </p:cTn>
+      </p:par>
+    </p:tnLst>
+    <p:bldLst>
+      <p:bldP spid="14" grpId="0" animBg="1"/>
+      <p:bldP spid="9" grpId="0" animBg="1"/>
+      <p:bldP spid="10" grpId="0" animBg="1"/>
+    </p:bldLst>
+  </p:timing>
 </p:sld>
 </file>
 
